--- a/Syllabus/Lecture05/Lec05.pptx
+++ b/Syllabus/Lecture05/Lec05.pptx
@@ -5,39 +5,37 @@
     <p:sldMasterId id="2147483664" r:id="rId1"/>
   </p:sldMasterIdLst>
   <p:notesMasterIdLst>
-    <p:notesMasterId r:id="rId29"/>
+    <p:notesMasterId r:id="rId27"/>
   </p:notesMasterIdLst>
   <p:handoutMasterIdLst>
-    <p:handoutMasterId r:id="rId30"/>
+    <p:handoutMasterId r:id="rId28"/>
   </p:handoutMasterIdLst>
   <p:sldIdLst>
     <p:sldId id="266" r:id="rId2"/>
-    <p:sldId id="293" r:id="rId3"/>
-    <p:sldId id="298" r:id="rId4"/>
-    <p:sldId id="329" r:id="rId5"/>
-    <p:sldId id="326" r:id="rId6"/>
-    <p:sldId id="328" r:id="rId7"/>
-    <p:sldId id="354" r:id="rId8"/>
-    <p:sldId id="313" r:id="rId9"/>
-    <p:sldId id="330" r:id="rId10"/>
-    <p:sldId id="331" r:id="rId11"/>
-    <p:sldId id="334" r:id="rId12"/>
-    <p:sldId id="335" r:id="rId13"/>
-    <p:sldId id="336" r:id="rId14"/>
-    <p:sldId id="337" r:id="rId15"/>
-    <p:sldId id="338" r:id="rId16"/>
-    <p:sldId id="339" r:id="rId17"/>
-    <p:sldId id="340" r:id="rId18"/>
-    <p:sldId id="341" r:id="rId19"/>
-    <p:sldId id="351" r:id="rId20"/>
-    <p:sldId id="342" r:id="rId21"/>
-    <p:sldId id="343" r:id="rId22"/>
-    <p:sldId id="345" r:id="rId23"/>
-    <p:sldId id="346" r:id="rId24"/>
-    <p:sldId id="352" r:id="rId25"/>
-    <p:sldId id="348" r:id="rId26"/>
-    <p:sldId id="349" r:id="rId27"/>
-    <p:sldId id="290" r:id="rId28"/>
+    <p:sldId id="298" r:id="rId3"/>
+    <p:sldId id="326" r:id="rId4"/>
+    <p:sldId id="328" r:id="rId5"/>
+    <p:sldId id="354" r:id="rId6"/>
+    <p:sldId id="313" r:id="rId7"/>
+    <p:sldId id="330" r:id="rId8"/>
+    <p:sldId id="331" r:id="rId9"/>
+    <p:sldId id="334" r:id="rId10"/>
+    <p:sldId id="335" r:id="rId11"/>
+    <p:sldId id="336" r:id="rId12"/>
+    <p:sldId id="337" r:id="rId13"/>
+    <p:sldId id="338" r:id="rId14"/>
+    <p:sldId id="339" r:id="rId15"/>
+    <p:sldId id="340" r:id="rId16"/>
+    <p:sldId id="341" r:id="rId17"/>
+    <p:sldId id="351" r:id="rId18"/>
+    <p:sldId id="342" r:id="rId19"/>
+    <p:sldId id="343" r:id="rId20"/>
+    <p:sldId id="345" r:id="rId21"/>
+    <p:sldId id="346" r:id="rId22"/>
+    <p:sldId id="352" r:id="rId23"/>
+    <p:sldId id="348" r:id="rId24"/>
+    <p:sldId id="349" r:id="rId25"/>
+    <p:sldId id="290" r:id="rId26"/>
   </p:sldIdLst>
   <p:sldSz cx="12192000" cy="6858000"/>
   <p:notesSz cx="6858000" cy="9144000"/>
@@ -142,9 +140,7 @@
         <p14:section name="Default Section" id="{EC0E3563-C2AF-044A-8D9B-13463D2643B3}">
           <p14:sldIdLst>
             <p14:sldId id="266"/>
-            <p14:sldId id="293"/>
             <p14:sldId id="298"/>
-            <p14:sldId id="329"/>
             <p14:sldId id="326"/>
             <p14:sldId id="328"/>
             <p14:sldId id="354"/>
@@ -942,7 +938,7 @@
     </p:spTree>
     <p:extLst>
       <p:ext uri="{BB962C8B-B14F-4D97-AF65-F5344CB8AC3E}">
-        <p14:creationId xmlns:p14="http://schemas.microsoft.com/office/powerpoint/2010/main" val="3442472599"/>
+        <p14:creationId xmlns:p14="http://schemas.microsoft.com/office/powerpoint/2010/main" val="992455146"/>
       </p:ext>
     </p:extLst>
   </p:cSld>
@@ -1054,7 +1050,7 @@
     </p:spTree>
     <p:extLst>
       <p:ext uri="{BB962C8B-B14F-4D97-AF65-F5344CB8AC3E}">
-        <p14:creationId xmlns:p14="http://schemas.microsoft.com/office/powerpoint/2010/main" val="992455146"/>
+        <p14:creationId xmlns:p14="http://schemas.microsoft.com/office/powerpoint/2010/main" val="425333550"/>
       </p:ext>
     </p:extLst>
   </p:cSld>
@@ -1166,7 +1162,7 @@
     </p:spTree>
     <p:extLst>
       <p:ext uri="{BB962C8B-B14F-4D97-AF65-F5344CB8AC3E}">
-        <p14:creationId xmlns:p14="http://schemas.microsoft.com/office/powerpoint/2010/main" val="425333550"/>
+        <p14:creationId xmlns:p14="http://schemas.microsoft.com/office/powerpoint/2010/main" val="443019675"/>
       </p:ext>
     </p:extLst>
   </p:cSld>
@@ -1278,7 +1274,7 @@
     </p:spTree>
     <p:extLst>
       <p:ext uri="{BB962C8B-B14F-4D97-AF65-F5344CB8AC3E}">
-        <p14:creationId xmlns:p14="http://schemas.microsoft.com/office/powerpoint/2010/main" val="443019675"/>
+        <p14:creationId xmlns:p14="http://schemas.microsoft.com/office/powerpoint/2010/main" val="673069622"/>
       </p:ext>
     </p:extLst>
   </p:cSld>
@@ -1390,7 +1386,7 @@
     </p:spTree>
     <p:extLst>
       <p:ext uri="{BB962C8B-B14F-4D97-AF65-F5344CB8AC3E}">
-        <p14:creationId xmlns:p14="http://schemas.microsoft.com/office/powerpoint/2010/main" val="673069622"/>
+        <p14:creationId xmlns:p14="http://schemas.microsoft.com/office/powerpoint/2010/main" val="1139312744"/>
       </p:ext>
     </p:extLst>
   </p:cSld>
@@ -1502,7 +1498,7 @@
     </p:spTree>
     <p:extLst>
       <p:ext uri="{BB962C8B-B14F-4D97-AF65-F5344CB8AC3E}">
-        <p14:creationId xmlns:p14="http://schemas.microsoft.com/office/powerpoint/2010/main" val="1139312744"/>
+        <p14:creationId xmlns:p14="http://schemas.microsoft.com/office/powerpoint/2010/main" val="3904791214"/>
       </p:ext>
     </p:extLst>
   </p:cSld>
@@ -1614,7 +1610,7 @@
     </p:spTree>
     <p:extLst>
       <p:ext uri="{BB962C8B-B14F-4D97-AF65-F5344CB8AC3E}">
-        <p14:creationId xmlns:p14="http://schemas.microsoft.com/office/powerpoint/2010/main" val="3904791214"/>
+        <p14:creationId xmlns:p14="http://schemas.microsoft.com/office/powerpoint/2010/main" val="4061831250"/>
       </p:ext>
     </p:extLst>
   </p:cSld>
@@ -1726,7 +1722,7 @@
     </p:spTree>
     <p:extLst>
       <p:ext uri="{BB962C8B-B14F-4D97-AF65-F5344CB8AC3E}">
-        <p14:creationId xmlns:p14="http://schemas.microsoft.com/office/powerpoint/2010/main" val="4061831250"/>
+        <p14:creationId xmlns:p14="http://schemas.microsoft.com/office/powerpoint/2010/main" val="3309033084"/>
       </p:ext>
     </p:extLst>
   </p:cSld>
@@ -1838,7 +1834,7 @@
     </p:spTree>
     <p:extLst>
       <p:ext uri="{BB962C8B-B14F-4D97-AF65-F5344CB8AC3E}">
-        <p14:creationId xmlns:p14="http://schemas.microsoft.com/office/powerpoint/2010/main" val="3309033084"/>
+        <p14:creationId xmlns:p14="http://schemas.microsoft.com/office/powerpoint/2010/main" val="1131495287"/>
       </p:ext>
     </p:extLst>
   </p:cSld>
@@ -1950,7 +1946,7 @@
     </p:spTree>
     <p:extLst>
       <p:ext uri="{BB962C8B-B14F-4D97-AF65-F5344CB8AC3E}">
-        <p14:creationId xmlns:p14="http://schemas.microsoft.com/office/powerpoint/2010/main" val="1131495287"/>
+        <p14:creationId xmlns:p14="http://schemas.microsoft.com/office/powerpoint/2010/main" val="1214545307"/>
       </p:ext>
     </p:extLst>
   </p:cSld>
@@ -2052,14 +2048,17 @@
               </a:spcAft>
               <a:buNone/>
             </a:pPr>
-            <a:endParaRPr lang="en-US" dirty="0"/>
+            <a:r>
+              <a:rPr lang="en-US" dirty="0"/>
+              <a:t>Hello World of machine learning.</a:t>
+            </a:r>
           </a:p>
         </p:txBody>
       </p:sp>
     </p:spTree>
     <p:extLst>
       <p:ext uri="{BB962C8B-B14F-4D97-AF65-F5344CB8AC3E}">
-        <p14:creationId xmlns:p14="http://schemas.microsoft.com/office/powerpoint/2010/main" val="715492349"/>
+        <p14:creationId xmlns:p14="http://schemas.microsoft.com/office/powerpoint/2010/main" val="2731261743"/>
       </p:ext>
     </p:extLst>
   </p:cSld>
@@ -2171,7 +2170,7 @@
     </p:spTree>
     <p:extLst>
       <p:ext uri="{BB962C8B-B14F-4D97-AF65-F5344CB8AC3E}">
-        <p14:creationId xmlns:p14="http://schemas.microsoft.com/office/powerpoint/2010/main" val="1214545307"/>
+        <p14:creationId xmlns:p14="http://schemas.microsoft.com/office/powerpoint/2010/main" val="825708620"/>
       </p:ext>
     </p:extLst>
   </p:cSld>
@@ -2283,7 +2282,7 @@
     </p:spTree>
     <p:extLst>
       <p:ext uri="{BB962C8B-B14F-4D97-AF65-F5344CB8AC3E}">
-        <p14:creationId xmlns:p14="http://schemas.microsoft.com/office/powerpoint/2010/main" val="825708620"/>
+        <p14:creationId xmlns:p14="http://schemas.microsoft.com/office/powerpoint/2010/main" val="3445872300"/>
       </p:ext>
     </p:extLst>
   </p:cSld>
@@ -2395,7 +2394,7 @@
     </p:spTree>
     <p:extLst>
       <p:ext uri="{BB962C8B-B14F-4D97-AF65-F5344CB8AC3E}">
-        <p14:creationId xmlns:p14="http://schemas.microsoft.com/office/powerpoint/2010/main" val="3445872300"/>
+        <p14:creationId xmlns:p14="http://schemas.microsoft.com/office/powerpoint/2010/main" val="3534599908"/>
       </p:ext>
     </p:extLst>
   </p:cSld>
@@ -2406,118 +2405,6 @@
 </file>
 
 <file path=ppt/notesSlides/notesSlide23.xml><?xml version="1.0" encoding="utf-8"?>
-<p:notes xmlns:a="http://schemas.openxmlformats.org/drawingml/2006/main" xmlns:r="http://schemas.openxmlformats.org/officeDocument/2006/relationships" xmlns:p="http://schemas.openxmlformats.org/presentationml/2006/main" showMasterSp="0" showMasterPhAnim="0">
-  <p:cSld>
-    <p:spTree>
-      <p:nvGrpSpPr>
-        <p:cNvPr id="1" name="Shape 91"/>
-        <p:cNvGrpSpPr/>
-        <p:nvPr/>
-      </p:nvGrpSpPr>
-      <p:grpSpPr>
-        <a:xfrm>
-          <a:off x="0" y="0"/>
-          <a:ext cx="0" cy="0"/>
-          <a:chOff x="0" y="0"/>
-          <a:chExt cx="0" cy="0"/>
-        </a:xfrm>
-      </p:grpSpPr>
-      <p:sp>
-        <p:nvSpPr>
-          <p:cNvPr id="92" name="Google Shape;92;g921be16503_9_0:notes"/>
-          <p:cNvSpPr>
-            <a:spLocks noGrp="1" noRot="1" noChangeAspect="1"/>
-          </p:cNvSpPr>
-          <p:nvPr>
-            <p:ph type="sldImg" idx="2"/>
-          </p:nvPr>
-        </p:nvSpPr>
-        <p:spPr>
-          <a:xfrm>
-            <a:off x="381000" y="685800"/>
-            <a:ext cx="6096000" cy="3429000"/>
-          </a:xfrm>
-          <a:custGeom>
-            <a:avLst/>
-            <a:gdLst/>
-            <a:ahLst/>
-            <a:cxnLst/>
-            <a:rect l="l" t="t" r="r" b="b"/>
-            <a:pathLst>
-              <a:path w="120000" h="120000" extrusionOk="0">
-                <a:moveTo>
-                  <a:pt x="0" y="0"/>
-                </a:moveTo>
-                <a:lnTo>
-                  <a:pt x="120000" y="0"/>
-                </a:lnTo>
-                <a:lnTo>
-                  <a:pt x="120000" y="120000"/>
-                </a:lnTo>
-                <a:lnTo>
-                  <a:pt x="0" y="120000"/>
-                </a:lnTo>
-                <a:close/>
-              </a:path>
-            </a:pathLst>
-          </a:custGeom>
-        </p:spPr>
-      </p:sp>
-      <p:sp>
-        <p:nvSpPr>
-          <p:cNvPr id="93" name="Google Shape;93;g921be16503_9_0:notes"/>
-          <p:cNvSpPr txBox="1">
-            <a:spLocks noGrp="1"/>
-          </p:cNvSpPr>
-          <p:nvPr>
-            <p:ph type="body" idx="1"/>
-          </p:nvPr>
-        </p:nvSpPr>
-        <p:spPr>
-          <a:xfrm>
-            <a:off x="685800" y="4343400"/>
-            <a:ext cx="5486400" cy="4114800"/>
-          </a:xfrm>
-          <a:prstGeom prst="rect">
-            <a:avLst/>
-          </a:prstGeom>
-        </p:spPr>
-        <p:txBody>
-          <a:bodyPr spcFirstLastPara="1" wrap="square" lIns="91425" tIns="91425" rIns="91425" bIns="91425" anchor="t" anchorCtr="0">
-            <a:noAutofit/>
-          </a:bodyPr>
-          <a:lstStyle/>
-          <a:p>
-            <a:pPr marL="0" lvl="0" indent="0" algn="l" rtl="0">
-              <a:spcBef>
-                <a:spcPts val="0"/>
-              </a:spcBef>
-              <a:spcAft>
-                <a:spcPts val="0"/>
-              </a:spcAft>
-              <a:buNone/>
-            </a:pPr>
-            <a:r>
-              <a:rPr lang="en-US" dirty="0"/>
-              <a:t>Hello World of machine learning.</a:t>
-            </a:r>
-          </a:p>
-        </p:txBody>
-      </p:sp>
-    </p:spTree>
-    <p:extLst>
-      <p:ext uri="{BB962C8B-B14F-4D97-AF65-F5344CB8AC3E}">
-        <p14:creationId xmlns:p14="http://schemas.microsoft.com/office/powerpoint/2010/main" val="3534599908"/>
-      </p:ext>
-    </p:extLst>
-  </p:cSld>
-  <p:clrMapOvr>
-    <a:masterClrMapping/>
-  </p:clrMapOvr>
-</p:notes>
-</file>
-
-<file path=ppt/notesSlides/notesSlide24.xml><?xml version="1.0" encoding="utf-8"?>
 <p:notes xmlns:a="http://schemas.openxmlformats.org/drawingml/2006/main" xmlns:r="http://schemas.openxmlformats.org/officeDocument/2006/relationships" xmlns:p="http://schemas.openxmlformats.org/presentationml/2006/main" showMasterSp="0" showMasterPhAnim="0">
   <p:cSld>
     <p:spTree>
@@ -2731,7 +2618,7 @@
     </p:spTree>
     <p:extLst>
       <p:ext uri="{BB962C8B-B14F-4D97-AF65-F5344CB8AC3E}">
-        <p14:creationId xmlns:p14="http://schemas.microsoft.com/office/powerpoint/2010/main" val="2731261743"/>
+        <p14:creationId xmlns:p14="http://schemas.microsoft.com/office/powerpoint/2010/main" val="2651392003"/>
       </p:ext>
     </p:extLst>
   </p:cSld>
@@ -2843,7 +2730,7 @@
     </p:spTree>
     <p:extLst>
       <p:ext uri="{BB962C8B-B14F-4D97-AF65-F5344CB8AC3E}">
-        <p14:creationId xmlns:p14="http://schemas.microsoft.com/office/powerpoint/2010/main" val="2651392003"/>
+        <p14:creationId xmlns:p14="http://schemas.microsoft.com/office/powerpoint/2010/main" val="3334055246"/>
       </p:ext>
     </p:extLst>
   </p:cSld>
@@ -2955,7 +2842,7 @@
     </p:spTree>
     <p:extLst>
       <p:ext uri="{BB962C8B-B14F-4D97-AF65-F5344CB8AC3E}">
-        <p14:creationId xmlns:p14="http://schemas.microsoft.com/office/powerpoint/2010/main" val="3334055246"/>
+        <p14:creationId xmlns:p14="http://schemas.microsoft.com/office/powerpoint/2010/main" val="4009009586"/>
       </p:ext>
     </p:extLst>
   </p:cSld>
@@ -3067,7 +2954,7 @@
     </p:spTree>
     <p:extLst>
       <p:ext uri="{BB962C8B-B14F-4D97-AF65-F5344CB8AC3E}">
-        <p14:creationId xmlns:p14="http://schemas.microsoft.com/office/powerpoint/2010/main" val="4009009586"/>
+        <p14:creationId xmlns:p14="http://schemas.microsoft.com/office/powerpoint/2010/main" val="1050270007"/>
       </p:ext>
     </p:extLst>
   </p:cSld>
@@ -3179,7 +3066,7 @@
     </p:spTree>
     <p:extLst>
       <p:ext uri="{BB962C8B-B14F-4D97-AF65-F5344CB8AC3E}">
-        <p14:creationId xmlns:p14="http://schemas.microsoft.com/office/powerpoint/2010/main" val="1050270007"/>
+        <p14:creationId xmlns:p14="http://schemas.microsoft.com/office/powerpoint/2010/main" val="1087570220"/>
       </p:ext>
     </p:extLst>
   </p:cSld>
@@ -3291,7 +3178,7 @@
     </p:spTree>
     <p:extLst>
       <p:ext uri="{BB962C8B-B14F-4D97-AF65-F5344CB8AC3E}">
-        <p14:creationId xmlns:p14="http://schemas.microsoft.com/office/powerpoint/2010/main" val="1087570220"/>
+        <p14:creationId xmlns:p14="http://schemas.microsoft.com/office/powerpoint/2010/main" val="920832063"/>
       </p:ext>
     </p:extLst>
   </p:cSld>
@@ -3403,7 +3290,7 @@
     </p:spTree>
     <p:extLst>
       <p:ext uri="{BB962C8B-B14F-4D97-AF65-F5344CB8AC3E}">
-        <p14:creationId xmlns:p14="http://schemas.microsoft.com/office/powerpoint/2010/main" val="920832063"/>
+        <p14:creationId xmlns:p14="http://schemas.microsoft.com/office/powerpoint/2010/main" val="3442472599"/>
       </p:ext>
     </p:extLst>
   </p:cSld>
@@ -7256,7 +7143,7 @@
                   </a:schemeClr>
                 </a:solidFill>
               </a:rPr>
-              <a:t>DSCI 633, Fall 2021</a:t>
+              <a:t>DSCI 633</a:t>
             </a:r>
           </a:p>
           <a:p>
@@ -7269,7 +7156,7 @@
                   </a:schemeClr>
                 </a:solidFill>
               </a:rPr>
-              <a:t>Lecture 6</a:t>
+              <a:t>Lecture 5</a:t>
             </a:r>
             <a:endParaRPr lang="en-US" b="1" u="sng" dirty="0">
               <a:solidFill>
@@ -7485,7 +7372,7 @@
                   </a:schemeClr>
                 </a:solidFill>
               </a:rPr>
-              <a:t>September 09, 2021</a:t>
+              <a:t>September 08, 2022</a:t>
             </a:r>
             <a:endParaRPr lang="en-US" sz="3200" dirty="0">
               <a:solidFill>
@@ -7512,1136 +7399,6 @@
 </file>
 
 <file path=ppt/slides/slide10.xml><?xml version="1.0" encoding="utf-8"?>
-<p:sld xmlns:a="http://schemas.openxmlformats.org/drawingml/2006/main" xmlns:r="http://schemas.openxmlformats.org/officeDocument/2006/relationships" xmlns:p="http://schemas.openxmlformats.org/presentationml/2006/main">
-  <p:cSld>
-    <p:spTree>
-      <p:nvGrpSpPr>
-        <p:cNvPr id="1" name="Shape 94"/>
-        <p:cNvGrpSpPr/>
-        <p:nvPr/>
-      </p:nvGrpSpPr>
-      <p:grpSpPr>
-        <a:xfrm>
-          <a:off x="0" y="0"/>
-          <a:ext cx="0" cy="0"/>
-          <a:chOff x="0" y="0"/>
-          <a:chExt cx="0" cy="0"/>
-        </a:xfrm>
-      </p:grpSpPr>
-      <p:sp>
-        <p:nvSpPr>
-          <p:cNvPr id="95" name="Google Shape;95;p14"/>
-          <p:cNvSpPr txBox="1">
-            <a:spLocks noGrp="1"/>
-          </p:cNvSpPr>
-          <p:nvPr>
-            <p:ph type="title" idx="4294967295"/>
-          </p:nvPr>
-        </p:nvSpPr>
-        <p:spPr>
-          <a:xfrm>
-            <a:off x="717173" y="696913"/>
-            <a:ext cx="10972800" cy="506789"/>
-          </a:xfrm>
-          <a:prstGeom prst="rect">
-            <a:avLst/>
-          </a:prstGeom>
-        </p:spPr>
-        <p:txBody>
-          <a:bodyPr spcFirstLastPara="1" wrap="square" lIns="121900" tIns="121900" rIns="121900" bIns="121900" anchor="ctr" anchorCtr="0">
-            <a:noAutofit/>
-          </a:bodyPr>
-          <a:lstStyle/>
-          <a:p>
-            <a:r>
-              <a:rPr lang="en-US" sz="4000" b="1" dirty="0">
-                <a:solidFill>
-                  <a:srgbClr val="E46102"/>
-                </a:solidFill>
-              </a:rPr>
-              <a:t>Ridge Regression</a:t>
-            </a:r>
-            <a:endParaRPr sz="4000" b="1" dirty="0">
-              <a:solidFill>
-                <a:srgbClr val="E46102"/>
-              </a:solidFill>
-            </a:endParaRPr>
-          </a:p>
-        </p:txBody>
-      </p:sp>
-      <p:sp>
-        <p:nvSpPr>
-          <p:cNvPr id="96" name="Google Shape;96;p14"/>
-          <p:cNvSpPr txBox="1"/>
-          <p:nvPr/>
-        </p:nvSpPr>
-        <p:spPr>
-          <a:xfrm>
-            <a:off x="521776" y="1382233"/>
-            <a:ext cx="11277600" cy="4176000"/>
-          </a:xfrm>
-          <a:prstGeom prst="rect">
-            <a:avLst/>
-          </a:prstGeom>
-          <a:noFill/>
-          <a:ln>
-            <a:noFill/>
-          </a:ln>
-        </p:spPr>
-        <p:txBody>
-          <a:bodyPr spcFirstLastPara="1" wrap="square" lIns="121900" tIns="121900" rIns="121900" bIns="121900" anchor="t" anchorCtr="0">
-            <a:noAutofit/>
-          </a:bodyPr>
-          <a:lstStyle/>
-          <a:p>
-            <a:pPr marL="342900" indent="-342900">
-              <a:buFont typeface="Arial" panose="020B0604020202020204" pitchFamily="34" charset="0"/>
-              <a:buChar char="•"/>
-            </a:pPr>
-            <a:r>
-              <a:rPr lang="en-US" dirty="0"/>
-              <a:t>regularized version of Linear Regression</a:t>
-            </a:r>
-          </a:p>
-          <a:p>
-            <a:endParaRPr lang="en-US" dirty="0"/>
-          </a:p>
-          <a:p>
-            <a:pPr marL="342900" indent="-342900">
-              <a:buFont typeface="Arial" panose="020B0604020202020204" pitchFamily="34" charset="0"/>
-              <a:buChar char="•"/>
-            </a:pPr>
-            <a:r>
-              <a:rPr lang="en-US" dirty="0"/>
-              <a:t>a </a:t>
-            </a:r>
-            <a:r>
-              <a:rPr lang="en-US" i="1" dirty="0"/>
-              <a:t>regularization term </a:t>
-            </a:r>
-            <a:r>
-              <a:rPr lang="en-US" dirty="0"/>
-              <a:t>equal to                   is added to the cost function</a:t>
-            </a:r>
-          </a:p>
-          <a:p>
-            <a:pPr marL="342900" indent="-342900">
-              <a:buFont typeface="Arial" panose="020B0604020202020204" pitchFamily="34" charset="0"/>
-              <a:buChar char="•"/>
-            </a:pPr>
-            <a:endParaRPr lang="en-US" dirty="0"/>
-          </a:p>
-          <a:p>
-            <a:pPr marL="342900" indent="-342900">
-              <a:buFont typeface="Arial" panose="020B0604020202020204" pitchFamily="34" charset="0"/>
-              <a:buChar char="•"/>
-            </a:pPr>
-            <a:r>
-              <a:rPr lang="en-US" dirty="0"/>
-              <a:t>forces learning algorithm to not only fit the data but also keep the model weights as small as possible. </a:t>
-            </a:r>
-          </a:p>
-          <a:p>
-            <a:pPr marL="342900" indent="-342900">
-              <a:buFont typeface="Arial" panose="020B0604020202020204" pitchFamily="34" charset="0"/>
-              <a:buChar char="•"/>
-            </a:pPr>
-            <a:endParaRPr lang="en-US" dirty="0"/>
-          </a:p>
-          <a:p>
-            <a:pPr marL="342900" indent="-342900">
-              <a:buFont typeface="Arial" panose="020B0604020202020204" pitchFamily="34" charset="0"/>
-              <a:buChar char="•"/>
-            </a:pPr>
-            <a:r>
-              <a:rPr lang="en-US" dirty="0"/>
-              <a:t>Note that the regularization term should only be added to cost function during training.</a:t>
-            </a:r>
-          </a:p>
-          <a:p>
-            <a:pPr marL="342900" indent="-342900">
-              <a:buFont typeface="Arial" panose="020B0604020202020204" pitchFamily="34" charset="0"/>
-              <a:buChar char="•"/>
-            </a:pPr>
-            <a:endParaRPr lang="en-US" dirty="0"/>
-          </a:p>
-          <a:p>
-            <a:pPr marL="342900" indent="-342900">
-              <a:buFont typeface="Arial" panose="020B0604020202020204" pitchFamily="34" charset="0"/>
-              <a:buChar char="•"/>
-            </a:pPr>
-            <a:r>
-              <a:rPr lang="en-US" dirty="0"/>
-              <a:t>Once the model is trained, you want to evaluate the model’s performance using the unregularized performance measure.</a:t>
-            </a:r>
-            <a:endParaRPr dirty="0"/>
-          </a:p>
-        </p:txBody>
-      </p:sp>
-      <p:pic>
-        <p:nvPicPr>
-          <p:cNvPr id="3" name="Picture 2">
-            <a:extLst>
-              <a:ext uri="{FF2B5EF4-FFF2-40B4-BE49-F238E27FC236}">
-                <a16:creationId xmlns:a16="http://schemas.microsoft.com/office/drawing/2014/main" id="{F3B9406F-F17B-454B-84A4-50EE8AFF7A19}"/>
-              </a:ext>
-            </a:extLst>
-          </p:cNvPr>
-          <p:cNvPicPr>
-            <a:picLocks noChangeAspect="1"/>
-          </p:cNvPicPr>
-          <p:nvPr/>
-        </p:nvPicPr>
-        <p:blipFill>
-          <a:blip r:embed="rId3"/>
-          <a:stretch>
-            <a:fillRect/>
-          </a:stretch>
-        </p:blipFill>
-        <p:spPr>
-          <a:xfrm>
-            <a:off x="5083347" y="2281034"/>
-            <a:ext cx="1313201" cy="495141"/>
-          </a:xfrm>
-          <a:prstGeom prst="rect">
-            <a:avLst/>
-          </a:prstGeom>
-        </p:spPr>
-      </p:pic>
-    </p:spTree>
-    <p:extLst>
-      <p:ext uri="{BB962C8B-B14F-4D97-AF65-F5344CB8AC3E}">
-        <p14:creationId xmlns:p14="http://schemas.microsoft.com/office/powerpoint/2010/main" val="440765766"/>
-      </p:ext>
-    </p:extLst>
-  </p:cSld>
-  <p:clrMapOvr>
-    <a:masterClrMapping/>
-  </p:clrMapOvr>
-  <p:timing>
-    <p:tnLst>
-      <p:par>
-        <p:cTn id="1" dur="indefinite" restart="never" nodeType="tmRoot">
-          <p:childTnLst>
-            <p:seq concurrent="1" nextAc="seek">
-              <p:cTn id="2" dur="indefinite" nodeType="mainSeq">
-                <p:childTnLst>
-                  <p:par>
-                    <p:cTn id="3" fill="hold">
-                      <p:stCondLst>
-                        <p:cond delay="indefinite"/>
-                      </p:stCondLst>
-                      <p:childTnLst>
-                        <p:par>
-                          <p:cTn id="4" fill="hold">
-                            <p:stCondLst>
-                              <p:cond delay="0"/>
-                            </p:stCondLst>
-                            <p:childTnLst>
-                              <p:par>
-                                <p:cTn id="5" presetID="1" presetClass="entr" presetSubtype="0" fill="hold" grpId="0" nodeType="clickEffect">
-                                  <p:stCondLst>
-                                    <p:cond delay="0"/>
-                                  </p:stCondLst>
-                                  <p:childTnLst>
-                                    <p:set>
-                                      <p:cBhvr>
-                                        <p:cTn id="6" dur="1" fill="hold">
-                                          <p:stCondLst>
-                                            <p:cond delay="0"/>
-                                          </p:stCondLst>
-                                        </p:cTn>
-                                        <p:tgtEl>
-                                          <p:spTgt spid="96"/>
-                                        </p:tgtEl>
-                                        <p:attrNameLst>
-                                          <p:attrName>style.visibility</p:attrName>
-                                        </p:attrNameLst>
-                                      </p:cBhvr>
-                                      <p:to>
-                                        <p:strVal val="visible"/>
-                                      </p:to>
-                                    </p:set>
-                                  </p:childTnLst>
-                                </p:cTn>
-                              </p:par>
-                            </p:childTnLst>
-                          </p:cTn>
-                        </p:par>
-                      </p:childTnLst>
-                    </p:cTn>
-                  </p:par>
-                  <p:par>
-                    <p:cTn id="7" fill="hold">
-                      <p:stCondLst>
-                        <p:cond delay="indefinite"/>
-                      </p:stCondLst>
-                      <p:childTnLst>
-                        <p:par>
-                          <p:cTn id="8" fill="hold">
-                            <p:stCondLst>
-                              <p:cond delay="0"/>
-                            </p:stCondLst>
-                            <p:childTnLst>
-                              <p:par>
-                                <p:cTn id="9" presetID="1" presetClass="entr" presetSubtype="0" fill="hold" nodeType="clickEffect">
-                                  <p:stCondLst>
-                                    <p:cond delay="0"/>
-                                  </p:stCondLst>
-                                  <p:childTnLst>
-                                    <p:set>
-                                      <p:cBhvr>
-                                        <p:cTn id="10" dur="1" fill="hold">
-                                          <p:stCondLst>
-                                            <p:cond delay="0"/>
-                                          </p:stCondLst>
-                                        </p:cTn>
-                                        <p:tgtEl>
-                                          <p:spTgt spid="96">
-                                            <p:txEl>
-                                              <p:pRg st="0" end="0"/>
-                                            </p:txEl>
-                                          </p:spTgt>
-                                        </p:tgtEl>
-                                        <p:attrNameLst>
-                                          <p:attrName>style.visibility</p:attrName>
-                                        </p:attrNameLst>
-                                      </p:cBhvr>
-                                      <p:to>
-                                        <p:strVal val="visible"/>
-                                      </p:to>
-                                    </p:set>
-                                  </p:childTnLst>
-                                </p:cTn>
-                              </p:par>
-                            </p:childTnLst>
-                          </p:cTn>
-                        </p:par>
-                      </p:childTnLst>
-                    </p:cTn>
-                  </p:par>
-                  <p:par>
-                    <p:cTn id="11" fill="hold">
-                      <p:stCondLst>
-                        <p:cond delay="indefinite"/>
-                      </p:stCondLst>
-                      <p:childTnLst>
-                        <p:par>
-                          <p:cTn id="12" fill="hold">
-                            <p:stCondLst>
-                              <p:cond delay="0"/>
-                            </p:stCondLst>
-                            <p:childTnLst>
-                              <p:par>
-                                <p:cTn id="13" presetID="1" presetClass="entr" presetSubtype="0" fill="hold" nodeType="clickEffect">
-                                  <p:stCondLst>
-                                    <p:cond delay="0"/>
-                                  </p:stCondLst>
-                                  <p:childTnLst>
-                                    <p:set>
-                                      <p:cBhvr>
-                                        <p:cTn id="14" dur="1" fill="hold">
-                                          <p:stCondLst>
-                                            <p:cond delay="0"/>
-                                          </p:stCondLst>
-                                        </p:cTn>
-                                        <p:tgtEl>
-                                          <p:spTgt spid="96">
-                                            <p:txEl>
-                                              <p:pRg st="2" end="2"/>
-                                            </p:txEl>
-                                          </p:spTgt>
-                                        </p:tgtEl>
-                                        <p:attrNameLst>
-                                          <p:attrName>style.visibility</p:attrName>
-                                        </p:attrNameLst>
-                                      </p:cBhvr>
-                                      <p:to>
-                                        <p:strVal val="visible"/>
-                                      </p:to>
-                                    </p:set>
-                                  </p:childTnLst>
-                                </p:cTn>
-                              </p:par>
-                            </p:childTnLst>
-                          </p:cTn>
-                        </p:par>
-                      </p:childTnLst>
-                    </p:cTn>
-                  </p:par>
-                  <p:par>
-                    <p:cTn id="15" fill="hold">
-                      <p:stCondLst>
-                        <p:cond delay="indefinite"/>
-                      </p:stCondLst>
-                      <p:childTnLst>
-                        <p:par>
-                          <p:cTn id="16" fill="hold">
-                            <p:stCondLst>
-                              <p:cond delay="0"/>
-                            </p:stCondLst>
-                            <p:childTnLst>
-                              <p:par>
-                                <p:cTn id="17" presetID="1" presetClass="entr" presetSubtype="0" fill="hold" nodeType="clickEffect">
-                                  <p:stCondLst>
-                                    <p:cond delay="0"/>
-                                  </p:stCondLst>
-                                  <p:childTnLst>
-                                    <p:set>
-                                      <p:cBhvr>
-                                        <p:cTn id="18" dur="1" fill="hold">
-                                          <p:stCondLst>
-                                            <p:cond delay="0"/>
-                                          </p:stCondLst>
-                                        </p:cTn>
-                                        <p:tgtEl>
-                                          <p:spTgt spid="96">
-                                            <p:txEl>
-                                              <p:pRg st="4" end="4"/>
-                                            </p:txEl>
-                                          </p:spTgt>
-                                        </p:tgtEl>
-                                        <p:attrNameLst>
-                                          <p:attrName>style.visibility</p:attrName>
-                                        </p:attrNameLst>
-                                      </p:cBhvr>
-                                      <p:to>
-                                        <p:strVal val="visible"/>
-                                      </p:to>
-                                    </p:set>
-                                  </p:childTnLst>
-                                </p:cTn>
-                              </p:par>
-                            </p:childTnLst>
-                          </p:cTn>
-                        </p:par>
-                      </p:childTnLst>
-                    </p:cTn>
-                  </p:par>
-                  <p:par>
-                    <p:cTn id="19" fill="hold">
-                      <p:stCondLst>
-                        <p:cond delay="indefinite"/>
-                      </p:stCondLst>
-                      <p:childTnLst>
-                        <p:par>
-                          <p:cTn id="20" fill="hold">
-                            <p:stCondLst>
-                              <p:cond delay="0"/>
-                            </p:stCondLst>
-                            <p:childTnLst>
-                              <p:par>
-                                <p:cTn id="21" presetID="1" presetClass="entr" presetSubtype="0" fill="hold" nodeType="clickEffect">
-                                  <p:stCondLst>
-                                    <p:cond delay="0"/>
-                                  </p:stCondLst>
-                                  <p:childTnLst>
-                                    <p:set>
-                                      <p:cBhvr>
-                                        <p:cTn id="22" dur="1" fill="hold">
-                                          <p:stCondLst>
-                                            <p:cond delay="0"/>
-                                          </p:stCondLst>
-                                        </p:cTn>
-                                        <p:tgtEl>
-                                          <p:spTgt spid="96">
-                                            <p:txEl>
-                                              <p:pRg st="6" end="6"/>
-                                            </p:txEl>
-                                          </p:spTgt>
-                                        </p:tgtEl>
-                                        <p:attrNameLst>
-                                          <p:attrName>style.visibility</p:attrName>
-                                        </p:attrNameLst>
-                                      </p:cBhvr>
-                                      <p:to>
-                                        <p:strVal val="visible"/>
-                                      </p:to>
-                                    </p:set>
-                                  </p:childTnLst>
-                                </p:cTn>
-                              </p:par>
-                            </p:childTnLst>
-                          </p:cTn>
-                        </p:par>
-                      </p:childTnLst>
-                    </p:cTn>
-                  </p:par>
-                  <p:par>
-                    <p:cTn id="23" fill="hold">
-                      <p:stCondLst>
-                        <p:cond delay="indefinite"/>
-                      </p:stCondLst>
-                      <p:childTnLst>
-                        <p:par>
-                          <p:cTn id="24" fill="hold">
-                            <p:stCondLst>
-                              <p:cond delay="0"/>
-                            </p:stCondLst>
-                            <p:childTnLst>
-                              <p:par>
-                                <p:cTn id="25" presetID="1" presetClass="entr" presetSubtype="0" fill="hold" nodeType="clickEffect">
-                                  <p:stCondLst>
-                                    <p:cond delay="0"/>
-                                  </p:stCondLst>
-                                  <p:childTnLst>
-                                    <p:set>
-                                      <p:cBhvr>
-                                        <p:cTn id="26" dur="1" fill="hold">
-                                          <p:stCondLst>
-                                            <p:cond delay="0"/>
-                                          </p:stCondLst>
-                                        </p:cTn>
-                                        <p:tgtEl>
-                                          <p:spTgt spid="96">
-                                            <p:txEl>
-                                              <p:pRg st="8" end="8"/>
-                                            </p:txEl>
-                                          </p:spTgt>
-                                        </p:tgtEl>
-                                        <p:attrNameLst>
-                                          <p:attrName>style.visibility</p:attrName>
-                                        </p:attrNameLst>
-                                      </p:cBhvr>
-                                      <p:to>
-                                        <p:strVal val="visible"/>
-                                      </p:to>
-                                    </p:set>
-                                  </p:childTnLst>
-                                </p:cTn>
-                              </p:par>
-                            </p:childTnLst>
-                          </p:cTn>
-                        </p:par>
-                      </p:childTnLst>
-                    </p:cTn>
-                  </p:par>
-                </p:childTnLst>
-              </p:cTn>
-              <p:prevCondLst>
-                <p:cond evt="onPrev" delay="0">
-                  <p:tgtEl>
-                    <p:sldTgt/>
-                  </p:tgtEl>
-                </p:cond>
-              </p:prevCondLst>
-              <p:nextCondLst>
-                <p:cond evt="onNext" delay="0">
-                  <p:tgtEl>
-                    <p:sldTgt/>
-                  </p:tgtEl>
-                </p:cond>
-              </p:nextCondLst>
-            </p:seq>
-          </p:childTnLst>
-        </p:cTn>
-      </p:par>
-    </p:tnLst>
-    <p:bldLst>
-      <p:bldP spid="96" grpId="0"/>
-    </p:bldLst>
-  </p:timing>
-</p:sld>
-</file>
-
-<file path=ppt/slides/slide11.xml><?xml version="1.0" encoding="utf-8"?>
-<p:sld xmlns:a="http://schemas.openxmlformats.org/drawingml/2006/main" xmlns:r="http://schemas.openxmlformats.org/officeDocument/2006/relationships" xmlns:p="http://schemas.openxmlformats.org/presentationml/2006/main">
-  <p:cSld>
-    <p:spTree>
-      <p:nvGrpSpPr>
-        <p:cNvPr id="1" name="Shape 94"/>
-        <p:cNvGrpSpPr/>
-        <p:nvPr/>
-      </p:nvGrpSpPr>
-      <p:grpSpPr>
-        <a:xfrm>
-          <a:off x="0" y="0"/>
-          <a:ext cx="0" cy="0"/>
-          <a:chOff x="0" y="0"/>
-          <a:chExt cx="0" cy="0"/>
-        </a:xfrm>
-      </p:grpSpPr>
-      <p:sp>
-        <p:nvSpPr>
-          <p:cNvPr id="96" name="Google Shape;96;p14"/>
-          <p:cNvSpPr txBox="1"/>
-          <p:nvPr/>
-        </p:nvSpPr>
-        <p:spPr>
-          <a:xfrm>
-            <a:off x="521776" y="1382233"/>
-            <a:ext cx="11277600" cy="4176000"/>
-          </a:xfrm>
-          <a:prstGeom prst="rect">
-            <a:avLst/>
-          </a:prstGeom>
-          <a:noFill/>
-          <a:ln>
-            <a:noFill/>
-          </a:ln>
-        </p:spPr>
-        <p:txBody>
-          <a:bodyPr spcFirstLastPara="1" wrap="square" lIns="121900" tIns="121900" rIns="121900" bIns="121900" anchor="t" anchorCtr="0">
-            <a:noAutofit/>
-          </a:bodyPr>
-          <a:lstStyle/>
-          <a:p>
-            <a:pPr marL="342900" indent="-342900">
-              <a:buFont typeface="Arial" panose="020B0604020202020204" pitchFamily="34" charset="0"/>
-              <a:buChar char="•"/>
-            </a:pPr>
-            <a:r>
-              <a:rPr lang="en-US" dirty="0"/>
-              <a:t>Alpha is the hyperparameter here.</a:t>
-            </a:r>
-          </a:p>
-          <a:p>
-            <a:pPr marL="342900" indent="-342900">
-              <a:buFont typeface="Arial" panose="020B0604020202020204" pitchFamily="34" charset="0"/>
-              <a:buChar char="•"/>
-            </a:pPr>
-            <a:r>
-              <a:rPr lang="en-US" dirty="0"/>
-              <a:t>What is a hyperparameter?</a:t>
-            </a:r>
-          </a:p>
-          <a:p>
-            <a:pPr marL="342900" indent="-342900">
-              <a:buFont typeface="Arial" panose="020B0604020202020204" pitchFamily="34" charset="0"/>
-              <a:buChar char="•"/>
-            </a:pPr>
-            <a:r>
-              <a:rPr lang="en-US" dirty="0"/>
-              <a:t>What happens if alpha = 0?</a:t>
-            </a:r>
-          </a:p>
-          <a:p>
-            <a:pPr marL="342900" indent="-342900">
-              <a:buFont typeface="Arial" panose="020B0604020202020204" pitchFamily="34" charset="0"/>
-              <a:buChar char="•"/>
-            </a:pPr>
-            <a:r>
-              <a:rPr lang="en-US" dirty="0"/>
-              <a:t>What happens if alpha is a very large number</a:t>
-            </a:r>
-          </a:p>
-          <a:p>
-            <a:pPr marL="342900" indent="-342900">
-              <a:buFont typeface="Arial" panose="020B0604020202020204" pitchFamily="34" charset="0"/>
-              <a:buChar char="•"/>
-            </a:pPr>
-            <a:endParaRPr dirty="0"/>
-          </a:p>
-        </p:txBody>
-      </p:sp>
-      <p:sp>
-        <p:nvSpPr>
-          <p:cNvPr id="2" name="TextBox 1">
-            <a:extLst>
-              <a:ext uri="{FF2B5EF4-FFF2-40B4-BE49-F238E27FC236}">
-                <a16:creationId xmlns:a16="http://schemas.microsoft.com/office/drawing/2014/main" id="{326B134B-955A-495B-BE5C-3F7B04D2725D}"/>
-              </a:ext>
-            </a:extLst>
-          </p:cNvPr>
-          <p:cNvSpPr txBox="1"/>
-          <p:nvPr/>
-        </p:nvSpPr>
-        <p:spPr>
-          <a:xfrm>
-            <a:off x="6625971" y="3025963"/>
-            <a:ext cx="4759303" cy="1200329"/>
-          </a:xfrm>
-          <a:prstGeom prst="rect">
-            <a:avLst/>
-          </a:prstGeom>
-          <a:noFill/>
-          <a:ln>
-            <a:solidFill>
-              <a:srgbClr val="E46102"/>
-            </a:solidFill>
-          </a:ln>
-        </p:spPr>
-        <p:txBody>
-          <a:bodyPr wrap="square" rtlCol="0">
-            <a:spAutoFit/>
-          </a:bodyPr>
-          <a:lstStyle/>
-          <a:p>
-            <a:r>
-              <a:rPr lang="en-US" dirty="0">
-                <a:solidFill>
-                  <a:srgbClr val="E46102"/>
-                </a:solidFill>
-              </a:rPr>
-              <a:t>All weights end up very close to zero and result is a flat line going through the data’s mean</a:t>
-            </a:r>
-          </a:p>
-        </p:txBody>
-      </p:sp>
-      <p:sp>
-        <p:nvSpPr>
-          <p:cNvPr id="5" name="TextBox 4">
-            <a:extLst>
-              <a:ext uri="{FF2B5EF4-FFF2-40B4-BE49-F238E27FC236}">
-                <a16:creationId xmlns:a16="http://schemas.microsoft.com/office/drawing/2014/main" id="{3EB301C0-A3FA-4C50-B47F-E652DFF7141F}"/>
-              </a:ext>
-            </a:extLst>
-          </p:cNvPr>
-          <p:cNvSpPr txBox="1"/>
-          <p:nvPr/>
-        </p:nvSpPr>
-        <p:spPr>
-          <a:xfrm>
-            <a:off x="4768197" y="2170044"/>
-            <a:ext cx="2222325" cy="461665"/>
-          </a:xfrm>
-          <a:prstGeom prst="rect">
-            <a:avLst/>
-          </a:prstGeom>
-          <a:noFill/>
-          <a:ln>
-            <a:solidFill>
-              <a:srgbClr val="E46102"/>
-            </a:solidFill>
-          </a:ln>
-        </p:spPr>
-        <p:txBody>
-          <a:bodyPr wrap="square" rtlCol="0">
-            <a:spAutoFit/>
-          </a:bodyPr>
-          <a:lstStyle/>
-          <a:p>
-            <a:r>
-              <a:rPr lang="en-US" dirty="0">
-                <a:solidFill>
-                  <a:srgbClr val="E46102"/>
-                </a:solidFill>
-              </a:rPr>
-              <a:t>Ridge = Linear</a:t>
-            </a:r>
-          </a:p>
-        </p:txBody>
-      </p:sp>
-      <p:pic>
-        <p:nvPicPr>
-          <p:cNvPr id="4" name="Picture 3">
-            <a:extLst>
-              <a:ext uri="{FF2B5EF4-FFF2-40B4-BE49-F238E27FC236}">
-                <a16:creationId xmlns:a16="http://schemas.microsoft.com/office/drawing/2014/main" id="{A70B17B3-CA0C-407B-8468-89524F9CC62F}"/>
-              </a:ext>
-            </a:extLst>
-          </p:cNvPr>
-          <p:cNvPicPr>
-            <a:picLocks noChangeAspect="1"/>
-          </p:cNvPicPr>
-          <p:nvPr/>
-        </p:nvPicPr>
-        <p:blipFill rotWithShape="1">
-          <a:blip r:embed="rId3"/>
-          <a:srcRect l="6136" t="25154" r="9143" b="23136"/>
-          <a:stretch/>
-        </p:blipFill>
-        <p:spPr>
-          <a:xfrm>
-            <a:off x="1823830" y="3764626"/>
-            <a:ext cx="3245127" cy="461666"/>
-          </a:xfrm>
-          <a:prstGeom prst="rect">
-            <a:avLst/>
-          </a:prstGeom>
-        </p:spPr>
-      </p:pic>
-      <p:sp>
-        <p:nvSpPr>
-          <p:cNvPr id="8" name="TextBox 7">
-            <a:extLst>
-              <a:ext uri="{FF2B5EF4-FFF2-40B4-BE49-F238E27FC236}">
-                <a16:creationId xmlns:a16="http://schemas.microsoft.com/office/drawing/2014/main" id="{133C5D74-9831-41B9-A79F-ED55463E2196}"/>
-              </a:ext>
-            </a:extLst>
-          </p:cNvPr>
-          <p:cNvSpPr txBox="1"/>
-          <p:nvPr/>
-        </p:nvSpPr>
-        <p:spPr>
-          <a:xfrm>
-            <a:off x="1873527" y="4226292"/>
-            <a:ext cx="3006586" cy="307777"/>
-          </a:xfrm>
-          <a:prstGeom prst="rect">
-            <a:avLst/>
-          </a:prstGeom>
-          <a:noFill/>
-          <a:ln>
-            <a:noFill/>
-          </a:ln>
-        </p:spPr>
-        <p:txBody>
-          <a:bodyPr wrap="square" rtlCol="0">
-            <a:spAutoFit/>
-          </a:bodyPr>
-          <a:lstStyle/>
-          <a:p>
-            <a:pPr algn="ctr"/>
-            <a:r>
-              <a:rPr lang="en-US" sz="1400" i="1" dirty="0">
-                <a:solidFill>
-                  <a:srgbClr val="E46102"/>
-                </a:solidFill>
-              </a:rPr>
-              <a:t>Ridge Cost Function</a:t>
-            </a:r>
-          </a:p>
-        </p:txBody>
-      </p:sp>
-      <p:sp>
-        <p:nvSpPr>
-          <p:cNvPr id="9" name="Google Shape;95;p14">
-            <a:extLst>
-              <a:ext uri="{FF2B5EF4-FFF2-40B4-BE49-F238E27FC236}">
-                <a16:creationId xmlns:a16="http://schemas.microsoft.com/office/drawing/2014/main" id="{0A2AB666-B4D6-4BA8-82A2-A662173EF821}"/>
-              </a:ext>
-            </a:extLst>
-          </p:cNvPr>
-          <p:cNvSpPr txBox="1">
-            <a:spLocks/>
-          </p:cNvSpPr>
-          <p:nvPr/>
-        </p:nvSpPr>
-        <p:spPr>
-          <a:xfrm>
-            <a:off x="717173" y="696913"/>
-            <a:ext cx="10972800" cy="506789"/>
-          </a:xfrm>
-          <a:prstGeom prst="rect">
-            <a:avLst/>
-          </a:prstGeom>
-        </p:spPr>
-        <p:txBody>
-          <a:bodyPr spcFirstLastPara="1" wrap="square" lIns="121900" tIns="121900" rIns="121900" bIns="121900" anchor="ctr" anchorCtr="0">
-            <a:noAutofit/>
-          </a:bodyPr>
-          <a:lstStyle>
-            <a:lvl1pPr algn="ctr" defTabSz="609585" rtl="0" eaLnBrk="1" latinLnBrk="0" hangingPunct="1">
-              <a:spcBef>
-                <a:spcPct val="0"/>
-              </a:spcBef>
-              <a:buNone/>
-              <a:defRPr sz="5867" kern="1200">
-                <a:solidFill>
-                  <a:schemeClr val="tx1"/>
-                </a:solidFill>
-                <a:latin typeface="+mj-lt"/>
-                <a:ea typeface="+mj-ea"/>
-                <a:cs typeface="+mj-cs"/>
-              </a:defRPr>
-            </a:lvl1pPr>
-          </a:lstStyle>
-          <a:p>
-            <a:r>
-              <a:rPr lang="en-US" sz="4000" b="1">
-                <a:solidFill>
-                  <a:srgbClr val="E46102"/>
-                </a:solidFill>
-              </a:rPr>
-              <a:t>Regularized Linear Models</a:t>
-            </a:r>
-            <a:endParaRPr lang="en-US" sz="4000" b="1" dirty="0">
-              <a:solidFill>
-                <a:srgbClr val="E46102"/>
-              </a:solidFill>
-            </a:endParaRPr>
-          </a:p>
-        </p:txBody>
-      </p:sp>
-    </p:spTree>
-    <p:extLst>
-      <p:ext uri="{BB962C8B-B14F-4D97-AF65-F5344CB8AC3E}">
-        <p14:creationId xmlns:p14="http://schemas.microsoft.com/office/powerpoint/2010/main" val="3791910990"/>
-      </p:ext>
-    </p:extLst>
-  </p:cSld>
-  <p:clrMapOvr>
-    <a:masterClrMapping/>
-  </p:clrMapOvr>
-  <p:timing>
-    <p:tnLst>
-      <p:par>
-        <p:cTn id="1" dur="indefinite" restart="never" nodeType="tmRoot">
-          <p:childTnLst>
-            <p:seq concurrent="1" nextAc="seek">
-              <p:cTn id="2" dur="indefinite" nodeType="mainSeq">
-                <p:childTnLst>
-                  <p:par>
-                    <p:cTn id="3" fill="hold">
-                      <p:stCondLst>
-                        <p:cond delay="indefinite"/>
-                      </p:stCondLst>
-                      <p:childTnLst>
-                        <p:par>
-                          <p:cTn id="4" fill="hold">
-                            <p:stCondLst>
-                              <p:cond delay="0"/>
-                            </p:stCondLst>
-                            <p:childTnLst>
-                              <p:par>
-                                <p:cTn id="5" presetID="1" presetClass="entr" presetSubtype="0" fill="hold" grpId="0" nodeType="clickEffect">
-                                  <p:stCondLst>
-                                    <p:cond delay="0"/>
-                                  </p:stCondLst>
-                                  <p:childTnLst>
-                                    <p:set>
-                                      <p:cBhvr>
-                                        <p:cTn id="6" dur="1" fill="hold">
-                                          <p:stCondLst>
-                                            <p:cond delay="0"/>
-                                          </p:stCondLst>
-                                        </p:cTn>
-                                        <p:tgtEl>
-                                          <p:spTgt spid="96"/>
-                                        </p:tgtEl>
-                                        <p:attrNameLst>
-                                          <p:attrName>style.visibility</p:attrName>
-                                        </p:attrNameLst>
-                                      </p:cBhvr>
-                                      <p:to>
-                                        <p:strVal val="visible"/>
-                                      </p:to>
-                                    </p:set>
-                                  </p:childTnLst>
-                                </p:cTn>
-                              </p:par>
-                            </p:childTnLst>
-                          </p:cTn>
-                        </p:par>
-                      </p:childTnLst>
-                    </p:cTn>
-                  </p:par>
-                  <p:par>
-                    <p:cTn id="7" fill="hold">
-                      <p:stCondLst>
-                        <p:cond delay="indefinite"/>
-                      </p:stCondLst>
-                      <p:childTnLst>
-                        <p:par>
-                          <p:cTn id="8" fill="hold">
-                            <p:stCondLst>
-                              <p:cond delay="0"/>
-                            </p:stCondLst>
-                            <p:childTnLst>
-                              <p:par>
-                                <p:cTn id="9" presetID="1" presetClass="entr" presetSubtype="0" fill="hold" nodeType="clickEffect">
-                                  <p:stCondLst>
-                                    <p:cond delay="0"/>
-                                  </p:stCondLst>
-                                  <p:childTnLst>
-                                    <p:set>
-                                      <p:cBhvr>
-                                        <p:cTn id="10" dur="1" fill="hold">
-                                          <p:stCondLst>
-                                            <p:cond delay="0"/>
-                                          </p:stCondLst>
-                                        </p:cTn>
-                                        <p:tgtEl>
-                                          <p:spTgt spid="96">
-                                            <p:txEl>
-                                              <p:pRg st="0" end="0"/>
-                                            </p:txEl>
-                                          </p:spTgt>
-                                        </p:tgtEl>
-                                        <p:attrNameLst>
-                                          <p:attrName>style.visibility</p:attrName>
-                                        </p:attrNameLst>
-                                      </p:cBhvr>
-                                      <p:to>
-                                        <p:strVal val="visible"/>
-                                      </p:to>
-                                    </p:set>
-                                  </p:childTnLst>
-                                </p:cTn>
-                              </p:par>
-                            </p:childTnLst>
-                          </p:cTn>
-                        </p:par>
-                      </p:childTnLst>
-                    </p:cTn>
-                  </p:par>
-                  <p:par>
-                    <p:cTn id="11" fill="hold">
-                      <p:stCondLst>
-                        <p:cond delay="indefinite"/>
-                      </p:stCondLst>
-                      <p:childTnLst>
-                        <p:par>
-                          <p:cTn id="12" fill="hold">
-                            <p:stCondLst>
-                              <p:cond delay="0"/>
-                            </p:stCondLst>
-                            <p:childTnLst>
-                              <p:par>
-                                <p:cTn id="13" presetID="1" presetClass="entr" presetSubtype="0" fill="hold" nodeType="clickEffect">
-                                  <p:stCondLst>
-                                    <p:cond delay="0"/>
-                                  </p:stCondLst>
-                                  <p:childTnLst>
-                                    <p:set>
-                                      <p:cBhvr>
-                                        <p:cTn id="14" dur="1" fill="hold">
-                                          <p:stCondLst>
-                                            <p:cond delay="0"/>
-                                          </p:stCondLst>
-                                        </p:cTn>
-                                        <p:tgtEl>
-                                          <p:spTgt spid="96">
-                                            <p:txEl>
-                                              <p:pRg st="1" end="1"/>
-                                            </p:txEl>
-                                          </p:spTgt>
-                                        </p:tgtEl>
-                                        <p:attrNameLst>
-                                          <p:attrName>style.visibility</p:attrName>
-                                        </p:attrNameLst>
-                                      </p:cBhvr>
-                                      <p:to>
-                                        <p:strVal val="visible"/>
-                                      </p:to>
-                                    </p:set>
-                                  </p:childTnLst>
-                                </p:cTn>
-                              </p:par>
-                            </p:childTnLst>
-                          </p:cTn>
-                        </p:par>
-                      </p:childTnLst>
-                    </p:cTn>
-                  </p:par>
-                  <p:par>
-                    <p:cTn id="15" fill="hold">
-                      <p:stCondLst>
-                        <p:cond delay="indefinite"/>
-                      </p:stCondLst>
-                      <p:childTnLst>
-                        <p:par>
-                          <p:cTn id="16" fill="hold">
-                            <p:stCondLst>
-                              <p:cond delay="0"/>
-                            </p:stCondLst>
-                            <p:childTnLst>
-                              <p:par>
-                                <p:cTn id="17" presetID="1" presetClass="entr" presetSubtype="0" fill="hold" nodeType="clickEffect">
-                                  <p:stCondLst>
-                                    <p:cond delay="0"/>
-                                  </p:stCondLst>
-                                  <p:childTnLst>
-                                    <p:set>
-                                      <p:cBhvr>
-                                        <p:cTn id="18" dur="1" fill="hold">
-                                          <p:stCondLst>
-                                            <p:cond delay="0"/>
-                                          </p:stCondLst>
-                                        </p:cTn>
-                                        <p:tgtEl>
-                                          <p:spTgt spid="96">
-                                            <p:txEl>
-                                              <p:pRg st="2" end="2"/>
-                                            </p:txEl>
-                                          </p:spTgt>
-                                        </p:tgtEl>
-                                        <p:attrNameLst>
-                                          <p:attrName>style.visibility</p:attrName>
-                                        </p:attrNameLst>
-                                      </p:cBhvr>
-                                      <p:to>
-                                        <p:strVal val="visible"/>
-                                      </p:to>
-                                    </p:set>
-                                  </p:childTnLst>
-                                </p:cTn>
-                              </p:par>
-                            </p:childTnLst>
-                          </p:cTn>
-                        </p:par>
-                      </p:childTnLst>
-                    </p:cTn>
-                  </p:par>
-                  <p:par>
-                    <p:cTn id="19" fill="hold">
-                      <p:stCondLst>
-                        <p:cond delay="indefinite"/>
-                      </p:stCondLst>
-                      <p:childTnLst>
-                        <p:par>
-                          <p:cTn id="20" fill="hold">
-                            <p:stCondLst>
-                              <p:cond delay="0"/>
-                            </p:stCondLst>
-                            <p:childTnLst>
-                              <p:par>
-                                <p:cTn id="21" presetID="1" presetClass="entr" presetSubtype="0" fill="hold" nodeType="clickEffect">
-                                  <p:stCondLst>
-                                    <p:cond delay="0"/>
-                                  </p:stCondLst>
-                                  <p:childTnLst>
-                                    <p:set>
-                                      <p:cBhvr>
-                                        <p:cTn id="22" dur="1" fill="hold">
-                                          <p:stCondLst>
-                                            <p:cond delay="0"/>
-                                          </p:stCondLst>
-                                        </p:cTn>
-                                        <p:tgtEl>
-                                          <p:spTgt spid="96">
-                                            <p:txEl>
-                                              <p:pRg st="3" end="3"/>
-                                            </p:txEl>
-                                          </p:spTgt>
-                                        </p:tgtEl>
-                                        <p:attrNameLst>
-                                          <p:attrName>style.visibility</p:attrName>
-                                        </p:attrNameLst>
-                                      </p:cBhvr>
-                                      <p:to>
-                                        <p:strVal val="visible"/>
-                                      </p:to>
-                                    </p:set>
-                                  </p:childTnLst>
-                                </p:cTn>
-                              </p:par>
-                            </p:childTnLst>
-                          </p:cTn>
-                        </p:par>
-                      </p:childTnLst>
-                    </p:cTn>
-                  </p:par>
-                </p:childTnLst>
-              </p:cTn>
-              <p:prevCondLst>
-                <p:cond evt="onPrev" delay="0">
-                  <p:tgtEl>
-                    <p:sldTgt/>
-                  </p:tgtEl>
-                </p:cond>
-              </p:prevCondLst>
-              <p:nextCondLst>
-                <p:cond evt="onNext" delay="0">
-                  <p:tgtEl>
-                    <p:sldTgt/>
-                  </p:tgtEl>
-                </p:cond>
-              </p:nextCondLst>
-            </p:seq>
-          </p:childTnLst>
-        </p:cTn>
-      </p:par>
-    </p:tnLst>
-    <p:bldLst>
-      <p:bldP spid="96" grpId="0"/>
-    </p:bldLst>
-  </p:timing>
-</p:sld>
-</file>
-
-<file path=ppt/slides/slide12.xml><?xml version="1.0" encoding="utf-8"?>
 <p:sld xmlns:a="http://schemas.openxmlformats.org/drawingml/2006/main" xmlns:r="http://schemas.openxmlformats.org/officeDocument/2006/relationships" xmlns:p="http://schemas.openxmlformats.org/presentationml/2006/main">
   <p:cSld>
     <p:spTree>
@@ -8985,7 +7742,7 @@
 </p:sld>
 </file>
 
-<file path=ppt/slides/slide13.xml><?xml version="1.0" encoding="utf-8"?>
+<file path=ppt/slides/slide11.xml><?xml version="1.0" encoding="utf-8"?>
 <p:sld xmlns:a="http://schemas.openxmlformats.org/drawingml/2006/main" xmlns:r="http://schemas.openxmlformats.org/officeDocument/2006/relationships" xmlns:p="http://schemas.openxmlformats.org/presentationml/2006/main">
   <p:cSld>
     <p:spTree>
@@ -9476,7 +8233,7 @@
 </p:sld>
 </file>
 
-<file path=ppt/slides/slide14.xml><?xml version="1.0" encoding="utf-8"?>
+<file path=ppt/slides/slide12.xml><?xml version="1.0" encoding="utf-8"?>
 <p:sld xmlns:a="http://schemas.openxmlformats.org/drawingml/2006/main" xmlns:r="http://schemas.openxmlformats.org/officeDocument/2006/relationships" xmlns:p="http://schemas.openxmlformats.org/presentationml/2006/main">
   <p:cSld>
     <p:spTree>
@@ -9972,7 +8729,7 @@
 </p:sld>
 </file>
 
-<file path=ppt/slides/slide15.xml><?xml version="1.0" encoding="utf-8"?>
+<file path=ppt/slides/slide13.xml><?xml version="1.0" encoding="utf-8"?>
 <p:sld xmlns:a="http://schemas.openxmlformats.org/drawingml/2006/main" xmlns:r="http://schemas.openxmlformats.org/officeDocument/2006/relationships" xmlns:p="http://schemas.openxmlformats.org/presentationml/2006/main">
   <p:cSld>
     <p:spTree>
@@ -10384,7 +9141,7 @@
 </p:sld>
 </file>
 
-<file path=ppt/slides/slide16.xml><?xml version="1.0" encoding="utf-8"?>
+<file path=ppt/slides/slide14.xml><?xml version="1.0" encoding="utf-8"?>
 <p:sld xmlns:a="http://schemas.openxmlformats.org/drawingml/2006/main" xmlns:r="http://schemas.openxmlformats.org/officeDocument/2006/relationships" xmlns:p="http://schemas.openxmlformats.org/presentationml/2006/main">
   <p:cSld>
     <p:spTree>
@@ -10854,7 +9611,7 @@
 </p:sld>
 </file>
 
-<file path=ppt/slides/slide17.xml><?xml version="1.0" encoding="utf-8"?>
+<file path=ppt/slides/slide15.xml><?xml version="1.0" encoding="utf-8"?>
 <p:sld xmlns:a="http://schemas.openxmlformats.org/drawingml/2006/main" xmlns:r="http://schemas.openxmlformats.org/officeDocument/2006/relationships" xmlns:p="http://schemas.openxmlformats.org/presentationml/2006/main">
   <p:cSld>
     <p:spTree>
@@ -11281,7 +10038,7 @@
 </p:sld>
 </file>
 
-<file path=ppt/slides/slide18.xml><?xml version="1.0" encoding="utf-8"?>
+<file path=ppt/slides/slide16.xml><?xml version="1.0" encoding="utf-8"?>
 <p:sld xmlns:a="http://schemas.openxmlformats.org/drawingml/2006/main" xmlns:r="http://schemas.openxmlformats.org/officeDocument/2006/relationships" xmlns:p="http://schemas.openxmlformats.org/presentationml/2006/main">
   <p:cSld>
     <p:spTree>
@@ -11910,7 +10667,7 @@
 </p:sld>
 </file>
 
-<file path=ppt/slides/slide19.xml><?xml version="1.0" encoding="utf-8"?>
+<file path=ppt/slides/slide17.xml><?xml version="1.0" encoding="utf-8"?>
 <p:sld xmlns:a="http://schemas.openxmlformats.org/drawingml/2006/main" xmlns:r="http://schemas.openxmlformats.org/officeDocument/2006/relationships" xmlns:p="http://schemas.openxmlformats.org/presentationml/2006/main">
   <p:cSld>
     <p:spTree>
@@ -12285,242 +11042,7 @@
 </p:sld>
 </file>
 
-<file path=ppt/slides/slide2.xml><?xml version="1.0" encoding="utf-8"?>
-<p:sld xmlns:a="http://schemas.openxmlformats.org/drawingml/2006/main" xmlns:r="http://schemas.openxmlformats.org/officeDocument/2006/relationships" xmlns:p="http://schemas.openxmlformats.org/presentationml/2006/main">
-  <p:cSld>
-    <p:spTree>
-      <p:nvGrpSpPr>
-        <p:cNvPr id="1" name=""/>
-        <p:cNvGrpSpPr/>
-        <p:nvPr/>
-      </p:nvGrpSpPr>
-      <p:grpSpPr>
-        <a:xfrm>
-          <a:off x="0" y="0"/>
-          <a:ext cx="0" cy="0"/>
-          <a:chOff x="0" y="0"/>
-          <a:chExt cx="0" cy="0"/>
-        </a:xfrm>
-      </p:grpSpPr>
-      <p:sp>
-        <p:nvSpPr>
-          <p:cNvPr id="4" name="Google Shape;95;p14">
-            <a:extLst>
-              <a:ext uri="{FF2B5EF4-FFF2-40B4-BE49-F238E27FC236}">
-                <a16:creationId xmlns:a16="http://schemas.microsoft.com/office/drawing/2014/main" id="{F510D98E-5D08-45D0-94BE-70EBCB426A1D}"/>
-              </a:ext>
-            </a:extLst>
-          </p:cNvPr>
-          <p:cNvSpPr txBox="1">
-            <a:spLocks/>
-          </p:cNvSpPr>
-          <p:nvPr/>
-        </p:nvSpPr>
-        <p:spPr>
-          <a:xfrm>
-            <a:off x="717173" y="696913"/>
-            <a:ext cx="10972800" cy="1068387"/>
-          </a:xfrm>
-          <a:prstGeom prst="rect">
-            <a:avLst/>
-          </a:prstGeom>
-        </p:spPr>
-        <p:txBody>
-          <a:bodyPr spcFirstLastPara="1" wrap="square" lIns="121900" tIns="121900" rIns="121900" bIns="121900" anchor="ctr" anchorCtr="0">
-            <a:noAutofit/>
-          </a:bodyPr>
-          <a:lstStyle>
-            <a:lvl1pPr algn="ctr" defTabSz="609585" rtl="0" eaLnBrk="1" latinLnBrk="0" hangingPunct="1">
-              <a:spcBef>
-                <a:spcPct val="0"/>
-              </a:spcBef>
-              <a:buNone/>
-              <a:defRPr sz="5867" kern="1200">
-                <a:solidFill>
-                  <a:schemeClr val="tx1"/>
-                </a:solidFill>
-                <a:latin typeface="+mj-lt"/>
-                <a:ea typeface="+mj-ea"/>
-                <a:cs typeface="+mj-cs"/>
-              </a:defRPr>
-            </a:lvl1pPr>
-          </a:lstStyle>
-          <a:p>
-            <a:r>
-              <a:rPr lang="en-US" sz="4400" b="1" dirty="0">
-                <a:solidFill>
-                  <a:srgbClr val="E46102"/>
-                </a:solidFill>
-              </a:rPr>
-              <a:t>Course Information</a:t>
-            </a:r>
-          </a:p>
-        </p:txBody>
-      </p:sp>
-      <p:sp>
-        <p:nvSpPr>
-          <p:cNvPr id="5" name="Google Shape;96;p14">
-            <a:extLst>
-              <a:ext uri="{FF2B5EF4-FFF2-40B4-BE49-F238E27FC236}">
-                <a16:creationId xmlns:a16="http://schemas.microsoft.com/office/drawing/2014/main" id="{9AF559A4-0F1F-4BB7-9370-E97582222A3B}"/>
-              </a:ext>
-            </a:extLst>
-          </p:cNvPr>
-          <p:cNvSpPr txBox="1"/>
-          <p:nvPr/>
-        </p:nvSpPr>
-        <p:spPr>
-          <a:xfrm>
-            <a:off x="591671" y="1749025"/>
-            <a:ext cx="10668001" cy="4176000"/>
-          </a:xfrm>
-          <a:prstGeom prst="rect">
-            <a:avLst/>
-          </a:prstGeom>
-          <a:noFill/>
-          <a:ln>
-            <a:noFill/>
-          </a:ln>
-        </p:spPr>
-        <p:txBody>
-          <a:bodyPr spcFirstLastPara="1" wrap="square" lIns="121900" tIns="121900" rIns="121900" bIns="121900" anchor="t" anchorCtr="0">
-            <a:noAutofit/>
-          </a:bodyPr>
-          <a:lstStyle/>
-          <a:p>
-            <a:pPr marL="444498" indent="-342900">
-              <a:buSzPts val="2400"/>
-              <a:buFont typeface="Arial" panose="020B0604020202020204" pitchFamily="34" charset="0"/>
-              <a:buChar char="•"/>
-            </a:pPr>
-            <a:r>
-              <a:rPr lang="en-US" dirty="0"/>
-              <a:t>GitHub link - </a:t>
-            </a:r>
-            <a:r>
-              <a:rPr lang="en-US" dirty="0">
-                <a:hlinkClick r:id="rId2"/>
-              </a:rPr>
-              <a:t>https://github.com/aiforsec/RIT-DSCI-633-FDS</a:t>
-            </a:r>
-            <a:endParaRPr lang="en-US" dirty="0"/>
-          </a:p>
-          <a:p>
-            <a:pPr marL="444498" indent="-342900">
-              <a:buSzPts val="2400"/>
-              <a:buFont typeface="Arial" panose="020B0604020202020204" pitchFamily="34" charset="0"/>
-              <a:buChar char="•"/>
-            </a:pPr>
-            <a:r>
-              <a:rPr lang="en-US" dirty="0"/>
-              <a:t>Assignment 2 was due today at 7:59 am</a:t>
-            </a:r>
-          </a:p>
-          <a:p>
-            <a:pPr marL="1054083" lvl="1" indent="-342900">
-              <a:buSzPts val="2400"/>
-              <a:buFont typeface="Arial" panose="020B0604020202020204" pitchFamily="34" charset="0"/>
-              <a:buChar char="•"/>
-            </a:pPr>
-            <a:r>
-              <a:rPr lang="en-US" dirty="0"/>
-              <a:t>After allowing an extension last time</a:t>
-            </a:r>
-          </a:p>
-        </p:txBody>
-      </p:sp>
-    </p:spTree>
-    <p:extLst>
-      <p:ext uri="{BB962C8B-B14F-4D97-AF65-F5344CB8AC3E}">
-        <p14:creationId xmlns:p14="http://schemas.microsoft.com/office/powerpoint/2010/main" val="1336086052"/>
-      </p:ext>
-    </p:extLst>
-  </p:cSld>
-  <p:clrMapOvr>
-    <a:masterClrMapping/>
-  </p:clrMapOvr>
-  <p:timing>
-    <p:tnLst>
-      <p:par>
-        <p:cTn id="1" dur="indefinite" restart="never" nodeType="tmRoot">
-          <p:childTnLst>
-            <p:seq concurrent="1" nextAc="seek">
-              <p:cTn id="2" dur="indefinite" nodeType="mainSeq">
-                <p:childTnLst>
-                  <p:par>
-                    <p:cTn id="3" fill="hold">
-                      <p:stCondLst>
-                        <p:cond delay="indefinite"/>
-                      </p:stCondLst>
-                      <p:childTnLst>
-                        <p:par>
-                          <p:cTn id="4" fill="hold">
-                            <p:stCondLst>
-                              <p:cond delay="0"/>
-                            </p:stCondLst>
-                            <p:childTnLst>
-                              <p:par>
-                                <p:cTn id="5" presetID="1" presetClass="entr" presetSubtype="0" fill="hold" grpId="0" nodeType="clickEffect">
-                                  <p:stCondLst>
-                                    <p:cond delay="0"/>
-                                  </p:stCondLst>
-                                  <p:childTnLst>
-                                    <p:set>
-                                      <p:cBhvr>
-                                        <p:cTn id="6" dur="1" fill="hold">
-                                          <p:stCondLst>
-                                            <p:cond delay="0"/>
-                                          </p:stCondLst>
-                                        </p:cTn>
-                                        <p:tgtEl>
-                                          <p:spTgt spid="5"/>
-                                        </p:tgtEl>
-                                        <p:attrNameLst>
-                                          <p:attrName>style.visibility</p:attrName>
-                                        </p:attrNameLst>
-                                      </p:cBhvr>
-                                      <p:to>
-                                        <p:strVal val="visible"/>
-                                      </p:to>
-                                    </p:set>
-                                  </p:childTnLst>
-                                </p:cTn>
-                              </p:par>
-                            </p:childTnLst>
-                          </p:cTn>
-                        </p:par>
-                      </p:childTnLst>
-                    </p:cTn>
-                  </p:par>
-                </p:childTnLst>
-              </p:cTn>
-              <p:prevCondLst>
-                <p:cond evt="onPrev" delay="0">
-                  <p:tgtEl>
-                    <p:sldTgt/>
-                  </p:tgtEl>
-                </p:cond>
-              </p:prevCondLst>
-              <p:nextCondLst>
-                <p:cond evt="onNext" delay="0">
-                  <p:tgtEl>
-                    <p:sldTgt/>
-                  </p:tgtEl>
-                </p:cond>
-              </p:nextCondLst>
-            </p:seq>
-          </p:childTnLst>
-        </p:cTn>
-      </p:par>
-    </p:tnLst>
-    <p:bldLst>
-      <p:bldP spid="5" grpId="0"/>
-    </p:bldLst>
-  </p:timing>
-</p:sld>
-</file>
-
-<file path=ppt/slides/slide20.xml><?xml version="1.0" encoding="utf-8"?>
+<file path=ppt/slides/slide18.xml><?xml version="1.0" encoding="utf-8"?>
 <p:sld xmlns:a="http://schemas.openxmlformats.org/drawingml/2006/main" xmlns:r="http://schemas.openxmlformats.org/officeDocument/2006/relationships" xmlns:p="http://schemas.openxmlformats.org/presentationml/2006/main">
   <p:cSld>
     <p:spTree>
@@ -13017,7 +11539,7 @@
 </p:sld>
 </file>
 
-<file path=ppt/slides/slide21.xml><?xml version="1.0" encoding="utf-8"?>
+<file path=ppt/slides/slide19.xml><?xml version="1.0" encoding="utf-8"?>
 <p:sld xmlns:a="http://schemas.openxmlformats.org/drawingml/2006/main" xmlns:r="http://schemas.openxmlformats.org/officeDocument/2006/relationships" xmlns:p="http://schemas.openxmlformats.org/presentationml/2006/main">
   <p:cSld>
     <p:spTree>
@@ -13683,7 +12205,262 @@
 </p:sld>
 </file>
 
-<file path=ppt/slides/slide22.xml><?xml version="1.0" encoding="utf-8"?>
+<file path=ppt/slides/slide2.xml><?xml version="1.0" encoding="utf-8"?>
+<p:sld xmlns:a="http://schemas.openxmlformats.org/drawingml/2006/main" xmlns:r="http://schemas.openxmlformats.org/officeDocument/2006/relationships" xmlns:p="http://schemas.openxmlformats.org/presentationml/2006/main">
+  <p:cSld>
+    <p:spTree>
+      <p:nvGrpSpPr>
+        <p:cNvPr id="1" name="Shape 94"/>
+        <p:cNvGrpSpPr/>
+        <p:nvPr/>
+      </p:nvGrpSpPr>
+      <p:grpSpPr>
+        <a:xfrm>
+          <a:off x="0" y="0"/>
+          <a:ext cx="0" cy="0"/>
+          <a:chOff x="0" y="0"/>
+          <a:chExt cx="0" cy="0"/>
+        </a:xfrm>
+      </p:grpSpPr>
+      <p:sp>
+        <p:nvSpPr>
+          <p:cNvPr id="95" name="Google Shape;95;p14"/>
+          <p:cNvSpPr txBox="1">
+            <a:spLocks noGrp="1"/>
+          </p:cNvSpPr>
+          <p:nvPr>
+            <p:ph type="title" idx="4294967295"/>
+          </p:nvPr>
+        </p:nvSpPr>
+        <p:spPr>
+          <a:xfrm>
+            <a:off x="717173" y="696913"/>
+            <a:ext cx="10972800" cy="506789"/>
+          </a:xfrm>
+          <a:prstGeom prst="rect">
+            <a:avLst/>
+          </a:prstGeom>
+        </p:spPr>
+        <p:txBody>
+          <a:bodyPr spcFirstLastPara="1" wrap="square" lIns="121900" tIns="121900" rIns="121900" bIns="121900" anchor="ctr" anchorCtr="0">
+            <a:noAutofit/>
+          </a:bodyPr>
+          <a:lstStyle/>
+          <a:p>
+            <a:r>
+              <a:rPr lang="en-US" sz="4000" b="1" dirty="0">
+                <a:solidFill>
+                  <a:srgbClr val="E46102"/>
+                </a:solidFill>
+              </a:rPr>
+              <a:t>Lecture Objective</a:t>
+            </a:r>
+            <a:endParaRPr sz="4000" b="1" dirty="0">
+              <a:solidFill>
+                <a:srgbClr val="E46102"/>
+              </a:solidFill>
+            </a:endParaRPr>
+          </a:p>
+        </p:txBody>
+      </p:sp>
+      <p:sp>
+        <p:nvSpPr>
+          <p:cNvPr id="96" name="Google Shape;96;p14"/>
+          <p:cNvSpPr txBox="1"/>
+          <p:nvPr/>
+        </p:nvSpPr>
+        <p:spPr>
+          <a:xfrm>
+            <a:off x="521776" y="1382233"/>
+            <a:ext cx="11277600" cy="4176000"/>
+          </a:xfrm>
+          <a:prstGeom prst="rect">
+            <a:avLst/>
+          </a:prstGeom>
+          <a:noFill/>
+          <a:ln>
+            <a:noFill/>
+          </a:ln>
+        </p:spPr>
+        <p:txBody>
+          <a:bodyPr spcFirstLastPara="1" wrap="square" lIns="121900" tIns="121900" rIns="121900" bIns="121900" anchor="t" anchorCtr="0">
+            <a:noAutofit/>
+          </a:bodyPr>
+          <a:lstStyle/>
+          <a:p>
+            <a:pPr marL="457200" indent="-457200">
+              <a:buFont typeface="Arial" panose="020B0604020202020204" pitchFamily="34" charset="0"/>
+              <a:buChar char="•"/>
+            </a:pPr>
+            <a:r>
+              <a:rPr lang="en-US" sz="2800" dirty="0"/>
+              <a:t>Study and Implement </a:t>
+            </a:r>
+            <a:r>
+              <a:rPr lang="en-US" sz="2800" b="1" dirty="0"/>
+              <a:t>Training Models</a:t>
+            </a:r>
+          </a:p>
+          <a:p>
+            <a:pPr marL="1066785" lvl="1" indent="-457200">
+              <a:buFont typeface="Arial" panose="020B0604020202020204" pitchFamily="34" charset="0"/>
+              <a:buChar char="•"/>
+            </a:pPr>
+            <a:r>
+              <a:rPr lang="en-US" dirty="0">
+                <a:solidFill>
+                  <a:schemeClr val="bg1">
+                    <a:lumMod val="75000"/>
+                  </a:schemeClr>
+                </a:solidFill>
+              </a:rPr>
+              <a:t>Linear Regression</a:t>
+            </a:r>
+          </a:p>
+          <a:p>
+            <a:pPr marL="1066785" lvl="1" indent="-457200">
+              <a:buFont typeface="Arial" panose="020B0604020202020204" pitchFamily="34" charset="0"/>
+              <a:buChar char="•"/>
+            </a:pPr>
+            <a:r>
+              <a:rPr lang="en-US" dirty="0">
+                <a:solidFill>
+                  <a:schemeClr val="bg1">
+                    <a:lumMod val="75000"/>
+                  </a:schemeClr>
+                </a:solidFill>
+              </a:rPr>
+              <a:t>Gradient Descent</a:t>
+            </a:r>
+          </a:p>
+          <a:p>
+            <a:pPr marL="1066785" lvl="1" indent="-457200">
+              <a:buFont typeface="Arial" panose="020B0604020202020204" pitchFamily="34" charset="0"/>
+              <a:buChar char="•"/>
+            </a:pPr>
+            <a:r>
+              <a:rPr lang="en-US" dirty="0"/>
+              <a:t>Regularized Linear Models</a:t>
+            </a:r>
+          </a:p>
+          <a:p>
+            <a:pPr marL="1066785" lvl="1" indent="-457200">
+              <a:buFont typeface="Arial" panose="020B0604020202020204" pitchFamily="34" charset="0"/>
+              <a:buChar char="•"/>
+            </a:pPr>
+            <a:r>
+              <a:rPr lang="en-US" dirty="0"/>
+              <a:t>Logistic Regression</a:t>
+            </a:r>
+          </a:p>
+          <a:p>
+            <a:pPr marL="1066785" lvl="1" indent="-457200">
+              <a:buFont typeface="Arial" panose="020B0604020202020204" pitchFamily="34" charset="0"/>
+              <a:buChar char="•"/>
+            </a:pPr>
+            <a:r>
+              <a:rPr lang="en-US" dirty="0"/>
+              <a:t>Softmax Regression</a:t>
+            </a:r>
+          </a:p>
+          <a:p>
+            <a:pPr lvl="1"/>
+            <a:endParaRPr lang="en-US" dirty="0"/>
+          </a:p>
+        </p:txBody>
+      </p:sp>
+    </p:spTree>
+    <p:extLst>
+      <p:ext uri="{BB962C8B-B14F-4D97-AF65-F5344CB8AC3E}">
+        <p14:creationId xmlns:p14="http://schemas.microsoft.com/office/powerpoint/2010/main" val="3270129138"/>
+      </p:ext>
+    </p:extLst>
+  </p:cSld>
+  <p:clrMapOvr>
+    <a:masterClrMapping/>
+  </p:clrMapOvr>
+  <p:timing>
+    <p:tnLst>
+      <p:par>
+        <p:cTn id="1" dur="indefinite" restart="never" nodeType="tmRoot">
+          <p:childTnLst>
+            <p:seq concurrent="1" nextAc="seek">
+              <p:cTn id="2" dur="indefinite" nodeType="mainSeq">
+                <p:childTnLst>
+                  <p:par>
+                    <p:cTn id="3" fill="hold">
+                      <p:stCondLst>
+                        <p:cond delay="indefinite"/>
+                      </p:stCondLst>
+                      <p:childTnLst>
+                        <p:par>
+                          <p:cTn id="4" fill="hold">
+                            <p:stCondLst>
+                              <p:cond delay="0"/>
+                            </p:stCondLst>
+                            <p:childTnLst>
+                              <p:par>
+                                <p:cTn id="5" presetID="1" presetClass="entr" presetSubtype="0" fill="hold" grpId="0" nodeType="clickEffect">
+                                  <p:stCondLst>
+                                    <p:cond delay="0"/>
+                                  </p:stCondLst>
+                                  <p:childTnLst>
+                                    <p:set>
+                                      <p:cBhvr>
+                                        <p:cTn id="6" dur="1" fill="hold">
+                                          <p:stCondLst>
+                                            <p:cond delay="0"/>
+                                          </p:stCondLst>
+                                        </p:cTn>
+                                        <p:tgtEl>
+                                          <p:spTgt spid="96"/>
+                                        </p:tgtEl>
+                                        <p:attrNameLst>
+                                          <p:attrName>style.visibility</p:attrName>
+                                        </p:attrNameLst>
+                                      </p:cBhvr>
+                                      <p:to>
+                                        <p:strVal val="visible"/>
+                                      </p:to>
+                                    </p:set>
+                                  </p:childTnLst>
+                                </p:cTn>
+                              </p:par>
+                            </p:childTnLst>
+                          </p:cTn>
+                        </p:par>
+                      </p:childTnLst>
+                    </p:cTn>
+                  </p:par>
+                </p:childTnLst>
+              </p:cTn>
+              <p:prevCondLst>
+                <p:cond evt="onPrev" delay="0">
+                  <p:tgtEl>
+                    <p:sldTgt/>
+                  </p:tgtEl>
+                </p:cond>
+              </p:prevCondLst>
+              <p:nextCondLst>
+                <p:cond evt="onNext" delay="0">
+                  <p:tgtEl>
+                    <p:sldTgt/>
+                  </p:tgtEl>
+                </p:cond>
+              </p:nextCondLst>
+            </p:seq>
+          </p:childTnLst>
+        </p:cTn>
+      </p:par>
+    </p:tnLst>
+    <p:bldLst>
+      <p:bldP spid="96" grpId="0"/>
+    </p:bldLst>
+  </p:timing>
+</p:sld>
+</file>
+
+<file path=ppt/slides/slide20.xml><?xml version="1.0" encoding="utf-8"?>
 <p:sld xmlns:a="http://schemas.openxmlformats.org/drawingml/2006/main" xmlns:r="http://schemas.openxmlformats.org/officeDocument/2006/relationships" xmlns:p="http://schemas.openxmlformats.org/presentationml/2006/main">
   <p:cSld>
     <p:spTree>
@@ -14336,7 +13113,7 @@
 </p:sld>
 </file>
 
-<file path=ppt/slides/slide23.xml><?xml version="1.0" encoding="utf-8"?>
+<file path=ppt/slides/slide21.xml><?xml version="1.0" encoding="utf-8"?>
 <p:sld xmlns:a="http://schemas.openxmlformats.org/drawingml/2006/main" xmlns:r="http://schemas.openxmlformats.org/officeDocument/2006/relationships" xmlns:p="http://schemas.openxmlformats.org/presentationml/2006/main">
   <p:cSld>
     <p:spTree>
@@ -14990,7 +13767,7 @@
 </p:sld>
 </file>
 
-<file path=ppt/slides/slide24.xml><?xml version="1.0" encoding="utf-8"?>
+<file path=ppt/slides/slide22.xml><?xml version="1.0" encoding="utf-8"?>
 <p:sld xmlns:a="http://schemas.openxmlformats.org/drawingml/2006/main" xmlns:r="http://schemas.openxmlformats.org/officeDocument/2006/relationships" xmlns:p="http://schemas.openxmlformats.org/presentationml/2006/main">
   <p:cSld>
     <p:spTree>
@@ -15644,7 +14421,7 @@
 </p:sld>
 </file>
 
-<file path=ppt/slides/slide25.xml><?xml version="1.0" encoding="utf-8"?>
+<file path=ppt/slides/slide23.xml><?xml version="1.0" encoding="utf-8"?>
 <p:sld xmlns:a="http://schemas.openxmlformats.org/drawingml/2006/main" xmlns:r="http://schemas.openxmlformats.org/officeDocument/2006/relationships" xmlns:p="http://schemas.openxmlformats.org/presentationml/2006/main">
   <p:cSld>
     <p:spTree>
@@ -16239,7 +15016,7 @@
 </p:sld>
 </file>
 
-<file path=ppt/slides/slide26.xml><?xml version="1.0" encoding="utf-8"?>
+<file path=ppt/slides/slide24.xml><?xml version="1.0" encoding="utf-8"?>
 <p:sld xmlns:a="http://schemas.openxmlformats.org/drawingml/2006/main" xmlns:r="http://schemas.openxmlformats.org/officeDocument/2006/relationships" xmlns:p="http://schemas.openxmlformats.org/presentationml/2006/main">
   <p:cSld>
     <p:spTree>
@@ -16557,7 +15334,7 @@
 </p:sld>
 </file>
 
-<file path=ppt/slides/slide27.xml><?xml version="1.0" encoding="utf-8"?>
+<file path=ppt/slides/slide25.xml><?xml version="1.0" encoding="utf-8"?>
 <p:sld xmlns:a="http://schemas.openxmlformats.org/drawingml/2006/main" xmlns:r="http://schemas.openxmlformats.org/officeDocument/2006/relationships" xmlns:p="http://schemas.openxmlformats.org/presentationml/2006/main">
   <p:cSld>
     <p:spTree>
@@ -16619,332 +15396,6 @@
 </file>
 
 <file path=ppt/slides/slide3.xml><?xml version="1.0" encoding="utf-8"?>
-<p:sld xmlns:a="http://schemas.openxmlformats.org/drawingml/2006/main" xmlns:r="http://schemas.openxmlformats.org/officeDocument/2006/relationships" xmlns:p="http://schemas.openxmlformats.org/presentationml/2006/main">
-  <p:cSld>
-    <p:spTree>
-      <p:nvGrpSpPr>
-        <p:cNvPr id="1" name="Shape 94"/>
-        <p:cNvGrpSpPr/>
-        <p:nvPr/>
-      </p:nvGrpSpPr>
-      <p:grpSpPr>
-        <a:xfrm>
-          <a:off x="0" y="0"/>
-          <a:ext cx="0" cy="0"/>
-          <a:chOff x="0" y="0"/>
-          <a:chExt cx="0" cy="0"/>
-        </a:xfrm>
-      </p:grpSpPr>
-      <p:sp>
-        <p:nvSpPr>
-          <p:cNvPr id="95" name="Google Shape;95;p14"/>
-          <p:cNvSpPr txBox="1">
-            <a:spLocks noGrp="1"/>
-          </p:cNvSpPr>
-          <p:nvPr>
-            <p:ph type="title" idx="4294967295"/>
-          </p:nvPr>
-        </p:nvSpPr>
-        <p:spPr>
-          <a:xfrm>
-            <a:off x="717173" y="696913"/>
-            <a:ext cx="10972800" cy="506789"/>
-          </a:xfrm>
-          <a:prstGeom prst="rect">
-            <a:avLst/>
-          </a:prstGeom>
-        </p:spPr>
-        <p:txBody>
-          <a:bodyPr spcFirstLastPara="1" wrap="square" lIns="121900" tIns="121900" rIns="121900" bIns="121900" anchor="ctr" anchorCtr="0">
-            <a:noAutofit/>
-          </a:bodyPr>
-          <a:lstStyle/>
-          <a:p>
-            <a:r>
-              <a:rPr lang="en-US" sz="4000" b="1" dirty="0">
-                <a:solidFill>
-                  <a:srgbClr val="E46102"/>
-                </a:solidFill>
-              </a:rPr>
-              <a:t>Lecture Objective</a:t>
-            </a:r>
-            <a:endParaRPr sz="4000" b="1" dirty="0">
-              <a:solidFill>
-                <a:srgbClr val="E46102"/>
-              </a:solidFill>
-            </a:endParaRPr>
-          </a:p>
-        </p:txBody>
-      </p:sp>
-      <p:sp>
-        <p:nvSpPr>
-          <p:cNvPr id="96" name="Google Shape;96;p14"/>
-          <p:cNvSpPr txBox="1"/>
-          <p:nvPr/>
-        </p:nvSpPr>
-        <p:spPr>
-          <a:xfrm>
-            <a:off x="521776" y="1382233"/>
-            <a:ext cx="11277600" cy="4176000"/>
-          </a:xfrm>
-          <a:prstGeom prst="rect">
-            <a:avLst/>
-          </a:prstGeom>
-          <a:noFill/>
-          <a:ln>
-            <a:noFill/>
-          </a:ln>
-        </p:spPr>
-        <p:txBody>
-          <a:bodyPr spcFirstLastPara="1" wrap="square" lIns="121900" tIns="121900" rIns="121900" bIns="121900" anchor="t" anchorCtr="0">
-            <a:noAutofit/>
-          </a:bodyPr>
-          <a:lstStyle/>
-          <a:p>
-            <a:pPr marL="457200" indent="-457200">
-              <a:buFont typeface="Arial" panose="020B0604020202020204" pitchFamily="34" charset="0"/>
-              <a:buChar char="•"/>
-            </a:pPr>
-            <a:r>
-              <a:rPr lang="en-US" sz="2800" dirty="0"/>
-              <a:t>Study and Implement </a:t>
-            </a:r>
-            <a:r>
-              <a:rPr lang="en-US" sz="2800" b="1" dirty="0"/>
-              <a:t>Training Models</a:t>
-            </a:r>
-          </a:p>
-          <a:p>
-            <a:pPr marL="1066785" lvl="1" indent="-457200">
-              <a:buFont typeface="Arial" panose="020B0604020202020204" pitchFamily="34" charset="0"/>
-              <a:buChar char="•"/>
-            </a:pPr>
-            <a:r>
-              <a:rPr lang="en-US" dirty="0">
-                <a:solidFill>
-                  <a:schemeClr val="bg1">
-                    <a:lumMod val="75000"/>
-                  </a:schemeClr>
-                </a:solidFill>
-              </a:rPr>
-              <a:t>Linear Regression</a:t>
-            </a:r>
-          </a:p>
-          <a:p>
-            <a:pPr marL="1066785" lvl="1" indent="-457200">
-              <a:buFont typeface="Arial" panose="020B0604020202020204" pitchFamily="34" charset="0"/>
-              <a:buChar char="•"/>
-            </a:pPr>
-            <a:r>
-              <a:rPr lang="en-US" dirty="0">
-                <a:solidFill>
-                  <a:schemeClr val="bg1">
-                    <a:lumMod val="75000"/>
-                  </a:schemeClr>
-                </a:solidFill>
-              </a:rPr>
-              <a:t>Gradient Descent</a:t>
-            </a:r>
-          </a:p>
-          <a:p>
-            <a:pPr marL="1066785" lvl="1" indent="-457200">
-              <a:buFont typeface="Arial" panose="020B0604020202020204" pitchFamily="34" charset="0"/>
-              <a:buChar char="•"/>
-            </a:pPr>
-            <a:r>
-              <a:rPr lang="en-US" dirty="0"/>
-              <a:t>Regularized Linear Models</a:t>
-            </a:r>
-          </a:p>
-          <a:p>
-            <a:pPr marL="1066785" lvl="1" indent="-457200">
-              <a:buFont typeface="Arial" panose="020B0604020202020204" pitchFamily="34" charset="0"/>
-              <a:buChar char="•"/>
-            </a:pPr>
-            <a:r>
-              <a:rPr lang="en-US" dirty="0"/>
-              <a:t>Logistic Regression</a:t>
-            </a:r>
-          </a:p>
-          <a:p>
-            <a:pPr marL="1066785" lvl="1" indent="-457200">
-              <a:buFont typeface="Arial" panose="020B0604020202020204" pitchFamily="34" charset="0"/>
-              <a:buChar char="•"/>
-            </a:pPr>
-            <a:r>
-              <a:rPr lang="en-US" dirty="0"/>
-              <a:t>Softmax Regression</a:t>
-            </a:r>
-          </a:p>
-          <a:p>
-            <a:pPr lvl="1"/>
-            <a:endParaRPr lang="en-US" dirty="0"/>
-          </a:p>
-        </p:txBody>
-      </p:sp>
-    </p:spTree>
-    <p:extLst>
-      <p:ext uri="{BB962C8B-B14F-4D97-AF65-F5344CB8AC3E}">
-        <p14:creationId xmlns:p14="http://schemas.microsoft.com/office/powerpoint/2010/main" val="3270129138"/>
-      </p:ext>
-    </p:extLst>
-  </p:cSld>
-  <p:clrMapOvr>
-    <a:masterClrMapping/>
-  </p:clrMapOvr>
-  <p:timing>
-    <p:tnLst>
-      <p:par>
-        <p:cTn id="1" dur="indefinite" restart="never" nodeType="tmRoot">
-          <p:childTnLst>
-            <p:seq concurrent="1" nextAc="seek">
-              <p:cTn id="2" dur="indefinite" nodeType="mainSeq">
-                <p:childTnLst>
-                  <p:par>
-                    <p:cTn id="3" fill="hold">
-                      <p:stCondLst>
-                        <p:cond delay="indefinite"/>
-                      </p:stCondLst>
-                      <p:childTnLst>
-                        <p:par>
-                          <p:cTn id="4" fill="hold">
-                            <p:stCondLst>
-                              <p:cond delay="0"/>
-                            </p:stCondLst>
-                            <p:childTnLst>
-                              <p:par>
-                                <p:cTn id="5" presetID="1" presetClass="entr" presetSubtype="0" fill="hold" grpId="0" nodeType="clickEffect">
-                                  <p:stCondLst>
-                                    <p:cond delay="0"/>
-                                  </p:stCondLst>
-                                  <p:childTnLst>
-                                    <p:set>
-                                      <p:cBhvr>
-                                        <p:cTn id="6" dur="1" fill="hold">
-                                          <p:stCondLst>
-                                            <p:cond delay="0"/>
-                                          </p:stCondLst>
-                                        </p:cTn>
-                                        <p:tgtEl>
-                                          <p:spTgt spid="96"/>
-                                        </p:tgtEl>
-                                        <p:attrNameLst>
-                                          <p:attrName>style.visibility</p:attrName>
-                                        </p:attrNameLst>
-                                      </p:cBhvr>
-                                      <p:to>
-                                        <p:strVal val="visible"/>
-                                      </p:to>
-                                    </p:set>
-                                  </p:childTnLst>
-                                </p:cTn>
-                              </p:par>
-                            </p:childTnLst>
-                          </p:cTn>
-                        </p:par>
-                      </p:childTnLst>
-                    </p:cTn>
-                  </p:par>
-                </p:childTnLst>
-              </p:cTn>
-              <p:prevCondLst>
-                <p:cond evt="onPrev" delay="0">
-                  <p:tgtEl>
-                    <p:sldTgt/>
-                  </p:tgtEl>
-                </p:cond>
-              </p:prevCondLst>
-              <p:nextCondLst>
-                <p:cond evt="onNext" delay="0">
-                  <p:tgtEl>
-                    <p:sldTgt/>
-                  </p:tgtEl>
-                </p:cond>
-              </p:nextCondLst>
-            </p:seq>
-          </p:childTnLst>
-        </p:cTn>
-      </p:par>
-    </p:tnLst>
-    <p:bldLst>
-      <p:bldP spid="96" grpId="0"/>
-    </p:bldLst>
-  </p:timing>
-</p:sld>
-</file>
-
-<file path=ppt/slides/slide4.xml><?xml version="1.0" encoding="utf-8"?>
-<p:sld xmlns:a="http://schemas.openxmlformats.org/drawingml/2006/main" xmlns:r="http://schemas.openxmlformats.org/officeDocument/2006/relationships" xmlns:p="http://schemas.openxmlformats.org/presentationml/2006/main">
-  <p:cSld>
-    <p:spTree>
-      <p:nvGrpSpPr>
-        <p:cNvPr id="1" name="Shape 94"/>
-        <p:cNvGrpSpPr/>
-        <p:nvPr/>
-      </p:nvGrpSpPr>
-      <p:grpSpPr>
-        <a:xfrm>
-          <a:off x="0" y="0"/>
-          <a:ext cx="0" cy="0"/>
-          <a:chOff x="0" y="0"/>
-          <a:chExt cx="0" cy="0"/>
-        </a:xfrm>
-      </p:grpSpPr>
-      <p:sp>
-        <p:nvSpPr>
-          <p:cNvPr id="95" name="Google Shape;95;p14"/>
-          <p:cNvSpPr txBox="1">
-            <a:spLocks noGrp="1"/>
-          </p:cNvSpPr>
-          <p:nvPr>
-            <p:ph type="title" idx="4294967295"/>
-          </p:nvPr>
-        </p:nvSpPr>
-        <p:spPr>
-          <a:xfrm>
-            <a:off x="647599" y="2828857"/>
-            <a:ext cx="10972800" cy="506789"/>
-          </a:xfrm>
-          <a:prstGeom prst="rect">
-            <a:avLst/>
-          </a:prstGeom>
-        </p:spPr>
-        <p:txBody>
-          <a:bodyPr spcFirstLastPara="1" wrap="square" lIns="121900" tIns="121900" rIns="121900" bIns="121900" anchor="ctr" anchorCtr="0">
-            <a:noAutofit/>
-          </a:bodyPr>
-          <a:lstStyle/>
-          <a:p>
-            <a:r>
-              <a:rPr lang="en-US" sz="4000" b="1" dirty="0">
-                <a:solidFill>
-                  <a:srgbClr val="E46102"/>
-                </a:solidFill>
-              </a:rPr>
-              <a:t>Class Discussion</a:t>
-            </a:r>
-            <a:endParaRPr sz="4000" b="1" dirty="0">
-              <a:solidFill>
-                <a:srgbClr val="E46102"/>
-              </a:solidFill>
-            </a:endParaRPr>
-          </a:p>
-        </p:txBody>
-      </p:sp>
-    </p:spTree>
-    <p:extLst>
-      <p:ext uri="{BB962C8B-B14F-4D97-AF65-F5344CB8AC3E}">
-        <p14:creationId xmlns:p14="http://schemas.microsoft.com/office/powerpoint/2010/main" val="1066851394"/>
-      </p:ext>
-    </p:extLst>
-  </p:cSld>
-  <p:clrMapOvr>
-    <a:masterClrMapping/>
-  </p:clrMapOvr>
-</p:sld>
-</file>
-
-<file path=ppt/slides/slide5.xml><?xml version="1.0" encoding="utf-8"?>
 <p:sld xmlns:a="http://schemas.openxmlformats.org/drawingml/2006/main" xmlns:r="http://schemas.openxmlformats.org/officeDocument/2006/relationships" xmlns:p="http://schemas.openxmlformats.org/presentationml/2006/main">
   <p:cSld>
     <p:spTree>
@@ -17161,7 +15612,7 @@
 </p:sld>
 </file>
 
-<file path=ppt/slides/slide6.xml><?xml version="1.0" encoding="utf-8"?>
+<file path=ppt/slides/slide4.xml><?xml version="1.0" encoding="utf-8"?>
 <p:sld xmlns:a="http://schemas.openxmlformats.org/drawingml/2006/main" xmlns:r="http://schemas.openxmlformats.org/officeDocument/2006/relationships" xmlns:p="http://schemas.openxmlformats.org/presentationml/2006/main">
   <p:cSld>
     <p:spTree>
@@ -17333,7 +15784,7 @@
 </p:sld>
 </file>
 
-<file path=ppt/slides/slide7.xml><?xml version="1.0" encoding="utf-8"?>
+<file path=ppt/slides/slide5.xml><?xml version="1.0" encoding="utf-8"?>
 <p:sld xmlns:a="http://schemas.openxmlformats.org/drawingml/2006/main" xmlns:r="http://schemas.openxmlformats.org/officeDocument/2006/relationships" xmlns:p="http://schemas.openxmlformats.org/presentationml/2006/main">
   <p:cSld>
     <p:spTree>
@@ -17805,7 +16256,7 @@
 </p:sld>
 </file>
 
-<file path=ppt/slides/slide8.xml><?xml version="1.0" encoding="utf-8"?>
+<file path=ppt/slides/slide6.xml><?xml version="1.0" encoding="utf-8"?>
 <p:sld xmlns:a="http://schemas.openxmlformats.org/drawingml/2006/main" xmlns:r="http://schemas.openxmlformats.org/officeDocument/2006/relationships" xmlns:p="http://schemas.openxmlformats.org/presentationml/2006/main">
   <p:cSld>
     <p:spTree>
@@ -18300,7 +16751,7 @@
 </p:sld>
 </file>
 
-<file path=ppt/slides/slide9.xml><?xml version="1.0" encoding="utf-8"?>
+<file path=ppt/slides/slide7.xml><?xml version="1.0" encoding="utf-8"?>
 <p:sld xmlns:a="http://schemas.openxmlformats.org/drawingml/2006/main" xmlns:r="http://schemas.openxmlformats.org/officeDocument/2006/relationships" xmlns:p="http://schemas.openxmlformats.org/presentationml/2006/main">
   <p:cSld>
     <p:spTree>
@@ -18860,6 +17311,1136 @@
                                           <p:spTgt spid="96">
                                             <p:txEl>
                                               <p:pRg st="9" end="9"/>
+                                            </p:txEl>
+                                          </p:spTgt>
+                                        </p:tgtEl>
+                                        <p:attrNameLst>
+                                          <p:attrName>style.visibility</p:attrName>
+                                        </p:attrNameLst>
+                                      </p:cBhvr>
+                                      <p:to>
+                                        <p:strVal val="visible"/>
+                                      </p:to>
+                                    </p:set>
+                                  </p:childTnLst>
+                                </p:cTn>
+                              </p:par>
+                            </p:childTnLst>
+                          </p:cTn>
+                        </p:par>
+                      </p:childTnLst>
+                    </p:cTn>
+                  </p:par>
+                </p:childTnLst>
+              </p:cTn>
+              <p:prevCondLst>
+                <p:cond evt="onPrev" delay="0">
+                  <p:tgtEl>
+                    <p:sldTgt/>
+                  </p:tgtEl>
+                </p:cond>
+              </p:prevCondLst>
+              <p:nextCondLst>
+                <p:cond evt="onNext" delay="0">
+                  <p:tgtEl>
+                    <p:sldTgt/>
+                  </p:tgtEl>
+                </p:cond>
+              </p:nextCondLst>
+            </p:seq>
+          </p:childTnLst>
+        </p:cTn>
+      </p:par>
+    </p:tnLst>
+    <p:bldLst>
+      <p:bldP spid="96" grpId="0"/>
+    </p:bldLst>
+  </p:timing>
+</p:sld>
+</file>
+
+<file path=ppt/slides/slide8.xml><?xml version="1.0" encoding="utf-8"?>
+<p:sld xmlns:a="http://schemas.openxmlformats.org/drawingml/2006/main" xmlns:r="http://schemas.openxmlformats.org/officeDocument/2006/relationships" xmlns:p="http://schemas.openxmlformats.org/presentationml/2006/main">
+  <p:cSld>
+    <p:spTree>
+      <p:nvGrpSpPr>
+        <p:cNvPr id="1" name="Shape 94"/>
+        <p:cNvGrpSpPr/>
+        <p:nvPr/>
+      </p:nvGrpSpPr>
+      <p:grpSpPr>
+        <a:xfrm>
+          <a:off x="0" y="0"/>
+          <a:ext cx="0" cy="0"/>
+          <a:chOff x="0" y="0"/>
+          <a:chExt cx="0" cy="0"/>
+        </a:xfrm>
+      </p:grpSpPr>
+      <p:sp>
+        <p:nvSpPr>
+          <p:cNvPr id="95" name="Google Shape;95;p14"/>
+          <p:cNvSpPr txBox="1">
+            <a:spLocks noGrp="1"/>
+          </p:cNvSpPr>
+          <p:nvPr>
+            <p:ph type="title" idx="4294967295"/>
+          </p:nvPr>
+        </p:nvSpPr>
+        <p:spPr>
+          <a:xfrm>
+            <a:off x="717173" y="696913"/>
+            <a:ext cx="10972800" cy="506789"/>
+          </a:xfrm>
+          <a:prstGeom prst="rect">
+            <a:avLst/>
+          </a:prstGeom>
+        </p:spPr>
+        <p:txBody>
+          <a:bodyPr spcFirstLastPara="1" wrap="square" lIns="121900" tIns="121900" rIns="121900" bIns="121900" anchor="ctr" anchorCtr="0">
+            <a:noAutofit/>
+          </a:bodyPr>
+          <a:lstStyle/>
+          <a:p>
+            <a:r>
+              <a:rPr lang="en-US" sz="4000" b="1" dirty="0">
+                <a:solidFill>
+                  <a:srgbClr val="E46102"/>
+                </a:solidFill>
+              </a:rPr>
+              <a:t>Ridge Regression</a:t>
+            </a:r>
+            <a:endParaRPr sz="4000" b="1" dirty="0">
+              <a:solidFill>
+                <a:srgbClr val="E46102"/>
+              </a:solidFill>
+            </a:endParaRPr>
+          </a:p>
+        </p:txBody>
+      </p:sp>
+      <p:sp>
+        <p:nvSpPr>
+          <p:cNvPr id="96" name="Google Shape;96;p14"/>
+          <p:cNvSpPr txBox="1"/>
+          <p:nvPr/>
+        </p:nvSpPr>
+        <p:spPr>
+          <a:xfrm>
+            <a:off x="521776" y="1382233"/>
+            <a:ext cx="11277600" cy="4176000"/>
+          </a:xfrm>
+          <a:prstGeom prst="rect">
+            <a:avLst/>
+          </a:prstGeom>
+          <a:noFill/>
+          <a:ln>
+            <a:noFill/>
+          </a:ln>
+        </p:spPr>
+        <p:txBody>
+          <a:bodyPr spcFirstLastPara="1" wrap="square" lIns="121900" tIns="121900" rIns="121900" bIns="121900" anchor="t" anchorCtr="0">
+            <a:noAutofit/>
+          </a:bodyPr>
+          <a:lstStyle/>
+          <a:p>
+            <a:pPr marL="342900" indent="-342900">
+              <a:buFont typeface="Arial" panose="020B0604020202020204" pitchFamily="34" charset="0"/>
+              <a:buChar char="•"/>
+            </a:pPr>
+            <a:r>
+              <a:rPr lang="en-US" dirty="0"/>
+              <a:t>regularized version of Linear Regression</a:t>
+            </a:r>
+          </a:p>
+          <a:p>
+            <a:endParaRPr lang="en-US" dirty="0"/>
+          </a:p>
+          <a:p>
+            <a:pPr marL="342900" indent="-342900">
+              <a:buFont typeface="Arial" panose="020B0604020202020204" pitchFamily="34" charset="0"/>
+              <a:buChar char="•"/>
+            </a:pPr>
+            <a:r>
+              <a:rPr lang="en-US" dirty="0"/>
+              <a:t>a </a:t>
+            </a:r>
+            <a:r>
+              <a:rPr lang="en-US" i="1" dirty="0"/>
+              <a:t>regularization term </a:t>
+            </a:r>
+            <a:r>
+              <a:rPr lang="en-US" dirty="0"/>
+              <a:t>equal to                   is added to the cost function</a:t>
+            </a:r>
+          </a:p>
+          <a:p>
+            <a:pPr marL="342900" indent="-342900">
+              <a:buFont typeface="Arial" panose="020B0604020202020204" pitchFamily="34" charset="0"/>
+              <a:buChar char="•"/>
+            </a:pPr>
+            <a:endParaRPr lang="en-US" dirty="0"/>
+          </a:p>
+          <a:p>
+            <a:pPr marL="342900" indent="-342900">
+              <a:buFont typeface="Arial" panose="020B0604020202020204" pitchFamily="34" charset="0"/>
+              <a:buChar char="•"/>
+            </a:pPr>
+            <a:r>
+              <a:rPr lang="en-US" dirty="0"/>
+              <a:t>forces learning algorithm to not only fit the data but also keep the model weights as small as possible. </a:t>
+            </a:r>
+          </a:p>
+          <a:p>
+            <a:pPr marL="342900" indent="-342900">
+              <a:buFont typeface="Arial" panose="020B0604020202020204" pitchFamily="34" charset="0"/>
+              <a:buChar char="•"/>
+            </a:pPr>
+            <a:endParaRPr lang="en-US" dirty="0"/>
+          </a:p>
+          <a:p>
+            <a:pPr marL="342900" indent="-342900">
+              <a:buFont typeface="Arial" panose="020B0604020202020204" pitchFamily="34" charset="0"/>
+              <a:buChar char="•"/>
+            </a:pPr>
+            <a:r>
+              <a:rPr lang="en-US" dirty="0"/>
+              <a:t>Note that the regularization term should only be added to cost function during training.</a:t>
+            </a:r>
+          </a:p>
+          <a:p>
+            <a:pPr marL="342900" indent="-342900">
+              <a:buFont typeface="Arial" panose="020B0604020202020204" pitchFamily="34" charset="0"/>
+              <a:buChar char="•"/>
+            </a:pPr>
+            <a:endParaRPr lang="en-US" dirty="0"/>
+          </a:p>
+          <a:p>
+            <a:pPr marL="342900" indent="-342900">
+              <a:buFont typeface="Arial" panose="020B0604020202020204" pitchFamily="34" charset="0"/>
+              <a:buChar char="•"/>
+            </a:pPr>
+            <a:r>
+              <a:rPr lang="en-US" dirty="0"/>
+              <a:t>Once the model is trained, you want to evaluate the model’s performance using the unregularized performance measure.</a:t>
+            </a:r>
+            <a:endParaRPr dirty="0"/>
+          </a:p>
+        </p:txBody>
+      </p:sp>
+      <p:pic>
+        <p:nvPicPr>
+          <p:cNvPr id="3" name="Picture 2">
+            <a:extLst>
+              <a:ext uri="{FF2B5EF4-FFF2-40B4-BE49-F238E27FC236}">
+                <a16:creationId xmlns:a16="http://schemas.microsoft.com/office/drawing/2014/main" id="{F3B9406F-F17B-454B-84A4-50EE8AFF7A19}"/>
+              </a:ext>
+            </a:extLst>
+          </p:cNvPr>
+          <p:cNvPicPr>
+            <a:picLocks noChangeAspect="1"/>
+          </p:cNvPicPr>
+          <p:nvPr/>
+        </p:nvPicPr>
+        <p:blipFill>
+          <a:blip r:embed="rId3"/>
+          <a:stretch>
+            <a:fillRect/>
+          </a:stretch>
+        </p:blipFill>
+        <p:spPr>
+          <a:xfrm>
+            <a:off x="5083347" y="2281034"/>
+            <a:ext cx="1313201" cy="495141"/>
+          </a:xfrm>
+          <a:prstGeom prst="rect">
+            <a:avLst/>
+          </a:prstGeom>
+        </p:spPr>
+      </p:pic>
+    </p:spTree>
+    <p:extLst>
+      <p:ext uri="{BB962C8B-B14F-4D97-AF65-F5344CB8AC3E}">
+        <p14:creationId xmlns:p14="http://schemas.microsoft.com/office/powerpoint/2010/main" val="440765766"/>
+      </p:ext>
+    </p:extLst>
+  </p:cSld>
+  <p:clrMapOvr>
+    <a:masterClrMapping/>
+  </p:clrMapOvr>
+  <p:timing>
+    <p:tnLst>
+      <p:par>
+        <p:cTn id="1" dur="indefinite" restart="never" nodeType="tmRoot">
+          <p:childTnLst>
+            <p:seq concurrent="1" nextAc="seek">
+              <p:cTn id="2" dur="indefinite" nodeType="mainSeq">
+                <p:childTnLst>
+                  <p:par>
+                    <p:cTn id="3" fill="hold">
+                      <p:stCondLst>
+                        <p:cond delay="indefinite"/>
+                      </p:stCondLst>
+                      <p:childTnLst>
+                        <p:par>
+                          <p:cTn id="4" fill="hold">
+                            <p:stCondLst>
+                              <p:cond delay="0"/>
+                            </p:stCondLst>
+                            <p:childTnLst>
+                              <p:par>
+                                <p:cTn id="5" presetID="1" presetClass="entr" presetSubtype="0" fill="hold" grpId="0" nodeType="clickEffect">
+                                  <p:stCondLst>
+                                    <p:cond delay="0"/>
+                                  </p:stCondLst>
+                                  <p:childTnLst>
+                                    <p:set>
+                                      <p:cBhvr>
+                                        <p:cTn id="6" dur="1" fill="hold">
+                                          <p:stCondLst>
+                                            <p:cond delay="0"/>
+                                          </p:stCondLst>
+                                        </p:cTn>
+                                        <p:tgtEl>
+                                          <p:spTgt spid="96"/>
+                                        </p:tgtEl>
+                                        <p:attrNameLst>
+                                          <p:attrName>style.visibility</p:attrName>
+                                        </p:attrNameLst>
+                                      </p:cBhvr>
+                                      <p:to>
+                                        <p:strVal val="visible"/>
+                                      </p:to>
+                                    </p:set>
+                                  </p:childTnLst>
+                                </p:cTn>
+                              </p:par>
+                            </p:childTnLst>
+                          </p:cTn>
+                        </p:par>
+                      </p:childTnLst>
+                    </p:cTn>
+                  </p:par>
+                  <p:par>
+                    <p:cTn id="7" fill="hold">
+                      <p:stCondLst>
+                        <p:cond delay="indefinite"/>
+                      </p:stCondLst>
+                      <p:childTnLst>
+                        <p:par>
+                          <p:cTn id="8" fill="hold">
+                            <p:stCondLst>
+                              <p:cond delay="0"/>
+                            </p:stCondLst>
+                            <p:childTnLst>
+                              <p:par>
+                                <p:cTn id="9" presetID="1" presetClass="entr" presetSubtype="0" fill="hold" nodeType="clickEffect">
+                                  <p:stCondLst>
+                                    <p:cond delay="0"/>
+                                  </p:stCondLst>
+                                  <p:childTnLst>
+                                    <p:set>
+                                      <p:cBhvr>
+                                        <p:cTn id="10" dur="1" fill="hold">
+                                          <p:stCondLst>
+                                            <p:cond delay="0"/>
+                                          </p:stCondLst>
+                                        </p:cTn>
+                                        <p:tgtEl>
+                                          <p:spTgt spid="96">
+                                            <p:txEl>
+                                              <p:pRg st="0" end="0"/>
+                                            </p:txEl>
+                                          </p:spTgt>
+                                        </p:tgtEl>
+                                        <p:attrNameLst>
+                                          <p:attrName>style.visibility</p:attrName>
+                                        </p:attrNameLst>
+                                      </p:cBhvr>
+                                      <p:to>
+                                        <p:strVal val="visible"/>
+                                      </p:to>
+                                    </p:set>
+                                  </p:childTnLst>
+                                </p:cTn>
+                              </p:par>
+                            </p:childTnLst>
+                          </p:cTn>
+                        </p:par>
+                      </p:childTnLst>
+                    </p:cTn>
+                  </p:par>
+                  <p:par>
+                    <p:cTn id="11" fill="hold">
+                      <p:stCondLst>
+                        <p:cond delay="indefinite"/>
+                      </p:stCondLst>
+                      <p:childTnLst>
+                        <p:par>
+                          <p:cTn id="12" fill="hold">
+                            <p:stCondLst>
+                              <p:cond delay="0"/>
+                            </p:stCondLst>
+                            <p:childTnLst>
+                              <p:par>
+                                <p:cTn id="13" presetID="1" presetClass="entr" presetSubtype="0" fill="hold" nodeType="clickEffect">
+                                  <p:stCondLst>
+                                    <p:cond delay="0"/>
+                                  </p:stCondLst>
+                                  <p:childTnLst>
+                                    <p:set>
+                                      <p:cBhvr>
+                                        <p:cTn id="14" dur="1" fill="hold">
+                                          <p:stCondLst>
+                                            <p:cond delay="0"/>
+                                          </p:stCondLst>
+                                        </p:cTn>
+                                        <p:tgtEl>
+                                          <p:spTgt spid="96">
+                                            <p:txEl>
+                                              <p:pRg st="2" end="2"/>
+                                            </p:txEl>
+                                          </p:spTgt>
+                                        </p:tgtEl>
+                                        <p:attrNameLst>
+                                          <p:attrName>style.visibility</p:attrName>
+                                        </p:attrNameLst>
+                                      </p:cBhvr>
+                                      <p:to>
+                                        <p:strVal val="visible"/>
+                                      </p:to>
+                                    </p:set>
+                                  </p:childTnLst>
+                                </p:cTn>
+                              </p:par>
+                            </p:childTnLst>
+                          </p:cTn>
+                        </p:par>
+                      </p:childTnLst>
+                    </p:cTn>
+                  </p:par>
+                  <p:par>
+                    <p:cTn id="15" fill="hold">
+                      <p:stCondLst>
+                        <p:cond delay="indefinite"/>
+                      </p:stCondLst>
+                      <p:childTnLst>
+                        <p:par>
+                          <p:cTn id="16" fill="hold">
+                            <p:stCondLst>
+                              <p:cond delay="0"/>
+                            </p:stCondLst>
+                            <p:childTnLst>
+                              <p:par>
+                                <p:cTn id="17" presetID="1" presetClass="entr" presetSubtype="0" fill="hold" nodeType="clickEffect">
+                                  <p:stCondLst>
+                                    <p:cond delay="0"/>
+                                  </p:stCondLst>
+                                  <p:childTnLst>
+                                    <p:set>
+                                      <p:cBhvr>
+                                        <p:cTn id="18" dur="1" fill="hold">
+                                          <p:stCondLst>
+                                            <p:cond delay="0"/>
+                                          </p:stCondLst>
+                                        </p:cTn>
+                                        <p:tgtEl>
+                                          <p:spTgt spid="96">
+                                            <p:txEl>
+                                              <p:pRg st="4" end="4"/>
+                                            </p:txEl>
+                                          </p:spTgt>
+                                        </p:tgtEl>
+                                        <p:attrNameLst>
+                                          <p:attrName>style.visibility</p:attrName>
+                                        </p:attrNameLst>
+                                      </p:cBhvr>
+                                      <p:to>
+                                        <p:strVal val="visible"/>
+                                      </p:to>
+                                    </p:set>
+                                  </p:childTnLst>
+                                </p:cTn>
+                              </p:par>
+                            </p:childTnLst>
+                          </p:cTn>
+                        </p:par>
+                      </p:childTnLst>
+                    </p:cTn>
+                  </p:par>
+                  <p:par>
+                    <p:cTn id="19" fill="hold">
+                      <p:stCondLst>
+                        <p:cond delay="indefinite"/>
+                      </p:stCondLst>
+                      <p:childTnLst>
+                        <p:par>
+                          <p:cTn id="20" fill="hold">
+                            <p:stCondLst>
+                              <p:cond delay="0"/>
+                            </p:stCondLst>
+                            <p:childTnLst>
+                              <p:par>
+                                <p:cTn id="21" presetID="1" presetClass="entr" presetSubtype="0" fill="hold" nodeType="clickEffect">
+                                  <p:stCondLst>
+                                    <p:cond delay="0"/>
+                                  </p:stCondLst>
+                                  <p:childTnLst>
+                                    <p:set>
+                                      <p:cBhvr>
+                                        <p:cTn id="22" dur="1" fill="hold">
+                                          <p:stCondLst>
+                                            <p:cond delay="0"/>
+                                          </p:stCondLst>
+                                        </p:cTn>
+                                        <p:tgtEl>
+                                          <p:spTgt spid="96">
+                                            <p:txEl>
+                                              <p:pRg st="6" end="6"/>
+                                            </p:txEl>
+                                          </p:spTgt>
+                                        </p:tgtEl>
+                                        <p:attrNameLst>
+                                          <p:attrName>style.visibility</p:attrName>
+                                        </p:attrNameLst>
+                                      </p:cBhvr>
+                                      <p:to>
+                                        <p:strVal val="visible"/>
+                                      </p:to>
+                                    </p:set>
+                                  </p:childTnLst>
+                                </p:cTn>
+                              </p:par>
+                            </p:childTnLst>
+                          </p:cTn>
+                        </p:par>
+                      </p:childTnLst>
+                    </p:cTn>
+                  </p:par>
+                  <p:par>
+                    <p:cTn id="23" fill="hold">
+                      <p:stCondLst>
+                        <p:cond delay="indefinite"/>
+                      </p:stCondLst>
+                      <p:childTnLst>
+                        <p:par>
+                          <p:cTn id="24" fill="hold">
+                            <p:stCondLst>
+                              <p:cond delay="0"/>
+                            </p:stCondLst>
+                            <p:childTnLst>
+                              <p:par>
+                                <p:cTn id="25" presetID="1" presetClass="entr" presetSubtype="0" fill="hold" nodeType="clickEffect">
+                                  <p:stCondLst>
+                                    <p:cond delay="0"/>
+                                  </p:stCondLst>
+                                  <p:childTnLst>
+                                    <p:set>
+                                      <p:cBhvr>
+                                        <p:cTn id="26" dur="1" fill="hold">
+                                          <p:stCondLst>
+                                            <p:cond delay="0"/>
+                                          </p:stCondLst>
+                                        </p:cTn>
+                                        <p:tgtEl>
+                                          <p:spTgt spid="96">
+                                            <p:txEl>
+                                              <p:pRg st="8" end="8"/>
+                                            </p:txEl>
+                                          </p:spTgt>
+                                        </p:tgtEl>
+                                        <p:attrNameLst>
+                                          <p:attrName>style.visibility</p:attrName>
+                                        </p:attrNameLst>
+                                      </p:cBhvr>
+                                      <p:to>
+                                        <p:strVal val="visible"/>
+                                      </p:to>
+                                    </p:set>
+                                  </p:childTnLst>
+                                </p:cTn>
+                              </p:par>
+                            </p:childTnLst>
+                          </p:cTn>
+                        </p:par>
+                      </p:childTnLst>
+                    </p:cTn>
+                  </p:par>
+                </p:childTnLst>
+              </p:cTn>
+              <p:prevCondLst>
+                <p:cond evt="onPrev" delay="0">
+                  <p:tgtEl>
+                    <p:sldTgt/>
+                  </p:tgtEl>
+                </p:cond>
+              </p:prevCondLst>
+              <p:nextCondLst>
+                <p:cond evt="onNext" delay="0">
+                  <p:tgtEl>
+                    <p:sldTgt/>
+                  </p:tgtEl>
+                </p:cond>
+              </p:nextCondLst>
+            </p:seq>
+          </p:childTnLst>
+        </p:cTn>
+      </p:par>
+    </p:tnLst>
+    <p:bldLst>
+      <p:bldP spid="96" grpId="0"/>
+    </p:bldLst>
+  </p:timing>
+</p:sld>
+</file>
+
+<file path=ppt/slides/slide9.xml><?xml version="1.0" encoding="utf-8"?>
+<p:sld xmlns:a="http://schemas.openxmlformats.org/drawingml/2006/main" xmlns:r="http://schemas.openxmlformats.org/officeDocument/2006/relationships" xmlns:p="http://schemas.openxmlformats.org/presentationml/2006/main">
+  <p:cSld>
+    <p:spTree>
+      <p:nvGrpSpPr>
+        <p:cNvPr id="1" name="Shape 94"/>
+        <p:cNvGrpSpPr/>
+        <p:nvPr/>
+      </p:nvGrpSpPr>
+      <p:grpSpPr>
+        <a:xfrm>
+          <a:off x="0" y="0"/>
+          <a:ext cx="0" cy="0"/>
+          <a:chOff x="0" y="0"/>
+          <a:chExt cx="0" cy="0"/>
+        </a:xfrm>
+      </p:grpSpPr>
+      <p:sp>
+        <p:nvSpPr>
+          <p:cNvPr id="96" name="Google Shape;96;p14"/>
+          <p:cNvSpPr txBox="1"/>
+          <p:nvPr/>
+        </p:nvSpPr>
+        <p:spPr>
+          <a:xfrm>
+            <a:off x="521776" y="1382233"/>
+            <a:ext cx="11277600" cy="4176000"/>
+          </a:xfrm>
+          <a:prstGeom prst="rect">
+            <a:avLst/>
+          </a:prstGeom>
+          <a:noFill/>
+          <a:ln>
+            <a:noFill/>
+          </a:ln>
+        </p:spPr>
+        <p:txBody>
+          <a:bodyPr spcFirstLastPara="1" wrap="square" lIns="121900" tIns="121900" rIns="121900" bIns="121900" anchor="t" anchorCtr="0">
+            <a:noAutofit/>
+          </a:bodyPr>
+          <a:lstStyle/>
+          <a:p>
+            <a:pPr marL="342900" indent="-342900">
+              <a:buFont typeface="Arial" panose="020B0604020202020204" pitchFamily="34" charset="0"/>
+              <a:buChar char="•"/>
+            </a:pPr>
+            <a:r>
+              <a:rPr lang="en-US" dirty="0"/>
+              <a:t>Alpha is the hyperparameter here.</a:t>
+            </a:r>
+          </a:p>
+          <a:p>
+            <a:pPr marL="342900" indent="-342900">
+              <a:buFont typeface="Arial" panose="020B0604020202020204" pitchFamily="34" charset="0"/>
+              <a:buChar char="•"/>
+            </a:pPr>
+            <a:r>
+              <a:rPr lang="en-US" dirty="0"/>
+              <a:t>What is a hyperparameter?</a:t>
+            </a:r>
+          </a:p>
+          <a:p>
+            <a:pPr marL="342900" indent="-342900">
+              <a:buFont typeface="Arial" panose="020B0604020202020204" pitchFamily="34" charset="0"/>
+              <a:buChar char="•"/>
+            </a:pPr>
+            <a:r>
+              <a:rPr lang="en-US" dirty="0"/>
+              <a:t>What happens if alpha = 0?</a:t>
+            </a:r>
+          </a:p>
+          <a:p>
+            <a:pPr marL="342900" indent="-342900">
+              <a:buFont typeface="Arial" panose="020B0604020202020204" pitchFamily="34" charset="0"/>
+              <a:buChar char="•"/>
+            </a:pPr>
+            <a:r>
+              <a:rPr lang="en-US" dirty="0"/>
+              <a:t>What happens if alpha is a very large number</a:t>
+            </a:r>
+          </a:p>
+          <a:p>
+            <a:pPr marL="342900" indent="-342900">
+              <a:buFont typeface="Arial" panose="020B0604020202020204" pitchFamily="34" charset="0"/>
+              <a:buChar char="•"/>
+            </a:pPr>
+            <a:endParaRPr dirty="0"/>
+          </a:p>
+        </p:txBody>
+      </p:sp>
+      <p:sp>
+        <p:nvSpPr>
+          <p:cNvPr id="2" name="TextBox 1">
+            <a:extLst>
+              <a:ext uri="{FF2B5EF4-FFF2-40B4-BE49-F238E27FC236}">
+                <a16:creationId xmlns:a16="http://schemas.microsoft.com/office/drawing/2014/main" id="{326B134B-955A-495B-BE5C-3F7B04D2725D}"/>
+              </a:ext>
+            </a:extLst>
+          </p:cNvPr>
+          <p:cNvSpPr txBox="1"/>
+          <p:nvPr/>
+        </p:nvSpPr>
+        <p:spPr>
+          <a:xfrm>
+            <a:off x="6625971" y="3025963"/>
+            <a:ext cx="4759303" cy="1200329"/>
+          </a:xfrm>
+          <a:prstGeom prst="rect">
+            <a:avLst/>
+          </a:prstGeom>
+          <a:noFill/>
+          <a:ln>
+            <a:solidFill>
+              <a:srgbClr val="E46102"/>
+            </a:solidFill>
+          </a:ln>
+        </p:spPr>
+        <p:txBody>
+          <a:bodyPr wrap="square" rtlCol="0">
+            <a:spAutoFit/>
+          </a:bodyPr>
+          <a:lstStyle/>
+          <a:p>
+            <a:r>
+              <a:rPr lang="en-US" dirty="0">
+                <a:solidFill>
+                  <a:srgbClr val="E46102"/>
+                </a:solidFill>
+              </a:rPr>
+              <a:t>All weights end up very close to zero and result is a flat line going through the data’s mean</a:t>
+            </a:r>
+          </a:p>
+        </p:txBody>
+      </p:sp>
+      <p:sp>
+        <p:nvSpPr>
+          <p:cNvPr id="5" name="TextBox 4">
+            <a:extLst>
+              <a:ext uri="{FF2B5EF4-FFF2-40B4-BE49-F238E27FC236}">
+                <a16:creationId xmlns:a16="http://schemas.microsoft.com/office/drawing/2014/main" id="{3EB301C0-A3FA-4C50-B47F-E652DFF7141F}"/>
+              </a:ext>
+            </a:extLst>
+          </p:cNvPr>
+          <p:cNvSpPr txBox="1"/>
+          <p:nvPr/>
+        </p:nvSpPr>
+        <p:spPr>
+          <a:xfrm>
+            <a:off x="4768197" y="2170044"/>
+            <a:ext cx="2222325" cy="461665"/>
+          </a:xfrm>
+          <a:prstGeom prst="rect">
+            <a:avLst/>
+          </a:prstGeom>
+          <a:noFill/>
+          <a:ln>
+            <a:solidFill>
+              <a:srgbClr val="E46102"/>
+            </a:solidFill>
+          </a:ln>
+        </p:spPr>
+        <p:txBody>
+          <a:bodyPr wrap="square" rtlCol="0">
+            <a:spAutoFit/>
+          </a:bodyPr>
+          <a:lstStyle/>
+          <a:p>
+            <a:r>
+              <a:rPr lang="en-US" dirty="0">
+                <a:solidFill>
+                  <a:srgbClr val="E46102"/>
+                </a:solidFill>
+              </a:rPr>
+              <a:t>Ridge = Linear</a:t>
+            </a:r>
+          </a:p>
+        </p:txBody>
+      </p:sp>
+      <p:pic>
+        <p:nvPicPr>
+          <p:cNvPr id="4" name="Picture 3">
+            <a:extLst>
+              <a:ext uri="{FF2B5EF4-FFF2-40B4-BE49-F238E27FC236}">
+                <a16:creationId xmlns:a16="http://schemas.microsoft.com/office/drawing/2014/main" id="{A70B17B3-CA0C-407B-8468-89524F9CC62F}"/>
+              </a:ext>
+            </a:extLst>
+          </p:cNvPr>
+          <p:cNvPicPr>
+            <a:picLocks noChangeAspect="1"/>
+          </p:cNvPicPr>
+          <p:nvPr/>
+        </p:nvPicPr>
+        <p:blipFill rotWithShape="1">
+          <a:blip r:embed="rId3"/>
+          <a:srcRect l="6136" t="25154" r="9143" b="23136"/>
+          <a:stretch/>
+        </p:blipFill>
+        <p:spPr>
+          <a:xfrm>
+            <a:off x="1823830" y="3764626"/>
+            <a:ext cx="3245127" cy="461666"/>
+          </a:xfrm>
+          <a:prstGeom prst="rect">
+            <a:avLst/>
+          </a:prstGeom>
+        </p:spPr>
+      </p:pic>
+      <p:sp>
+        <p:nvSpPr>
+          <p:cNvPr id="8" name="TextBox 7">
+            <a:extLst>
+              <a:ext uri="{FF2B5EF4-FFF2-40B4-BE49-F238E27FC236}">
+                <a16:creationId xmlns:a16="http://schemas.microsoft.com/office/drawing/2014/main" id="{133C5D74-9831-41B9-A79F-ED55463E2196}"/>
+              </a:ext>
+            </a:extLst>
+          </p:cNvPr>
+          <p:cNvSpPr txBox="1"/>
+          <p:nvPr/>
+        </p:nvSpPr>
+        <p:spPr>
+          <a:xfrm>
+            <a:off x="1873527" y="4226292"/>
+            <a:ext cx="3006586" cy="307777"/>
+          </a:xfrm>
+          <a:prstGeom prst="rect">
+            <a:avLst/>
+          </a:prstGeom>
+          <a:noFill/>
+          <a:ln>
+            <a:noFill/>
+          </a:ln>
+        </p:spPr>
+        <p:txBody>
+          <a:bodyPr wrap="square" rtlCol="0">
+            <a:spAutoFit/>
+          </a:bodyPr>
+          <a:lstStyle/>
+          <a:p>
+            <a:pPr algn="ctr"/>
+            <a:r>
+              <a:rPr lang="en-US" sz="1400" i="1" dirty="0">
+                <a:solidFill>
+                  <a:srgbClr val="E46102"/>
+                </a:solidFill>
+              </a:rPr>
+              <a:t>Ridge Cost Function</a:t>
+            </a:r>
+          </a:p>
+        </p:txBody>
+      </p:sp>
+      <p:sp>
+        <p:nvSpPr>
+          <p:cNvPr id="9" name="Google Shape;95;p14">
+            <a:extLst>
+              <a:ext uri="{FF2B5EF4-FFF2-40B4-BE49-F238E27FC236}">
+                <a16:creationId xmlns:a16="http://schemas.microsoft.com/office/drawing/2014/main" id="{0A2AB666-B4D6-4BA8-82A2-A662173EF821}"/>
+              </a:ext>
+            </a:extLst>
+          </p:cNvPr>
+          <p:cNvSpPr txBox="1">
+            <a:spLocks/>
+          </p:cNvSpPr>
+          <p:nvPr/>
+        </p:nvSpPr>
+        <p:spPr>
+          <a:xfrm>
+            <a:off x="717173" y="696913"/>
+            <a:ext cx="10972800" cy="506789"/>
+          </a:xfrm>
+          <a:prstGeom prst="rect">
+            <a:avLst/>
+          </a:prstGeom>
+        </p:spPr>
+        <p:txBody>
+          <a:bodyPr spcFirstLastPara="1" wrap="square" lIns="121900" tIns="121900" rIns="121900" bIns="121900" anchor="ctr" anchorCtr="0">
+            <a:noAutofit/>
+          </a:bodyPr>
+          <a:lstStyle>
+            <a:lvl1pPr algn="ctr" defTabSz="609585" rtl="0" eaLnBrk="1" latinLnBrk="0" hangingPunct="1">
+              <a:spcBef>
+                <a:spcPct val="0"/>
+              </a:spcBef>
+              <a:buNone/>
+              <a:defRPr sz="5867" kern="1200">
+                <a:solidFill>
+                  <a:schemeClr val="tx1"/>
+                </a:solidFill>
+                <a:latin typeface="+mj-lt"/>
+                <a:ea typeface="+mj-ea"/>
+                <a:cs typeface="+mj-cs"/>
+              </a:defRPr>
+            </a:lvl1pPr>
+          </a:lstStyle>
+          <a:p>
+            <a:r>
+              <a:rPr lang="en-US" sz="4000" b="1">
+                <a:solidFill>
+                  <a:srgbClr val="E46102"/>
+                </a:solidFill>
+              </a:rPr>
+              <a:t>Regularized Linear Models</a:t>
+            </a:r>
+            <a:endParaRPr lang="en-US" sz="4000" b="1" dirty="0">
+              <a:solidFill>
+                <a:srgbClr val="E46102"/>
+              </a:solidFill>
+            </a:endParaRPr>
+          </a:p>
+        </p:txBody>
+      </p:sp>
+    </p:spTree>
+    <p:extLst>
+      <p:ext uri="{BB962C8B-B14F-4D97-AF65-F5344CB8AC3E}">
+        <p14:creationId xmlns:p14="http://schemas.microsoft.com/office/powerpoint/2010/main" val="3791910990"/>
+      </p:ext>
+    </p:extLst>
+  </p:cSld>
+  <p:clrMapOvr>
+    <a:masterClrMapping/>
+  </p:clrMapOvr>
+  <p:timing>
+    <p:tnLst>
+      <p:par>
+        <p:cTn id="1" dur="indefinite" restart="never" nodeType="tmRoot">
+          <p:childTnLst>
+            <p:seq concurrent="1" nextAc="seek">
+              <p:cTn id="2" dur="indefinite" nodeType="mainSeq">
+                <p:childTnLst>
+                  <p:par>
+                    <p:cTn id="3" fill="hold">
+                      <p:stCondLst>
+                        <p:cond delay="indefinite"/>
+                      </p:stCondLst>
+                      <p:childTnLst>
+                        <p:par>
+                          <p:cTn id="4" fill="hold">
+                            <p:stCondLst>
+                              <p:cond delay="0"/>
+                            </p:stCondLst>
+                            <p:childTnLst>
+                              <p:par>
+                                <p:cTn id="5" presetID="1" presetClass="entr" presetSubtype="0" fill="hold" grpId="0" nodeType="clickEffect">
+                                  <p:stCondLst>
+                                    <p:cond delay="0"/>
+                                  </p:stCondLst>
+                                  <p:childTnLst>
+                                    <p:set>
+                                      <p:cBhvr>
+                                        <p:cTn id="6" dur="1" fill="hold">
+                                          <p:stCondLst>
+                                            <p:cond delay="0"/>
+                                          </p:stCondLst>
+                                        </p:cTn>
+                                        <p:tgtEl>
+                                          <p:spTgt spid="96"/>
+                                        </p:tgtEl>
+                                        <p:attrNameLst>
+                                          <p:attrName>style.visibility</p:attrName>
+                                        </p:attrNameLst>
+                                      </p:cBhvr>
+                                      <p:to>
+                                        <p:strVal val="visible"/>
+                                      </p:to>
+                                    </p:set>
+                                  </p:childTnLst>
+                                </p:cTn>
+                              </p:par>
+                            </p:childTnLst>
+                          </p:cTn>
+                        </p:par>
+                      </p:childTnLst>
+                    </p:cTn>
+                  </p:par>
+                  <p:par>
+                    <p:cTn id="7" fill="hold">
+                      <p:stCondLst>
+                        <p:cond delay="indefinite"/>
+                      </p:stCondLst>
+                      <p:childTnLst>
+                        <p:par>
+                          <p:cTn id="8" fill="hold">
+                            <p:stCondLst>
+                              <p:cond delay="0"/>
+                            </p:stCondLst>
+                            <p:childTnLst>
+                              <p:par>
+                                <p:cTn id="9" presetID="1" presetClass="entr" presetSubtype="0" fill="hold" nodeType="clickEffect">
+                                  <p:stCondLst>
+                                    <p:cond delay="0"/>
+                                  </p:stCondLst>
+                                  <p:childTnLst>
+                                    <p:set>
+                                      <p:cBhvr>
+                                        <p:cTn id="10" dur="1" fill="hold">
+                                          <p:stCondLst>
+                                            <p:cond delay="0"/>
+                                          </p:stCondLst>
+                                        </p:cTn>
+                                        <p:tgtEl>
+                                          <p:spTgt spid="96">
+                                            <p:txEl>
+                                              <p:pRg st="0" end="0"/>
+                                            </p:txEl>
+                                          </p:spTgt>
+                                        </p:tgtEl>
+                                        <p:attrNameLst>
+                                          <p:attrName>style.visibility</p:attrName>
+                                        </p:attrNameLst>
+                                      </p:cBhvr>
+                                      <p:to>
+                                        <p:strVal val="visible"/>
+                                      </p:to>
+                                    </p:set>
+                                  </p:childTnLst>
+                                </p:cTn>
+                              </p:par>
+                            </p:childTnLst>
+                          </p:cTn>
+                        </p:par>
+                      </p:childTnLst>
+                    </p:cTn>
+                  </p:par>
+                  <p:par>
+                    <p:cTn id="11" fill="hold">
+                      <p:stCondLst>
+                        <p:cond delay="indefinite"/>
+                      </p:stCondLst>
+                      <p:childTnLst>
+                        <p:par>
+                          <p:cTn id="12" fill="hold">
+                            <p:stCondLst>
+                              <p:cond delay="0"/>
+                            </p:stCondLst>
+                            <p:childTnLst>
+                              <p:par>
+                                <p:cTn id="13" presetID="1" presetClass="entr" presetSubtype="0" fill="hold" nodeType="clickEffect">
+                                  <p:stCondLst>
+                                    <p:cond delay="0"/>
+                                  </p:stCondLst>
+                                  <p:childTnLst>
+                                    <p:set>
+                                      <p:cBhvr>
+                                        <p:cTn id="14" dur="1" fill="hold">
+                                          <p:stCondLst>
+                                            <p:cond delay="0"/>
+                                          </p:stCondLst>
+                                        </p:cTn>
+                                        <p:tgtEl>
+                                          <p:spTgt spid="96">
+                                            <p:txEl>
+                                              <p:pRg st="1" end="1"/>
+                                            </p:txEl>
+                                          </p:spTgt>
+                                        </p:tgtEl>
+                                        <p:attrNameLst>
+                                          <p:attrName>style.visibility</p:attrName>
+                                        </p:attrNameLst>
+                                      </p:cBhvr>
+                                      <p:to>
+                                        <p:strVal val="visible"/>
+                                      </p:to>
+                                    </p:set>
+                                  </p:childTnLst>
+                                </p:cTn>
+                              </p:par>
+                            </p:childTnLst>
+                          </p:cTn>
+                        </p:par>
+                      </p:childTnLst>
+                    </p:cTn>
+                  </p:par>
+                  <p:par>
+                    <p:cTn id="15" fill="hold">
+                      <p:stCondLst>
+                        <p:cond delay="indefinite"/>
+                      </p:stCondLst>
+                      <p:childTnLst>
+                        <p:par>
+                          <p:cTn id="16" fill="hold">
+                            <p:stCondLst>
+                              <p:cond delay="0"/>
+                            </p:stCondLst>
+                            <p:childTnLst>
+                              <p:par>
+                                <p:cTn id="17" presetID="1" presetClass="entr" presetSubtype="0" fill="hold" nodeType="clickEffect">
+                                  <p:stCondLst>
+                                    <p:cond delay="0"/>
+                                  </p:stCondLst>
+                                  <p:childTnLst>
+                                    <p:set>
+                                      <p:cBhvr>
+                                        <p:cTn id="18" dur="1" fill="hold">
+                                          <p:stCondLst>
+                                            <p:cond delay="0"/>
+                                          </p:stCondLst>
+                                        </p:cTn>
+                                        <p:tgtEl>
+                                          <p:spTgt spid="96">
+                                            <p:txEl>
+                                              <p:pRg st="2" end="2"/>
+                                            </p:txEl>
+                                          </p:spTgt>
+                                        </p:tgtEl>
+                                        <p:attrNameLst>
+                                          <p:attrName>style.visibility</p:attrName>
+                                        </p:attrNameLst>
+                                      </p:cBhvr>
+                                      <p:to>
+                                        <p:strVal val="visible"/>
+                                      </p:to>
+                                    </p:set>
+                                  </p:childTnLst>
+                                </p:cTn>
+                              </p:par>
+                            </p:childTnLst>
+                          </p:cTn>
+                        </p:par>
+                      </p:childTnLst>
+                    </p:cTn>
+                  </p:par>
+                  <p:par>
+                    <p:cTn id="19" fill="hold">
+                      <p:stCondLst>
+                        <p:cond delay="indefinite"/>
+                      </p:stCondLst>
+                      <p:childTnLst>
+                        <p:par>
+                          <p:cTn id="20" fill="hold">
+                            <p:stCondLst>
+                              <p:cond delay="0"/>
+                            </p:stCondLst>
+                            <p:childTnLst>
+                              <p:par>
+                                <p:cTn id="21" presetID="1" presetClass="entr" presetSubtype="0" fill="hold" nodeType="clickEffect">
+                                  <p:stCondLst>
+                                    <p:cond delay="0"/>
+                                  </p:stCondLst>
+                                  <p:childTnLst>
+                                    <p:set>
+                                      <p:cBhvr>
+                                        <p:cTn id="22" dur="1" fill="hold">
+                                          <p:stCondLst>
+                                            <p:cond delay="0"/>
+                                          </p:stCondLst>
+                                        </p:cTn>
+                                        <p:tgtEl>
+                                          <p:spTgt spid="96">
+                                            <p:txEl>
+                                              <p:pRg st="3" end="3"/>
                                             </p:txEl>
                                           </p:spTgt>
                                         </p:tgtEl>

--- a/Syllabus/Lecture05/Lec05.pptx
+++ b/Syllabus/Lecture05/Lec05.pptx
@@ -5,37 +5,36 @@
     <p:sldMasterId id="2147483664" r:id="rId1"/>
   </p:sldMasterIdLst>
   <p:notesMasterIdLst>
-    <p:notesMasterId r:id="rId27"/>
+    <p:notesMasterId r:id="rId26"/>
   </p:notesMasterIdLst>
   <p:handoutMasterIdLst>
-    <p:handoutMasterId r:id="rId28"/>
+    <p:handoutMasterId r:id="rId27"/>
   </p:handoutMasterIdLst>
   <p:sldIdLst>
     <p:sldId id="266" r:id="rId2"/>
     <p:sldId id="298" r:id="rId3"/>
-    <p:sldId id="326" r:id="rId4"/>
+    <p:sldId id="313" r:id="rId4"/>
     <p:sldId id="328" r:id="rId5"/>
     <p:sldId id="354" r:id="rId6"/>
-    <p:sldId id="313" r:id="rId7"/>
-    <p:sldId id="330" r:id="rId8"/>
-    <p:sldId id="331" r:id="rId9"/>
-    <p:sldId id="334" r:id="rId10"/>
-    <p:sldId id="335" r:id="rId11"/>
-    <p:sldId id="336" r:id="rId12"/>
-    <p:sldId id="337" r:id="rId13"/>
-    <p:sldId id="338" r:id="rId14"/>
-    <p:sldId id="339" r:id="rId15"/>
-    <p:sldId id="340" r:id="rId16"/>
-    <p:sldId id="341" r:id="rId17"/>
-    <p:sldId id="351" r:id="rId18"/>
-    <p:sldId id="342" r:id="rId19"/>
-    <p:sldId id="343" r:id="rId20"/>
-    <p:sldId id="345" r:id="rId21"/>
-    <p:sldId id="346" r:id="rId22"/>
-    <p:sldId id="352" r:id="rId23"/>
-    <p:sldId id="348" r:id="rId24"/>
-    <p:sldId id="349" r:id="rId25"/>
-    <p:sldId id="290" r:id="rId26"/>
+    <p:sldId id="330" r:id="rId7"/>
+    <p:sldId id="331" r:id="rId8"/>
+    <p:sldId id="334" r:id="rId9"/>
+    <p:sldId id="335" r:id="rId10"/>
+    <p:sldId id="336" r:id="rId11"/>
+    <p:sldId id="337" r:id="rId12"/>
+    <p:sldId id="338" r:id="rId13"/>
+    <p:sldId id="339" r:id="rId14"/>
+    <p:sldId id="340" r:id="rId15"/>
+    <p:sldId id="341" r:id="rId16"/>
+    <p:sldId id="351" r:id="rId17"/>
+    <p:sldId id="342" r:id="rId18"/>
+    <p:sldId id="343" r:id="rId19"/>
+    <p:sldId id="345" r:id="rId20"/>
+    <p:sldId id="346" r:id="rId21"/>
+    <p:sldId id="352" r:id="rId22"/>
+    <p:sldId id="348" r:id="rId23"/>
+    <p:sldId id="349" r:id="rId24"/>
+    <p:sldId id="290" r:id="rId25"/>
   </p:sldIdLst>
   <p:sldSz cx="12192000" cy="6858000"/>
   <p:notesSz cx="6858000" cy="9144000"/>
@@ -141,10 +140,9 @@
           <p14:sldIdLst>
             <p14:sldId id="266"/>
             <p14:sldId id="298"/>
-            <p14:sldId id="326"/>
+            <p14:sldId id="313"/>
             <p14:sldId id="328"/>
             <p14:sldId id="354"/>
-            <p14:sldId id="313"/>
             <p14:sldId id="330"/>
             <p14:sldId id="331"/>
             <p14:sldId id="334"/>
@@ -938,7 +936,7 @@
     </p:spTree>
     <p:extLst>
       <p:ext uri="{BB962C8B-B14F-4D97-AF65-F5344CB8AC3E}">
-        <p14:creationId xmlns:p14="http://schemas.microsoft.com/office/powerpoint/2010/main" val="992455146"/>
+        <p14:creationId xmlns:p14="http://schemas.microsoft.com/office/powerpoint/2010/main" val="425333550"/>
       </p:ext>
     </p:extLst>
   </p:cSld>
@@ -1050,7 +1048,7 @@
     </p:spTree>
     <p:extLst>
       <p:ext uri="{BB962C8B-B14F-4D97-AF65-F5344CB8AC3E}">
-        <p14:creationId xmlns:p14="http://schemas.microsoft.com/office/powerpoint/2010/main" val="425333550"/>
+        <p14:creationId xmlns:p14="http://schemas.microsoft.com/office/powerpoint/2010/main" val="443019675"/>
       </p:ext>
     </p:extLst>
   </p:cSld>
@@ -1162,7 +1160,7 @@
     </p:spTree>
     <p:extLst>
       <p:ext uri="{BB962C8B-B14F-4D97-AF65-F5344CB8AC3E}">
-        <p14:creationId xmlns:p14="http://schemas.microsoft.com/office/powerpoint/2010/main" val="443019675"/>
+        <p14:creationId xmlns:p14="http://schemas.microsoft.com/office/powerpoint/2010/main" val="673069622"/>
       </p:ext>
     </p:extLst>
   </p:cSld>
@@ -1274,7 +1272,7 @@
     </p:spTree>
     <p:extLst>
       <p:ext uri="{BB962C8B-B14F-4D97-AF65-F5344CB8AC3E}">
-        <p14:creationId xmlns:p14="http://schemas.microsoft.com/office/powerpoint/2010/main" val="673069622"/>
+        <p14:creationId xmlns:p14="http://schemas.microsoft.com/office/powerpoint/2010/main" val="1139312744"/>
       </p:ext>
     </p:extLst>
   </p:cSld>
@@ -1386,7 +1384,7 @@
     </p:spTree>
     <p:extLst>
       <p:ext uri="{BB962C8B-B14F-4D97-AF65-F5344CB8AC3E}">
-        <p14:creationId xmlns:p14="http://schemas.microsoft.com/office/powerpoint/2010/main" val="1139312744"/>
+        <p14:creationId xmlns:p14="http://schemas.microsoft.com/office/powerpoint/2010/main" val="3904791214"/>
       </p:ext>
     </p:extLst>
   </p:cSld>
@@ -1498,7 +1496,7 @@
     </p:spTree>
     <p:extLst>
       <p:ext uri="{BB962C8B-B14F-4D97-AF65-F5344CB8AC3E}">
-        <p14:creationId xmlns:p14="http://schemas.microsoft.com/office/powerpoint/2010/main" val="3904791214"/>
+        <p14:creationId xmlns:p14="http://schemas.microsoft.com/office/powerpoint/2010/main" val="4061831250"/>
       </p:ext>
     </p:extLst>
   </p:cSld>
@@ -1610,7 +1608,7 @@
     </p:spTree>
     <p:extLst>
       <p:ext uri="{BB962C8B-B14F-4D97-AF65-F5344CB8AC3E}">
-        <p14:creationId xmlns:p14="http://schemas.microsoft.com/office/powerpoint/2010/main" val="4061831250"/>
+        <p14:creationId xmlns:p14="http://schemas.microsoft.com/office/powerpoint/2010/main" val="3309033084"/>
       </p:ext>
     </p:extLst>
   </p:cSld>
@@ -1722,7 +1720,7 @@
     </p:spTree>
     <p:extLst>
       <p:ext uri="{BB962C8B-B14F-4D97-AF65-F5344CB8AC3E}">
-        <p14:creationId xmlns:p14="http://schemas.microsoft.com/office/powerpoint/2010/main" val="3309033084"/>
+        <p14:creationId xmlns:p14="http://schemas.microsoft.com/office/powerpoint/2010/main" val="1131495287"/>
       </p:ext>
     </p:extLst>
   </p:cSld>
@@ -1834,7 +1832,7 @@
     </p:spTree>
     <p:extLst>
       <p:ext uri="{BB962C8B-B14F-4D97-AF65-F5344CB8AC3E}">
-        <p14:creationId xmlns:p14="http://schemas.microsoft.com/office/powerpoint/2010/main" val="1131495287"/>
+        <p14:creationId xmlns:p14="http://schemas.microsoft.com/office/powerpoint/2010/main" val="1214545307"/>
       </p:ext>
     </p:extLst>
   </p:cSld>
@@ -1946,7 +1944,7 @@
     </p:spTree>
     <p:extLst>
       <p:ext uri="{BB962C8B-B14F-4D97-AF65-F5344CB8AC3E}">
-        <p14:creationId xmlns:p14="http://schemas.microsoft.com/office/powerpoint/2010/main" val="1214545307"/>
+        <p14:creationId xmlns:p14="http://schemas.microsoft.com/office/powerpoint/2010/main" val="825708620"/>
       </p:ext>
     </p:extLst>
   </p:cSld>
@@ -2058,7 +2056,7 @@
     </p:spTree>
     <p:extLst>
       <p:ext uri="{BB962C8B-B14F-4D97-AF65-F5344CB8AC3E}">
-        <p14:creationId xmlns:p14="http://schemas.microsoft.com/office/powerpoint/2010/main" val="2731261743"/>
+        <p14:creationId xmlns:p14="http://schemas.microsoft.com/office/powerpoint/2010/main" val="4009009586"/>
       </p:ext>
     </p:extLst>
   </p:cSld>
@@ -2170,7 +2168,7 @@
     </p:spTree>
     <p:extLst>
       <p:ext uri="{BB962C8B-B14F-4D97-AF65-F5344CB8AC3E}">
-        <p14:creationId xmlns:p14="http://schemas.microsoft.com/office/powerpoint/2010/main" val="825708620"/>
+        <p14:creationId xmlns:p14="http://schemas.microsoft.com/office/powerpoint/2010/main" val="3445872300"/>
       </p:ext>
     </p:extLst>
   </p:cSld>
@@ -2282,7 +2280,7 @@
     </p:spTree>
     <p:extLst>
       <p:ext uri="{BB962C8B-B14F-4D97-AF65-F5344CB8AC3E}">
-        <p14:creationId xmlns:p14="http://schemas.microsoft.com/office/powerpoint/2010/main" val="3445872300"/>
+        <p14:creationId xmlns:p14="http://schemas.microsoft.com/office/powerpoint/2010/main" val="3534599908"/>
       </p:ext>
     </p:extLst>
   </p:cSld>
@@ -2293,118 +2291,6 @@
 </file>
 
 <file path=ppt/notesSlides/notesSlide22.xml><?xml version="1.0" encoding="utf-8"?>
-<p:notes xmlns:a="http://schemas.openxmlformats.org/drawingml/2006/main" xmlns:r="http://schemas.openxmlformats.org/officeDocument/2006/relationships" xmlns:p="http://schemas.openxmlformats.org/presentationml/2006/main" showMasterSp="0" showMasterPhAnim="0">
-  <p:cSld>
-    <p:spTree>
-      <p:nvGrpSpPr>
-        <p:cNvPr id="1" name="Shape 91"/>
-        <p:cNvGrpSpPr/>
-        <p:nvPr/>
-      </p:nvGrpSpPr>
-      <p:grpSpPr>
-        <a:xfrm>
-          <a:off x="0" y="0"/>
-          <a:ext cx="0" cy="0"/>
-          <a:chOff x="0" y="0"/>
-          <a:chExt cx="0" cy="0"/>
-        </a:xfrm>
-      </p:grpSpPr>
-      <p:sp>
-        <p:nvSpPr>
-          <p:cNvPr id="92" name="Google Shape;92;g921be16503_9_0:notes"/>
-          <p:cNvSpPr>
-            <a:spLocks noGrp="1" noRot="1" noChangeAspect="1"/>
-          </p:cNvSpPr>
-          <p:nvPr>
-            <p:ph type="sldImg" idx="2"/>
-          </p:nvPr>
-        </p:nvSpPr>
-        <p:spPr>
-          <a:xfrm>
-            <a:off x="381000" y="685800"/>
-            <a:ext cx="6096000" cy="3429000"/>
-          </a:xfrm>
-          <a:custGeom>
-            <a:avLst/>
-            <a:gdLst/>
-            <a:ahLst/>
-            <a:cxnLst/>
-            <a:rect l="l" t="t" r="r" b="b"/>
-            <a:pathLst>
-              <a:path w="120000" h="120000" extrusionOk="0">
-                <a:moveTo>
-                  <a:pt x="0" y="0"/>
-                </a:moveTo>
-                <a:lnTo>
-                  <a:pt x="120000" y="0"/>
-                </a:lnTo>
-                <a:lnTo>
-                  <a:pt x="120000" y="120000"/>
-                </a:lnTo>
-                <a:lnTo>
-                  <a:pt x="0" y="120000"/>
-                </a:lnTo>
-                <a:close/>
-              </a:path>
-            </a:pathLst>
-          </a:custGeom>
-        </p:spPr>
-      </p:sp>
-      <p:sp>
-        <p:nvSpPr>
-          <p:cNvPr id="93" name="Google Shape;93;g921be16503_9_0:notes"/>
-          <p:cNvSpPr txBox="1">
-            <a:spLocks noGrp="1"/>
-          </p:cNvSpPr>
-          <p:nvPr>
-            <p:ph type="body" idx="1"/>
-          </p:nvPr>
-        </p:nvSpPr>
-        <p:spPr>
-          <a:xfrm>
-            <a:off x="685800" y="4343400"/>
-            <a:ext cx="5486400" cy="4114800"/>
-          </a:xfrm>
-          <a:prstGeom prst="rect">
-            <a:avLst/>
-          </a:prstGeom>
-        </p:spPr>
-        <p:txBody>
-          <a:bodyPr spcFirstLastPara="1" wrap="square" lIns="91425" tIns="91425" rIns="91425" bIns="91425" anchor="t" anchorCtr="0">
-            <a:noAutofit/>
-          </a:bodyPr>
-          <a:lstStyle/>
-          <a:p>
-            <a:pPr marL="0" lvl="0" indent="0" algn="l" rtl="0">
-              <a:spcBef>
-                <a:spcPts val="0"/>
-              </a:spcBef>
-              <a:spcAft>
-                <a:spcPts val="0"/>
-              </a:spcAft>
-              <a:buNone/>
-            </a:pPr>
-            <a:r>
-              <a:rPr lang="en-US" dirty="0"/>
-              <a:t>Hello World of machine learning.</a:t>
-            </a:r>
-          </a:p>
-        </p:txBody>
-      </p:sp>
-    </p:spTree>
-    <p:extLst>
-      <p:ext uri="{BB962C8B-B14F-4D97-AF65-F5344CB8AC3E}">
-        <p14:creationId xmlns:p14="http://schemas.microsoft.com/office/powerpoint/2010/main" val="3534599908"/>
-      </p:ext>
-    </p:extLst>
-  </p:cSld>
-  <p:clrMapOvr>
-    <a:masterClrMapping/>
-  </p:clrMapOvr>
-</p:notes>
-</file>
-
-<file path=ppt/notesSlides/notesSlide23.xml><?xml version="1.0" encoding="utf-8"?>
 <p:notes xmlns:a="http://schemas.openxmlformats.org/drawingml/2006/main" xmlns:r="http://schemas.openxmlformats.org/officeDocument/2006/relationships" xmlns:p="http://schemas.openxmlformats.org/presentationml/2006/main" showMasterSp="0" showMasterPhAnim="0">
   <p:cSld>
     <p:spTree>
@@ -2842,7 +2728,7 @@
     </p:spTree>
     <p:extLst>
       <p:ext uri="{BB962C8B-B14F-4D97-AF65-F5344CB8AC3E}">
-        <p14:creationId xmlns:p14="http://schemas.microsoft.com/office/powerpoint/2010/main" val="4009009586"/>
+        <p14:creationId xmlns:p14="http://schemas.microsoft.com/office/powerpoint/2010/main" val="1050270007"/>
       </p:ext>
     </p:extLst>
   </p:cSld>
@@ -2954,7 +2840,7 @@
     </p:spTree>
     <p:extLst>
       <p:ext uri="{BB962C8B-B14F-4D97-AF65-F5344CB8AC3E}">
-        <p14:creationId xmlns:p14="http://schemas.microsoft.com/office/powerpoint/2010/main" val="1050270007"/>
+        <p14:creationId xmlns:p14="http://schemas.microsoft.com/office/powerpoint/2010/main" val="1087570220"/>
       </p:ext>
     </p:extLst>
   </p:cSld>
@@ -3066,7 +2952,7 @@
     </p:spTree>
     <p:extLst>
       <p:ext uri="{BB962C8B-B14F-4D97-AF65-F5344CB8AC3E}">
-        <p14:creationId xmlns:p14="http://schemas.microsoft.com/office/powerpoint/2010/main" val="1087570220"/>
+        <p14:creationId xmlns:p14="http://schemas.microsoft.com/office/powerpoint/2010/main" val="920832063"/>
       </p:ext>
     </p:extLst>
   </p:cSld>
@@ -3178,7 +3064,7 @@
     </p:spTree>
     <p:extLst>
       <p:ext uri="{BB962C8B-B14F-4D97-AF65-F5344CB8AC3E}">
-        <p14:creationId xmlns:p14="http://schemas.microsoft.com/office/powerpoint/2010/main" val="920832063"/>
+        <p14:creationId xmlns:p14="http://schemas.microsoft.com/office/powerpoint/2010/main" val="3442472599"/>
       </p:ext>
     </p:extLst>
   </p:cSld>
@@ -3290,7 +3176,7 @@
     </p:spTree>
     <p:extLst>
       <p:ext uri="{BB962C8B-B14F-4D97-AF65-F5344CB8AC3E}">
-        <p14:creationId xmlns:p14="http://schemas.microsoft.com/office/powerpoint/2010/main" val="3442472599"/>
+        <p14:creationId xmlns:p14="http://schemas.microsoft.com/office/powerpoint/2010/main" val="992455146"/>
       </p:ext>
     </p:extLst>
   </p:cSld>
@@ -7415,350 +7301,6 @@
           <a:chExt cx="0" cy="0"/>
         </a:xfrm>
       </p:grpSpPr>
-      <p:pic>
-        <p:nvPicPr>
-          <p:cNvPr id="4" name="Picture 3">
-            <a:extLst>
-              <a:ext uri="{FF2B5EF4-FFF2-40B4-BE49-F238E27FC236}">
-                <a16:creationId xmlns:a16="http://schemas.microsoft.com/office/drawing/2014/main" id="{59F4A154-FF65-4B81-BA22-D23D8B10A47B}"/>
-              </a:ext>
-            </a:extLst>
-          </p:cNvPr>
-          <p:cNvPicPr>
-            <a:picLocks noChangeAspect="1"/>
-          </p:cNvPicPr>
-          <p:nvPr/>
-        </p:nvPicPr>
-        <p:blipFill rotWithShape="1">
-          <a:blip r:embed="rId3"/>
-          <a:srcRect l="6136" t="25154" r="9143" b="23136"/>
-          <a:stretch/>
-        </p:blipFill>
-        <p:spPr>
-          <a:xfrm>
-            <a:off x="3639499" y="1920078"/>
-            <a:ext cx="4068299" cy="578774"/>
-          </a:xfrm>
-          <a:prstGeom prst="rect">
-            <a:avLst/>
-          </a:prstGeom>
-        </p:spPr>
-      </p:pic>
-      <p:sp>
-        <p:nvSpPr>
-          <p:cNvPr id="5" name="TextBox 4">
-            <a:extLst>
-              <a:ext uri="{FF2B5EF4-FFF2-40B4-BE49-F238E27FC236}">
-                <a16:creationId xmlns:a16="http://schemas.microsoft.com/office/drawing/2014/main" id="{00FB9888-6B89-4A21-ACE6-E7A2152D2AC0}"/>
-              </a:ext>
-            </a:extLst>
-          </p:cNvPr>
-          <p:cNvSpPr txBox="1"/>
-          <p:nvPr/>
-        </p:nvSpPr>
-        <p:spPr>
-          <a:xfrm>
-            <a:off x="4204254" y="1612301"/>
-            <a:ext cx="3006586" cy="307777"/>
-          </a:xfrm>
-          <a:prstGeom prst="rect">
-            <a:avLst/>
-          </a:prstGeom>
-          <a:noFill/>
-          <a:ln>
-            <a:noFill/>
-          </a:ln>
-        </p:spPr>
-        <p:txBody>
-          <a:bodyPr wrap="square" rtlCol="0">
-            <a:spAutoFit/>
-          </a:bodyPr>
-          <a:lstStyle/>
-          <a:p>
-            <a:pPr algn="ctr"/>
-            <a:r>
-              <a:rPr lang="en-US" sz="1400" i="1" dirty="0">
-                <a:solidFill>
-                  <a:srgbClr val="E46102"/>
-                </a:solidFill>
-              </a:rPr>
-              <a:t>Ridge Cost Function</a:t>
-            </a:r>
-          </a:p>
-        </p:txBody>
-      </p:sp>
-      <p:sp>
-        <p:nvSpPr>
-          <p:cNvPr id="2" name="TextBox 1">
-            <a:extLst>
-              <a:ext uri="{FF2B5EF4-FFF2-40B4-BE49-F238E27FC236}">
-                <a16:creationId xmlns:a16="http://schemas.microsoft.com/office/drawing/2014/main" id="{07570971-7CE3-46EC-AF9A-7F6DDF694EFF}"/>
-              </a:ext>
-            </a:extLst>
-          </p:cNvPr>
-          <p:cNvSpPr txBox="1"/>
-          <p:nvPr/>
-        </p:nvSpPr>
-        <p:spPr>
-          <a:xfrm>
-            <a:off x="1311965" y="3051313"/>
-            <a:ext cx="9780105" cy="3046988"/>
-          </a:xfrm>
-          <a:prstGeom prst="rect">
-            <a:avLst/>
-          </a:prstGeom>
-          <a:noFill/>
-        </p:spPr>
-        <p:txBody>
-          <a:bodyPr wrap="square" rtlCol="0">
-            <a:spAutoFit/>
-          </a:bodyPr>
-          <a:lstStyle/>
-          <a:p>
-            <a:r>
-              <a:rPr lang="en-US" dirty="0"/>
-              <a:t>J(</a:t>
-            </a:r>
-            <a:r>
-              <a:rPr lang="it-IT" b="1" dirty="0"/>
-              <a:t>θ</a:t>
-            </a:r>
-            <a:r>
-              <a:rPr lang="en-US" dirty="0"/>
-              <a:t>) = Cost function</a:t>
-            </a:r>
-          </a:p>
-          <a:p>
-            <a:r>
-              <a:rPr lang="en-US" dirty="0"/>
-              <a:t>MSE (</a:t>
-            </a:r>
-            <a:r>
-              <a:rPr lang="it-IT" dirty="0"/>
-              <a:t>θ) = Mean Squared Error</a:t>
-            </a:r>
-            <a:endParaRPr lang="en-US" dirty="0"/>
-          </a:p>
-          <a:p>
-            <a:r>
-              <a:rPr lang="en-US" dirty="0"/>
-              <a:t>NOTE: </a:t>
-            </a:r>
-          </a:p>
-          <a:p>
-            <a:r>
-              <a:rPr lang="en-US" i="1" dirty="0"/>
-              <a:t>- θ</a:t>
-            </a:r>
-            <a:r>
-              <a:rPr lang="en-US" baseline="-25000" dirty="0"/>
-              <a:t>0</a:t>
-            </a:r>
-            <a:r>
-              <a:rPr lang="en-US" dirty="0"/>
-              <a:t> (bias term) is not regularized (the sum starts at </a:t>
-            </a:r>
-            <a:r>
-              <a:rPr lang="en-US" i="1" dirty="0" err="1"/>
-              <a:t>i</a:t>
-            </a:r>
-            <a:r>
-              <a:rPr lang="en-US" i="1" dirty="0"/>
-              <a:t> </a:t>
-            </a:r>
-            <a:r>
-              <a:rPr lang="en-US" dirty="0"/>
-              <a:t>= 1, not 0) </a:t>
-            </a:r>
-          </a:p>
-          <a:p>
-            <a:r>
-              <a:rPr lang="en-US" dirty="0"/>
-              <a:t>- if </a:t>
-            </a:r>
-            <a:r>
-              <a:rPr lang="en-US" b="1" dirty="0"/>
-              <a:t>w</a:t>
-            </a:r>
-            <a:r>
-              <a:rPr lang="en-US" dirty="0"/>
-              <a:t> = vector of feature weights (</a:t>
-            </a:r>
-            <a:r>
-              <a:rPr lang="en-US" i="1" dirty="0"/>
-              <a:t>θ</a:t>
-            </a:r>
-            <a:r>
-              <a:rPr lang="en-US" baseline="-25000" dirty="0"/>
-              <a:t>1</a:t>
-            </a:r>
-            <a:r>
-              <a:rPr lang="en-US" dirty="0"/>
-              <a:t> to </a:t>
-            </a:r>
-            <a:r>
-              <a:rPr lang="en-US" i="1" dirty="0" err="1"/>
-              <a:t>θ</a:t>
-            </a:r>
-            <a:r>
-              <a:rPr lang="en-US" baseline="-25000" dirty="0" err="1"/>
-              <a:t>n</a:t>
-            </a:r>
-            <a:r>
-              <a:rPr lang="en-US" dirty="0"/>
-              <a:t>), then regularization term is simply equal to ½ (∥</a:t>
-            </a:r>
-            <a:r>
-              <a:rPr lang="en-US" b="1" dirty="0"/>
-              <a:t>w</a:t>
-            </a:r>
-            <a:r>
-              <a:rPr lang="en-US" dirty="0"/>
-              <a:t>∥</a:t>
-            </a:r>
-            <a:r>
-              <a:rPr lang="en-US" baseline="30000" dirty="0"/>
-              <a:t>2</a:t>
-            </a:r>
-            <a:r>
-              <a:rPr lang="en-US" dirty="0"/>
-              <a:t>)</a:t>
-            </a:r>
-            <a:r>
-              <a:rPr lang="en-US" baseline="-25000" dirty="0"/>
-              <a:t>2</a:t>
-            </a:r>
-            <a:r>
-              <a:rPr lang="en-US" dirty="0"/>
-              <a:t>, where ∥</a:t>
-            </a:r>
-            <a:r>
-              <a:rPr lang="en-US" b="1" dirty="0"/>
-              <a:t>w</a:t>
-            </a:r>
-            <a:r>
-              <a:rPr lang="en-US" dirty="0"/>
-              <a:t>∥</a:t>
-            </a:r>
-            <a:r>
-              <a:rPr lang="en-US" baseline="-25000" dirty="0"/>
-              <a:t>2</a:t>
-            </a:r>
-            <a:r>
-              <a:rPr lang="en-US" dirty="0"/>
-              <a:t> represents the ℓ2 norm of the weight vector.</a:t>
-            </a:r>
-          </a:p>
-          <a:p>
-            <a:r>
-              <a:rPr lang="en-US" dirty="0"/>
-              <a:t>- for Gradient Descent, just add </a:t>
-            </a:r>
-            <a:r>
-              <a:rPr lang="en-US" i="1" dirty="0"/>
-              <a:t>α</a:t>
-            </a:r>
-            <a:r>
-              <a:rPr lang="en-US" b="1" dirty="0"/>
-              <a:t>w </a:t>
-            </a:r>
-            <a:r>
-              <a:rPr lang="en-US" dirty="0"/>
-              <a:t>to the MSE gradient vector.</a:t>
-            </a:r>
-          </a:p>
-        </p:txBody>
-      </p:sp>
-      <p:sp>
-        <p:nvSpPr>
-          <p:cNvPr id="7" name="Google Shape;95;p14">
-            <a:extLst>
-              <a:ext uri="{FF2B5EF4-FFF2-40B4-BE49-F238E27FC236}">
-                <a16:creationId xmlns:a16="http://schemas.microsoft.com/office/drawing/2014/main" id="{8FAA6FEA-FED2-4481-A679-367F18D282F4}"/>
-              </a:ext>
-            </a:extLst>
-          </p:cNvPr>
-          <p:cNvSpPr txBox="1">
-            <a:spLocks/>
-          </p:cNvSpPr>
-          <p:nvPr/>
-        </p:nvSpPr>
-        <p:spPr>
-          <a:xfrm>
-            <a:off x="717173" y="696913"/>
-            <a:ext cx="10972800" cy="506789"/>
-          </a:xfrm>
-          <a:prstGeom prst="rect">
-            <a:avLst/>
-          </a:prstGeom>
-        </p:spPr>
-        <p:txBody>
-          <a:bodyPr spcFirstLastPara="1" wrap="square" lIns="121900" tIns="121900" rIns="121900" bIns="121900" anchor="ctr" anchorCtr="0">
-            <a:noAutofit/>
-          </a:bodyPr>
-          <a:lstStyle>
-            <a:lvl1pPr algn="ctr" defTabSz="609585" rtl="0" eaLnBrk="1" latinLnBrk="0" hangingPunct="1">
-              <a:spcBef>
-                <a:spcPct val="0"/>
-              </a:spcBef>
-              <a:buNone/>
-              <a:defRPr sz="5867" kern="1200">
-                <a:solidFill>
-                  <a:schemeClr val="tx1"/>
-                </a:solidFill>
-                <a:latin typeface="+mj-lt"/>
-                <a:ea typeface="+mj-ea"/>
-                <a:cs typeface="+mj-cs"/>
-              </a:defRPr>
-            </a:lvl1pPr>
-          </a:lstStyle>
-          <a:p>
-            <a:r>
-              <a:rPr lang="en-US" sz="4000" b="1">
-                <a:solidFill>
-                  <a:srgbClr val="E46102"/>
-                </a:solidFill>
-              </a:rPr>
-              <a:t>Regularized Linear Models</a:t>
-            </a:r>
-            <a:endParaRPr lang="en-US" sz="4000" b="1" dirty="0">
-              <a:solidFill>
-                <a:srgbClr val="E46102"/>
-              </a:solidFill>
-            </a:endParaRPr>
-          </a:p>
-        </p:txBody>
-      </p:sp>
-    </p:spTree>
-    <p:extLst>
-      <p:ext uri="{BB962C8B-B14F-4D97-AF65-F5344CB8AC3E}">
-        <p14:creationId xmlns:p14="http://schemas.microsoft.com/office/powerpoint/2010/main" val="2906587546"/>
-      </p:ext>
-    </p:extLst>
-  </p:cSld>
-  <p:clrMapOvr>
-    <a:masterClrMapping/>
-  </p:clrMapOvr>
-</p:sld>
-</file>
-
-<file path=ppt/slides/slide11.xml><?xml version="1.0" encoding="utf-8"?>
-<p:sld xmlns:a="http://schemas.openxmlformats.org/drawingml/2006/main" xmlns:r="http://schemas.openxmlformats.org/officeDocument/2006/relationships" xmlns:p="http://schemas.openxmlformats.org/presentationml/2006/main">
-  <p:cSld>
-    <p:spTree>
-      <p:nvGrpSpPr>
-        <p:cNvPr id="1" name="Shape 94"/>
-        <p:cNvGrpSpPr/>
-        <p:nvPr/>
-      </p:nvGrpSpPr>
-      <p:grpSpPr>
-        <a:xfrm>
-          <a:off x="0" y="0"/>
-          <a:ext cx="0" cy="0"/>
-          <a:chOff x="0" y="0"/>
-          <a:chExt cx="0" cy="0"/>
-        </a:xfrm>
-      </p:grpSpPr>
       <p:sp>
         <p:nvSpPr>
           <p:cNvPr id="96" name="Google Shape;96;p14"/>
@@ -8233,7 +7775,7 @@
 </p:sld>
 </file>
 
-<file path=ppt/slides/slide12.xml><?xml version="1.0" encoding="utf-8"?>
+<file path=ppt/slides/slide11.xml><?xml version="1.0" encoding="utf-8"?>
 <p:sld xmlns:a="http://schemas.openxmlformats.org/drawingml/2006/main" xmlns:r="http://schemas.openxmlformats.org/officeDocument/2006/relationships" xmlns:p="http://schemas.openxmlformats.org/presentationml/2006/main">
   <p:cSld>
     <p:spTree>
@@ -8729,7 +8271,7 @@
 </p:sld>
 </file>
 
-<file path=ppt/slides/slide13.xml><?xml version="1.0" encoding="utf-8"?>
+<file path=ppt/slides/slide12.xml><?xml version="1.0" encoding="utf-8"?>
 <p:sld xmlns:a="http://schemas.openxmlformats.org/drawingml/2006/main" xmlns:r="http://schemas.openxmlformats.org/officeDocument/2006/relationships" xmlns:p="http://schemas.openxmlformats.org/presentationml/2006/main">
   <p:cSld>
     <p:spTree>
@@ -9141,7 +8683,7 @@
 </p:sld>
 </file>
 
-<file path=ppt/slides/slide14.xml><?xml version="1.0" encoding="utf-8"?>
+<file path=ppt/slides/slide13.xml><?xml version="1.0" encoding="utf-8"?>
 <p:sld xmlns:a="http://schemas.openxmlformats.org/drawingml/2006/main" xmlns:r="http://schemas.openxmlformats.org/officeDocument/2006/relationships" xmlns:p="http://schemas.openxmlformats.org/presentationml/2006/main">
   <p:cSld>
     <p:spTree>
@@ -9611,7 +9153,7 @@
 </p:sld>
 </file>
 
-<file path=ppt/slides/slide15.xml><?xml version="1.0" encoding="utf-8"?>
+<file path=ppt/slides/slide14.xml><?xml version="1.0" encoding="utf-8"?>
 <p:sld xmlns:a="http://schemas.openxmlformats.org/drawingml/2006/main" xmlns:r="http://schemas.openxmlformats.org/officeDocument/2006/relationships" xmlns:p="http://schemas.openxmlformats.org/presentationml/2006/main">
   <p:cSld>
     <p:spTree>
@@ -10038,7 +9580,7 @@
 </p:sld>
 </file>
 
-<file path=ppt/slides/slide16.xml><?xml version="1.0" encoding="utf-8"?>
+<file path=ppt/slides/slide15.xml><?xml version="1.0" encoding="utf-8"?>
 <p:sld xmlns:a="http://schemas.openxmlformats.org/drawingml/2006/main" xmlns:r="http://schemas.openxmlformats.org/officeDocument/2006/relationships" xmlns:p="http://schemas.openxmlformats.org/presentationml/2006/main">
   <p:cSld>
     <p:spTree>
@@ -10667,7 +10209,7 @@
 </p:sld>
 </file>
 
-<file path=ppt/slides/slide17.xml><?xml version="1.0" encoding="utf-8"?>
+<file path=ppt/slides/slide16.xml><?xml version="1.0" encoding="utf-8"?>
 <p:sld xmlns:a="http://schemas.openxmlformats.org/drawingml/2006/main" xmlns:r="http://schemas.openxmlformats.org/officeDocument/2006/relationships" xmlns:p="http://schemas.openxmlformats.org/presentationml/2006/main">
   <p:cSld>
     <p:spTree>
@@ -11042,7 +10584,7 @@
 </p:sld>
 </file>
 
-<file path=ppt/slides/slide18.xml><?xml version="1.0" encoding="utf-8"?>
+<file path=ppt/slides/slide17.xml><?xml version="1.0" encoding="utf-8"?>
 <p:sld xmlns:a="http://schemas.openxmlformats.org/drawingml/2006/main" xmlns:r="http://schemas.openxmlformats.org/officeDocument/2006/relationships" xmlns:p="http://schemas.openxmlformats.org/presentationml/2006/main">
   <p:cSld>
     <p:spTree>
@@ -11539,7 +11081,7 @@
 </p:sld>
 </file>
 
-<file path=ppt/slides/slide19.xml><?xml version="1.0" encoding="utf-8"?>
+<file path=ppt/slides/slide18.xml><?xml version="1.0" encoding="utf-8"?>
 <p:sld xmlns:a="http://schemas.openxmlformats.org/drawingml/2006/main" xmlns:r="http://schemas.openxmlformats.org/officeDocument/2006/relationships" xmlns:p="http://schemas.openxmlformats.org/presentationml/2006/main">
   <p:cSld>
     <p:spTree>
@@ -12205,262 +11747,7 @@
 </p:sld>
 </file>
 
-<file path=ppt/slides/slide2.xml><?xml version="1.0" encoding="utf-8"?>
-<p:sld xmlns:a="http://schemas.openxmlformats.org/drawingml/2006/main" xmlns:r="http://schemas.openxmlformats.org/officeDocument/2006/relationships" xmlns:p="http://schemas.openxmlformats.org/presentationml/2006/main">
-  <p:cSld>
-    <p:spTree>
-      <p:nvGrpSpPr>
-        <p:cNvPr id="1" name="Shape 94"/>
-        <p:cNvGrpSpPr/>
-        <p:nvPr/>
-      </p:nvGrpSpPr>
-      <p:grpSpPr>
-        <a:xfrm>
-          <a:off x="0" y="0"/>
-          <a:ext cx="0" cy="0"/>
-          <a:chOff x="0" y="0"/>
-          <a:chExt cx="0" cy="0"/>
-        </a:xfrm>
-      </p:grpSpPr>
-      <p:sp>
-        <p:nvSpPr>
-          <p:cNvPr id="95" name="Google Shape;95;p14"/>
-          <p:cNvSpPr txBox="1">
-            <a:spLocks noGrp="1"/>
-          </p:cNvSpPr>
-          <p:nvPr>
-            <p:ph type="title" idx="4294967295"/>
-          </p:nvPr>
-        </p:nvSpPr>
-        <p:spPr>
-          <a:xfrm>
-            <a:off x="717173" y="696913"/>
-            <a:ext cx="10972800" cy="506789"/>
-          </a:xfrm>
-          <a:prstGeom prst="rect">
-            <a:avLst/>
-          </a:prstGeom>
-        </p:spPr>
-        <p:txBody>
-          <a:bodyPr spcFirstLastPara="1" wrap="square" lIns="121900" tIns="121900" rIns="121900" bIns="121900" anchor="ctr" anchorCtr="0">
-            <a:noAutofit/>
-          </a:bodyPr>
-          <a:lstStyle/>
-          <a:p>
-            <a:r>
-              <a:rPr lang="en-US" sz="4000" b="1" dirty="0">
-                <a:solidFill>
-                  <a:srgbClr val="E46102"/>
-                </a:solidFill>
-              </a:rPr>
-              <a:t>Lecture Objective</a:t>
-            </a:r>
-            <a:endParaRPr sz="4000" b="1" dirty="0">
-              <a:solidFill>
-                <a:srgbClr val="E46102"/>
-              </a:solidFill>
-            </a:endParaRPr>
-          </a:p>
-        </p:txBody>
-      </p:sp>
-      <p:sp>
-        <p:nvSpPr>
-          <p:cNvPr id="96" name="Google Shape;96;p14"/>
-          <p:cNvSpPr txBox="1"/>
-          <p:nvPr/>
-        </p:nvSpPr>
-        <p:spPr>
-          <a:xfrm>
-            <a:off x="521776" y="1382233"/>
-            <a:ext cx="11277600" cy="4176000"/>
-          </a:xfrm>
-          <a:prstGeom prst="rect">
-            <a:avLst/>
-          </a:prstGeom>
-          <a:noFill/>
-          <a:ln>
-            <a:noFill/>
-          </a:ln>
-        </p:spPr>
-        <p:txBody>
-          <a:bodyPr spcFirstLastPara="1" wrap="square" lIns="121900" tIns="121900" rIns="121900" bIns="121900" anchor="t" anchorCtr="0">
-            <a:noAutofit/>
-          </a:bodyPr>
-          <a:lstStyle/>
-          <a:p>
-            <a:pPr marL="457200" indent="-457200">
-              <a:buFont typeface="Arial" panose="020B0604020202020204" pitchFamily="34" charset="0"/>
-              <a:buChar char="•"/>
-            </a:pPr>
-            <a:r>
-              <a:rPr lang="en-US" sz="2800" dirty="0"/>
-              <a:t>Study and Implement </a:t>
-            </a:r>
-            <a:r>
-              <a:rPr lang="en-US" sz="2800" b="1" dirty="0"/>
-              <a:t>Training Models</a:t>
-            </a:r>
-          </a:p>
-          <a:p>
-            <a:pPr marL="1066785" lvl="1" indent="-457200">
-              <a:buFont typeface="Arial" panose="020B0604020202020204" pitchFamily="34" charset="0"/>
-              <a:buChar char="•"/>
-            </a:pPr>
-            <a:r>
-              <a:rPr lang="en-US" dirty="0">
-                <a:solidFill>
-                  <a:schemeClr val="bg1">
-                    <a:lumMod val="75000"/>
-                  </a:schemeClr>
-                </a:solidFill>
-              </a:rPr>
-              <a:t>Linear Regression</a:t>
-            </a:r>
-          </a:p>
-          <a:p>
-            <a:pPr marL="1066785" lvl="1" indent="-457200">
-              <a:buFont typeface="Arial" panose="020B0604020202020204" pitchFamily="34" charset="0"/>
-              <a:buChar char="•"/>
-            </a:pPr>
-            <a:r>
-              <a:rPr lang="en-US" dirty="0">
-                <a:solidFill>
-                  <a:schemeClr val="bg1">
-                    <a:lumMod val="75000"/>
-                  </a:schemeClr>
-                </a:solidFill>
-              </a:rPr>
-              <a:t>Gradient Descent</a:t>
-            </a:r>
-          </a:p>
-          <a:p>
-            <a:pPr marL="1066785" lvl="1" indent="-457200">
-              <a:buFont typeface="Arial" panose="020B0604020202020204" pitchFamily="34" charset="0"/>
-              <a:buChar char="•"/>
-            </a:pPr>
-            <a:r>
-              <a:rPr lang="en-US" dirty="0"/>
-              <a:t>Regularized Linear Models</a:t>
-            </a:r>
-          </a:p>
-          <a:p>
-            <a:pPr marL="1066785" lvl="1" indent="-457200">
-              <a:buFont typeface="Arial" panose="020B0604020202020204" pitchFamily="34" charset="0"/>
-              <a:buChar char="•"/>
-            </a:pPr>
-            <a:r>
-              <a:rPr lang="en-US" dirty="0"/>
-              <a:t>Logistic Regression</a:t>
-            </a:r>
-          </a:p>
-          <a:p>
-            <a:pPr marL="1066785" lvl="1" indent="-457200">
-              <a:buFont typeface="Arial" panose="020B0604020202020204" pitchFamily="34" charset="0"/>
-              <a:buChar char="•"/>
-            </a:pPr>
-            <a:r>
-              <a:rPr lang="en-US" dirty="0"/>
-              <a:t>Softmax Regression</a:t>
-            </a:r>
-          </a:p>
-          <a:p>
-            <a:pPr lvl="1"/>
-            <a:endParaRPr lang="en-US" dirty="0"/>
-          </a:p>
-        </p:txBody>
-      </p:sp>
-    </p:spTree>
-    <p:extLst>
-      <p:ext uri="{BB962C8B-B14F-4D97-AF65-F5344CB8AC3E}">
-        <p14:creationId xmlns:p14="http://schemas.microsoft.com/office/powerpoint/2010/main" val="3270129138"/>
-      </p:ext>
-    </p:extLst>
-  </p:cSld>
-  <p:clrMapOvr>
-    <a:masterClrMapping/>
-  </p:clrMapOvr>
-  <p:timing>
-    <p:tnLst>
-      <p:par>
-        <p:cTn id="1" dur="indefinite" restart="never" nodeType="tmRoot">
-          <p:childTnLst>
-            <p:seq concurrent="1" nextAc="seek">
-              <p:cTn id="2" dur="indefinite" nodeType="mainSeq">
-                <p:childTnLst>
-                  <p:par>
-                    <p:cTn id="3" fill="hold">
-                      <p:stCondLst>
-                        <p:cond delay="indefinite"/>
-                      </p:stCondLst>
-                      <p:childTnLst>
-                        <p:par>
-                          <p:cTn id="4" fill="hold">
-                            <p:stCondLst>
-                              <p:cond delay="0"/>
-                            </p:stCondLst>
-                            <p:childTnLst>
-                              <p:par>
-                                <p:cTn id="5" presetID="1" presetClass="entr" presetSubtype="0" fill="hold" grpId="0" nodeType="clickEffect">
-                                  <p:stCondLst>
-                                    <p:cond delay="0"/>
-                                  </p:stCondLst>
-                                  <p:childTnLst>
-                                    <p:set>
-                                      <p:cBhvr>
-                                        <p:cTn id="6" dur="1" fill="hold">
-                                          <p:stCondLst>
-                                            <p:cond delay="0"/>
-                                          </p:stCondLst>
-                                        </p:cTn>
-                                        <p:tgtEl>
-                                          <p:spTgt spid="96"/>
-                                        </p:tgtEl>
-                                        <p:attrNameLst>
-                                          <p:attrName>style.visibility</p:attrName>
-                                        </p:attrNameLst>
-                                      </p:cBhvr>
-                                      <p:to>
-                                        <p:strVal val="visible"/>
-                                      </p:to>
-                                    </p:set>
-                                  </p:childTnLst>
-                                </p:cTn>
-                              </p:par>
-                            </p:childTnLst>
-                          </p:cTn>
-                        </p:par>
-                      </p:childTnLst>
-                    </p:cTn>
-                  </p:par>
-                </p:childTnLst>
-              </p:cTn>
-              <p:prevCondLst>
-                <p:cond evt="onPrev" delay="0">
-                  <p:tgtEl>
-                    <p:sldTgt/>
-                  </p:tgtEl>
-                </p:cond>
-              </p:prevCondLst>
-              <p:nextCondLst>
-                <p:cond evt="onNext" delay="0">
-                  <p:tgtEl>
-                    <p:sldTgt/>
-                  </p:tgtEl>
-                </p:cond>
-              </p:nextCondLst>
-            </p:seq>
-          </p:childTnLst>
-        </p:cTn>
-      </p:par>
-    </p:tnLst>
-    <p:bldLst>
-      <p:bldP spid="96" grpId="0"/>
-    </p:bldLst>
-  </p:timing>
-</p:sld>
-</file>
-
-<file path=ppt/slides/slide20.xml><?xml version="1.0" encoding="utf-8"?>
+<file path=ppt/slides/slide19.xml><?xml version="1.0" encoding="utf-8"?>
 <p:sld xmlns:a="http://schemas.openxmlformats.org/drawingml/2006/main" xmlns:r="http://schemas.openxmlformats.org/officeDocument/2006/relationships" xmlns:p="http://schemas.openxmlformats.org/presentationml/2006/main">
   <p:cSld>
     <p:spTree>
@@ -13113,6 +12400,915 @@
 </p:sld>
 </file>
 
+<file path=ppt/slides/slide2.xml><?xml version="1.0" encoding="utf-8"?>
+<p:sld xmlns:a="http://schemas.openxmlformats.org/drawingml/2006/main" xmlns:r="http://schemas.openxmlformats.org/officeDocument/2006/relationships" xmlns:p="http://schemas.openxmlformats.org/presentationml/2006/main">
+  <p:cSld>
+    <p:spTree>
+      <p:nvGrpSpPr>
+        <p:cNvPr id="1" name="Shape 94"/>
+        <p:cNvGrpSpPr/>
+        <p:nvPr/>
+      </p:nvGrpSpPr>
+      <p:grpSpPr>
+        <a:xfrm>
+          <a:off x="0" y="0"/>
+          <a:ext cx="0" cy="0"/>
+          <a:chOff x="0" y="0"/>
+          <a:chExt cx="0" cy="0"/>
+        </a:xfrm>
+      </p:grpSpPr>
+      <p:sp>
+        <p:nvSpPr>
+          <p:cNvPr id="95" name="Google Shape;95;p14"/>
+          <p:cNvSpPr txBox="1">
+            <a:spLocks noGrp="1"/>
+          </p:cNvSpPr>
+          <p:nvPr>
+            <p:ph type="title" idx="4294967295"/>
+          </p:nvPr>
+        </p:nvSpPr>
+        <p:spPr>
+          <a:xfrm>
+            <a:off x="717173" y="696913"/>
+            <a:ext cx="10972800" cy="506789"/>
+          </a:xfrm>
+          <a:prstGeom prst="rect">
+            <a:avLst/>
+          </a:prstGeom>
+        </p:spPr>
+        <p:txBody>
+          <a:bodyPr spcFirstLastPara="1" wrap="square" lIns="121900" tIns="121900" rIns="121900" bIns="121900" anchor="ctr" anchorCtr="0">
+            <a:noAutofit/>
+          </a:bodyPr>
+          <a:lstStyle/>
+          <a:p>
+            <a:r>
+              <a:rPr lang="en-US" sz="4000" b="1" dirty="0">
+                <a:solidFill>
+                  <a:srgbClr val="E46102"/>
+                </a:solidFill>
+              </a:rPr>
+              <a:t>Lecture Objective</a:t>
+            </a:r>
+            <a:endParaRPr sz="4000" b="1" dirty="0">
+              <a:solidFill>
+                <a:srgbClr val="E46102"/>
+              </a:solidFill>
+            </a:endParaRPr>
+          </a:p>
+        </p:txBody>
+      </p:sp>
+      <p:sp>
+        <p:nvSpPr>
+          <p:cNvPr id="96" name="Google Shape;96;p14"/>
+          <p:cNvSpPr txBox="1"/>
+          <p:nvPr/>
+        </p:nvSpPr>
+        <p:spPr>
+          <a:xfrm>
+            <a:off x="521776" y="1382233"/>
+            <a:ext cx="11277600" cy="4176000"/>
+          </a:xfrm>
+          <a:prstGeom prst="rect">
+            <a:avLst/>
+          </a:prstGeom>
+          <a:noFill/>
+          <a:ln>
+            <a:noFill/>
+          </a:ln>
+        </p:spPr>
+        <p:txBody>
+          <a:bodyPr spcFirstLastPara="1" wrap="square" lIns="121900" tIns="121900" rIns="121900" bIns="121900" anchor="t" anchorCtr="0">
+            <a:noAutofit/>
+          </a:bodyPr>
+          <a:lstStyle/>
+          <a:p>
+            <a:pPr marL="457200" indent="-457200">
+              <a:buFont typeface="Arial" panose="020B0604020202020204" pitchFamily="34" charset="0"/>
+              <a:buChar char="•"/>
+            </a:pPr>
+            <a:r>
+              <a:rPr lang="en-US" sz="2800" dirty="0"/>
+              <a:t>Study and Implement </a:t>
+            </a:r>
+            <a:r>
+              <a:rPr lang="en-US" sz="2800" b="1" dirty="0"/>
+              <a:t>Training Models</a:t>
+            </a:r>
+          </a:p>
+          <a:p>
+            <a:pPr marL="1066785" lvl="1" indent="-457200">
+              <a:buFont typeface="Arial" panose="020B0604020202020204" pitchFamily="34" charset="0"/>
+              <a:buChar char="•"/>
+            </a:pPr>
+            <a:r>
+              <a:rPr lang="en-US" dirty="0">
+                <a:solidFill>
+                  <a:schemeClr val="bg1">
+                    <a:lumMod val="75000"/>
+                  </a:schemeClr>
+                </a:solidFill>
+              </a:rPr>
+              <a:t>Linear Regression</a:t>
+            </a:r>
+          </a:p>
+          <a:p>
+            <a:pPr marL="1066785" lvl="1" indent="-457200">
+              <a:buFont typeface="Arial" panose="020B0604020202020204" pitchFamily="34" charset="0"/>
+              <a:buChar char="•"/>
+            </a:pPr>
+            <a:r>
+              <a:rPr lang="en-US" dirty="0">
+                <a:solidFill>
+                  <a:schemeClr val="bg1">
+                    <a:lumMod val="75000"/>
+                  </a:schemeClr>
+                </a:solidFill>
+              </a:rPr>
+              <a:t>Gradient Descent</a:t>
+            </a:r>
+          </a:p>
+          <a:p>
+            <a:pPr marL="1066785" lvl="1" indent="-457200">
+              <a:buFont typeface="Arial" panose="020B0604020202020204" pitchFamily="34" charset="0"/>
+              <a:buChar char="•"/>
+            </a:pPr>
+            <a:r>
+              <a:rPr lang="en-US" dirty="0"/>
+              <a:t>Regularized Linear Models</a:t>
+            </a:r>
+          </a:p>
+          <a:p>
+            <a:pPr marL="1066785" lvl="1" indent="-457200">
+              <a:buFont typeface="Arial" panose="020B0604020202020204" pitchFamily="34" charset="0"/>
+              <a:buChar char="•"/>
+            </a:pPr>
+            <a:r>
+              <a:rPr lang="en-US" dirty="0"/>
+              <a:t>Logistic Regression</a:t>
+            </a:r>
+          </a:p>
+          <a:p>
+            <a:pPr marL="1066785" lvl="1" indent="-457200">
+              <a:buFont typeface="Arial" panose="020B0604020202020204" pitchFamily="34" charset="0"/>
+              <a:buChar char="•"/>
+            </a:pPr>
+            <a:r>
+              <a:rPr lang="en-US" dirty="0"/>
+              <a:t>Softmax Regression</a:t>
+            </a:r>
+          </a:p>
+          <a:p>
+            <a:pPr lvl="1"/>
+            <a:endParaRPr lang="en-US" dirty="0"/>
+          </a:p>
+        </p:txBody>
+      </p:sp>
+    </p:spTree>
+    <p:extLst>
+      <p:ext uri="{BB962C8B-B14F-4D97-AF65-F5344CB8AC3E}">
+        <p14:creationId xmlns:p14="http://schemas.microsoft.com/office/powerpoint/2010/main" val="3270129138"/>
+      </p:ext>
+    </p:extLst>
+  </p:cSld>
+  <p:clrMapOvr>
+    <a:masterClrMapping/>
+  </p:clrMapOvr>
+  <p:timing>
+    <p:tnLst>
+      <p:par>
+        <p:cTn id="1" dur="indefinite" restart="never" nodeType="tmRoot">
+          <p:childTnLst>
+            <p:seq concurrent="1" nextAc="seek">
+              <p:cTn id="2" dur="indefinite" nodeType="mainSeq">
+                <p:childTnLst>
+                  <p:par>
+                    <p:cTn id="3" fill="hold">
+                      <p:stCondLst>
+                        <p:cond delay="indefinite"/>
+                      </p:stCondLst>
+                      <p:childTnLst>
+                        <p:par>
+                          <p:cTn id="4" fill="hold">
+                            <p:stCondLst>
+                              <p:cond delay="0"/>
+                            </p:stCondLst>
+                            <p:childTnLst>
+                              <p:par>
+                                <p:cTn id="5" presetID="1" presetClass="entr" presetSubtype="0" fill="hold" grpId="0" nodeType="clickEffect">
+                                  <p:stCondLst>
+                                    <p:cond delay="0"/>
+                                  </p:stCondLst>
+                                  <p:childTnLst>
+                                    <p:set>
+                                      <p:cBhvr>
+                                        <p:cTn id="6" dur="1" fill="hold">
+                                          <p:stCondLst>
+                                            <p:cond delay="0"/>
+                                          </p:stCondLst>
+                                        </p:cTn>
+                                        <p:tgtEl>
+                                          <p:spTgt spid="96"/>
+                                        </p:tgtEl>
+                                        <p:attrNameLst>
+                                          <p:attrName>style.visibility</p:attrName>
+                                        </p:attrNameLst>
+                                      </p:cBhvr>
+                                      <p:to>
+                                        <p:strVal val="visible"/>
+                                      </p:to>
+                                    </p:set>
+                                  </p:childTnLst>
+                                </p:cTn>
+                              </p:par>
+                            </p:childTnLst>
+                          </p:cTn>
+                        </p:par>
+                      </p:childTnLst>
+                    </p:cTn>
+                  </p:par>
+                </p:childTnLst>
+              </p:cTn>
+              <p:prevCondLst>
+                <p:cond evt="onPrev" delay="0">
+                  <p:tgtEl>
+                    <p:sldTgt/>
+                  </p:tgtEl>
+                </p:cond>
+              </p:prevCondLst>
+              <p:nextCondLst>
+                <p:cond evt="onNext" delay="0">
+                  <p:tgtEl>
+                    <p:sldTgt/>
+                  </p:tgtEl>
+                </p:cond>
+              </p:nextCondLst>
+            </p:seq>
+          </p:childTnLst>
+        </p:cTn>
+      </p:par>
+    </p:tnLst>
+    <p:bldLst>
+      <p:bldP spid="96" grpId="0"/>
+    </p:bldLst>
+  </p:timing>
+</p:sld>
+</file>
+
+<file path=ppt/slides/slide20.xml><?xml version="1.0" encoding="utf-8"?>
+<p:sld xmlns:a="http://schemas.openxmlformats.org/drawingml/2006/main" xmlns:r="http://schemas.openxmlformats.org/officeDocument/2006/relationships" xmlns:p="http://schemas.openxmlformats.org/presentationml/2006/main">
+  <p:cSld>
+    <p:spTree>
+      <p:nvGrpSpPr>
+        <p:cNvPr id="1" name="Shape 94"/>
+        <p:cNvGrpSpPr/>
+        <p:nvPr/>
+      </p:nvGrpSpPr>
+      <p:grpSpPr>
+        <a:xfrm>
+          <a:off x="0" y="0"/>
+          <a:ext cx="0" cy="0"/>
+          <a:chOff x="0" y="0"/>
+          <a:chExt cx="0" cy="0"/>
+        </a:xfrm>
+      </p:grpSpPr>
+      <p:sp>
+        <p:nvSpPr>
+          <p:cNvPr id="95" name="Google Shape;95;p14"/>
+          <p:cNvSpPr txBox="1">
+            <a:spLocks noGrp="1"/>
+          </p:cNvSpPr>
+          <p:nvPr>
+            <p:ph type="title" idx="4294967295"/>
+          </p:nvPr>
+        </p:nvSpPr>
+        <p:spPr>
+          <a:xfrm>
+            <a:off x="717173" y="696913"/>
+            <a:ext cx="10972800" cy="506789"/>
+          </a:xfrm>
+          <a:prstGeom prst="rect">
+            <a:avLst/>
+          </a:prstGeom>
+        </p:spPr>
+        <p:txBody>
+          <a:bodyPr spcFirstLastPara="1" wrap="square" lIns="121900" tIns="121900" rIns="121900" bIns="121900" anchor="ctr" anchorCtr="0">
+            <a:noAutofit/>
+          </a:bodyPr>
+          <a:lstStyle/>
+          <a:p>
+            <a:r>
+              <a:rPr lang="en-US" sz="4000" b="1" dirty="0">
+                <a:solidFill>
+                  <a:srgbClr val="E46102"/>
+                </a:solidFill>
+              </a:rPr>
+              <a:t>Softmax Regression</a:t>
+            </a:r>
+            <a:endParaRPr sz="4000" b="1" dirty="0">
+              <a:solidFill>
+                <a:srgbClr val="E46102"/>
+              </a:solidFill>
+            </a:endParaRPr>
+          </a:p>
+        </p:txBody>
+      </p:sp>
+      <p:sp>
+        <p:nvSpPr>
+          <p:cNvPr id="96" name="Google Shape;96;p14"/>
+          <p:cNvSpPr txBox="1"/>
+          <p:nvPr/>
+        </p:nvSpPr>
+        <p:spPr>
+          <a:xfrm>
+            <a:off x="521776" y="1382233"/>
+            <a:ext cx="8864076" cy="4176000"/>
+          </a:xfrm>
+          <a:prstGeom prst="rect">
+            <a:avLst/>
+          </a:prstGeom>
+          <a:noFill/>
+          <a:ln>
+            <a:noFill/>
+          </a:ln>
+        </p:spPr>
+        <p:txBody>
+          <a:bodyPr spcFirstLastPara="1" wrap="square" lIns="121900" tIns="121900" rIns="121900" bIns="121900" anchor="t" anchorCtr="0">
+            <a:noAutofit/>
+          </a:bodyPr>
+          <a:lstStyle/>
+          <a:p>
+            <a:pPr marL="342900" indent="-342900">
+              <a:buFont typeface="Arial" panose="020B0604020202020204" pitchFamily="34" charset="0"/>
+              <a:buChar char="•"/>
+            </a:pPr>
+            <a:r>
+              <a:rPr lang="en-US" dirty="0"/>
+              <a:t>each class has its own dedicated parameter vector </a:t>
+            </a:r>
+            <a:r>
+              <a:rPr lang="en-US" b="1" dirty="0"/>
+              <a:t>θ</a:t>
+            </a:r>
+            <a:r>
+              <a:rPr lang="en-US" i="1" dirty="0"/>
+              <a:t>(k)</a:t>
+            </a:r>
+            <a:r>
+              <a:rPr lang="en-US" dirty="0"/>
+              <a:t>. </a:t>
+            </a:r>
+          </a:p>
+          <a:p>
+            <a:pPr marL="342900" indent="-342900">
+              <a:buFont typeface="Arial" panose="020B0604020202020204" pitchFamily="34" charset="0"/>
+              <a:buChar char="•"/>
+            </a:pPr>
+            <a:r>
+              <a:rPr lang="en-US" dirty="0"/>
+              <a:t>All these vectors are typically stored as rows in a </a:t>
+            </a:r>
+            <a:r>
+              <a:rPr lang="en-US" i="1" dirty="0"/>
+              <a:t>parameter matrix </a:t>
+            </a:r>
+            <a:r>
+              <a:rPr lang="en-US" b="1" dirty="0"/>
+              <a:t>Θ</a:t>
+            </a:r>
+            <a:endParaRPr lang="en-US" dirty="0"/>
+          </a:p>
+          <a:p>
+            <a:pPr marL="342900" indent="-342900">
+              <a:buFont typeface="Arial" panose="020B0604020202020204" pitchFamily="34" charset="0"/>
+              <a:buChar char="•"/>
+            </a:pPr>
+            <a:r>
+              <a:rPr lang="en-US" dirty="0"/>
+              <a:t>You can estimate probability of an instance belonging to a class </a:t>
+            </a:r>
+            <a:r>
+              <a:rPr lang="en-US" i="1" dirty="0"/>
+              <a:t>k</a:t>
+            </a:r>
+            <a:r>
+              <a:rPr lang="en-US" dirty="0"/>
+              <a:t> by running scores through </a:t>
+            </a:r>
+            <a:r>
+              <a:rPr lang="en-US" dirty="0" err="1"/>
+              <a:t>softmax</a:t>
+            </a:r>
+            <a:r>
+              <a:rPr lang="en-US" dirty="0"/>
+              <a:t> function</a:t>
+            </a:r>
+          </a:p>
+          <a:p>
+            <a:pPr marL="342900" indent="-342900">
+              <a:buFont typeface="Arial" panose="020B0604020202020204" pitchFamily="34" charset="0"/>
+              <a:buChar char="•"/>
+            </a:pPr>
+            <a:r>
+              <a:rPr lang="en-US" dirty="0"/>
+              <a:t>Softmax function computes exponential of every score, then normalizes them (dividing by sum of all exponentials).</a:t>
+            </a:r>
+          </a:p>
+          <a:p>
+            <a:pPr marL="342900" indent="-342900">
+              <a:buFont typeface="Arial" panose="020B0604020202020204" pitchFamily="34" charset="0"/>
+              <a:buChar char="•"/>
+            </a:pPr>
+            <a:r>
+              <a:rPr lang="en-US" dirty="0"/>
+              <a:t>Scores generally called logits</a:t>
+            </a:r>
+          </a:p>
+          <a:p>
+            <a:pPr marL="342900" indent="-342900">
+              <a:buFont typeface="Arial" panose="020B0604020202020204" pitchFamily="34" charset="0"/>
+              <a:buChar char="•"/>
+            </a:pPr>
+            <a:endParaRPr lang="en-US" dirty="0"/>
+          </a:p>
+          <a:p>
+            <a:endParaRPr lang="en-US" dirty="0"/>
+          </a:p>
+          <a:p>
+            <a:endParaRPr dirty="0"/>
+          </a:p>
+        </p:txBody>
+      </p:sp>
+      <p:pic>
+        <p:nvPicPr>
+          <p:cNvPr id="4" name="Picture 3">
+            <a:extLst>
+              <a:ext uri="{FF2B5EF4-FFF2-40B4-BE49-F238E27FC236}">
+                <a16:creationId xmlns:a16="http://schemas.microsoft.com/office/drawing/2014/main" id="{25747636-A202-43D7-BD86-C4CC4E3B8583}"/>
+              </a:ext>
+            </a:extLst>
+          </p:cNvPr>
+          <p:cNvPicPr>
+            <a:picLocks noChangeAspect="1"/>
+          </p:cNvPicPr>
+          <p:nvPr/>
+        </p:nvPicPr>
+        <p:blipFill>
+          <a:blip r:embed="rId3"/>
+          <a:stretch>
+            <a:fillRect/>
+          </a:stretch>
+        </p:blipFill>
+        <p:spPr>
+          <a:xfrm>
+            <a:off x="9385852" y="1406658"/>
+            <a:ext cx="2005083" cy="626588"/>
+          </a:xfrm>
+          <a:prstGeom prst="rect">
+            <a:avLst/>
+          </a:prstGeom>
+        </p:spPr>
+      </p:pic>
+      <p:sp>
+        <p:nvSpPr>
+          <p:cNvPr id="5" name="Rectangle 4">
+            <a:extLst>
+              <a:ext uri="{FF2B5EF4-FFF2-40B4-BE49-F238E27FC236}">
+                <a16:creationId xmlns:a16="http://schemas.microsoft.com/office/drawing/2014/main" id="{D1B26AB1-9C7D-4954-9A38-708FEB937EB0}"/>
+              </a:ext>
+            </a:extLst>
+          </p:cNvPr>
+          <p:cNvSpPr/>
+          <p:nvPr/>
+        </p:nvSpPr>
+        <p:spPr>
+          <a:xfrm>
+            <a:off x="9385852" y="1991068"/>
+            <a:ext cx="2221057" cy="338554"/>
+          </a:xfrm>
+          <a:prstGeom prst="rect">
+            <a:avLst/>
+          </a:prstGeom>
+        </p:spPr>
+        <p:txBody>
+          <a:bodyPr wrap="none">
+            <a:spAutoFit/>
+          </a:bodyPr>
+          <a:lstStyle/>
+          <a:p>
+            <a:r>
+              <a:rPr lang="en-US" sz="1600" i="1" dirty="0">
+                <a:solidFill>
+                  <a:srgbClr val="E46102"/>
+                </a:solidFill>
+                <a:latin typeface="MinionPro-It"/>
+              </a:rPr>
+              <a:t>Softmax score for class k</a:t>
+            </a:r>
+            <a:endParaRPr lang="en-US" sz="1600" dirty="0">
+              <a:solidFill>
+                <a:srgbClr val="E46102"/>
+              </a:solidFill>
+            </a:endParaRPr>
+          </a:p>
+        </p:txBody>
+      </p:sp>
+      <p:pic>
+        <p:nvPicPr>
+          <p:cNvPr id="3" name="Picture 2">
+            <a:extLst>
+              <a:ext uri="{FF2B5EF4-FFF2-40B4-BE49-F238E27FC236}">
+                <a16:creationId xmlns:a16="http://schemas.microsoft.com/office/drawing/2014/main" id="{C75FFBEC-DF95-4943-9560-DDA0566533B9}"/>
+              </a:ext>
+            </a:extLst>
+          </p:cNvPr>
+          <p:cNvPicPr>
+            <a:picLocks noChangeAspect="1"/>
+          </p:cNvPicPr>
+          <p:nvPr/>
+        </p:nvPicPr>
+        <p:blipFill>
+          <a:blip r:embed="rId4"/>
+          <a:stretch>
+            <a:fillRect/>
+          </a:stretch>
+        </p:blipFill>
+        <p:spPr>
+          <a:xfrm>
+            <a:off x="771093" y="4793156"/>
+            <a:ext cx="3443498" cy="1071873"/>
+          </a:xfrm>
+          <a:prstGeom prst="rect">
+            <a:avLst/>
+          </a:prstGeom>
+        </p:spPr>
+      </p:pic>
+      <p:pic>
+        <p:nvPicPr>
+          <p:cNvPr id="7" name="Picture 6">
+            <a:extLst>
+              <a:ext uri="{FF2B5EF4-FFF2-40B4-BE49-F238E27FC236}">
+                <a16:creationId xmlns:a16="http://schemas.microsoft.com/office/drawing/2014/main" id="{5C5288BD-E9A1-49D3-86AB-0BB9E20B8A09}"/>
+              </a:ext>
+            </a:extLst>
+          </p:cNvPr>
+          <p:cNvPicPr>
+            <a:picLocks noChangeAspect="1"/>
+          </p:cNvPicPr>
+          <p:nvPr/>
+        </p:nvPicPr>
+        <p:blipFill>
+          <a:blip r:embed="rId5"/>
+          <a:stretch>
+            <a:fillRect/>
+          </a:stretch>
+        </p:blipFill>
+        <p:spPr>
+          <a:xfrm>
+            <a:off x="4535400" y="4664891"/>
+            <a:ext cx="7568111" cy="1328405"/>
+          </a:xfrm>
+          <a:prstGeom prst="rect">
+            <a:avLst/>
+          </a:prstGeom>
+        </p:spPr>
+      </p:pic>
+    </p:spTree>
+    <p:extLst>
+      <p:ext uri="{BB962C8B-B14F-4D97-AF65-F5344CB8AC3E}">
+        <p14:creationId xmlns:p14="http://schemas.microsoft.com/office/powerpoint/2010/main" val="2683295430"/>
+      </p:ext>
+    </p:extLst>
+  </p:cSld>
+  <p:clrMapOvr>
+    <a:masterClrMapping/>
+  </p:clrMapOvr>
+  <p:timing>
+    <p:tnLst>
+      <p:par>
+        <p:cTn id="1" dur="indefinite" restart="never" nodeType="tmRoot">
+          <p:childTnLst>
+            <p:seq concurrent="1" nextAc="seek">
+              <p:cTn id="2" dur="indefinite" nodeType="mainSeq">
+                <p:childTnLst>
+                  <p:par>
+                    <p:cTn id="3" fill="hold">
+                      <p:stCondLst>
+                        <p:cond delay="indefinite"/>
+                      </p:stCondLst>
+                      <p:childTnLst>
+                        <p:par>
+                          <p:cTn id="4" fill="hold">
+                            <p:stCondLst>
+                              <p:cond delay="0"/>
+                            </p:stCondLst>
+                            <p:childTnLst>
+                              <p:par>
+                                <p:cTn id="5" presetID="1" presetClass="entr" presetSubtype="0" fill="hold" grpId="0" nodeType="clickEffect">
+                                  <p:stCondLst>
+                                    <p:cond delay="0"/>
+                                  </p:stCondLst>
+                                  <p:childTnLst>
+                                    <p:set>
+                                      <p:cBhvr>
+                                        <p:cTn id="6" dur="1" fill="hold">
+                                          <p:stCondLst>
+                                            <p:cond delay="0"/>
+                                          </p:stCondLst>
+                                        </p:cTn>
+                                        <p:tgtEl>
+                                          <p:spTgt spid="96"/>
+                                        </p:tgtEl>
+                                        <p:attrNameLst>
+                                          <p:attrName>style.visibility</p:attrName>
+                                        </p:attrNameLst>
+                                      </p:cBhvr>
+                                      <p:to>
+                                        <p:strVal val="visible"/>
+                                      </p:to>
+                                    </p:set>
+                                  </p:childTnLst>
+                                </p:cTn>
+                              </p:par>
+                            </p:childTnLst>
+                          </p:cTn>
+                        </p:par>
+                      </p:childTnLst>
+                    </p:cTn>
+                  </p:par>
+                  <p:par>
+                    <p:cTn id="7" fill="hold">
+                      <p:stCondLst>
+                        <p:cond delay="indefinite"/>
+                      </p:stCondLst>
+                      <p:childTnLst>
+                        <p:par>
+                          <p:cTn id="8" fill="hold">
+                            <p:stCondLst>
+                              <p:cond delay="0"/>
+                            </p:stCondLst>
+                            <p:childTnLst>
+                              <p:par>
+                                <p:cTn id="9" presetID="1" presetClass="entr" presetSubtype="0" fill="hold" nodeType="clickEffect">
+                                  <p:stCondLst>
+                                    <p:cond delay="0"/>
+                                  </p:stCondLst>
+                                  <p:childTnLst>
+                                    <p:set>
+                                      <p:cBhvr>
+                                        <p:cTn id="10" dur="1" fill="hold">
+                                          <p:stCondLst>
+                                            <p:cond delay="0"/>
+                                          </p:stCondLst>
+                                        </p:cTn>
+                                        <p:tgtEl>
+                                          <p:spTgt spid="96">
+                                            <p:txEl>
+                                              <p:pRg st="0" end="0"/>
+                                            </p:txEl>
+                                          </p:spTgt>
+                                        </p:tgtEl>
+                                        <p:attrNameLst>
+                                          <p:attrName>style.visibility</p:attrName>
+                                        </p:attrNameLst>
+                                      </p:cBhvr>
+                                      <p:to>
+                                        <p:strVal val="visible"/>
+                                      </p:to>
+                                    </p:set>
+                                  </p:childTnLst>
+                                </p:cTn>
+                              </p:par>
+                            </p:childTnLst>
+                          </p:cTn>
+                        </p:par>
+                      </p:childTnLst>
+                    </p:cTn>
+                  </p:par>
+                  <p:par>
+                    <p:cTn id="11" fill="hold">
+                      <p:stCondLst>
+                        <p:cond delay="indefinite"/>
+                      </p:stCondLst>
+                      <p:childTnLst>
+                        <p:par>
+                          <p:cTn id="12" fill="hold">
+                            <p:stCondLst>
+                              <p:cond delay="0"/>
+                            </p:stCondLst>
+                            <p:childTnLst>
+                              <p:par>
+                                <p:cTn id="13" presetID="1" presetClass="entr" presetSubtype="0" fill="hold" nodeType="clickEffect">
+                                  <p:stCondLst>
+                                    <p:cond delay="0"/>
+                                  </p:stCondLst>
+                                  <p:childTnLst>
+                                    <p:set>
+                                      <p:cBhvr>
+                                        <p:cTn id="14" dur="1" fill="hold">
+                                          <p:stCondLst>
+                                            <p:cond delay="0"/>
+                                          </p:stCondLst>
+                                        </p:cTn>
+                                        <p:tgtEl>
+                                          <p:spTgt spid="96">
+                                            <p:txEl>
+                                              <p:pRg st="1" end="1"/>
+                                            </p:txEl>
+                                          </p:spTgt>
+                                        </p:tgtEl>
+                                        <p:attrNameLst>
+                                          <p:attrName>style.visibility</p:attrName>
+                                        </p:attrNameLst>
+                                      </p:cBhvr>
+                                      <p:to>
+                                        <p:strVal val="visible"/>
+                                      </p:to>
+                                    </p:set>
+                                  </p:childTnLst>
+                                </p:cTn>
+                              </p:par>
+                            </p:childTnLst>
+                          </p:cTn>
+                        </p:par>
+                      </p:childTnLst>
+                    </p:cTn>
+                  </p:par>
+                  <p:par>
+                    <p:cTn id="15" fill="hold">
+                      <p:stCondLst>
+                        <p:cond delay="indefinite"/>
+                      </p:stCondLst>
+                      <p:childTnLst>
+                        <p:par>
+                          <p:cTn id="16" fill="hold">
+                            <p:stCondLst>
+                              <p:cond delay="0"/>
+                            </p:stCondLst>
+                            <p:childTnLst>
+                              <p:par>
+                                <p:cTn id="17" presetID="1" presetClass="entr" presetSubtype="0" fill="hold" nodeType="clickEffect">
+                                  <p:stCondLst>
+                                    <p:cond delay="0"/>
+                                  </p:stCondLst>
+                                  <p:childTnLst>
+                                    <p:set>
+                                      <p:cBhvr>
+                                        <p:cTn id="18" dur="1" fill="hold">
+                                          <p:stCondLst>
+                                            <p:cond delay="0"/>
+                                          </p:stCondLst>
+                                        </p:cTn>
+                                        <p:tgtEl>
+                                          <p:spTgt spid="96">
+                                            <p:txEl>
+                                              <p:pRg st="2" end="2"/>
+                                            </p:txEl>
+                                          </p:spTgt>
+                                        </p:tgtEl>
+                                        <p:attrNameLst>
+                                          <p:attrName>style.visibility</p:attrName>
+                                        </p:attrNameLst>
+                                      </p:cBhvr>
+                                      <p:to>
+                                        <p:strVal val="visible"/>
+                                      </p:to>
+                                    </p:set>
+                                  </p:childTnLst>
+                                </p:cTn>
+                              </p:par>
+                            </p:childTnLst>
+                          </p:cTn>
+                        </p:par>
+                      </p:childTnLst>
+                    </p:cTn>
+                  </p:par>
+                  <p:par>
+                    <p:cTn id="19" fill="hold">
+                      <p:stCondLst>
+                        <p:cond delay="indefinite"/>
+                      </p:stCondLst>
+                      <p:childTnLst>
+                        <p:par>
+                          <p:cTn id="20" fill="hold">
+                            <p:stCondLst>
+                              <p:cond delay="0"/>
+                            </p:stCondLst>
+                            <p:childTnLst>
+                              <p:par>
+                                <p:cTn id="21" presetID="1" presetClass="entr" presetSubtype="0" fill="hold" nodeType="clickEffect">
+                                  <p:stCondLst>
+                                    <p:cond delay="0"/>
+                                  </p:stCondLst>
+                                  <p:childTnLst>
+                                    <p:set>
+                                      <p:cBhvr>
+                                        <p:cTn id="22" dur="1" fill="hold">
+                                          <p:stCondLst>
+                                            <p:cond delay="0"/>
+                                          </p:stCondLst>
+                                        </p:cTn>
+                                        <p:tgtEl>
+                                          <p:spTgt spid="96">
+                                            <p:txEl>
+                                              <p:pRg st="3" end="3"/>
+                                            </p:txEl>
+                                          </p:spTgt>
+                                        </p:tgtEl>
+                                        <p:attrNameLst>
+                                          <p:attrName>style.visibility</p:attrName>
+                                        </p:attrNameLst>
+                                      </p:cBhvr>
+                                      <p:to>
+                                        <p:strVal val="visible"/>
+                                      </p:to>
+                                    </p:set>
+                                  </p:childTnLst>
+                                </p:cTn>
+                              </p:par>
+                            </p:childTnLst>
+                          </p:cTn>
+                        </p:par>
+                      </p:childTnLst>
+                    </p:cTn>
+                  </p:par>
+                  <p:par>
+                    <p:cTn id="23" fill="hold">
+                      <p:stCondLst>
+                        <p:cond delay="indefinite"/>
+                      </p:stCondLst>
+                      <p:childTnLst>
+                        <p:par>
+                          <p:cTn id="24" fill="hold">
+                            <p:stCondLst>
+                              <p:cond delay="0"/>
+                            </p:stCondLst>
+                            <p:childTnLst>
+                              <p:par>
+                                <p:cTn id="25" presetID="1" presetClass="entr" presetSubtype="0" fill="hold" nodeType="clickEffect">
+                                  <p:stCondLst>
+                                    <p:cond delay="0"/>
+                                  </p:stCondLst>
+                                  <p:childTnLst>
+                                    <p:set>
+                                      <p:cBhvr>
+                                        <p:cTn id="26" dur="1" fill="hold">
+                                          <p:stCondLst>
+                                            <p:cond delay="0"/>
+                                          </p:stCondLst>
+                                        </p:cTn>
+                                        <p:tgtEl>
+                                          <p:spTgt spid="96">
+                                            <p:txEl>
+                                              <p:pRg st="4" end="4"/>
+                                            </p:txEl>
+                                          </p:spTgt>
+                                        </p:tgtEl>
+                                        <p:attrNameLst>
+                                          <p:attrName>style.visibility</p:attrName>
+                                        </p:attrNameLst>
+                                      </p:cBhvr>
+                                      <p:to>
+                                        <p:strVal val="visible"/>
+                                      </p:to>
+                                    </p:set>
+                                  </p:childTnLst>
+                                </p:cTn>
+                              </p:par>
+                            </p:childTnLst>
+                          </p:cTn>
+                        </p:par>
+                      </p:childTnLst>
+                    </p:cTn>
+                  </p:par>
+                </p:childTnLst>
+              </p:cTn>
+              <p:prevCondLst>
+                <p:cond evt="onPrev" delay="0">
+                  <p:tgtEl>
+                    <p:sldTgt/>
+                  </p:tgtEl>
+                </p:cond>
+              </p:prevCondLst>
+              <p:nextCondLst>
+                <p:cond evt="onNext" delay="0">
+                  <p:tgtEl>
+                    <p:sldTgt/>
+                  </p:tgtEl>
+                </p:cond>
+              </p:nextCondLst>
+            </p:seq>
+          </p:childTnLst>
+        </p:cTn>
+      </p:par>
+    </p:tnLst>
+    <p:bldLst>
+      <p:bldP spid="96" grpId="0"/>
+    </p:bldLst>
+  </p:timing>
+</p:sld>
+</file>
+
 <file path=ppt/slides/slide21.xml><?xml version="1.0" encoding="utf-8"?>
 <p:sld xmlns:a="http://schemas.openxmlformats.org/drawingml/2006/main" xmlns:r="http://schemas.openxmlformats.org/officeDocument/2006/relationships" xmlns:p="http://schemas.openxmlformats.org/presentationml/2006/main">
   <p:cSld>
@@ -13434,7 +13630,7 @@
     </p:spTree>
     <p:extLst>
       <p:ext uri="{BB962C8B-B14F-4D97-AF65-F5344CB8AC3E}">
-        <p14:creationId xmlns:p14="http://schemas.microsoft.com/office/powerpoint/2010/main" val="2683295430"/>
+        <p14:creationId xmlns:p14="http://schemas.microsoft.com/office/powerpoint/2010/main" val="1406210294"/>
       </p:ext>
     </p:extLst>
   </p:cSld>
@@ -13834,660 +14030,6 @@
         <p:spPr>
           <a:xfrm>
             <a:off x="521776" y="1382233"/>
-            <a:ext cx="8864076" cy="4176000"/>
-          </a:xfrm>
-          <a:prstGeom prst="rect">
-            <a:avLst/>
-          </a:prstGeom>
-          <a:noFill/>
-          <a:ln>
-            <a:noFill/>
-          </a:ln>
-        </p:spPr>
-        <p:txBody>
-          <a:bodyPr spcFirstLastPara="1" wrap="square" lIns="121900" tIns="121900" rIns="121900" bIns="121900" anchor="t" anchorCtr="0">
-            <a:noAutofit/>
-          </a:bodyPr>
-          <a:lstStyle/>
-          <a:p>
-            <a:pPr marL="342900" indent="-342900">
-              <a:buFont typeface="Arial" panose="020B0604020202020204" pitchFamily="34" charset="0"/>
-              <a:buChar char="•"/>
-            </a:pPr>
-            <a:r>
-              <a:rPr lang="en-US" dirty="0"/>
-              <a:t>each class has its own dedicated parameter vector </a:t>
-            </a:r>
-            <a:r>
-              <a:rPr lang="en-US" b="1" dirty="0"/>
-              <a:t>θ</a:t>
-            </a:r>
-            <a:r>
-              <a:rPr lang="en-US" i="1" dirty="0"/>
-              <a:t>(k)</a:t>
-            </a:r>
-            <a:r>
-              <a:rPr lang="en-US" dirty="0"/>
-              <a:t>. </a:t>
-            </a:r>
-          </a:p>
-          <a:p>
-            <a:pPr marL="342900" indent="-342900">
-              <a:buFont typeface="Arial" panose="020B0604020202020204" pitchFamily="34" charset="0"/>
-              <a:buChar char="•"/>
-            </a:pPr>
-            <a:r>
-              <a:rPr lang="en-US" dirty="0"/>
-              <a:t>All these vectors are typically stored as rows in a </a:t>
-            </a:r>
-            <a:r>
-              <a:rPr lang="en-US" i="1" dirty="0"/>
-              <a:t>parameter matrix </a:t>
-            </a:r>
-            <a:r>
-              <a:rPr lang="en-US" b="1" dirty="0"/>
-              <a:t>Θ</a:t>
-            </a:r>
-            <a:endParaRPr lang="en-US" dirty="0"/>
-          </a:p>
-          <a:p>
-            <a:pPr marL="342900" indent="-342900">
-              <a:buFont typeface="Arial" panose="020B0604020202020204" pitchFamily="34" charset="0"/>
-              <a:buChar char="•"/>
-            </a:pPr>
-            <a:r>
-              <a:rPr lang="en-US" dirty="0"/>
-              <a:t>You can estimate probability of an instance belonging to a class </a:t>
-            </a:r>
-            <a:r>
-              <a:rPr lang="en-US" i="1" dirty="0"/>
-              <a:t>k</a:t>
-            </a:r>
-            <a:r>
-              <a:rPr lang="en-US" dirty="0"/>
-              <a:t> by running scores through </a:t>
-            </a:r>
-            <a:r>
-              <a:rPr lang="en-US" dirty="0" err="1"/>
-              <a:t>softmax</a:t>
-            </a:r>
-            <a:r>
-              <a:rPr lang="en-US" dirty="0"/>
-              <a:t> function</a:t>
-            </a:r>
-          </a:p>
-          <a:p>
-            <a:pPr marL="342900" indent="-342900">
-              <a:buFont typeface="Arial" panose="020B0604020202020204" pitchFamily="34" charset="0"/>
-              <a:buChar char="•"/>
-            </a:pPr>
-            <a:r>
-              <a:rPr lang="en-US" dirty="0"/>
-              <a:t>Softmax function computes exponential of every score, then normalizes them (dividing by sum of all exponentials).</a:t>
-            </a:r>
-          </a:p>
-          <a:p>
-            <a:pPr marL="342900" indent="-342900">
-              <a:buFont typeface="Arial" panose="020B0604020202020204" pitchFamily="34" charset="0"/>
-              <a:buChar char="•"/>
-            </a:pPr>
-            <a:r>
-              <a:rPr lang="en-US" dirty="0"/>
-              <a:t>Scores generally called logits</a:t>
-            </a:r>
-          </a:p>
-          <a:p>
-            <a:pPr marL="342900" indent="-342900">
-              <a:buFont typeface="Arial" panose="020B0604020202020204" pitchFamily="34" charset="0"/>
-              <a:buChar char="•"/>
-            </a:pPr>
-            <a:endParaRPr lang="en-US" dirty="0"/>
-          </a:p>
-          <a:p>
-            <a:endParaRPr lang="en-US" dirty="0"/>
-          </a:p>
-          <a:p>
-            <a:endParaRPr dirty="0"/>
-          </a:p>
-        </p:txBody>
-      </p:sp>
-      <p:pic>
-        <p:nvPicPr>
-          <p:cNvPr id="4" name="Picture 3">
-            <a:extLst>
-              <a:ext uri="{FF2B5EF4-FFF2-40B4-BE49-F238E27FC236}">
-                <a16:creationId xmlns:a16="http://schemas.microsoft.com/office/drawing/2014/main" id="{25747636-A202-43D7-BD86-C4CC4E3B8583}"/>
-              </a:ext>
-            </a:extLst>
-          </p:cNvPr>
-          <p:cNvPicPr>
-            <a:picLocks noChangeAspect="1"/>
-          </p:cNvPicPr>
-          <p:nvPr/>
-        </p:nvPicPr>
-        <p:blipFill>
-          <a:blip r:embed="rId3"/>
-          <a:stretch>
-            <a:fillRect/>
-          </a:stretch>
-        </p:blipFill>
-        <p:spPr>
-          <a:xfrm>
-            <a:off x="9385852" y="1406658"/>
-            <a:ext cx="2005083" cy="626588"/>
-          </a:xfrm>
-          <a:prstGeom prst="rect">
-            <a:avLst/>
-          </a:prstGeom>
-        </p:spPr>
-      </p:pic>
-      <p:sp>
-        <p:nvSpPr>
-          <p:cNvPr id="5" name="Rectangle 4">
-            <a:extLst>
-              <a:ext uri="{FF2B5EF4-FFF2-40B4-BE49-F238E27FC236}">
-                <a16:creationId xmlns:a16="http://schemas.microsoft.com/office/drawing/2014/main" id="{D1B26AB1-9C7D-4954-9A38-708FEB937EB0}"/>
-              </a:ext>
-            </a:extLst>
-          </p:cNvPr>
-          <p:cNvSpPr/>
-          <p:nvPr/>
-        </p:nvSpPr>
-        <p:spPr>
-          <a:xfrm>
-            <a:off x="9385852" y="1991068"/>
-            <a:ext cx="2221057" cy="338554"/>
-          </a:xfrm>
-          <a:prstGeom prst="rect">
-            <a:avLst/>
-          </a:prstGeom>
-        </p:spPr>
-        <p:txBody>
-          <a:bodyPr wrap="none">
-            <a:spAutoFit/>
-          </a:bodyPr>
-          <a:lstStyle/>
-          <a:p>
-            <a:r>
-              <a:rPr lang="en-US" sz="1600" i="1" dirty="0">
-                <a:solidFill>
-                  <a:srgbClr val="E46102"/>
-                </a:solidFill>
-                <a:latin typeface="MinionPro-It"/>
-              </a:rPr>
-              <a:t>Softmax score for class k</a:t>
-            </a:r>
-            <a:endParaRPr lang="en-US" sz="1600" dirty="0">
-              <a:solidFill>
-                <a:srgbClr val="E46102"/>
-              </a:solidFill>
-            </a:endParaRPr>
-          </a:p>
-        </p:txBody>
-      </p:sp>
-      <p:pic>
-        <p:nvPicPr>
-          <p:cNvPr id="3" name="Picture 2">
-            <a:extLst>
-              <a:ext uri="{FF2B5EF4-FFF2-40B4-BE49-F238E27FC236}">
-                <a16:creationId xmlns:a16="http://schemas.microsoft.com/office/drawing/2014/main" id="{C75FFBEC-DF95-4943-9560-DDA0566533B9}"/>
-              </a:ext>
-            </a:extLst>
-          </p:cNvPr>
-          <p:cNvPicPr>
-            <a:picLocks noChangeAspect="1"/>
-          </p:cNvPicPr>
-          <p:nvPr/>
-        </p:nvPicPr>
-        <p:blipFill>
-          <a:blip r:embed="rId4"/>
-          <a:stretch>
-            <a:fillRect/>
-          </a:stretch>
-        </p:blipFill>
-        <p:spPr>
-          <a:xfrm>
-            <a:off x="771093" y="4793156"/>
-            <a:ext cx="3443498" cy="1071873"/>
-          </a:xfrm>
-          <a:prstGeom prst="rect">
-            <a:avLst/>
-          </a:prstGeom>
-        </p:spPr>
-      </p:pic>
-      <p:pic>
-        <p:nvPicPr>
-          <p:cNvPr id="7" name="Picture 6">
-            <a:extLst>
-              <a:ext uri="{FF2B5EF4-FFF2-40B4-BE49-F238E27FC236}">
-                <a16:creationId xmlns:a16="http://schemas.microsoft.com/office/drawing/2014/main" id="{5C5288BD-E9A1-49D3-86AB-0BB9E20B8A09}"/>
-              </a:ext>
-            </a:extLst>
-          </p:cNvPr>
-          <p:cNvPicPr>
-            <a:picLocks noChangeAspect="1"/>
-          </p:cNvPicPr>
-          <p:nvPr/>
-        </p:nvPicPr>
-        <p:blipFill>
-          <a:blip r:embed="rId5"/>
-          <a:stretch>
-            <a:fillRect/>
-          </a:stretch>
-        </p:blipFill>
-        <p:spPr>
-          <a:xfrm>
-            <a:off x="4535400" y="4664891"/>
-            <a:ext cx="7568111" cy="1328405"/>
-          </a:xfrm>
-          <a:prstGeom prst="rect">
-            <a:avLst/>
-          </a:prstGeom>
-        </p:spPr>
-      </p:pic>
-    </p:spTree>
-    <p:extLst>
-      <p:ext uri="{BB962C8B-B14F-4D97-AF65-F5344CB8AC3E}">
-        <p14:creationId xmlns:p14="http://schemas.microsoft.com/office/powerpoint/2010/main" val="1406210294"/>
-      </p:ext>
-    </p:extLst>
-  </p:cSld>
-  <p:clrMapOvr>
-    <a:masterClrMapping/>
-  </p:clrMapOvr>
-  <p:timing>
-    <p:tnLst>
-      <p:par>
-        <p:cTn id="1" dur="indefinite" restart="never" nodeType="tmRoot">
-          <p:childTnLst>
-            <p:seq concurrent="1" nextAc="seek">
-              <p:cTn id="2" dur="indefinite" nodeType="mainSeq">
-                <p:childTnLst>
-                  <p:par>
-                    <p:cTn id="3" fill="hold">
-                      <p:stCondLst>
-                        <p:cond delay="indefinite"/>
-                      </p:stCondLst>
-                      <p:childTnLst>
-                        <p:par>
-                          <p:cTn id="4" fill="hold">
-                            <p:stCondLst>
-                              <p:cond delay="0"/>
-                            </p:stCondLst>
-                            <p:childTnLst>
-                              <p:par>
-                                <p:cTn id="5" presetID="1" presetClass="entr" presetSubtype="0" fill="hold" grpId="0" nodeType="clickEffect">
-                                  <p:stCondLst>
-                                    <p:cond delay="0"/>
-                                  </p:stCondLst>
-                                  <p:childTnLst>
-                                    <p:set>
-                                      <p:cBhvr>
-                                        <p:cTn id="6" dur="1" fill="hold">
-                                          <p:stCondLst>
-                                            <p:cond delay="0"/>
-                                          </p:stCondLst>
-                                        </p:cTn>
-                                        <p:tgtEl>
-                                          <p:spTgt spid="96"/>
-                                        </p:tgtEl>
-                                        <p:attrNameLst>
-                                          <p:attrName>style.visibility</p:attrName>
-                                        </p:attrNameLst>
-                                      </p:cBhvr>
-                                      <p:to>
-                                        <p:strVal val="visible"/>
-                                      </p:to>
-                                    </p:set>
-                                  </p:childTnLst>
-                                </p:cTn>
-                              </p:par>
-                            </p:childTnLst>
-                          </p:cTn>
-                        </p:par>
-                      </p:childTnLst>
-                    </p:cTn>
-                  </p:par>
-                  <p:par>
-                    <p:cTn id="7" fill="hold">
-                      <p:stCondLst>
-                        <p:cond delay="indefinite"/>
-                      </p:stCondLst>
-                      <p:childTnLst>
-                        <p:par>
-                          <p:cTn id="8" fill="hold">
-                            <p:stCondLst>
-                              <p:cond delay="0"/>
-                            </p:stCondLst>
-                            <p:childTnLst>
-                              <p:par>
-                                <p:cTn id="9" presetID="1" presetClass="entr" presetSubtype="0" fill="hold" nodeType="clickEffect">
-                                  <p:stCondLst>
-                                    <p:cond delay="0"/>
-                                  </p:stCondLst>
-                                  <p:childTnLst>
-                                    <p:set>
-                                      <p:cBhvr>
-                                        <p:cTn id="10" dur="1" fill="hold">
-                                          <p:stCondLst>
-                                            <p:cond delay="0"/>
-                                          </p:stCondLst>
-                                        </p:cTn>
-                                        <p:tgtEl>
-                                          <p:spTgt spid="96">
-                                            <p:txEl>
-                                              <p:pRg st="0" end="0"/>
-                                            </p:txEl>
-                                          </p:spTgt>
-                                        </p:tgtEl>
-                                        <p:attrNameLst>
-                                          <p:attrName>style.visibility</p:attrName>
-                                        </p:attrNameLst>
-                                      </p:cBhvr>
-                                      <p:to>
-                                        <p:strVal val="visible"/>
-                                      </p:to>
-                                    </p:set>
-                                  </p:childTnLst>
-                                </p:cTn>
-                              </p:par>
-                            </p:childTnLst>
-                          </p:cTn>
-                        </p:par>
-                      </p:childTnLst>
-                    </p:cTn>
-                  </p:par>
-                  <p:par>
-                    <p:cTn id="11" fill="hold">
-                      <p:stCondLst>
-                        <p:cond delay="indefinite"/>
-                      </p:stCondLst>
-                      <p:childTnLst>
-                        <p:par>
-                          <p:cTn id="12" fill="hold">
-                            <p:stCondLst>
-                              <p:cond delay="0"/>
-                            </p:stCondLst>
-                            <p:childTnLst>
-                              <p:par>
-                                <p:cTn id="13" presetID="1" presetClass="entr" presetSubtype="0" fill="hold" nodeType="clickEffect">
-                                  <p:stCondLst>
-                                    <p:cond delay="0"/>
-                                  </p:stCondLst>
-                                  <p:childTnLst>
-                                    <p:set>
-                                      <p:cBhvr>
-                                        <p:cTn id="14" dur="1" fill="hold">
-                                          <p:stCondLst>
-                                            <p:cond delay="0"/>
-                                          </p:stCondLst>
-                                        </p:cTn>
-                                        <p:tgtEl>
-                                          <p:spTgt spid="96">
-                                            <p:txEl>
-                                              <p:pRg st="1" end="1"/>
-                                            </p:txEl>
-                                          </p:spTgt>
-                                        </p:tgtEl>
-                                        <p:attrNameLst>
-                                          <p:attrName>style.visibility</p:attrName>
-                                        </p:attrNameLst>
-                                      </p:cBhvr>
-                                      <p:to>
-                                        <p:strVal val="visible"/>
-                                      </p:to>
-                                    </p:set>
-                                  </p:childTnLst>
-                                </p:cTn>
-                              </p:par>
-                            </p:childTnLst>
-                          </p:cTn>
-                        </p:par>
-                      </p:childTnLst>
-                    </p:cTn>
-                  </p:par>
-                  <p:par>
-                    <p:cTn id="15" fill="hold">
-                      <p:stCondLst>
-                        <p:cond delay="indefinite"/>
-                      </p:stCondLst>
-                      <p:childTnLst>
-                        <p:par>
-                          <p:cTn id="16" fill="hold">
-                            <p:stCondLst>
-                              <p:cond delay="0"/>
-                            </p:stCondLst>
-                            <p:childTnLst>
-                              <p:par>
-                                <p:cTn id="17" presetID="1" presetClass="entr" presetSubtype="0" fill="hold" nodeType="clickEffect">
-                                  <p:stCondLst>
-                                    <p:cond delay="0"/>
-                                  </p:stCondLst>
-                                  <p:childTnLst>
-                                    <p:set>
-                                      <p:cBhvr>
-                                        <p:cTn id="18" dur="1" fill="hold">
-                                          <p:stCondLst>
-                                            <p:cond delay="0"/>
-                                          </p:stCondLst>
-                                        </p:cTn>
-                                        <p:tgtEl>
-                                          <p:spTgt spid="96">
-                                            <p:txEl>
-                                              <p:pRg st="2" end="2"/>
-                                            </p:txEl>
-                                          </p:spTgt>
-                                        </p:tgtEl>
-                                        <p:attrNameLst>
-                                          <p:attrName>style.visibility</p:attrName>
-                                        </p:attrNameLst>
-                                      </p:cBhvr>
-                                      <p:to>
-                                        <p:strVal val="visible"/>
-                                      </p:to>
-                                    </p:set>
-                                  </p:childTnLst>
-                                </p:cTn>
-                              </p:par>
-                            </p:childTnLst>
-                          </p:cTn>
-                        </p:par>
-                      </p:childTnLst>
-                    </p:cTn>
-                  </p:par>
-                  <p:par>
-                    <p:cTn id="19" fill="hold">
-                      <p:stCondLst>
-                        <p:cond delay="indefinite"/>
-                      </p:stCondLst>
-                      <p:childTnLst>
-                        <p:par>
-                          <p:cTn id="20" fill="hold">
-                            <p:stCondLst>
-                              <p:cond delay="0"/>
-                            </p:stCondLst>
-                            <p:childTnLst>
-                              <p:par>
-                                <p:cTn id="21" presetID="1" presetClass="entr" presetSubtype="0" fill="hold" nodeType="clickEffect">
-                                  <p:stCondLst>
-                                    <p:cond delay="0"/>
-                                  </p:stCondLst>
-                                  <p:childTnLst>
-                                    <p:set>
-                                      <p:cBhvr>
-                                        <p:cTn id="22" dur="1" fill="hold">
-                                          <p:stCondLst>
-                                            <p:cond delay="0"/>
-                                          </p:stCondLst>
-                                        </p:cTn>
-                                        <p:tgtEl>
-                                          <p:spTgt spid="96">
-                                            <p:txEl>
-                                              <p:pRg st="3" end="3"/>
-                                            </p:txEl>
-                                          </p:spTgt>
-                                        </p:tgtEl>
-                                        <p:attrNameLst>
-                                          <p:attrName>style.visibility</p:attrName>
-                                        </p:attrNameLst>
-                                      </p:cBhvr>
-                                      <p:to>
-                                        <p:strVal val="visible"/>
-                                      </p:to>
-                                    </p:set>
-                                  </p:childTnLst>
-                                </p:cTn>
-                              </p:par>
-                            </p:childTnLst>
-                          </p:cTn>
-                        </p:par>
-                      </p:childTnLst>
-                    </p:cTn>
-                  </p:par>
-                  <p:par>
-                    <p:cTn id="23" fill="hold">
-                      <p:stCondLst>
-                        <p:cond delay="indefinite"/>
-                      </p:stCondLst>
-                      <p:childTnLst>
-                        <p:par>
-                          <p:cTn id="24" fill="hold">
-                            <p:stCondLst>
-                              <p:cond delay="0"/>
-                            </p:stCondLst>
-                            <p:childTnLst>
-                              <p:par>
-                                <p:cTn id="25" presetID="1" presetClass="entr" presetSubtype="0" fill="hold" nodeType="clickEffect">
-                                  <p:stCondLst>
-                                    <p:cond delay="0"/>
-                                  </p:stCondLst>
-                                  <p:childTnLst>
-                                    <p:set>
-                                      <p:cBhvr>
-                                        <p:cTn id="26" dur="1" fill="hold">
-                                          <p:stCondLst>
-                                            <p:cond delay="0"/>
-                                          </p:stCondLst>
-                                        </p:cTn>
-                                        <p:tgtEl>
-                                          <p:spTgt spid="96">
-                                            <p:txEl>
-                                              <p:pRg st="4" end="4"/>
-                                            </p:txEl>
-                                          </p:spTgt>
-                                        </p:tgtEl>
-                                        <p:attrNameLst>
-                                          <p:attrName>style.visibility</p:attrName>
-                                        </p:attrNameLst>
-                                      </p:cBhvr>
-                                      <p:to>
-                                        <p:strVal val="visible"/>
-                                      </p:to>
-                                    </p:set>
-                                  </p:childTnLst>
-                                </p:cTn>
-                              </p:par>
-                            </p:childTnLst>
-                          </p:cTn>
-                        </p:par>
-                      </p:childTnLst>
-                    </p:cTn>
-                  </p:par>
-                </p:childTnLst>
-              </p:cTn>
-              <p:prevCondLst>
-                <p:cond evt="onPrev" delay="0">
-                  <p:tgtEl>
-                    <p:sldTgt/>
-                  </p:tgtEl>
-                </p:cond>
-              </p:prevCondLst>
-              <p:nextCondLst>
-                <p:cond evt="onNext" delay="0">
-                  <p:tgtEl>
-                    <p:sldTgt/>
-                  </p:tgtEl>
-                </p:cond>
-              </p:nextCondLst>
-            </p:seq>
-          </p:childTnLst>
-        </p:cTn>
-      </p:par>
-    </p:tnLst>
-    <p:bldLst>
-      <p:bldP spid="96" grpId="0"/>
-    </p:bldLst>
-  </p:timing>
-</p:sld>
-</file>
-
-<file path=ppt/slides/slide23.xml><?xml version="1.0" encoding="utf-8"?>
-<p:sld xmlns:a="http://schemas.openxmlformats.org/drawingml/2006/main" xmlns:r="http://schemas.openxmlformats.org/officeDocument/2006/relationships" xmlns:p="http://schemas.openxmlformats.org/presentationml/2006/main">
-  <p:cSld>
-    <p:spTree>
-      <p:nvGrpSpPr>
-        <p:cNvPr id="1" name="Shape 94"/>
-        <p:cNvGrpSpPr/>
-        <p:nvPr/>
-      </p:nvGrpSpPr>
-      <p:grpSpPr>
-        <a:xfrm>
-          <a:off x="0" y="0"/>
-          <a:ext cx="0" cy="0"/>
-          <a:chOff x="0" y="0"/>
-          <a:chExt cx="0" cy="0"/>
-        </a:xfrm>
-      </p:grpSpPr>
-      <p:sp>
-        <p:nvSpPr>
-          <p:cNvPr id="95" name="Google Shape;95;p14"/>
-          <p:cNvSpPr txBox="1">
-            <a:spLocks noGrp="1"/>
-          </p:cNvSpPr>
-          <p:nvPr>
-            <p:ph type="title" idx="4294967295"/>
-          </p:nvPr>
-        </p:nvSpPr>
-        <p:spPr>
-          <a:xfrm>
-            <a:off x="717173" y="696913"/>
-            <a:ext cx="10972800" cy="506789"/>
-          </a:xfrm>
-          <a:prstGeom prst="rect">
-            <a:avLst/>
-          </a:prstGeom>
-        </p:spPr>
-        <p:txBody>
-          <a:bodyPr spcFirstLastPara="1" wrap="square" lIns="121900" tIns="121900" rIns="121900" bIns="121900" anchor="ctr" anchorCtr="0">
-            <a:noAutofit/>
-          </a:bodyPr>
-          <a:lstStyle/>
-          <a:p>
-            <a:r>
-              <a:rPr lang="en-US" sz="4000" b="1" dirty="0">
-                <a:solidFill>
-                  <a:srgbClr val="E46102"/>
-                </a:solidFill>
-              </a:rPr>
-              <a:t>Softmax Regression</a:t>
-            </a:r>
-            <a:endParaRPr sz="4000" b="1" dirty="0">
-              <a:solidFill>
-                <a:srgbClr val="E46102"/>
-              </a:solidFill>
-            </a:endParaRPr>
-          </a:p>
-        </p:txBody>
-      </p:sp>
-      <p:sp>
-        <p:nvSpPr>
-          <p:cNvPr id="96" name="Google Shape;96;p14"/>
-          <p:cNvSpPr txBox="1"/>
-          <p:nvPr/>
-        </p:nvSpPr>
-        <p:spPr>
-          <a:xfrm>
-            <a:off x="521776" y="1382233"/>
             <a:ext cx="11277600" cy="3015832"/>
           </a:xfrm>
           <a:prstGeom prst="rect">
@@ -15016,7 +14558,7 @@
 </p:sld>
 </file>
 
-<file path=ppt/slides/slide24.xml><?xml version="1.0" encoding="utf-8"?>
+<file path=ppt/slides/slide23.xml><?xml version="1.0" encoding="utf-8"?>
 <p:sld xmlns:a="http://schemas.openxmlformats.org/drawingml/2006/main" xmlns:r="http://schemas.openxmlformats.org/officeDocument/2006/relationships" xmlns:p="http://schemas.openxmlformats.org/presentationml/2006/main">
   <p:cSld>
     <p:spTree>
@@ -15334,7 +14876,7 @@
 </p:sld>
 </file>
 
-<file path=ppt/slides/slide25.xml><?xml version="1.0" encoding="utf-8"?>
+<file path=ppt/slides/slide24.xml><?xml version="1.0" encoding="utf-8"?>
 <p:sld xmlns:a="http://schemas.openxmlformats.org/drawingml/2006/main" xmlns:r="http://schemas.openxmlformats.org/officeDocument/2006/relationships" xmlns:p="http://schemas.openxmlformats.org/presentationml/2006/main">
   <p:cSld>
     <p:spTree>
@@ -15424,7 +14966,7 @@
         </p:nvSpPr>
         <p:spPr>
           <a:xfrm>
-            <a:off x="717173" y="696913"/>
+            <a:off x="674176" y="1275137"/>
             <a:ext cx="10972800" cy="506789"/>
           </a:xfrm>
           <a:prstGeom prst="rect">
@@ -15443,7 +14985,29 @@
                   <a:srgbClr val="E46102"/>
                 </a:solidFill>
               </a:rPr>
-              <a:t>What about this curve?</a:t>
+              <a:t>Some concepts first</a:t>
+            </a:r>
+            <a:br>
+              <a:rPr lang="en-US" sz="4000" b="1" dirty="0">
+                <a:solidFill>
+                  <a:srgbClr val="E46102"/>
+                </a:solidFill>
+              </a:rPr>
+            </a:br>
+            <a:br>
+              <a:rPr lang="en-US" sz="4000" b="1" dirty="0">
+                <a:solidFill>
+                  <a:srgbClr val="E46102"/>
+                </a:solidFill>
+              </a:rPr>
+            </a:br>
+            <a:r>
+              <a:rPr lang="en-US" sz="4000" b="1" dirty="0">
+                <a:solidFill>
+                  <a:srgbClr val="E46102"/>
+                </a:solidFill>
+              </a:rPr>
+              <a:t>What is …</a:t>
             </a:r>
             <a:endParaRPr sz="4000" b="1" dirty="0">
               <a:solidFill>
@@ -15461,7 +15025,7 @@
         </p:nvSpPr>
         <p:spPr>
           <a:xfrm>
-            <a:off x="521776" y="1382233"/>
+            <a:off x="521776" y="2847956"/>
             <a:ext cx="11277600" cy="4176000"/>
           </a:xfrm>
           <a:prstGeom prst="rect">
@@ -15478,48 +15042,119 @@
           </a:bodyPr>
           <a:lstStyle/>
           <a:p>
-            <a:pPr marL="457200" indent="-457200">
+            <a:pPr marL="342900" indent="-342900">
               <a:buFont typeface="Arial" panose="020B0604020202020204" pitchFamily="34" charset="0"/>
               <a:buChar char="•"/>
             </a:pPr>
-            <a:endParaRPr dirty="0"/>
+            <a:endParaRPr lang="en-US" dirty="0"/>
+          </a:p>
+          <a:p>
+            <a:pPr marL="342900" indent="-342900">
+              <a:buFont typeface="Arial" panose="020B0604020202020204" pitchFamily="34" charset="0"/>
+              <a:buChar char="•"/>
+            </a:pPr>
+            <a:endParaRPr lang="en-US" dirty="0"/>
+          </a:p>
+          <a:p>
+            <a:pPr marL="342900" indent="-342900">
+              <a:buFont typeface="Arial" panose="020B0604020202020204" pitchFamily="34" charset="0"/>
+              <a:buChar char="•"/>
+            </a:pPr>
+            <a:r>
+              <a:rPr lang="en-US" dirty="0"/>
+              <a:t>Underfitting </a:t>
+            </a:r>
+          </a:p>
+          <a:p>
+            <a:pPr marL="342900" indent="-342900">
+              <a:buFont typeface="Arial" panose="020B0604020202020204" pitchFamily="34" charset="0"/>
+              <a:buChar char="•"/>
+            </a:pPr>
+            <a:r>
+              <a:rPr lang="en-US" dirty="0"/>
+              <a:t>Fitting</a:t>
+            </a:r>
+          </a:p>
+          <a:p>
+            <a:pPr marL="342900" indent="-342900">
+              <a:buFont typeface="Arial" panose="020B0604020202020204" pitchFamily="34" charset="0"/>
+              <a:buChar char="•"/>
+            </a:pPr>
+            <a:r>
+              <a:rPr lang="en-US" dirty="0"/>
+              <a:t>Overfitting</a:t>
+            </a:r>
+          </a:p>
+          <a:p>
+            <a:pPr marL="342900" indent="-342900">
+              <a:buFont typeface="Arial" panose="020B0604020202020204" pitchFamily="34" charset="0"/>
+              <a:buChar char="•"/>
+            </a:pPr>
+            <a:endParaRPr lang="en-US" dirty="0"/>
+          </a:p>
+          <a:p>
+            <a:pPr marL="342900" indent="-342900">
+              <a:buFont typeface="Arial" panose="020B0604020202020204" pitchFamily="34" charset="0"/>
+              <a:buChar char="•"/>
+            </a:pPr>
+            <a:endParaRPr lang="en-US" dirty="0"/>
+          </a:p>
+          <a:p>
+            <a:endParaRPr lang="en-US" dirty="0"/>
           </a:p>
         </p:txBody>
       </p:sp>
       <p:pic>
         <p:nvPicPr>
-          <p:cNvPr id="3" name="Picture 2">
+          <p:cNvPr id="1026" name="Picture 2" descr="What is underfitting and overfitting in machine learning and how to deal  with it. | by Anup Bhande | GreyAtom | Medium">
             <a:extLst>
               <a:ext uri="{FF2B5EF4-FFF2-40B4-BE49-F238E27FC236}">
-                <a16:creationId xmlns:a16="http://schemas.microsoft.com/office/drawing/2014/main" id="{9588A8F8-91BD-4146-9A80-9240EB33A671}"/>
+                <a16:creationId xmlns:a16="http://schemas.microsoft.com/office/drawing/2014/main" id="{27E0D413-33A0-4FE4-AE7E-8CD84F6802D6}"/>
               </a:ext>
             </a:extLst>
           </p:cNvPr>
           <p:cNvPicPr>
-            <a:picLocks noChangeAspect="1"/>
+            <a:picLocks noChangeAspect="1" noChangeArrowheads="1"/>
           </p:cNvPicPr>
           <p:nvPr/>
         </p:nvPicPr>
         <p:blipFill>
-          <a:blip r:embed="rId3"/>
+          <a:blip r:embed="rId3">
+            <a:extLst>
+              <a:ext uri="{28A0092B-C50C-407E-A947-70E740481C1C}">
+                <a14:useLocalDpi xmlns:a14="http://schemas.microsoft.com/office/drawing/2010/main" val="0"/>
+              </a:ext>
+            </a:extLst>
+          </a:blip>
+          <a:srcRect/>
           <a:stretch>
             <a:fillRect/>
           </a:stretch>
         </p:blipFill>
-        <p:spPr>
-          <a:xfrm>
-            <a:off x="3552604" y="1963928"/>
-            <a:ext cx="5086791" cy="2930144"/>
+        <p:spPr bwMode="auto">
+          <a:xfrm>
+            <a:off x="4025348" y="3264815"/>
+            <a:ext cx="6390862" cy="2221180"/>
           </a:xfrm>
           <a:prstGeom prst="rect">
             <a:avLst/>
           </a:prstGeom>
+          <a:noFill/>
+          <a:extLst>
+            <a:ext uri="{909E8E84-426E-40DD-AFC4-6F175D3DCCD1}">
+              <a14:hiddenFill xmlns:a14="http://schemas.microsoft.com/office/drawing/2010/main">
+                <a:solidFill>
+                  <a:srgbClr val="FFFFFF"/>
+                </a:solidFill>
+              </a14:hiddenFill>
+            </a:ext>
+          </a:extLst>
         </p:spPr>
       </p:pic>
     </p:spTree>
     <p:extLst>
       <p:ext uri="{BB962C8B-B14F-4D97-AF65-F5344CB8AC3E}">
-        <p14:creationId xmlns:p14="http://schemas.microsoft.com/office/powerpoint/2010/main" val="488720037"/>
+        <p14:creationId xmlns:p14="http://schemas.microsoft.com/office/powerpoint/2010/main" val="1337399476"/>
       </p:ext>
     </p:extLst>
   </p:cSld>
@@ -15547,15 +15182,10 @@
                             </p:stCondLst>
                             <p:childTnLst>
                               <p:par>
-                                <p:cTn id="5" presetID="1" presetClass="entr" presetSubtype="0" fill="hold" grpId="0" nodeType="clickEffect" nodePh="1">
+                                <p:cTn id="5" presetID="1" presetClass="entr" presetSubtype="0" fill="hold" grpId="0" nodeType="clickEffect">
                                   <p:stCondLst>
                                     <p:cond delay="0"/>
                                   </p:stCondLst>
-                                  <p:endCondLst>
-                                    <p:cond evt="begin" delay="0">
-                                      <p:tn val="5"/>
-                                    </p:cond>
-                                  </p:endCondLst>
                                   <p:childTnLst>
                                     <p:set>
                                       <p:cBhvr>
@@ -15566,6 +15196,153 @@
                                         </p:cTn>
                                         <p:tgtEl>
                                           <p:spTgt spid="96"/>
+                                        </p:tgtEl>
+                                        <p:attrNameLst>
+                                          <p:attrName>style.visibility</p:attrName>
+                                        </p:attrNameLst>
+                                      </p:cBhvr>
+                                      <p:to>
+                                        <p:strVal val="visible"/>
+                                      </p:to>
+                                    </p:set>
+                                  </p:childTnLst>
+                                </p:cTn>
+                              </p:par>
+                            </p:childTnLst>
+                          </p:cTn>
+                        </p:par>
+                      </p:childTnLst>
+                    </p:cTn>
+                  </p:par>
+                  <p:par>
+                    <p:cTn id="7" fill="hold">
+                      <p:stCondLst>
+                        <p:cond delay="indefinite"/>
+                      </p:stCondLst>
+                      <p:childTnLst>
+                        <p:par>
+                          <p:cTn id="8" fill="hold">
+                            <p:stCondLst>
+                              <p:cond delay="0"/>
+                            </p:stCondLst>
+                            <p:childTnLst>
+                              <p:par>
+                                <p:cTn id="9" presetID="1" presetClass="entr" presetSubtype="0" fill="hold" nodeType="clickEffect">
+                                  <p:stCondLst>
+                                    <p:cond delay="0"/>
+                                  </p:stCondLst>
+                                  <p:childTnLst>
+                                    <p:set>
+                                      <p:cBhvr>
+                                        <p:cTn id="10" dur="1" fill="hold">
+                                          <p:stCondLst>
+                                            <p:cond delay="0"/>
+                                          </p:stCondLst>
+                                        </p:cTn>
+                                        <p:tgtEl>
+                                          <p:spTgt spid="96">
+                                            <p:txEl>
+                                              <p:pRg st="2" end="2"/>
+                                            </p:txEl>
+                                          </p:spTgt>
+                                        </p:tgtEl>
+                                        <p:attrNameLst>
+                                          <p:attrName>style.visibility</p:attrName>
+                                        </p:attrNameLst>
+                                      </p:cBhvr>
+                                      <p:to>
+                                        <p:strVal val="visible"/>
+                                      </p:to>
+                                    </p:set>
+                                  </p:childTnLst>
+                                </p:cTn>
+                              </p:par>
+                            </p:childTnLst>
+                          </p:cTn>
+                        </p:par>
+                      </p:childTnLst>
+                    </p:cTn>
+                  </p:par>
+                  <p:par>
+                    <p:cTn id="11" fill="hold">
+                      <p:stCondLst>
+                        <p:cond delay="indefinite"/>
+                      </p:stCondLst>
+                      <p:childTnLst>
+                        <p:par>
+                          <p:cTn id="12" fill="hold">
+                            <p:stCondLst>
+                              <p:cond delay="0"/>
+                            </p:stCondLst>
+                            <p:childTnLst>
+                              <p:par>
+                                <p:cTn id="13" presetID="1" presetClass="entr" presetSubtype="0" fill="hold" nodeType="clickEffect">
+                                  <p:stCondLst>
+                                    <p:cond delay="0"/>
+                                  </p:stCondLst>
+                                  <p:childTnLst>
+                                    <p:set>
+                                      <p:cBhvr>
+                                        <p:cTn id="14" dur="1" fill="hold">
+                                          <p:stCondLst>
+                                            <p:cond delay="0"/>
+                                          </p:stCondLst>
+                                        </p:cTn>
+                                        <p:tgtEl>
+                                          <p:spTgt spid="96">
+                                            <p:txEl>
+                                              <p:pRg st="3" end="3"/>
+                                            </p:txEl>
+                                          </p:spTgt>
+                                        </p:tgtEl>
+                                        <p:attrNameLst>
+                                          <p:attrName>style.visibility</p:attrName>
+                                        </p:attrNameLst>
+                                      </p:cBhvr>
+                                      <p:to>
+                                        <p:strVal val="visible"/>
+                                      </p:to>
+                                    </p:set>
+                                  </p:childTnLst>
+                                </p:cTn>
+                              </p:par>
+                            </p:childTnLst>
+                          </p:cTn>
+                        </p:par>
+                      </p:childTnLst>
+                    </p:cTn>
+                  </p:par>
+                  <p:par>
+                    <p:cTn id="15" fill="hold">
+                      <p:stCondLst>
+                        <p:cond delay="indefinite"/>
+                      </p:stCondLst>
+                      <p:childTnLst>
+                        <p:par>
+                          <p:cTn id="16" fill="hold">
+                            <p:stCondLst>
+                              <p:cond delay="0"/>
+                            </p:stCondLst>
+                            <p:childTnLst>
+                              <p:par>
+                                <p:cTn id="17" presetID="1" presetClass="entr" presetSubtype="0" fill="hold" nodeType="clickEffect">
+                                  <p:stCondLst>
+                                    <p:cond delay="0"/>
+                                  </p:stCondLst>
+                                  <p:childTnLst>
+                                    <p:set>
+                                      <p:cBhvr>
+                                        <p:cTn id="18" dur="1" fill="hold">
+                                          <p:stCondLst>
+                                            <p:cond delay="0"/>
+                                          </p:stCondLst>
+                                        </p:cTn>
+                                        <p:tgtEl>
+                                          <p:spTgt spid="96">
+                                            <p:txEl>
+                                              <p:pRg st="4" end="4"/>
+                                            </p:txEl>
+                                          </p:spTgt>
                                         </p:tgtEl>
                                         <p:attrNameLst>
                                           <p:attrName>style.visibility</p:attrName>
@@ -16304,7 +16081,7 @@
                   <a:srgbClr val="E46102"/>
                 </a:solidFill>
               </a:rPr>
-              <a:t>What is …</a:t>
+              <a:t>Regularized Linear Models</a:t>
             </a:r>
             <a:endParaRPr sz="4000" b="1" dirty="0">
               <a:solidFill>
@@ -16345,7 +16122,7 @@
             </a:pPr>
             <a:r>
               <a:rPr lang="en-US" dirty="0"/>
-              <a:t>Fitting</a:t>
+              <a:t>to reduce overfitting is to regularize the model (i.e., to constrain it)</a:t>
             </a:r>
           </a:p>
           <a:p>
@@ -16355,18 +16132,16 @@
             </a:pPr>
             <a:r>
               <a:rPr lang="en-US" dirty="0"/>
-              <a:t>Overfitting</a:t>
-            </a:r>
-          </a:p>
-          <a:p>
-            <a:pPr marL="342900" indent="-342900">
-              <a:buFont typeface="Arial" panose="020B0604020202020204" pitchFamily="34" charset="0"/>
-              <a:buChar char="•"/>
-            </a:pPr>
-            <a:r>
-              <a:rPr lang="en-US" dirty="0"/>
-              <a:t>Underfitting</a:t>
-            </a:r>
+              <a:t>fewer degrees of freedom it has, the harder it will be for it to overfit the data</a:t>
+            </a:r>
+          </a:p>
+          <a:p>
+            <a:pPr lvl="1"/>
+            <a:r>
+              <a:rPr lang="en-US" sz="2000" i="1" dirty="0"/>
+              <a:t>(number of values in the final calculation of a statistic that are free to vary)</a:t>
+            </a:r>
+            <a:endParaRPr lang="en-US" i="1" dirty="0"/>
           </a:p>
           <a:p>
             <a:pPr marL="342900" indent="-342900">
@@ -16380,7 +16155,10 @@
               <a:buFont typeface="Arial" panose="020B0604020202020204" pitchFamily="34" charset="0"/>
               <a:buChar char="•"/>
             </a:pPr>
-            <a:endParaRPr lang="en-US" dirty="0"/>
+            <a:r>
+              <a:rPr lang="en-US" dirty="0"/>
+              <a:t>One way to regularize a polynomial model is to reduce the number of polynomial degrees.</a:t>
+            </a:r>
           </a:p>
           <a:p>
             <a:pPr marL="342900" indent="-342900">
@@ -16394,472 +16172,10 @@
               <a:buFont typeface="Arial" panose="020B0604020202020204" pitchFamily="34" charset="0"/>
               <a:buChar char="•"/>
             </a:pPr>
-            <a:endParaRPr lang="en-US" dirty="0"/>
-          </a:p>
-          <a:p>
-            <a:pPr marL="342900" indent="-342900">
-              <a:buFont typeface="Arial" panose="020B0604020202020204" pitchFamily="34" charset="0"/>
-              <a:buChar char="•"/>
-            </a:pPr>
             <a:r>
               <a:rPr lang="en-US" dirty="0"/>
-              <a:t>Scaling - It is important to scale the data (e.g., using a </a:t>
-            </a:r>
-            <a:r>
-              <a:rPr lang="en-US" dirty="0" err="1"/>
-              <a:t>StandardScaler</a:t>
-            </a:r>
-            <a:r>
-              <a:rPr lang="en-US" dirty="0"/>
-              <a:t>) before performing Ridge Regression, as it is sensitive to the scale of the input features. This is true of most regularized models.</a:t>
-            </a:r>
-            <a:endParaRPr dirty="0"/>
-          </a:p>
-        </p:txBody>
-      </p:sp>
-      <p:pic>
-        <p:nvPicPr>
-          <p:cNvPr id="1026" name="Picture 2" descr="What is underfitting and overfitting in machine learning and how to deal  with it. | by Anup Bhande | GreyAtom | Medium">
-            <a:extLst>
-              <a:ext uri="{FF2B5EF4-FFF2-40B4-BE49-F238E27FC236}">
-                <a16:creationId xmlns:a16="http://schemas.microsoft.com/office/drawing/2014/main" id="{27E0D413-33A0-4FE4-AE7E-8CD84F6802D6}"/>
-              </a:ext>
-            </a:extLst>
-          </p:cNvPr>
-          <p:cNvPicPr>
-            <a:picLocks noChangeAspect="1" noChangeArrowheads="1"/>
-          </p:cNvPicPr>
-          <p:nvPr/>
-        </p:nvPicPr>
-        <p:blipFill>
-          <a:blip r:embed="rId3">
-            <a:extLst>
-              <a:ext uri="{28A0092B-C50C-407E-A947-70E740481C1C}">
-                <a14:useLocalDpi xmlns:a14="http://schemas.microsoft.com/office/drawing/2010/main" val="0"/>
-              </a:ext>
-            </a:extLst>
-          </a:blip>
-          <a:srcRect/>
-          <a:stretch>
-            <a:fillRect/>
-          </a:stretch>
-        </p:blipFill>
-        <p:spPr bwMode="auto">
-          <a:xfrm>
-            <a:off x="4025348" y="1382233"/>
-            <a:ext cx="6390862" cy="2221180"/>
-          </a:xfrm>
-          <a:prstGeom prst="rect">
-            <a:avLst/>
-          </a:prstGeom>
-          <a:noFill/>
-          <a:extLst>
-            <a:ext uri="{909E8E84-426E-40DD-AFC4-6F175D3DCCD1}">
-              <a14:hiddenFill xmlns:a14="http://schemas.microsoft.com/office/drawing/2010/main">
-                <a:solidFill>
-                  <a:srgbClr val="FFFFFF"/>
-                </a:solidFill>
-              </a14:hiddenFill>
-            </a:ext>
-          </a:extLst>
-        </p:spPr>
-      </p:pic>
-    </p:spTree>
-    <p:extLst>
-      <p:ext uri="{BB962C8B-B14F-4D97-AF65-F5344CB8AC3E}">
-        <p14:creationId xmlns:p14="http://schemas.microsoft.com/office/powerpoint/2010/main" val="1337399476"/>
-      </p:ext>
-    </p:extLst>
-  </p:cSld>
-  <p:clrMapOvr>
-    <a:masterClrMapping/>
-  </p:clrMapOvr>
-  <p:timing>
-    <p:tnLst>
-      <p:par>
-        <p:cTn id="1" dur="indefinite" restart="never" nodeType="tmRoot">
-          <p:childTnLst>
-            <p:seq concurrent="1" nextAc="seek">
-              <p:cTn id="2" dur="indefinite" nodeType="mainSeq">
-                <p:childTnLst>
-                  <p:par>
-                    <p:cTn id="3" fill="hold">
-                      <p:stCondLst>
-                        <p:cond delay="indefinite"/>
-                      </p:stCondLst>
-                      <p:childTnLst>
-                        <p:par>
-                          <p:cTn id="4" fill="hold">
-                            <p:stCondLst>
-                              <p:cond delay="0"/>
-                            </p:stCondLst>
-                            <p:childTnLst>
-                              <p:par>
-                                <p:cTn id="5" presetID="1" presetClass="entr" presetSubtype="0" fill="hold" grpId="0" nodeType="clickEffect">
-                                  <p:stCondLst>
-                                    <p:cond delay="0"/>
-                                  </p:stCondLst>
-                                  <p:childTnLst>
-                                    <p:set>
-                                      <p:cBhvr>
-                                        <p:cTn id="6" dur="1" fill="hold">
-                                          <p:stCondLst>
-                                            <p:cond delay="0"/>
-                                          </p:stCondLst>
-                                        </p:cTn>
-                                        <p:tgtEl>
-                                          <p:spTgt spid="96"/>
-                                        </p:tgtEl>
-                                        <p:attrNameLst>
-                                          <p:attrName>style.visibility</p:attrName>
-                                        </p:attrNameLst>
-                                      </p:cBhvr>
-                                      <p:to>
-                                        <p:strVal val="visible"/>
-                                      </p:to>
-                                    </p:set>
-                                  </p:childTnLst>
-                                </p:cTn>
-                              </p:par>
-                            </p:childTnLst>
-                          </p:cTn>
-                        </p:par>
-                      </p:childTnLst>
-                    </p:cTn>
-                  </p:par>
-                  <p:par>
-                    <p:cTn id="7" fill="hold">
-                      <p:stCondLst>
-                        <p:cond delay="indefinite"/>
-                      </p:stCondLst>
-                      <p:childTnLst>
-                        <p:par>
-                          <p:cTn id="8" fill="hold">
-                            <p:stCondLst>
-                              <p:cond delay="0"/>
-                            </p:stCondLst>
-                            <p:childTnLst>
-                              <p:par>
-                                <p:cTn id="9" presetID="1" presetClass="entr" presetSubtype="0" fill="hold" nodeType="clickEffect">
-                                  <p:stCondLst>
-                                    <p:cond delay="0"/>
-                                  </p:stCondLst>
-                                  <p:childTnLst>
-                                    <p:set>
-                                      <p:cBhvr>
-                                        <p:cTn id="10" dur="1" fill="hold">
-                                          <p:stCondLst>
-                                            <p:cond delay="0"/>
-                                          </p:stCondLst>
-                                        </p:cTn>
-                                        <p:tgtEl>
-                                          <p:spTgt spid="96">
-                                            <p:txEl>
-                                              <p:pRg st="0" end="0"/>
-                                            </p:txEl>
-                                          </p:spTgt>
-                                        </p:tgtEl>
-                                        <p:attrNameLst>
-                                          <p:attrName>style.visibility</p:attrName>
-                                        </p:attrNameLst>
-                                      </p:cBhvr>
-                                      <p:to>
-                                        <p:strVal val="visible"/>
-                                      </p:to>
-                                    </p:set>
-                                  </p:childTnLst>
-                                </p:cTn>
-                              </p:par>
-                            </p:childTnLst>
-                          </p:cTn>
-                        </p:par>
-                      </p:childTnLst>
-                    </p:cTn>
-                  </p:par>
-                  <p:par>
-                    <p:cTn id="11" fill="hold">
-                      <p:stCondLst>
-                        <p:cond delay="indefinite"/>
-                      </p:stCondLst>
-                      <p:childTnLst>
-                        <p:par>
-                          <p:cTn id="12" fill="hold">
-                            <p:stCondLst>
-                              <p:cond delay="0"/>
-                            </p:stCondLst>
-                            <p:childTnLst>
-                              <p:par>
-                                <p:cTn id="13" presetID="1" presetClass="entr" presetSubtype="0" fill="hold" nodeType="clickEffect">
-                                  <p:stCondLst>
-                                    <p:cond delay="0"/>
-                                  </p:stCondLst>
-                                  <p:childTnLst>
-                                    <p:set>
-                                      <p:cBhvr>
-                                        <p:cTn id="14" dur="1" fill="hold">
-                                          <p:stCondLst>
-                                            <p:cond delay="0"/>
-                                          </p:stCondLst>
-                                        </p:cTn>
-                                        <p:tgtEl>
-                                          <p:spTgt spid="96">
-                                            <p:txEl>
-                                              <p:pRg st="1" end="1"/>
-                                            </p:txEl>
-                                          </p:spTgt>
-                                        </p:tgtEl>
-                                        <p:attrNameLst>
-                                          <p:attrName>style.visibility</p:attrName>
-                                        </p:attrNameLst>
-                                      </p:cBhvr>
-                                      <p:to>
-                                        <p:strVal val="visible"/>
-                                      </p:to>
-                                    </p:set>
-                                  </p:childTnLst>
-                                </p:cTn>
-                              </p:par>
-                            </p:childTnLst>
-                          </p:cTn>
-                        </p:par>
-                      </p:childTnLst>
-                    </p:cTn>
-                  </p:par>
-                  <p:par>
-                    <p:cTn id="15" fill="hold">
-                      <p:stCondLst>
-                        <p:cond delay="indefinite"/>
-                      </p:stCondLst>
-                      <p:childTnLst>
-                        <p:par>
-                          <p:cTn id="16" fill="hold">
-                            <p:stCondLst>
-                              <p:cond delay="0"/>
-                            </p:stCondLst>
-                            <p:childTnLst>
-                              <p:par>
-                                <p:cTn id="17" presetID="1" presetClass="entr" presetSubtype="0" fill="hold" nodeType="clickEffect">
-                                  <p:stCondLst>
-                                    <p:cond delay="0"/>
-                                  </p:stCondLst>
-                                  <p:childTnLst>
-                                    <p:set>
-                                      <p:cBhvr>
-                                        <p:cTn id="18" dur="1" fill="hold">
-                                          <p:stCondLst>
-                                            <p:cond delay="0"/>
-                                          </p:stCondLst>
-                                        </p:cTn>
-                                        <p:tgtEl>
-                                          <p:spTgt spid="96">
-                                            <p:txEl>
-                                              <p:pRg st="2" end="2"/>
-                                            </p:txEl>
-                                          </p:spTgt>
-                                        </p:tgtEl>
-                                        <p:attrNameLst>
-                                          <p:attrName>style.visibility</p:attrName>
-                                        </p:attrNameLst>
-                                      </p:cBhvr>
-                                      <p:to>
-                                        <p:strVal val="visible"/>
-                                      </p:to>
-                                    </p:set>
-                                  </p:childTnLst>
-                                </p:cTn>
-                              </p:par>
-                            </p:childTnLst>
-                          </p:cTn>
-                        </p:par>
-                      </p:childTnLst>
-                    </p:cTn>
-                  </p:par>
-                  <p:par>
-                    <p:cTn id="19" fill="hold">
-                      <p:stCondLst>
-                        <p:cond delay="indefinite"/>
-                      </p:stCondLst>
-                      <p:childTnLst>
-                        <p:par>
-                          <p:cTn id="20" fill="hold">
-                            <p:stCondLst>
-                              <p:cond delay="0"/>
-                            </p:stCondLst>
-                            <p:childTnLst>
-                              <p:par>
-                                <p:cTn id="21" presetID="1" presetClass="entr" presetSubtype="0" fill="hold" nodeType="clickEffect">
-                                  <p:stCondLst>
-                                    <p:cond delay="0"/>
-                                  </p:stCondLst>
-                                  <p:childTnLst>
-                                    <p:set>
-                                      <p:cBhvr>
-                                        <p:cTn id="22" dur="1" fill="hold">
-                                          <p:stCondLst>
-                                            <p:cond delay="0"/>
-                                          </p:stCondLst>
-                                        </p:cTn>
-                                        <p:tgtEl>
-                                          <p:spTgt spid="96">
-                                            <p:txEl>
-                                              <p:pRg st="7" end="7"/>
-                                            </p:txEl>
-                                          </p:spTgt>
-                                        </p:tgtEl>
-                                        <p:attrNameLst>
-                                          <p:attrName>style.visibility</p:attrName>
-                                        </p:attrNameLst>
-                                      </p:cBhvr>
-                                      <p:to>
-                                        <p:strVal val="visible"/>
-                                      </p:to>
-                                    </p:set>
-                                  </p:childTnLst>
-                                </p:cTn>
-                              </p:par>
-                            </p:childTnLst>
-                          </p:cTn>
-                        </p:par>
-                      </p:childTnLst>
-                    </p:cTn>
-                  </p:par>
-                </p:childTnLst>
-              </p:cTn>
-              <p:prevCondLst>
-                <p:cond evt="onPrev" delay="0">
-                  <p:tgtEl>
-                    <p:sldTgt/>
-                  </p:tgtEl>
-                </p:cond>
-              </p:prevCondLst>
-              <p:nextCondLst>
-                <p:cond evt="onNext" delay="0">
-                  <p:tgtEl>
-                    <p:sldTgt/>
-                  </p:tgtEl>
-                </p:cond>
-              </p:nextCondLst>
-            </p:seq>
-          </p:childTnLst>
-        </p:cTn>
-      </p:par>
-    </p:tnLst>
-    <p:bldLst>
-      <p:bldP spid="96" grpId="0"/>
-    </p:bldLst>
-  </p:timing>
-</p:sld>
-</file>
-
-<file path=ppt/slides/slide7.xml><?xml version="1.0" encoding="utf-8"?>
-<p:sld xmlns:a="http://schemas.openxmlformats.org/drawingml/2006/main" xmlns:r="http://schemas.openxmlformats.org/officeDocument/2006/relationships" xmlns:p="http://schemas.openxmlformats.org/presentationml/2006/main">
-  <p:cSld>
-    <p:spTree>
-      <p:nvGrpSpPr>
-        <p:cNvPr id="1" name="Shape 94"/>
-        <p:cNvGrpSpPr/>
-        <p:nvPr/>
-      </p:nvGrpSpPr>
-      <p:grpSpPr>
-        <a:xfrm>
-          <a:off x="0" y="0"/>
-          <a:ext cx="0" cy="0"/>
-          <a:chOff x="0" y="0"/>
-          <a:chExt cx="0" cy="0"/>
-        </a:xfrm>
-      </p:grpSpPr>
-      <p:sp>
-        <p:nvSpPr>
-          <p:cNvPr id="95" name="Google Shape;95;p14"/>
-          <p:cNvSpPr txBox="1">
-            <a:spLocks noGrp="1"/>
-          </p:cNvSpPr>
-          <p:nvPr>
-            <p:ph type="title" idx="4294967295"/>
-          </p:nvPr>
-        </p:nvSpPr>
-        <p:spPr>
-          <a:xfrm>
-            <a:off x="717173" y="696913"/>
-            <a:ext cx="10972800" cy="506789"/>
-          </a:xfrm>
-          <a:prstGeom prst="rect">
-            <a:avLst/>
-          </a:prstGeom>
-        </p:spPr>
-        <p:txBody>
-          <a:bodyPr spcFirstLastPara="1" wrap="square" lIns="121900" tIns="121900" rIns="121900" bIns="121900" anchor="ctr" anchorCtr="0">
-            <a:noAutofit/>
-          </a:bodyPr>
-          <a:lstStyle/>
-          <a:p>
-            <a:r>
-              <a:rPr lang="en-US" sz="4000" b="1" dirty="0">
-                <a:solidFill>
-                  <a:srgbClr val="E46102"/>
-                </a:solidFill>
-              </a:rPr>
-              <a:t>Regularized Linear Models</a:t>
-            </a:r>
-            <a:endParaRPr sz="4000" b="1" dirty="0">
-              <a:solidFill>
-                <a:srgbClr val="E46102"/>
-              </a:solidFill>
-            </a:endParaRPr>
-          </a:p>
-        </p:txBody>
-      </p:sp>
-      <p:sp>
-        <p:nvSpPr>
-          <p:cNvPr id="96" name="Google Shape;96;p14"/>
-          <p:cNvSpPr txBox="1"/>
-          <p:nvPr/>
-        </p:nvSpPr>
-        <p:spPr>
-          <a:xfrm>
-            <a:off x="521776" y="1382233"/>
-            <a:ext cx="11277600" cy="4176000"/>
-          </a:xfrm>
-          <a:prstGeom prst="rect">
-            <a:avLst/>
-          </a:prstGeom>
-          <a:noFill/>
-          <a:ln>
-            <a:noFill/>
-          </a:ln>
-        </p:spPr>
-        <p:txBody>
-          <a:bodyPr spcFirstLastPara="1" wrap="square" lIns="121900" tIns="121900" rIns="121900" bIns="121900" anchor="t" anchorCtr="0">
-            <a:noAutofit/>
-          </a:bodyPr>
-          <a:lstStyle/>
-          <a:p>
-            <a:pPr marL="342900" indent="-342900">
-              <a:buFont typeface="Arial" panose="020B0604020202020204" pitchFamily="34" charset="0"/>
-              <a:buChar char="•"/>
-            </a:pPr>
-            <a:r>
-              <a:rPr lang="en-US" dirty="0"/>
-              <a:t>to reduce overfitting is to regularize the model (i.e., to constrain it)</a:t>
-            </a:r>
-          </a:p>
-          <a:p>
-            <a:pPr marL="342900" indent="-342900">
-              <a:buFont typeface="Arial" panose="020B0604020202020204" pitchFamily="34" charset="0"/>
-              <a:buChar char="•"/>
-            </a:pPr>
-            <a:r>
-              <a:rPr lang="en-US" dirty="0"/>
-              <a:t>fewer degrees of freedom it has, the harder it will be for it to overfit the data</a:t>
-            </a:r>
-          </a:p>
-          <a:p>
-            <a:pPr lvl="1"/>
-            <a:r>
-              <a:rPr lang="en-US" sz="2000" i="1" dirty="0"/>
-              <a:t>(number of values in the final calculation of a statistic that are free to vary)</a:t>
-            </a:r>
-            <a:endParaRPr lang="en-US" i="1" dirty="0"/>
+              <a:t>For a linear model, regularization is typically achieved by constraining the weights of the model. </a:t>
+            </a:r>
           </a:p>
           <a:p>
             <a:pPr marL="342900" indent="-342900">
@@ -16875,41 +16191,7 @@
             </a:pPr>
             <a:r>
               <a:rPr lang="en-US" dirty="0"/>
-              <a:t>One way to regularize a polynomial model is to reduce the number of polynomial degrees.</a:t>
-            </a:r>
-          </a:p>
-          <a:p>
-            <a:pPr marL="342900" indent="-342900">
-              <a:buFont typeface="Arial" panose="020B0604020202020204" pitchFamily="34" charset="0"/>
-              <a:buChar char="•"/>
-            </a:pPr>
-            <a:endParaRPr lang="en-US" dirty="0"/>
-          </a:p>
-          <a:p>
-            <a:pPr marL="342900" indent="-342900">
-              <a:buFont typeface="Arial" panose="020B0604020202020204" pitchFamily="34" charset="0"/>
-              <a:buChar char="•"/>
-            </a:pPr>
-            <a:r>
-              <a:rPr lang="en-US" dirty="0"/>
-              <a:t>For a linear model, regularization is typically achieved by constraining the weights of the model. </a:t>
-            </a:r>
-          </a:p>
-          <a:p>
-            <a:pPr marL="342900" indent="-342900">
-              <a:buFont typeface="Arial" panose="020B0604020202020204" pitchFamily="34" charset="0"/>
-              <a:buChar char="•"/>
-            </a:pPr>
-            <a:endParaRPr lang="en-US" dirty="0"/>
-          </a:p>
-          <a:p>
-            <a:pPr marL="342900" indent="-342900">
-              <a:buFont typeface="Arial" panose="020B0604020202020204" pitchFamily="34" charset="0"/>
-              <a:buChar char="•"/>
-            </a:pPr>
-            <a:r>
-              <a:rPr lang="en-US" dirty="0"/>
-              <a:t>3 ways to constraint the weights:</a:t>
+              <a:t>2 common ways to constraint the weights:</a:t>
             </a:r>
           </a:p>
           <a:p>
@@ -16919,7 +16201,7 @@
             </a:pPr>
             <a:r>
               <a:rPr lang="en-US" dirty="0"/>
-              <a:t>Ridge Regression, Lasso Regression, and Elastic Net (self study)</a:t>
+              <a:t>Ridge Regression, Lasso Regression</a:t>
             </a:r>
             <a:endParaRPr dirty="0"/>
           </a:p>
@@ -17359,7 +16641,7 @@
 </p:sld>
 </file>
 
-<file path=ppt/slides/slide8.xml><?xml version="1.0" encoding="utf-8"?>
+<file path=ppt/slides/slide7.xml><?xml version="1.0" encoding="utf-8"?>
 <p:sld xmlns:a="http://schemas.openxmlformats.org/drawingml/2006/main" xmlns:r="http://schemas.openxmlformats.org/officeDocument/2006/relationships" xmlns:p="http://schemas.openxmlformats.org/presentationml/2006/main">
   <p:cSld>
     <p:spTree>
@@ -17892,7 +17174,7 @@
 </p:sld>
 </file>
 
-<file path=ppt/slides/slide9.xml><?xml version="1.0" encoding="utf-8"?>
+<file path=ppt/slides/slide8.xml><?xml version="1.0" encoding="utf-8"?>
 <p:sld xmlns:a="http://schemas.openxmlformats.org/drawingml/2006/main" xmlns:r="http://schemas.openxmlformats.org/officeDocument/2006/relationships" xmlns:p="http://schemas.openxmlformats.org/presentationml/2006/main">
   <p:cSld>
     <p:spTree>
@@ -18486,6 +17768,350 @@
       <p:bldP spid="96" grpId="0"/>
     </p:bldLst>
   </p:timing>
+</p:sld>
+</file>
+
+<file path=ppt/slides/slide9.xml><?xml version="1.0" encoding="utf-8"?>
+<p:sld xmlns:a="http://schemas.openxmlformats.org/drawingml/2006/main" xmlns:r="http://schemas.openxmlformats.org/officeDocument/2006/relationships" xmlns:p="http://schemas.openxmlformats.org/presentationml/2006/main">
+  <p:cSld>
+    <p:spTree>
+      <p:nvGrpSpPr>
+        <p:cNvPr id="1" name="Shape 94"/>
+        <p:cNvGrpSpPr/>
+        <p:nvPr/>
+      </p:nvGrpSpPr>
+      <p:grpSpPr>
+        <a:xfrm>
+          <a:off x="0" y="0"/>
+          <a:ext cx="0" cy="0"/>
+          <a:chOff x="0" y="0"/>
+          <a:chExt cx="0" cy="0"/>
+        </a:xfrm>
+      </p:grpSpPr>
+      <p:pic>
+        <p:nvPicPr>
+          <p:cNvPr id="4" name="Picture 3">
+            <a:extLst>
+              <a:ext uri="{FF2B5EF4-FFF2-40B4-BE49-F238E27FC236}">
+                <a16:creationId xmlns:a16="http://schemas.microsoft.com/office/drawing/2014/main" id="{59F4A154-FF65-4B81-BA22-D23D8B10A47B}"/>
+              </a:ext>
+            </a:extLst>
+          </p:cNvPr>
+          <p:cNvPicPr>
+            <a:picLocks noChangeAspect="1"/>
+          </p:cNvPicPr>
+          <p:nvPr/>
+        </p:nvPicPr>
+        <p:blipFill rotWithShape="1">
+          <a:blip r:embed="rId3"/>
+          <a:srcRect l="6136" t="25154" r="9143" b="23136"/>
+          <a:stretch/>
+        </p:blipFill>
+        <p:spPr>
+          <a:xfrm>
+            <a:off x="3639499" y="1920078"/>
+            <a:ext cx="4068299" cy="578774"/>
+          </a:xfrm>
+          <a:prstGeom prst="rect">
+            <a:avLst/>
+          </a:prstGeom>
+        </p:spPr>
+      </p:pic>
+      <p:sp>
+        <p:nvSpPr>
+          <p:cNvPr id="5" name="TextBox 4">
+            <a:extLst>
+              <a:ext uri="{FF2B5EF4-FFF2-40B4-BE49-F238E27FC236}">
+                <a16:creationId xmlns:a16="http://schemas.microsoft.com/office/drawing/2014/main" id="{00FB9888-6B89-4A21-ACE6-E7A2152D2AC0}"/>
+              </a:ext>
+            </a:extLst>
+          </p:cNvPr>
+          <p:cNvSpPr txBox="1"/>
+          <p:nvPr/>
+        </p:nvSpPr>
+        <p:spPr>
+          <a:xfrm>
+            <a:off x="4204254" y="1612301"/>
+            <a:ext cx="3006586" cy="307777"/>
+          </a:xfrm>
+          <a:prstGeom prst="rect">
+            <a:avLst/>
+          </a:prstGeom>
+          <a:noFill/>
+          <a:ln>
+            <a:noFill/>
+          </a:ln>
+        </p:spPr>
+        <p:txBody>
+          <a:bodyPr wrap="square" rtlCol="0">
+            <a:spAutoFit/>
+          </a:bodyPr>
+          <a:lstStyle/>
+          <a:p>
+            <a:pPr algn="ctr"/>
+            <a:r>
+              <a:rPr lang="en-US" sz="1400" i="1" dirty="0">
+                <a:solidFill>
+                  <a:srgbClr val="E46102"/>
+                </a:solidFill>
+              </a:rPr>
+              <a:t>Ridge Cost Function</a:t>
+            </a:r>
+          </a:p>
+        </p:txBody>
+      </p:sp>
+      <p:sp>
+        <p:nvSpPr>
+          <p:cNvPr id="2" name="TextBox 1">
+            <a:extLst>
+              <a:ext uri="{FF2B5EF4-FFF2-40B4-BE49-F238E27FC236}">
+                <a16:creationId xmlns:a16="http://schemas.microsoft.com/office/drawing/2014/main" id="{07570971-7CE3-46EC-AF9A-7F6DDF694EFF}"/>
+              </a:ext>
+            </a:extLst>
+          </p:cNvPr>
+          <p:cNvSpPr txBox="1"/>
+          <p:nvPr/>
+        </p:nvSpPr>
+        <p:spPr>
+          <a:xfrm>
+            <a:off x="1311965" y="3051313"/>
+            <a:ext cx="9780105" cy="3046988"/>
+          </a:xfrm>
+          <a:prstGeom prst="rect">
+            <a:avLst/>
+          </a:prstGeom>
+          <a:noFill/>
+        </p:spPr>
+        <p:txBody>
+          <a:bodyPr wrap="square" rtlCol="0">
+            <a:spAutoFit/>
+          </a:bodyPr>
+          <a:lstStyle/>
+          <a:p>
+            <a:r>
+              <a:rPr lang="en-US" dirty="0"/>
+              <a:t>J(</a:t>
+            </a:r>
+            <a:r>
+              <a:rPr lang="it-IT" b="1" dirty="0"/>
+              <a:t>θ</a:t>
+            </a:r>
+            <a:r>
+              <a:rPr lang="en-US" dirty="0"/>
+              <a:t>) = Cost function</a:t>
+            </a:r>
+          </a:p>
+          <a:p>
+            <a:r>
+              <a:rPr lang="en-US" dirty="0"/>
+              <a:t>MSE (</a:t>
+            </a:r>
+            <a:r>
+              <a:rPr lang="it-IT" dirty="0"/>
+              <a:t>θ) = Mean Squared Error</a:t>
+            </a:r>
+            <a:endParaRPr lang="en-US" dirty="0"/>
+          </a:p>
+          <a:p>
+            <a:r>
+              <a:rPr lang="en-US" dirty="0"/>
+              <a:t>NOTE: </a:t>
+            </a:r>
+          </a:p>
+          <a:p>
+            <a:r>
+              <a:rPr lang="en-US" i="1" dirty="0"/>
+              <a:t>- θ</a:t>
+            </a:r>
+            <a:r>
+              <a:rPr lang="en-US" baseline="-25000" dirty="0"/>
+              <a:t>0</a:t>
+            </a:r>
+            <a:r>
+              <a:rPr lang="en-US" dirty="0"/>
+              <a:t> (bias term) is not regularized (the sum starts at </a:t>
+            </a:r>
+            <a:r>
+              <a:rPr lang="en-US" i="1" dirty="0" err="1"/>
+              <a:t>i</a:t>
+            </a:r>
+            <a:r>
+              <a:rPr lang="en-US" i="1" dirty="0"/>
+              <a:t> </a:t>
+            </a:r>
+            <a:r>
+              <a:rPr lang="en-US" dirty="0"/>
+              <a:t>= 1, not 0) </a:t>
+            </a:r>
+          </a:p>
+          <a:p>
+            <a:r>
+              <a:rPr lang="en-US" dirty="0"/>
+              <a:t>- if </a:t>
+            </a:r>
+            <a:r>
+              <a:rPr lang="en-US" b="1" dirty="0"/>
+              <a:t>w</a:t>
+            </a:r>
+            <a:r>
+              <a:rPr lang="en-US" dirty="0"/>
+              <a:t> = vector of feature weights (</a:t>
+            </a:r>
+            <a:r>
+              <a:rPr lang="en-US" i="1" dirty="0"/>
+              <a:t>θ</a:t>
+            </a:r>
+            <a:r>
+              <a:rPr lang="en-US" baseline="-25000" dirty="0"/>
+              <a:t>1</a:t>
+            </a:r>
+            <a:r>
+              <a:rPr lang="en-US" dirty="0"/>
+              <a:t> to </a:t>
+            </a:r>
+            <a:r>
+              <a:rPr lang="en-US" i="1" dirty="0" err="1"/>
+              <a:t>θ</a:t>
+            </a:r>
+            <a:r>
+              <a:rPr lang="en-US" baseline="-25000" dirty="0" err="1"/>
+              <a:t>n</a:t>
+            </a:r>
+            <a:r>
+              <a:rPr lang="en-US" dirty="0"/>
+              <a:t>), then regularization term is simply equal to ½ (∥</a:t>
+            </a:r>
+            <a:r>
+              <a:rPr lang="en-US" b="1" dirty="0"/>
+              <a:t>w</a:t>
+            </a:r>
+            <a:r>
+              <a:rPr lang="en-US" dirty="0"/>
+              <a:t>∥</a:t>
+            </a:r>
+            <a:r>
+              <a:rPr lang="en-US" baseline="30000" dirty="0"/>
+              <a:t>2</a:t>
+            </a:r>
+            <a:r>
+              <a:rPr lang="en-US" dirty="0"/>
+              <a:t>)</a:t>
+            </a:r>
+            <a:r>
+              <a:rPr lang="en-US" baseline="-25000" dirty="0"/>
+              <a:t>2</a:t>
+            </a:r>
+            <a:r>
+              <a:rPr lang="en-US" dirty="0"/>
+              <a:t>, where ∥</a:t>
+            </a:r>
+            <a:r>
+              <a:rPr lang="en-US" b="1" dirty="0"/>
+              <a:t>w</a:t>
+            </a:r>
+            <a:r>
+              <a:rPr lang="en-US" dirty="0"/>
+              <a:t>∥</a:t>
+            </a:r>
+            <a:r>
+              <a:rPr lang="en-US" baseline="-25000" dirty="0"/>
+              <a:t>2</a:t>
+            </a:r>
+            <a:r>
+              <a:rPr lang="en-US" dirty="0"/>
+              <a:t> represents the ℓ2 norm of the weight vector.</a:t>
+            </a:r>
+          </a:p>
+          <a:p>
+            <a:r>
+              <a:rPr lang="en-US" dirty="0"/>
+              <a:t>- for Gradient Descent, just add </a:t>
+            </a:r>
+            <a:r>
+              <a:rPr lang="en-US" i="1" dirty="0"/>
+              <a:t>α</a:t>
+            </a:r>
+            <a:r>
+              <a:rPr lang="en-US" b="1" dirty="0"/>
+              <a:t>w </a:t>
+            </a:r>
+            <a:r>
+              <a:rPr lang="en-US" dirty="0"/>
+              <a:t>to the MSE gradient vector.</a:t>
+            </a:r>
+          </a:p>
+        </p:txBody>
+      </p:sp>
+      <p:sp>
+        <p:nvSpPr>
+          <p:cNvPr id="7" name="Google Shape;95;p14">
+            <a:extLst>
+              <a:ext uri="{FF2B5EF4-FFF2-40B4-BE49-F238E27FC236}">
+                <a16:creationId xmlns:a16="http://schemas.microsoft.com/office/drawing/2014/main" id="{8FAA6FEA-FED2-4481-A679-367F18D282F4}"/>
+              </a:ext>
+            </a:extLst>
+          </p:cNvPr>
+          <p:cNvSpPr txBox="1">
+            <a:spLocks/>
+          </p:cNvSpPr>
+          <p:nvPr/>
+        </p:nvSpPr>
+        <p:spPr>
+          <a:xfrm>
+            <a:off x="717173" y="696913"/>
+            <a:ext cx="10972800" cy="506789"/>
+          </a:xfrm>
+          <a:prstGeom prst="rect">
+            <a:avLst/>
+          </a:prstGeom>
+        </p:spPr>
+        <p:txBody>
+          <a:bodyPr spcFirstLastPara="1" wrap="square" lIns="121900" tIns="121900" rIns="121900" bIns="121900" anchor="ctr" anchorCtr="0">
+            <a:noAutofit/>
+          </a:bodyPr>
+          <a:lstStyle>
+            <a:lvl1pPr algn="ctr" defTabSz="609585" rtl="0" eaLnBrk="1" latinLnBrk="0" hangingPunct="1">
+              <a:spcBef>
+                <a:spcPct val="0"/>
+              </a:spcBef>
+              <a:buNone/>
+              <a:defRPr sz="5867" kern="1200">
+                <a:solidFill>
+                  <a:schemeClr val="tx1"/>
+                </a:solidFill>
+                <a:latin typeface="+mj-lt"/>
+                <a:ea typeface="+mj-ea"/>
+                <a:cs typeface="+mj-cs"/>
+              </a:defRPr>
+            </a:lvl1pPr>
+          </a:lstStyle>
+          <a:p>
+            <a:r>
+              <a:rPr lang="en-US" sz="4000" b="1">
+                <a:solidFill>
+                  <a:srgbClr val="E46102"/>
+                </a:solidFill>
+              </a:rPr>
+              <a:t>Regularized Linear Models</a:t>
+            </a:r>
+            <a:endParaRPr lang="en-US" sz="4000" b="1" dirty="0">
+              <a:solidFill>
+                <a:srgbClr val="E46102"/>
+              </a:solidFill>
+            </a:endParaRPr>
+          </a:p>
+        </p:txBody>
+      </p:sp>
+    </p:spTree>
+    <p:extLst>
+      <p:ext uri="{BB962C8B-B14F-4D97-AF65-F5344CB8AC3E}">
+        <p14:creationId xmlns:p14="http://schemas.microsoft.com/office/powerpoint/2010/main" val="2906587546"/>
+      </p:ext>
+    </p:extLst>
+  </p:cSld>
+  <p:clrMapOvr>
+    <a:masterClrMapping/>
+  </p:clrMapOvr>
 </p:sld>
 </file>
 

--- a/Syllabus/Lecture05/Lec05.pptx
+++ b/Syllabus/Lecture05/Lec05.pptx
@@ -17232,8 +17232,35 @@
             </a:pPr>
             <a:r>
               <a:rPr lang="en-US" dirty="0"/>
-              <a:t>What is a hyperparameter?</a:t>
-            </a:r>
+              <a:t>What is a hyperparameter? </a:t>
+            </a:r>
+          </a:p>
+          <a:p>
+            <a:pPr marL="952485" lvl="1" indent="-342900">
+              <a:buFont typeface="Courier New" panose="02070309020205020404" pitchFamily="49" charset="0"/>
+              <a:buChar char="o"/>
+            </a:pPr>
+            <a:r>
+              <a:rPr lang="en-US" dirty="0"/>
+              <a:t>help estimate model parameters</a:t>
+            </a:r>
+          </a:p>
+          <a:p>
+            <a:pPr marL="952485" lvl="1" indent="-342900">
+              <a:buFont typeface="Courier New" panose="02070309020205020404" pitchFamily="49" charset="0"/>
+              <a:buChar char="o"/>
+            </a:pPr>
+            <a:r>
+              <a:rPr lang="en-US" dirty="0"/>
+              <a:t>Is specified manually, not from the data</a:t>
+            </a:r>
+          </a:p>
+          <a:p>
+            <a:pPr marL="952485" lvl="1" indent="-342900">
+              <a:buFont typeface="Courier New" panose="02070309020205020404" pitchFamily="49" charset="0"/>
+              <a:buChar char="o"/>
+            </a:pPr>
+            <a:endParaRPr lang="en-US" dirty="0"/>
           </a:p>
           <a:p>
             <a:pPr marL="342900" indent="-342900">
@@ -17246,65 +17273,7 @@
             </a:r>
           </a:p>
           <a:p>
-            <a:pPr marL="342900" indent="-342900">
-              <a:buFont typeface="Arial" panose="020B0604020202020204" pitchFamily="34" charset="0"/>
-              <a:buChar char="•"/>
-            </a:pPr>
-            <a:r>
-              <a:rPr lang="en-US" dirty="0"/>
-              <a:t>What happens if alpha is a very large number</a:t>
-            </a:r>
-          </a:p>
-          <a:p>
-            <a:pPr marL="342900" indent="-342900">
-              <a:buFont typeface="Arial" panose="020B0604020202020204" pitchFamily="34" charset="0"/>
-              <a:buChar char="•"/>
-            </a:pPr>
             <a:endParaRPr dirty="0"/>
-          </a:p>
-        </p:txBody>
-      </p:sp>
-      <p:sp>
-        <p:nvSpPr>
-          <p:cNvPr id="2" name="TextBox 1">
-            <a:extLst>
-              <a:ext uri="{FF2B5EF4-FFF2-40B4-BE49-F238E27FC236}">
-                <a16:creationId xmlns:a16="http://schemas.microsoft.com/office/drawing/2014/main" id="{326B134B-955A-495B-BE5C-3F7B04D2725D}"/>
-              </a:ext>
-            </a:extLst>
-          </p:cNvPr>
-          <p:cNvSpPr txBox="1"/>
-          <p:nvPr/>
-        </p:nvSpPr>
-        <p:spPr>
-          <a:xfrm>
-            <a:off x="6625971" y="3025963"/>
-            <a:ext cx="4759303" cy="1200329"/>
-          </a:xfrm>
-          <a:prstGeom prst="rect">
-            <a:avLst/>
-          </a:prstGeom>
-          <a:noFill/>
-          <a:ln>
-            <a:solidFill>
-              <a:srgbClr val="E46102"/>
-            </a:solidFill>
-          </a:ln>
-        </p:spPr>
-        <p:txBody>
-          <a:bodyPr wrap="square" rtlCol="0">
-            <a:spAutoFit/>
-          </a:bodyPr>
-          <a:lstStyle/>
-          <a:p>
-            <a:r>
-              <a:rPr lang="en-US" dirty="0">
-                <a:solidFill>
-                  <a:srgbClr val="E46102"/>
-                </a:solidFill>
-              </a:rPr>
-              <a:t>All weights end up very close to zero and result is a flat line going through the data’s mean</a:t>
-            </a:r>
           </a:p>
         </p:txBody>
       </p:sp>
@@ -17322,7 +17291,7 @@
         </p:nvSpPr>
         <p:spPr>
           <a:xfrm>
-            <a:off x="4768197" y="2170044"/>
+            <a:off x="4825741" y="3252730"/>
             <a:ext cx="2222325" cy="461665"/>
           </a:xfrm>
           <a:prstGeom prst="rect">
@@ -17373,7 +17342,7 @@
         </p:blipFill>
         <p:spPr>
           <a:xfrm>
-            <a:off x="1823830" y="3764626"/>
+            <a:off x="3203177" y="4387403"/>
             <a:ext cx="3245127" cy="461666"/>
           </a:xfrm>
           <a:prstGeom prst="rect">
@@ -17395,7 +17364,7 @@
         </p:nvSpPr>
         <p:spPr>
           <a:xfrm>
-            <a:off x="1873527" y="4226292"/>
+            <a:off x="2530824" y="4842620"/>
             <a:ext cx="3006586" cy="307777"/>
           </a:xfrm>
           <a:prstGeom prst="rect">
@@ -17484,6 +17453,36 @@
           </a:p>
         </p:txBody>
       </p:sp>
+      <p:pic>
+        <p:nvPicPr>
+          <p:cNvPr id="3" name="Picture 2">
+            <a:extLst>
+              <a:ext uri="{FF2B5EF4-FFF2-40B4-BE49-F238E27FC236}">
+                <a16:creationId xmlns:a16="http://schemas.microsoft.com/office/drawing/2014/main" id="{CD04F024-82D0-DFEE-F101-12D6ACED165C}"/>
+              </a:ext>
+            </a:extLst>
+          </p:cNvPr>
+          <p:cNvPicPr>
+            <a:picLocks noChangeAspect="1"/>
+          </p:cNvPicPr>
+          <p:nvPr/>
+        </p:nvPicPr>
+        <p:blipFill>
+          <a:blip r:embed="rId4"/>
+          <a:stretch>
+            <a:fillRect/>
+          </a:stretch>
+        </p:blipFill>
+        <p:spPr>
+          <a:xfrm>
+            <a:off x="5764107" y="1408892"/>
+            <a:ext cx="1313201" cy="495141"/>
+          </a:xfrm>
+          <a:prstGeom prst="rect">
+            <a:avLst/>
+          </a:prstGeom>
+        </p:spPr>
+      </p:pic>
     </p:spTree>
     <p:extLst>
       <p:ext uri="{BB962C8B-B14F-4D97-AF65-F5344CB8AC3E}">
@@ -17723,6 +17722,55 @@
                                           <p:spTgt spid="96">
                                             <p:txEl>
                                               <p:pRg st="3" end="3"/>
+                                            </p:txEl>
+                                          </p:spTgt>
+                                        </p:tgtEl>
+                                        <p:attrNameLst>
+                                          <p:attrName>style.visibility</p:attrName>
+                                        </p:attrNameLst>
+                                      </p:cBhvr>
+                                      <p:to>
+                                        <p:strVal val="visible"/>
+                                      </p:to>
+                                    </p:set>
+                                  </p:childTnLst>
+                                </p:cTn>
+                              </p:par>
+                            </p:childTnLst>
+                          </p:cTn>
+                        </p:par>
+                      </p:childTnLst>
+                    </p:cTn>
+                  </p:par>
+                  <p:par>
+                    <p:cTn id="23" fill="hold">
+                      <p:stCondLst>
+                        <p:cond delay="indefinite"/>
+                      </p:stCondLst>
+                      <p:childTnLst>
+                        <p:par>
+                          <p:cTn id="24" fill="hold">
+                            <p:stCondLst>
+                              <p:cond delay="0"/>
+                            </p:stCondLst>
+                            <p:childTnLst>
+                              <p:par>
+                                <p:cTn id="25" presetID="1" presetClass="entr" presetSubtype="0" fill="hold" nodeType="clickEffect">
+                                  <p:stCondLst>
+                                    <p:cond delay="0"/>
+                                  </p:stCondLst>
+                                  <p:childTnLst>
+                                    <p:set>
+                                      <p:cBhvr>
+                                        <p:cTn id="26" dur="1" fill="hold">
+                                          <p:stCondLst>
+                                            <p:cond delay="0"/>
+                                          </p:stCondLst>
+                                        </p:cTn>
+                                        <p:tgtEl>
+                                          <p:spTgt spid="96">
+                                            <p:txEl>
+                                              <p:pRg st="5" end="5"/>
                                             </p:txEl>
                                           </p:spTgt>
                                         </p:tgtEl>

--- a/Syllabus/Lecture05/Lec05.pptx
+++ b/Syllabus/Lecture05/Lec05.pptx
@@ -5,10 +5,10 @@
     <p:sldMasterId id="2147483664" r:id="rId1"/>
   </p:sldMasterIdLst>
   <p:notesMasterIdLst>
-    <p:notesMasterId r:id="rId26"/>
+    <p:notesMasterId r:id="rId25"/>
   </p:notesMasterIdLst>
   <p:handoutMasterIdLst>
-    <p:handoutMasterId r:id="rId27"/>
+    <p:handoutMasterId r:id="rId26"/>
   </p:handoutMasterIdLst>
   <p:sldIdLst>
     <p:sldId id="266" r:id="rId2"/>
@@ -34,7 +34,6 @@
     <p:sldId id="352" r:id="rId22"/>
     <p:sldId id="348" r:id="rId23"/>
     <p:sldId id="349" r:id="rId24"/>
-    <p:sldId id="290" r:id="rId25"/>
   </p:sldIdLst>
   <p:sldSz cx="12192000" cy="6858000"/>
   <p:notesSz cx="6858000" cy="9144000"/>
@@ -161,7 +160,6 @@
             <p14:sldId id="352"/>
             <p14:sldId id="348"/>
             <p14:sldId id="349"/>
-            <p14:sldId id="290"/>
           </p14:sldIdLst>
         </p14:section>
       </p14:sectionLst>
@@ -5484,1057 +5482,6 @@
 </p:sldLayout>
 </file>
 
-<file path=ppt/slideLayouts/slideLayout9.xml><?xml version="1.0" encoding="utf-8"?>
-<p:sldLayout xmlns:a="http://schemas.openxmlformats.org/drawingml/2006/main" xmlns:r="http://schemas.openxmlformats.org/officeDocument/2006/relationships" xmlns:p="http://schemas.openxmlformats.org/presentationml/2006/main" matchingName="Title and Content 1" type="obj">
-  <p:cSld name="Title and Content 1">
-    <p:spTree>
-      <p:nvGrpSpPr>
-        <p:cNvPr id="1" name="Shape 69"/>
-        <p:cNvGrpSpPr/>
-        <p:nvPr/>
-      </p:nvGrpSpPr>
-      <p:grpSpPr>
-        <a:xfrm>
-          <a:off x="0" y="0"/>
-          <a:ext cx="0" cy="0"/>
-          <a:chOff x="0" y="0"/>
-          <a:chExt cx="0" cy="0"/>
-        </a:xfrm>
-      </p:grpSpPr>
-      <p:sp>
-        <p:nvSpPr>
-          <p:cNvPr id="70" name="Google Shape;70;p10"/>
-          <p:cNvSpPr txBox="1">
-            <a:spLocks noGrp="1"/>
-          </p:cNvSpPr>
-          <p:nvPr>
-            <p:ph type="title"/>
-          </p:nvPr>
-        </p:nvSpPr>
-        <p:spPr>
-          <a:xfrm>
-            <a:off x="609600" y="900113"/>
-            <a:ext cx="10972800" cy="1068400"/>
-          </a:xfrm>
-          <a:prstGeom prst="rect">
-            <a:avLst/>
-          </a:prstGeom>
-          <a:noFill/>
-          <a:ln>
-            <a:noFill/>
-          </a:ln>
-        </p:spPr>
-        <p:txBody>
-          <a:bodyPr spcFirstLastPara="1" wrap="square" lIns="91425" tIns="91425" rIns="91425" bIns="91425" anchor="ctr" anchorCtr="0">
-            <a:noAutofit/>
-          </a:bodyPr>
-          <a:lstStyle>
-            <a:lvl1pPr marL="0" marR="0" lvl="0" indent="0" algn="l" rtl="0">
-              <a:spcBef>
-                <a:spcPts val="0"/>
-              </a:spcBef>
-              <a:spcAft>
-                <a:spcPts val="0"/>
-              </a:spcAft>
-              <a:buSzPts val="1400"/>
-              <a:buNone/>
-              <a:defRPr sz="4267" b="1" i="0" u="none" strike="noStrike" cap="none">
-                <a:solidFill>
-                  <a:schemeClr val="dk1"/>
-                </a:solidFill>
-                <a:latin typeface="Arial"/>
-                <a:ea typeface="Arial"/>
-                <a:cs typeface="Arial"/>
-                <a:sym typeface="Arial"/>
-              </a:defRPr>
-            </a:lvl1pPr>
-            <a:lvl2pPr marL="0" marR="0" lvl="1" indent="0" algn="ctr" rtl="0">
-              <a:spcBef>
-                <a:spcPts val="0"/>
-              </a:spcBef>
-              <a:spcAft>
-                <a:spcPts val="0"/>
-              </a:spcAft>
-              <a:buSzPts val="1400"/>
-              <a:buNone/>
-              <a:defRPr sz="4267" b="1" i="0" u="none" strike="noStrike" cap="none">
-                <a:solidFill>
-                  <a:schemeClr val="dk1"/>
-                </a:solidFill>
-                <a:latin typeface="Arial"/>
-                <a:ea typeface="Arial"/>
-                <a:cs typeface="Arial"/>
-                <a:sym typeface="Arial"/>
-              </a:defRPr>
-            </a:lvl2pPr>
-            <a:lvl3pPr marL="0" marR="0" lvl="2" indent="0" algn="ctr" rtl="0">
-              <a:spcBef>
-                <a:spcPts val="0"/>
-              </a:spcBef>
-              <a:spcAft>
-                <a:spcPts val="0"/>
-              </a:spcAft>
-              <a:buSzPts val="1400"/>
-              <a:buNone/>
-              <a:defRPr sz="4267" b="1" i="0" u="none" strike="noStrike" cap="none">
-                <a:solidFill>
-                  <a:schemeClr val="dk1"/>
-                </a:solidFill>
-                <a:latin typeface="Arial"/>
-                <a:ea typeface="Arial"/>
-                <a:cs typeface="Arial"/>
-                <a:sym typeface="Arial"/>
-              </a:defRPr>
-            </a:lvl3pPr>
-            <a:lvl4pPr marL="0" marR="0" lvl="3" indent="0" algn="ctr" rtl="0">
-              <a:spcBef>
-                <a:spcPts val="0"/>
-              </a:spcBef>
-              <a:spcAft>
-                <a:spcPts val="0"/>
-              </a:spcAft>
-              <a:buSzPts val="1400"/>
-              <a:buNone/>
-              <a:defRPr sz="4267" b="1" i="0" u="none" strike="noStrike" cap="none">
-                <a:solidFill>
-                  <a:schemeClr val="dk1"/>
-                </a:solidFill>
-                <a:latin typeface="Arial"/>
-                <a:ea typeface="Arial"/>
-                <a:cs typeface="Arial"/>
-                <a:sym typeface="Arial"/>
-              </a:defRPr>
-            </a:lvl4pPr>
-            <a:lvl5pPr marL="0" marR="0" lvl="4" indent="0" algn="ctr" rtl="0">
-              <a:spcBef>
-                <a:spcPts val="0"/>
-              </a:spcBef>
-              <a:spcAft>
-                <a:spcPts val="0"/>
-              </a:spcAft>
-              <a:buSzPts val="1400"/>
-              <a:buNone/>
-              <a:defRPr sz="4267" b="1" i="0" u="none" strike="noStrike" cap="none">
-                <a:solidFill>
-                  <a:schemeClr val="dk1"/>
-                </a:solidFill>
-                <a:latin typeface="Arial"/>
-                <a:ea typeface="Arial"/>
-                <a:cs typeface="Arial"/>
-                <a:sym typeface="Arial"/>
-              </a:defRPr>
-            </a:lvl5pPr>
-            <a:lvl6pPr marL="609585" marR="0" lvl="5" indent="0" algn="ctr" rtl="0">
-              <a:spcBef>
-                <a:spcPts val="0"/>
-              </a:spcBef>
-              <a:spcAft>
-                <a:spcPts val="0"/>
-              </a:spcAft>
-              <a:buSzPts val="1400"/>
-              <a:buNone/>
-              <a:defRPr sz="4267" b="1" i="0" u="none" strike="noStrike" cap="none">
-                <a:solidFill>
-                  <a:schemeClr val="dk1"/>
-                </a:solidFill>
-                <a:latin typeface="Arial"/>
-                <a:ea typeface="Arial"/>
-                <a:cs typeface="Arial"/>
-                <a:sym typeface="Arial"/>
-              </a:defRPr>
-            </a:lvl6pPr>
-            <a:lvl7pPr marL="1219170" marR="0" lvl="6" indent="0" algn="ctr" rtl="0">
-              <a:spcBef>
-                <a:spcPts val="0"/>
-              </a:spcBef>
-              <a:spcAft>
-                <a:spcPts val="0"/>
-              </a:spcAft>
-              <a:buSzPts val="1400"/>
-              <a:buNone/>
-              <a:defRPr sz="4267" b="1" i="0" u="none" strike="noStrike" cap="none">
-                <a:solidFill>
-                  <a:schemeClr val="dk1"/>
-                </a:solidFill>
-                <a:latin typeface="Arial"/>
-                <a:ea typeface="Arial"/>
-                <a:cs typeface="Arial"/>
-                <a:sym typeface="Arial"/>
-              </a:defRPr>
-            </a:lvl7pPr>
-            <a:lvl8pPr marL="1828754" marR="0" lvl="7" indent="0" algn="ctr" rtl="0">
-              <a:spcBef>
-                <a:spcPts val="0"/>
-              </a:spcBef>
-              <a:spcAft>
-                <a:spcPts val="0"/>
-              </a:spcAft>
-              <a:buSzPts val="1400"/>
-              <a:buNone/>
-              <a:defRPr sz="4267" b="1" i="0" u="none" strike="noStrike" cap="none">
-                <a:solidFill>
-                  <a:schemeClr val="dk1"/>
-                </a:solidFill>
-                <a:latin typeface="Arial"/>
-                <a:ea typeface="Arial"/>
-                <a:cs typeface="Arial"/>
-                <a:sym typeface="Arial"/>
-              </a:defRPr>
-            </a:lvl8pPr>
-            <a:lvl9pPr marL="2438339" marR="0" lvl="8" indent="0" algn="ctr" rtl="0">
-              <a:spcBef>
-                <a:spcPts val="0"/>
-              </a:spcBef>
-              <a:spcAft>
-                <a:spcPts val="0"/>
-              </a:spcAft>
-              <a:buSzPts val="1400"/>
-              <a:buNone/>
-              <a:defRPr sz="4267" b="1" i="0" u="none" strike="noStrike" cap="none">
-                <a:solidFill>
-                  <a:schemeClr val="dk1"/>
-                </a:solidFill>
-                <a:latin typeface="Arial"/>
-                <a:ea typeface="Arial"/>
-                <a:cs typeface="Arial"/>
-                <a:sym typeface="Arial"/>
-              </a:defRPr>
-            </a:lvl9pPr>
-          </a:lstStyle>
-          <a:p>
-            <a:endParaRPr/>
-          </a:p>
-        </p:txBody>
-      </p:sp>
-      <p:sp>
-        <p:nvSpPr>
-          <p:cNvPr id="71" name="Google Shape;71;p10"/>
-          <p:cNvSpPr txBox="1">
-            <a:spLocks noGrp="1"/>
-          </p:cNvSpPr>
-          <p:nvPr>
-            <p:ph type="body" idx="1"/>
-          </p:nvPr>
-        </p:nvSpPr>
-        <p:spPr>
-          <a:xfrm>
-            <a:off x="697867" y="2030300"/>
-            <a:ext cx="10972800" cy="3103600"/>
-          </a:xfrm>
-          <a:prstGeom prst="rect">
-            <a:avLst/>
-          </a:prstGeom>
-          <a:noFill/>
-          <a:ln>
-            <a:noFill/>
-          </a:ln>
-        </p:spPr>
-        <p:txBody>
-          <a:bodyPr spcFirstLastPara="1" wrap="square" lIns="91425" tIns="91425" rIns="91425" bIns="91425" anchor="t" anchorCtr="0">
-            <a:noAutofit/>
-          </a:bodyPr>
-          <a:lstStyle>
-            <a:lvl1pPr marL="609585" marR="0" lvl="0" indent="-507987" algn="l" rtl="0">
-              <a:spcBef>
-                <a:spcPts val="640"/>
-              </a:spcBef>
-              <a:spcAft>
-                <a:spcPts val="0"/>
-              </a:spcAft>
-              <a:buClr>
-                <a:schemeClr val="dk1"/>
-              </a:buClr>
-              <a:buSzPts val="2400"/>
-              <a:buFont typeface="Arial"/>
-              <a:buChar char="•"/>
-              <a:defRPr sz="3200" b="0" i="0" u="none" strike="noStrike" cap="none">
-                <a:solidFill>
-                  <a:schemeClr val="dk1"/>
-                </a:solidFill>
-                <a:latin typeface="Arial"/>
-                <a:ea typeface="Arial"/>
-                <a:cs typeface="Arial"/>
-                <a:sym typeface="Arial"/>
-              </a:defRPr>
-            </a:lvl1pPr>
-            <a:lvl2pPr marL="1219170" marR="0" lvl="1" indent="-507987" algn="l" rtl="0">
-              <a:spcBef>
-                <a:spcPts val="640"/>
-              </a:spcBef>
-              <a:spcAft>
-                <a:spcPts val="0"/>
-              </a:spcAft>
-              <a:buClr>
-                <a:schemeClr val="dk1"/>
-              </a:buClr>
-              <a:buSzPts val="2400"/>
-              <a:buFont typeface="Arial"/>
-              <a:buChar char="–"/>
-              <a:defRPr sz="3200" b="0" i="0" u="none" strike="noStrike" cap="none">
-                <a:solidFill>
-                  <a:schemeClr val="dk1"/>
-                </a:solidFill>
-                <a:latin typeface="Arial"/>
-                <a:ea typeface="Arial"/>
-                <a:cs typeface="Arial"/>
-                <a:sym typeface="Arial"/>
-              </a:defRPr>
-            </a:lvl2pPr>
-            <a:lvl3pPr marL="1828754" marR="0" lvl="2" indent="-457189" algn="l" rtl="0">
-              <a:spcBef>
-                <a:spcPts val="480"/>
-              </a:spcBef>
-              <a:spcAft>
-                <a:spcPts val="0"/>
-              </a:spcAft>
-              <a:buClr>
-                <a:schemeClr val="dk1"/>
-              </a:buClr>
-              <a:buSzPts val="1800"/>
-              <a:buFont typeface="Arial"/>
-              <a:buChar char="•"/>
-              <a:defRPr sz="2400" b="0" i="0" u="none" strike="noStrike" cap="none">
-                <a:solidFill>
-                  <a:schemeClr val="dk1"/>
-                </a:solidFill>
-                <a:latin typeface="Arial"/>
-                <a:ea typeface="Arial"/>
-                <a:cs typeface="Arial"/>
-                <a:sym typeface="Arial"/>
-              </a:defRPr>
-            </a:lvl3pPr>
-            <a:lvl4pPr marL="2438339" marR="0" lvl="3" indent="-423323" algn="l" rtl="0">
-              <a:spcBef>
-                <a:spcPts val="373"/>
-              </a:spcBef>
-              <a:spcAft>
-                <a:spcPts val="0"/>
-              </a:spcAft>
-              <a:buClr>
-                <a:schemeClr val="dk1"/>
-              </a:buClr>
-              <a:buSzPts val="1400"/>
-              <a:buFont typeface="Arial"/>
-              <a:buChar char="–"/>
-              <a:defRPr sz="1867" b="0" i="0" u="none" strike="noStrike" cap="none">
-                <a:solidFill>
-                  <a:schemeClr val="dk1"/>
-                </a:solidFill>
-                <a:latin typeface="Arial"/>
-                <a:ea typeface="Arial"/>
-                <a:cs typeface="Arial"/>
-                <a:sym typeface="Arial"/>
-              </a:defRPr>
-            </a:lvl4pPr>
-            <a:lvl5pPr marL="3047924" marR="0" lvl="4" indent="-389457" algn="l" rtl="0">
-              <a:spcBef>
-                <a:spcPts val="267"/>
-              </a:spcBef>
-              <a:spcAft>
-                <a:spcPts val="0"/>
-              </a:spcAft>
-              <a:buClr>
-                <a:schemeClr val="dk1"/>
-              </a:buClr>
-              <a:buSzPts val="1000"/>
-              <a:buFont typeface="Arial"/>
-              <a:buChar char="»"/>
-              <a:defRPr sz="1333" b="0" i="0" u="none" strike="noStrike" cap="none">
-                <a:solidFill>
-                  <a:schemeClr val="dk1"/>
-                </a:solidFill>
-                <a:latin typeface="Arial"/>
-                <a:ea typeface="Arial"/>
-                <a:cs typeface="Arial"/>
-                <a:sym typeface="Arial"/>
-              </a:defRPr>
-            </a:lvl5pPr>
-            <a:lvl6pPr marL="3657509" marR="0" lvl="5" indent="-474121" algn="l" rtl="0">
-              <a:spcBef>
-                <a:spcPts val="533"/>
-              </a:spcBef>
-              <a:spcAft>
-                <a:spcPts val="0"/>
-              </a:spcAft>
-              <a:buClr>
-                <a:schemeClr val="dk1"/>
-              </a:buClr>
-              <a:buSzPts val="2000"/>
-              <a:buFont typeface="Arial"/>
-              <a:buChar char="•"/>
-              <a:defRPr sz="2667" b="0" i="0" u="none" strike="noStrike" cap="none">
-                <a:solidFill>
-                  <a:schemeClr val="dk1"/>
-                </a:solidFill>
-                <a:latin typeface="Calibri"/>
-                <a:ea typeface="Calibri"/>
-                <a:cs typeface="Calibri"/>
-                <a:sym typeface="Calibri"/>
-              </a:defRPr>
-            </a:lvl6pPr>
-            <a:lvl7pPr marL="4267093" marR="0" lvl="6" indent="-474121" algn="l" rtl="0">
-              <a:spcBef>
-                <a:spcPts val="533"/>
-              </a:spcBef>
-              <a:spcAft>
-                <a:spcPts val="0"/>
-              </a:spcAft>
-              <a:buClr>
-                <a:schemeClr val="dk1"/>
-              </a:buClr>
-              <a:buSzPts val="2000"/>
-              <a:buFont typeface="Arial"/>
-              <a:buChar char="•"/>
-              <a:defRPr sz="2667" b="0" i="0" u="none" strike="noStrike" cap="none">
-                <a:solidFill>
-                  <a:schemeClr val="dk1"/>
-                </a:solidFill>
-                <a:latin typeface="Calibri"/>
-                <a:ea typeface="Calibri"/>
-                <a:cs typeface="Calibri"/>
-                <a:sym typeface="Calibri"/>
-              </a:defRPr>
-            </a:lvl7pPr>
-            <a:lvl8pPr marL="4876678" marR="0" lvl="7" indent="-474121" algn="l" rtl="0">
-              <a:spcBef>
-                <a:spcPts val="533"/>
-              </a:spcBef>
-              <a:spcAft>
-                <a:spcPts val="0"/>
-              </a:spcAft>
-              <a:buClr>
-                <a:schemeClr val="dk1"/>
-              </a:buClr>
-              <a:buSzPts val="2000"/>
-              <a:buFont typeface="Arial"/>
-              <a:buChar char="•"/>
-              <a:defRPr sz="2667" b="0" i="0" u="none" strike="noStrike" cap="none">
-                <a:solidFill>
-                  <a:schemeClr val="dk1"/>
-                </a:solidFill>
-                <a:latin typeface="Calibri"/>
-                <a:ea typeface="Calibri"/>
-                <a:cs typeface="Calibri"/>
-                <a:sym typeface="Calibri"/>
-              </a:defRPr>
-            </a:lvl8pPr>
-            <a:lvl9pPr marL="5486263" marR="0" lvl="8" indent="-474121" algn="l" rtl="0">
-              <a:spcBef>
-                <a:spcPts val="533"/>
-              </a:spcBef>
-              <a:spcAft>
-                <a:spcPts val="0"/>
-              </a:spcAft>
-              <a:buClr>
-                <a:schemeClr val="dk1"/>
-              </a:buClr>
-              <a:buSzPts val="2000"/>
-              <a:buFont typeface="Arial"/>
-              <a:buChar char="•"/>
-              <a:defRPr sz="2667" b="0" i="0" u="none" strike="noStrike" cap="none">
-                <a:solidFill>
-                  <a:schemeClr val="dk1"/>
-                </a:solidFill>
-                <a:latin typeface="Calibri"/>
-                <a:ea typeface="Calibri"/>
-                <a:cs typeface="Calibri"/>
-                <a:sym typeface="Calibri"/>
-              </a:defRPr>
-            </a:lvl9pPr>
-          </a:lstStyle>
-          <a:p>
-            <a:endParaRPr/>
-          </a:p>
-        </p:txBody>
-      </p:sp>
-      <p:sp>
-        <p:nvSpPr>
-          <p:cNvPr id="72" name="Google Shape;72;p10"/>
-          <p:cNvSpPr txBox="1">
-            <a:spLocks noGrp="1"/>
-          </p:cNvSpPr>
-          <p:nvPr>
-            <p:ph type="dt" idx="10"/>
-          </p:nvPr>
-        </p:nvSpPr>
-        <p:spPr>
-          <a:xfrm>
-            <a:off x="609600" y="6356351"/>
-            <a:ext cx="2844800" cy="365200"/>
-          </a:xfrm>
-          <a:prstGeom prst="rect">
-            <a:avLst/>
-          </a:prstGeom>
-          <a:noFill/>
-          <a:ln>
-            <a:noFill/>
-          </a:ln>
-        </p:spPr>
-        <p:txBody>
-          <a:bodyPr spcFirstLastPara="1" wrap="square" lIns="91425" tIns="91425" rIns="91425" bIns="91425" anchor="ctr" anchorCtr="0">
-            <a:noAutofit/>
-          </a:bodyPr>
-          <a:lstStyle>
-            <a:lvl1pPr marL="0" marR="0" lvl="0" indent="0" algn="l" rtl="0">
-              <a:spcBef>
-                <a:spcPts val="0"/>
-              </a:spcBef>
-              <a:spcAft>
-                <a:spcPts val="0"/>
-              </a:spcAft>
-              <a:buSzPts val="1400"/>
-              <a:buNone/>
-              <a:defRPr sz="1600">
-                <a:solidFill>
-                  <a:srgbClr val="888888"/>
-                </a:solidFill>
-                <a:latin typeface="Arial"/>
-                <a:ea typeface="Arial"/>
-                <a:cs typeface="Arial"/>
-                <a:sym typeface="Arial"/>
-              </a:defRPr>
-            </a:lvl1pPr>
-            <a:lvl2pPr marL="609585" marR="0" lvl="1" indent="0" algn="l" rtl="0">
-              <a:spcBef>
-                <a:spcPts val="0"/>
-              </a:spcBef>
-              <a:spcAft>
-                <a:spcPts val="0"/>
-              </a:spcAft>
-              <a:buSzPts val="1400"/>
-              <a:buNone/>
-              <a:defRPr sz="2400" b="0" i="0" u="none" strike="noStrike" cap="none">
-                <a:solidFill>
-                  <a:schemeClr val="dk1"/>
-                </a:solidFill>
-                <a:latin typeface="Calibri"/>
-                <a:ea typeface="Calibri"/>
-                <a:cs typeface="Calibri"/>
-                <a:sym typeface="Calibri"/>
-              </a:defRPr>
-            </a:lvl2pPr>
-            <a:lvl3pPr marL="1219170" marR="0" lvl="2" indent="0" algn="l" rtl="0">
-              <a:spcBef>
-                <a:spcPts val="0"/>
-              </a:spcBef>
-              <a:spcAft>
-                <a:spcPts val="0"/>
-              </a:spcAft>
-              <a:buSzPts val="1400"/>
-              <a:buNone/>
-              <a:defRPr sz="2400" b="0" i="0" u="none" strike="noStrike" cap="none">
-                <a:solidFill>
-                  <a:schemeClr val="dk1"/>
-                </a:solidFill>
-                <a:latin typeface="Calibri"/>
-                <a:ea typeface="Calibri"/>
-                <a:cs typeface="Calibri"/>
-                <a:sym typeface="Calibri"/>
-              </a:defRPr>
-            </a:lvl3pPr>
-            <a:lvl4pPr marL="1828754" marR="0" lvl="3" indent="0" algn="l" rtl="0">
-              <a:spcBef>
-                <a:spcPts val="0"/>
-              </a:spcBef>
-              <a:spcAft>
-                <a:spcPts val="0"/>
-              </a:spcAft>
-              <a:buSzPts val="1400"/>
-              <a:buNone/>
-              <a:defRPr sz="2400" b="0" i="0" u="none" strike="noStrike" cap="none">
-                <a:solidFill>
-                  <a:schemeClr val="dk1"/>
-                </a:solidFill>
-                <a:latin typeface="Calibri"/>
-                <a:ea typeface="Calibri"/>
-                <a:cs typeface="Calibri"/>
-                <a:sym typeface="Calibri"/>
-              </a:defRPr>
-            </a:lvl4pPr>
-            <a:lvl5pPr marL="2438339" marR="0" lvl="4" indent="0" algn="l" rtl="0">
-              <a:spcBef>
-                <a:spcPts val="0"/>
-              </a:spcBef>
-              <a:spcAft>
-                <a:spcPts val="0"/>
-              </a:spcAft>
-              <a:buSzPts val="1400"/>
-              <a:buNone/>
-              <a:defRPr sz="2400" b="0" i="0" u="none" strike="noStrike" cap="none">
-                <a:solidFill>
-                  <a:schemeClr val="dk1"/>
-                </a:solidFill>
-                <a:latin typeface="Calibri"/>
-                <a:ea typeface="Calibri"/>
-                <a:cs typeface="Calibri"/>
-                <a:sym typeface="Calibri"/>
-              </a:defRPr>
-            </a:lvl5pPr>
-            <a:lvl6pPr marL="3047924" marR="0" lvl="5" indent="0" algn="l" rtl="0">
-              <a:spcBef>
-                <a:spcPts val="0"/>
-              </a:spcBef>
-              <a:spcAft>
-                <a:spcPts val="0"/>
-              </a:spcAft>
-              <a:buSzPts val="1400"/>
-              <a:buNone/>
-              <a:defRPr sz="2400" b="0" i="0" u="none" strike="noStrike" cap="none">
-                <a:solidFill>
-                  <a:schemeClr val="dk1"/>
-                </a:solidFill>
-                <a:latin typeface="Calibri"/>
-                <a:ea typeface="Calibri"/>
-                <a:cs typeface="Calibri"/>
-                <a:sym typeface="Calibri"/>
-              </a:defRPr>
-            </a:lvl6pPr>
-            <a:lvl7pPr marL="3657509" marR="0" lvl="6" indent="0" algn="l" rtl="0">
-              <a:spcBef>
-                <a:spcPts val="0"/>
-              </a:spcBef>
-              <a:spcAft>
-                <a:spcPts val="0"/>
-              </a:spcAft>
-              <a:buSzPts val="1400"/>
-              <a:buNone/>
-              <a:defRPr sz="2400" b="0" i="0" u="none" strike="noStrike" cap="none">
-                <a:solidFill>
-                  <a:schemeClr val="dk1"/>
-                </a:solidFill>
-                <a:latin typeface="Calibri"/>
-                <a:ea typeface="Calibri"/>
-                <a:cs typeface="Calibri"/>
-                <a:sym typeface="Calibri"/>
-              </a:defRPr>
-            </a:lvl7pPr>
-            <a:lvl8pPr marL="4267093" marR="0" lvl="7" indent="0" algn="l" rtl="0">
-              <a:spcBef>
-                <a:spcPts val="0"/>
-              </a:spcBef>
-              <a:spcAft>
-                <a:spcPts val="0"/>
-              </a:spcAft>
-              <a:buSzPts val="1400"/>
-              <a:buNone/>
-              <a:defRPr sz="2400" b="0" i="0" u="none" strike="noStrike" cap="none">
-                <a:solidFill>
-                  <a:schemeClr val="dk1"/>
-                </a:solidFill>
-                <a:latin typeface="Calibri"/>
-                <a:ea typeface="Calibri"/>
-                <a:cs typeface="Calibri"/>
-                <a:sym typeface="Calibri"/>
-              </a:defRPr>
-            </a:lvl8pPr>
-            <a:lvl9pPr marL="4876678" marR="0" lvl="8" indent="0" algn="l" rtl="0">
-              <a:spcBef>
-                <a:spcPts val="0"/>
-              </a:spcBef>
-              <a:spcAft>
-                <a:spcPts val="0"/>
-              </a:spcAft>
-              <a:buSzPts val="1400"/>
-              <a:buNone/>
-              <a:defRPr sz="2400" b="0" i="0" u="none" strike="noStrike" cap="none">
-                <a:solidFill>
-                  <a:schemeClr val="dk1"/>
-                </a:solidFill>
-                <a:latin typeface="Calibri"/>
-                <a:ea typeface="Calibri"/>
-                <a:cs typeface="Calibri"/>
-                <a:sym typeface="Calibri"/>
-              </a:defRPr>
-            </a:lvl9pPr>
-          </a:lstStyle>
-          <a:p>
-            <a:endParaRPr/>
-          </a:p>
-        </p:txBody>
-      </p:sp>
-      <p:sp>
-        <p:nvSpPr>
-          <p:cNvPr id="73" name="Google Shape;73;p10"/>
-          <p:cNvSpPr txBox="1">
-            <a:spLocks noGrp="1"/>
-          </p:cNvSpPr>
-          <p:nvPr>
-            <p:ph type="ftr" idx="11"/>
-          </p:nvPr>
-        </p:nvSpPr>
-        <p:spPr>
-          <a:xfrm>
-            <a:off x="4165600" y="6356351"/>
-            <a:ext cx="3860800" cy="365200"/>
-          </a:xfrm>
-          <a:prstGeom prst="rect">
-            <a:avLst/>
-          </a:prstGeom>
-          <a:noFill/>
-          <a:ln>
-            <a:noFill/>
-          </a:ln>
-        </p:spPr>
-        <p:txBody>
-          <a:bodyPr spcFirstLastPara="1" wrap="square" lIns="91425" tIns="91425" rIns="91425" bIns="91425" anchor="ctr" anchorCtr="0">
-            <a:noAutofit/>
-          </a:bodyPr>
-          <a:lstStyle>
-            <a:lvl1pPr marL="0" marR="0" lvl="0" indent="0" algn="ctr" rtl="0">
-              <a:spcBef>
-                <a:spcPts val="0"/>
-              </a:spcBef>
-              <a:spcAft>
-                <a:spcPts val="0"/>
-              </a:spcAft>
-              <a:buSzPts val="1400"/>
-              <a:buNone/>
-              <a:defRPr sz="1600">
-                <a:solidFill>
-                  <a:srgbClr val="888888"/>
-                </a:solidFill>
-                <a:latin typeface="Arial"/>
-                <a:ea typeface="Arial"/>
-                <a:cs typeface="Arial"/>
-                <a:sym typeface="Arial"/>
-              </a:defRPr>
-            </a:lvl1pPr>
-            <a:lvl2pPr marL="609585" marR="0" lvl="1" indent="0" algn="l" rtl="0">
-              <a:spcBef>
-                <a:spcPts val="0"/>
-              </a:spcBef>
-              <a:spcAft>
-                <a:spcPts val="0"/>
-              </a:spcAft>
-              <a:buSzPts val="1400"/>
-              <a:buNone/>
-              <a:defRPr sz="2400" b="0" i="0" u="none" strike="noStrike" cap="none">
-                <a:solidFill>
-                  <a:schemeClr val="dk1"/>
-                </a:solidFill>
-                <a:latin typeface="Calibri"/>
-                <a:ea typeface="Calibri"/>
-                <a:cs typeface="Calibri"/>
-                <a:sym typeface="Calibri"/>
-              </a:defRPr>
-            </a:lvl2pPr>
-            <a:lvl3pPr marL="1219170" marR="0" lvl="2" indent="0" algn="l" rtl="0">
-              <a:spcBef>
-                <a:spcPts val="0"/>
-              </a:spcBef>
-              <a:spcAft>
-                <a:spcPts val="0"/>
-              </a:spcAft>
-              <a:buSzPts val="1400"/>
-              <a:buNone/>
-              <a:defRPr sz="2400" b="0" i="0" u="none" strike="noStrike" cap="none">
-                <a:solidFill>
-                  <a:schemeClr val="dk1"/>
-                </a:solidFill>
-                <a:latin typeface="Calibri"/>
-                <a:ea typeface="Calibri"/>
-                <a:cs typeface="Calibri"/>
-                <a:sym typeface="Calibri"/>
-              </a:defRPr>
-            </a:lvl3pPr>
-            <a:lvl4pPr marL="1828754" marR="0" lvl="3" indent="0" algn="l" rtl="0">
-              <a:spcBef>
-                <a:spcPts val="0"/>
-              </a:spcBef>
-              <a:spcAft>
-                <a:spcPts val="0"/>
-              </a:spcAft>
-              <a:buSzPts val="1400"/>
-              <a:buNone/>
-              <a:defRPr sz="2400" b="0" i="0" u="none" strike="noStrike" cap="none">
-                <a:solidFill>
-                  <a:schemeClr val="dk1"/>
-                </a:solidFill>
-                <a:latin typeface="Calibri"/>
-                <a:ea typeface="Calibri"/>
-                <a:cs typeface="Calibri"/>
-                <a:sym typeface="Calibri"/>
-              </a:defRPr>
-            </a:lvl4pPr>
-            <a:lvl5pPr marL="2438339" marR="0" lvl="4" indent="0" algn="l" rtl="0">
-              <a:spcBef>
-                <a:spcPts val="0"/>
-              </a:spcBef>
-              <a:spcAft>
-                <a:spcPts val="0"/>
-              </a:spcAft>
-              <a:buSzPts val="1400"/>
-              <a:buNone/>
-              <a:defRPr sz="2400" b="0" i="0" u="none" strike="noStrike" cap="none">
-                <a:solidFill>
-                  <a:schemeClr val="dk1"/>
-                </a:solidFill>
-                <a:latin typeface="Calibri"/>
-                <a:ea typeface="Calibri"/>
-                <a:cs typeface="Calibri"/>
-                <a:sym typeface="Calibri"/>
-              </a:defRPr>
-            </a:lvl5pPr>
-            <a:lvl6pPr marL="3047924" marR="0" lvl="5" indent="0" algn="l" rtl="0">
-              <a:spcBef>
-                <a:spcPts val="0"/>
-              </a:spcBef>
-              <a:spcAft>
-                <a:spcPts val="0"/>
-              </a:spcAft>
-              <a:buSzPts val="1400"/>
-              <a:buNone/>
-              <a:defRPr sz="2400" b="0" i="0" u="none" strike="noStrike" cap="none">
-                <a:solidFill>
-                  <a:schemeClr val="dk1"/>
-                </a:solidFill>
-                <a:latin typeface="Calibri"/>
-                <a:ea typeface="Calibri"/>
-                <a:cs typeface="Calibri"/>
-                <a:sym typeface="Calibri"/>
-              </a:defRPr>
-            </a:lvl6pPr>
-            <a:lvl7pPr marL="3657509" marR="0" lvl="6" indent="0" algn="l" rtl="0">
-              <a:spcBef>
-                <a:spcPts val="0"/>
-              </a:spcBef>
-              <a:spcAft>
-                <a:spcPts val="0"/>
-              </a:spcAft>
-              <a:buSzPts val="1400"/>
-              <a:buNone/>
-              <a:defRPr sz="2400" b="0" i="0" u="none" strike="noStrike" cap="none">
-                <a:solidFill>
-                  <a:schemeClr val="dk1"/>
-                </a:solidFill>
-                <a:latin typeface="Calibri"/>
-                <a:ea typeface="Calibri"/>
-                <a:cs typeface="Calibri"/>
-                <a:sym typeface="Calibri"/>
-              </a:defRPr>
-            </a:lvl7pPr>
-            <a:lvl8pPr marL="4267093" marR="0" lvl="7" indent="0" algn="l" rtl="0">
-              <a:spcBef>
-                <a:spcPts val="0"/>
-              </a:spcBef>
-              <a:spcAft>
-                <a:spcPts val="0"/>
-              </a:spcAft>
-              <a:buSzPts val="1400"/>
-              <a:buNone/>
-              <a:defRPr sz="2400" b="0" i="0" u="none" strike="noStrike" cap="none">
-                <a:solidFill>
-                  <a:schemeClr val="dk1"/>
-                </a:solidFill>
-                <a:latin typeface="Calibri"/>
-                <a:ea typeface="Calibri"/>
-                <a:cs typeface="Calibri"/>
-                <a:sym typeface="Calibri"/>
-              </a:defRPr>
-            </a:lvl8pPr>
-            <a:lvl9pPr marL="4876678" marR="0" lvl="8" indent="0" algn="l" rtl="0">
-              <a:spcBef>
-                <a:spcPts val="0"/>
-              </a:spcBef>
-              <a:spcAft>
-                <a:spcPts val="0"/>
-              </a:spcAft>
-              <a:buSzPts val="1400"/>
-              <a:buNone/>
-              <a:defRPr sz="2400" b="0" i="0" u="none" strike="noStrike" cap="none">
-                <a:solidFill>
-                  <a:schemeClr val="dk1"/>
-                </a:solidFill>
-                <a:latin typeface="Calibri"/>
-                <a:ea typeface="Calibri"/>
-                <a:cs typeface="Calibri"/>
-                <a:sym typeface="Calibri"/>
-              </a:defRPr>
-            </a:lvl9pPr>
-          </a:lstStyle>
-          <a:p>
-            <a:endParaRPr/>
-          </a:p>
-        </p:txBody>
-      </p:sp>
-      <p:sp>
-        <p:nvSpPr>
-          <p:cNvPr id="74" name="Google Shape;74;p10"/>
-          <p:cNvSpPr txBox="1">
-            <a:spLocks noGrp="1"/>
-          </p:cNvSpPr>
-          <p:nvPr>
-            <p:ph type="sldNum" idx="12"/>
-          </p:nvPr>
-        </p:nvSpPr>
-        <p:spPr>
-          <a:xfrm>
-            <a:off x="9347200" y="92011"/>
-            <a:ext cx="2844800" cy="612400"/>
-          </a:xfrm>
-          <a:prstGeom prst="rect">
-            <a:avLst/>
-          </a:prstGeom>
-          <a:noFill/>
-          <a:ln>
-            <a:noFill/>
-          </a:ln>
-        </p:spPr>
-        <p:txBody>
-          <a:bodyPr spcFirstLastPara="1" wrap="square" lIns="91425" tIns="45700" rIns="91425" bIns="45700" anchor="ctr" anchorCtr="0">
-            <a:noAutofit/>
-          </a:bodyPr>
-          <a:lstStyle>
-            <a:lvl1pPr marL="0" marR="0" lvl="0" indent="0" algn="r" rtl="0">
-              <a:spcBef>
-                <a:spcPts val="0"/>
-              </a:spcBef>
-              <a:spcAft>
-                <a:spcPts val="0"/>
-              </a:spcAft>
-              <a:buNone/>
-              <a:defRPr sz="1600">
-                <a:solidFill>
-                  <a:srgbClr val="FFFFFF"/>
-                </a:solidFill>
-              </a:defRPr>
-            </a:lvl1pPr>
-            <a:lvl2pPr marL="0" marR="0" lvl="1" indent="0" algn="r" rtl="0">
-              <a:spcBef>
-                <a:spcPts val="0"/>
-              </a:spcBef>
-              <a:spcAft>
-                <a:spcPts val="0"/>
-              </a:spcAft>
-              <a:buNone/>
-              <a:defRPr sz="1600">
-                <a:solidFill>
-                  <a:srgbClr val="FFFFFF"/>
-                </a:solidFill>
-              </a:defRPr>
-            </a:lvl2pPr>
-            <a:lvl3pPr marL="0" marR="0" lvl="2" indent="0" algn="r" rtl="0">
-              <a:spcBef>
-                <a:spcPts val="0"/>
-              </a:spcBef>
-              <a:spcAft>
-                <a:spcPts val="0"/>
-              </a:spcAft>
-              <a:buNone/>
-              <a:defRPr sz="1600">
-                <a:solidFill>
-                  <a:srgbClr val="FFFFFF"/>
-                </a:solidFill>
-              </a:defRPr>
-            </a:lvl3pPr>
-            <a:lvl4pPr marL="0" marR="0" lvl="3" indent="0" algn="r" rtl="0">
-              <a:spcBef>
-                <a:spcPts val="0"/>
-              </a:spcBef>
-              <a:spcAft>
-                <a:spcPts val="0"/>
-              </a:spcAft>
-              <a:buNone/>
-              <a:defRPr sz="1600">
-                <a:solidFill>
-                  <a:srgbClr val="FFFFFF"/>
-                </a:solidFill>
-              </a:defRPr>
-            </a:lvl4pPr>
-            <a:lvl5pPr marL="0" marR="0" lvl="4" indent="0" algn="r" rtl="0">
-              <a:spcBef>
-                <a:spcPts val="0"/>
-              </a:spcBef>
-              <a:spcAft>
-                <a:spcPts val="0"/>
-              </a:spcAft>
-              <a:buNone/>
-              <a:defRPr sz="1600">
-                <a:solidFill>
-                  <a:srgbClr val="FFFFFF"/>
-                </a:solidFill>
-              </a:defRPr>
-            </a:lvl5pPr>
-            <a:lvl6pPr marL="0" marR="0" lvl="5" indent="0" algn="r" rtl="0">
-              <a:spcBef>
-                <a:spcPts val="0"/>
-              </a:spcBef>
-              <a:spcAft>
-                <a:spcPts val="0"/>
-              </a:spcAft>
-              <a:buNone/>
-              <a:defRPr sz="1600">
-                <a:solidFill>
-                  <a:srgbClr val="FFFFFF"/>
-                </a:solidFill>
-              </a:defRPr>
-            </a:lvl6pPr>
-            <a:lvl7pPr marL="0" marR="0" lvl="6" indent="0" algn="r" rtl="0">
-              <a:spcBef>
-                <a:spcPts val="0"/>
-              </a:spcBef>
-              <a:spcAft>
-                <a:spcPts val="0"/>
-              </a:spcAft>
-              <a:buNone/>
-              <a:defRPr sz="1600">
-                <a:solidFill>
-                  <a:srgbClr val="FFFFFF"/>
-                </a:solidFill>
-              </a:defRPr>
-            </a:lvl7pPr>
-            <a:lvl8pPr marL="0" marR="0" lvl="7" indent="0" algn="r" rtl="0">
-              <a:spcBef>
-                <a:spcPts val="0"/>
-              </a:spcBef>
-              <a:spcAft>
-                <a:spcPts val="0"/>
-              </a:spcAft>
-              <a:buNone/>
-              <a:defRPr sz="1600">
-                <a:solidFill>
-                  <a:srgbClr val="FFFFFF"/>
-                </a:solidFill>
-              </a:defRPr>
-            </a:lvl8pPr>
-            <a:lvl9pPr marL="0" marR="0" lvl="8" indent="0" algn="r" rtl="0">
-              <a:spcBef>
-                <a:spcPts val="0"/>
-              </a:spcBef>
-              <a:spcAft>
-                <a:spcPts val="0"/>
-              </a:spcAft>
-              <a:buNone/>
-              <a:defRPr sz="1600">
-                <a:solidFill>
-                  <a:srgbClr val="FFFFFF"/>
-                </a:solidFill>
-              </a:defRPr>
-            </a:lvl9pPr>
-          </a:lstStyle>
-          <a:p>
-            <a:fld id="{00000000-1234-1234-1234-123412341234}" type="slidenum">
-              <a:rPr lang="en" smtClean="0"/>
-              <a:pPr/>
-              <a:t>‹#›</a:t>
-            </a:fld>
-            <a:endParaRPr lang="en"/>
-          </a:p>
-        </p:txBody>
-      </p:sp>
-    </p:spTree>
-    <p:extLst>
-      <p:ext uri="{BB962C8B-B14F-4D97-AF65-F5344CB8AC3E}">
-        <p14:creationId xmlns:p14="http://schemas.microsoft.com/office/powerpoint/2010/main" val="3058462547"/>
-      </p:ext>
-    </p:extLst>
-  </p:cSld>
-  <p:clrMapOvr>
-    <a:masterClrMapping/>
-  </p:clrMapOvr>
-</p:sldLayout>
-</file>
-
 <file path=ppt/slideMasters/slideMaster1.xml><?xml version="1.0" encoding="utf-8"?>
 <p:sldMaster xmlns:a="http://schemas.openxmlformats.org/drawingml/2006/main" xmlns:r="http://schemas.openxmlformats.org/officeDocument/2006/relationships" xmlns:p="http://schemas.openxmlformats.org/presentationml/2006/main">
   <p:cSld>
@@ -6628,7 +5575,7 @@
           <p:nvPr userDrawn="1"/>
         </p:nvPicPr>
         <p:blipFill>
-          <a:blip r:embed="rId11"/>
+          <a:blip r:embed="rId10"/>
           <a:stretch>
             <a:fillRect/>
           </a:stretch>
@@ -6658,7 +5605,7 @@
           <p:nvPr userDrawn="1"/>
         </p:nvPicPr>
         <p:blipFill>
-          <a:blip r:embed="rId12"/>
+          <a:blip r:embed="rId11"/>
           <a:stretch>
             <a:fillRect/>
           </a:stretch>
@@ -6690,7 +5637,6 @@
     <p:sldLayoutId id="2147483656" r:id="rId6"/>
     <p:sldLayoutId id="2147483662" r:id="rId7"/>
     <p:sldLayoutId id="2147483661" r:id="rId8"/>
-    <p:sldLayoutId id="2147483667" r:id="rId9"/>
   </p:sldLayoutIdLst>
   <p:txStyles>
     <p:titleStyle>
@@ -7244,30 +6190,6 @@
               </a:rPr>
               <a:t>Assistant Professor, GCCIS, RIT</a:t>
             </a:r>
-          </a:p>
-          <a:p>
-            <a:pPr marL="0" indent="0" algn="ctr">
-              <a:buNone/>
-            </a:pPr>
-            <a:r>
-              <a:rPr lang="en-US" sz="1800" dirty="0">
-                <a:solidFill>
-                  <a:schemeClr val="tx1">
-                    <a:lumMod val="50000"/>
-                    <a:lumOff val="50000"/>
-                  </a:schemeClr>
-                </a:solidFill>
-              </a:rPr>
-              <a:t>September 08, 2022</a:t>
-            </a:r>
-            <a:endParaRPr lang="en-US" sz="3200" dirty="0">
-              <a:solidFill>
-                <a:schemeClr val="tx1">
-                  <a:lumMod val="50000"/>
-                  <a:lumOff val="50000"/>
-                </a:schemeClr>
-              </a:solidFill>
-            </a:endParaRPr>
           </a:p>
         </p:txBody>
       </p:sp>
@@ -14873,67 +13795,6 @@
       <p:bldP spid="96" grpId="0"/>
     </p:bldLst>
   </p:timing>
-</p:sld>
-</file>
-
-<file path=ppt/slides/slide24.xml><?xml version="1.0" encoding="utf-8"?>
-<p:sld xmlns:a="http://schemas.openxmlformats.org/drawingml/2006/main" xmlns:r="http://schemas.openxmlformats.org/officeDocument/2006/relationships" xmlns:p="http://schemas.openxmlformats.org/presentationml/2006/main">
-  <p:cSld>
-    <p:spTree>
-      <p:nvGrpSpPr>
-        <p:cNvPr id="1" name=""/>
-        <p:cNvGrpSpPr/>
-        <p:nvPr/>
-      </p:nvGrpSpPr>
-      <p:grpSpPr>
-        <a:xfrm>
-          <a:off x="0" y="0"/>
-          <a:ext cx="0" cy="0"/>
-          <a:chOff x="0" y="0"/>
-          <a:chExt cx="0" cy="0"/>
-        </a:xfrm>
-      </p:grpSpPr>
-      <p:sp>
-        <p:nvSpPr>
-          <p:cNvPr id="3" name="Text Placeholder 2">
-            <a:extLst>
-              <a:ext uri="{FF2B5EF4-FFF2-40B4-BE49-F238E27FC236}">
-                <a16:creationId xmlns:a16="http://schemas.microsoft.com/office/drawing/2014/main" id="{E56EF9D8-F9CF-4472-9C2F-EC46482A8261}"/>
-              </a:ext>
-            </a:extLst>
-          </p:cNvPr>
-          <p:cNvSpPr>
-            <a:spLocks noGrp="1"/>
-          </p:cNvSpPr>
-          <p:nvPr>
-            <p:ph type="body" idx="1"/>
-          </p:nvPr>
-        </p:nvSpPr>
-        <p:spPr/>
-        <p:txBody>
-          <a:bodyPr/>
-          <a:lstStyle/>
-          <a:p>
-            <a:pPr marL="101598" indent="0" algn="ctr">
-              <a:buNone/>
-            </a:pPr>
-            <a:r>
-              <a:rPr lang="en-US" b="1" dirty="0"/>
-              <a:t>Open Floor</a:t>
-            </a:r>
-          </a:p>
-        </p:txBody>
-      </p:sp>
-    </p:spTree>
-    <p:extLst>
-      <p:ext uri="{BB962C8B-B14F-4D97-AF65-F5344CB8AC3E}">
-        <p14:creationId xmlns:p14="http://schemas.microsoft.com/office/powerpoint/2010/main" val="1884791787"/>
-      </p:ext>
-    </p:extLst>
-  </p:cSld>
-  <p:clrMapOvr>
-    <a:masterClrMapping/>
-  </p:clrMapOvr>
 </p:sld>
 </file>
 

--- a/Syllabus/Lecture05/Lec05.pptx
+++ b/Syllabus/Lecture05/Lec05.pptx
@@ -5,10 +5,10 @@
     <p:sldMasterId id="2147483664" r:id="rId1"/>
   </p:sldMasterIdLst>
   <p:notesMasterIdLst>
-    <p:notesMasterId r:id="rId25"/>
+    <p:notesMasterId r:id="rId24"/>
   </p:notesMasterIdLst>
   <p:handoutMasterIdLst>
-    <p:handoutMasterId r:id="rId26"/>
+    <p:handoutMasterId r:id="rId25"/>
   </p:handoutMasterIdLst>
   <p:sldIdLst>
     <p:sldId id="266" r:id="rId2"/>
@@ -31,9 +31,8 @@
     <p:sldId id="343" r:id="rId19"/>
     <p:sldId id="345" r:id="rId20"/>
     <p:sldId id="346" r:id="rId21"/>
-    <p:sldId id="352" r:id="rId22"/>
-    <p:sldId id="348" r:id="rId23"/>
-    <p:sldId id="349" r:id="rId24"/>
+    <p:sldId id="348" r:id="rId22"/>
+    <p:sldId id="349" r:id="rId23"/>
   </p:sldIdLst>
   <p:sldSz cx="12192000" cy="6858000"/>
   <p:notesSz cx="6858000" cy="9144000"/>
@@ -157,7 +156,6 @@
             <p14:sldId id="343"/>
             <p14:sldId id="345"/>
             <p14:sldId id="346"/>
-            <p14:sldId id="352"/>
             <p14:sldId id="348"/>
             <p14:sldId id="349"/>
           </p14:sldIdLst>
@@ -1820,10 +1818,7 @@
               </a:spcAft>
               <a:buNone/>
             </a:pPr>
-            <a:r>
-              <a:rPr lang="en-US" dirty="0"/>
-              <a:t>Hello World of machine learning.</a:t>
-            </a:r>
+            <a:endParaRPr lang="en-US" dirty="0"/>
           </a:p>
         </p:txBody>
       </p:sp>
@@ -2166,7 +2161,7 @@
     </p:spTree>
     <p:extLst>
       <p:ext uri="{BB962C8B-B14F-4D97-AF65-F5344CB8AC3E}">
-        <p14:creationId xmlns:p14="http://schemas.microsoft.com/office/powerpoint/2010/main" val="3445872300"/>
+        <p14:creationId xmlns:p14="http://schemas.microsoft.com/office/powerpoint/2010/main" val="3534599908"/>
       </p:ext>
     </p:extLst>
   </p:cSld>
@@ -2177,118 +2172,6 @@
 </file>
 
 <file path=ppt/notesSlides/notesSlide21.xml><?xml version="1.0" encoding="utf-8"?>
-<p:notes xmlns:a="http://schemas.openxmlformats.org/drawingml/2006/main" xmlns:r="http://schemas.openxmlformats.org/officeDocument/2006/relationships" xmlns:p="http://schemas.openxmlformats.org/presentationml/2006/main" showMasterSp="0" showMasterPhAnim="0">
-  <p:cSld>
-    <p:spTree>
-      <p:nvGrpSpPr>
-        <p:cNvPr id="1" name="Shape 91"/>
-        <p:cNvGrpSpPr/>
-        <p:nvPr/>
-      </p:nvGrpSpPr>
-      <p:grpSpPr>
-        <a:xfrm>
-          <a:off x="0" y="0"/>
-          <a:ext cx="0" cy="0"/>
-          <a:chOff x="0" y="0"/>
-          <a:chExt cx="0" cy="0"/>
-        </a:xfrm>
-      </p:grpSpPr>
-      <p:sp>
-        <p:nvSpPr>
-          <p:cNvPr id="92" name="Google Shape;92;g921be16503_9_0:notes"/>
-          <p:cNvSpPr>
-            <a:spLocks noGrp="1" noRot="1" noChangeAspect="1"/>
-          </p:cNvSpPr>
-          <p:nvPr>
-            <p:ph type="sldImg" idx="2"/>
-          </p:nvPr>
-        </p:nvSpPr>
-        <p:spPr>
-          <a:xfrm>
-            <a:off x="381000" y="685800"/>
-            <a:ext cx="6096000" cy="3429000"/>
-          </a:xfrm>
-          <a:custGeom>
-            <a:avLst/>
-            <a:gdLst/>
-            <a:ahLst/>
-            <a:cxnLst/>
-            <a:rect l="l" t="t" r="r" b="b"/>
-            <a:pathLst>
-              <a:path w="120000" h="120000" extrusionOk="0">
-                <a:moveTo>
-                  <a:pt x="0" y="0"/>
-                </a:moveTo>
-                <a:lnTo>
-                  <a:pt x="120000" y="0"/>
-                </a:lnTo>
-                <a:lnTo>
-                  <a:pt x="120000" y="120000"/>
-                </a:lnTo>
-                <a:lnTo>
-                  <a:pt x="0" y="120000"/>
-                </a:lnTo>
-                <a:close/>
-              </a:path>
-            </a:pathLst>
-          </a:custGeom>
-        </p:spPr>
-      </p:sp>
-      <p:sp>
-        <p:nvSpPr>
-          <p:cNvPr id="93" name="Google Shape;93;g921be16503_9_0:notes"/>
-          <p:cNvSpPr txBox="1">
-            <a:spLocks noGrp="1"/>
-          </p:cNvSpPr>
-          <p:nvPr>
-            <p:ph type="body" idx="1"/>
-          </p:nvPr>
-        </p:nvSpPr>
-        <p:spPr>
-          <a:xfrm>
-            <a:off x="685800" y="4343400"/>
-            <a:ext cx="5486400" cy="4114800"/>
-          </a:xfrm>
-          <a:prstGeom prst="rect">
-            <a:avLst/>
-          </a:prstGeom>
-        </p:spPr>
-        <p:txBody>
-          <a:bodyPr spcFirstLastPara="1" wrap="square" lIns="91425" tIns="91425" rIns="91425" bIns="91425" anchor="t" anchorCtr="0">
-            <a:noAutofit/>
-          </a:bodyPr>
-          <a:lstStyle/>
-          <a:p>
-            <a:pPr marL="0" lvl="0" indent="0" algn="l" rtl="0">
-              <a:spcBef>
-                <a:spcPts val="0"/>
-              </a:spcBef>
-              <a:spcAft>
-                <a:spcPts val="0"/>
-              </a:spcAft>
-              <a:buNone/>
-            </a:pPr>
-            <a:r>
-              <a:rPr lang="en-US" dirty="0"/>
-              <a:t>Hello World of machine learning.</a:t>
-            </a:r>
-          </a:p>
-        </p:txBody>
-      </p:sp>
-    </p:spTree>
-    <p:extLst>
-      <p:ext uri="{BB962C8B-B14F-4D97-AF65-F5344CB8AC3E}">
-        <p14:creationId xmlns:p14="http://schemas.microsoft.com/office/powerpoint/2010/main" val="3534599908"/>
-      </p:ext>
-    </p:extLst>
-  </p:cSld>
-  <p:clrMapOvr>
-    <a:masterClrMapping/>
-  </p:clrMapOvr>
-</p:notes>
-</file>
-
-<file path=ppt/notesSlides/notesSlide22.xml><?xml version="1.0" encoding="utf-8"?>
 <p:notes xmlns:a="http://schemas.openxmlformats.org/drawingml/2006/main" xmlns:r="http://schemas.openxmlformats.org/officeDocument/2006/relationships" xmlns:p="http://schemas.openxmlformats.org/presentationml/2006/main" showMasterSp="0" showMasterPhAnim="0">
   <p:cSld>
     <p:spTree>
@@ -7377,231 +7260,6 @@
   <p:clrMapOvr>
     <a:masterClrMapping/>
   </p:clrMapOvr>
-  <p:timing>
-    <p:tnLst>
-      <p:par>
-        <p:cTn id="1" dur="indefinite" restart="never" nodeType="tmRoot">
-          <p:childTnLst>
-            <p:seq concurrent="1" nextAc="seek">
-              <p:cTn id="2" dur="indefinite" nodeType="mainSeq">
-                <p:childTnLst>
-                  <p:par>
-                    <p:cTn id="3" fill="hold">
-                      <p:stCondLst>
-                        <p:cond delay="indefinite"/>
-                      </p:stCondLst>
-                      <p:childTnLst>
-                        <p:par>
-                          <p:cTn id="4" fill="hold">
-                            <p:stCondLst>
-                              <p:cond delay="0"/>
-                            </p:stCondLst>
-                            <p:childTnLst>
-                              <p:par>
-                                <p:cTn id="5" presetID="1" presetClass="entr" presetSubtype="0" fill="hold" grpId="0" nodeType="clickEffect">
-                                  <p:stCondLst>
-                                    <p:cond delay="0"/>
-                                  </p:stCondLst>
-                                  <p:childTnLst>
-                                    <p:set>
-                                      <p:cBhvr>
-                                        <p:cTn id="6" dur="1" fill="hold">
-                                          <p:stCondLst>
-                                            <p:cond delay="0"/>
-                                          </p:stCondLst>
-                                        </p:cTn>
-                                        <p:tgtEl>
-                                          <p:spTgt spid="96"/>
-                                        </p:tgtEl>
-                                        <p:attrNameLst>
-                                          <p:attrName>style.visibility</p:attrName>
-                                        </p:attrNameLst>
-                                      </p:cBhvr>
-                                      <p:to>
-                                        <p:strVal val="visible"/>
-                                      </p:to>
-                                    </p:set>
-                                  </p:childTnLst>
-                                </p:cTn>
-                              </p:par>
-                            </p:childTnLst>
-                          </p:cTn>
-                        </p:par>
-                      </p:childTnLst>
-                    </p:cTn>
-                  </p:par>
-                  <p:par>
-                    <p:cTn id="7" fill="hold">
-                      <p:stCondLst>
-                        <p:cond delay="indefinite"/>
-                      </p:stCondLst>
-                      <p:childTnLst>
-                        <p:par>
-                          <p:cTn id="8" fill="hold">
-                            <p:stCondLst>
-                              <p:cond delay="0"/>
-                            </p:stCondLst>
-                            <p:childTnLst>
-                              <p:par>
-                                <p:cTn id="9" presetID="1" presetClass="entr" presetSubtype="0" fill="hold" nodeType="clickEffect">
-                                  <p:stCondLst>
-                                    <p:cond delay="0"/>
-                                  </p:stCondLst>
-                                  <p:childTnLst>
-                                    <p:set>
-                                      <p:cBhvr>
-                                        <p:cTn id="10" dur="1" fill="hold">
-                                          <p:stCondLst>
-                                            <p:cond delay="0"/>
-                                          </p:stCondLst>
-                                        </p:cTn>
-                                        <p:tgtEl>
-                                          <p:spTgt spid="96">
-                                            <p:txEl>
-                                              <p:pRg st="0" end="0"/>
-                                            </p:txEl>
-                                          </p:spTgt>
-                                        </p:tgtEl>
-                                        <p:attrNameLst>
-                                          <p:attrName>style.visibility</p:attrName>
-                                        </p:attrNameLst>
-                                      </p:cBhvr>
-                                      <p:to>
-                                        <p:strVal val="visible"/>
-                                      </p:to>
-                                    </p:set>
-                                  </p:childTnLst>
-                                </p:cTn>
-                              </p:par>
-                            </p:childTnLst>
-                          </p:cTn>
-                        </p:par>
-                      </p:childTnLst>
-                    </p:cTn>
-                  </p:par>
-                  <p:par>
-                    <p:cTn id="11" fill="hold">
-                      <p:stCondLst>
-                        <p:cond delay="indefinite"/>
-                      </p:stCondLst>
-                      <p:childTnLst>
-                        <p:par>
-                          <p:cTn id="12" fill="hold">
-                            <p:stCondLst>
-                              <p:cond delay="0"/>
-                            </p:stCondLst>
-                            <p:childTnLst>
-                              <p:par>
-                                <p:cTn id="13" presetID="1" presetClass="entr" presetSubtype="0" fill="hold" nodeType="clickEffect">
-                                  <p:stCondLst>
-                                    <p:cond delay="0"/>
-                                  </p:stCondLst>
-                                  <p:childTnLst>
-                                    <p:set>
-                                      <p:cBhvr>
-                                        <p:cTn id="14" dur="1" fill="hold">
-                                          <p:stCondLst>
-                                            <p:cond delay="0"/>
-                                          </p:stCondLst>
-                                        </p:cTn>
-                                        <p:tgtEl>
-                                          <p:spTgt spid="96">
-                                            <p:txEl>
-                                              <p:pRg st="1" end="1"/>
-                                            </p:txEl>
-                                          </p:spTgt>
-                                        </p:tgtEl>
-                                        <p:attrNameLst>
-                                          <p:attrName>style.visibility</p:attrName>
-                                        </p:attrNameLst>
-                                      </p:cBhvr>
-                                      <p:to>
-                                        <p:strVal val="visible"/>
-                                      </p:to>
-                                    </p:set>
-                                  </p:childTnLst>
-                                </p:cTn>
-                              </p:par>
-                            </p:childTnLst>
-                          </p:cTn>
-                        </p:par>
-                      </p:childTnLst>
-                    </p:cTn>
-                  </p:par>
-                  <p:par>
-                    <p:cTn id="15" fill="hold">
-                      <p:stCondLst>
-                        <p:cond delay="indefinite"/>
-                      </p:stCondLst>
-                      <p:childTnLst>
-                        <p:par>
-                          <p:cTn id="16" fill="hold">
-                            <p:stCondLst>
-                              <p:cond delay="0"/>
-                            </p:stCondLst>
-                            <p:childTnLst>
-                              <p:par>
-                                <p:cTn id="17" presetID="1" presetClass="entr" presetSubtype="0" fill="hold" nodeType="clickEffect">
-                                  <p:stCondLst>
-                                    <p:cond delay="0"/>
-                                  </p:stCondLst>
-                                  <p:childTnLst>
-                                    <p:set>
-                                      <p:cBhvr>
-                                        <p:cTn id="18" dur="1" fill="hold">
-                                          <p:stCondLst>
-                                            <p:cond delay="0"/>
-                                          </p:stCondLst>
-                                        </p:cTn>
-                                        <p:tgtEl>
-                                          <p:spTgt spid="96">
-                                            <p:txEl>
-                                              <p:pRg st="2" end="2"/>
-                                            </p:txEl>
-                                          </p:spTgt>
-                                        </p:tgtEl>
-                                        <p:attrNameLst>
-                                          <p:attrName>style.visibility</p:attrName>
-                                        </p:attrNameLst>
-                                      </p:cBhvr>
-                                      <p:to>
-                                        <p:strVal val="visible"/>
-                                      </p:to>
-                                    </p:set>
-                                  </p:childTnLst>
-                                </p:cTn>
-                              </p:par>
-                            </p:childTnLst>
-                          </p:cTn>
-                        </p:par>
-                      </p:childTnLst>
-                    </p:cTn>
-                  </p:par>
-                </p:childTnLst>
-              </p:cTn>
-              <p:prevCondLst>
-                <p:cond evt="onPrev" delay="0">
-                  <p:tgtEl>
-                    <p:sldTgt/>
-                  </p:tgtEl>
-                </p:cond>
-              </p:prevCondLst>
-              <p:nextCondLst>
-                <p:cond evt="onNext" delay="0">
-                  <p:tgtEl>
-                    <p:sldTgt/>
-                  </p:tgtEl>
-                </p:cond>
-              </p:nextCondLst>
-            </p:seq>
-          </p:childTnLst>
-        </p:cTn>
-      </p:par>
-    </p:tnLst>
-    <p:bldLst>
-      <p:bldP spid="96" grpId="0"/>
-    </p:bldLst>
-  </p:timing>
 </p:sld>
 </file>
 
@@ -7749,329 +7407,6 @@
   <p:clrMapOvr>
     <a:masterClrMapping/>
   </p:clrMapOvr>
-  <p:timing>
-    <p:tnLst>
-      <p:par>
-        <p:cTn id="1" dur="indefinite" restart="never" nodeType="tmRoot">
-          <p:childTnLst>
-            <p:seq concurrent="1" nextAc="seek">
-              <p:cTn id="2" dur="indefinite" nodeType="mainSeq">
-                <p:childTnLst>
-                  <p:par>
-                    <p:cTn id="3" fill="hold">
-                      <p:stCondLst>
-                        <p:cond delay="indefinite"/>
-                      </p:stCondLst>
-                      <p:childTnLst>
-                        <p:par>
-                          <p:cTn id="4" fill="hold">
-                            <p:stCondLst>
-                              <p:cond delay="0"/>
-                            </p:stCondLst>
-                            <p:childTnLst>
-                              <p:par>
-                                <p:cTn id="5" presetID="1" presetClass="entr" presetSubtype="0" fill="hold" grpId="0" nodeType="clickEffect">
-                                  <p:stCondLst>
-                                    <p:cond delay="0"/>
-                                  </p:stCondLst>
-                                  <p:childTnLst>
-                                    <p:set>
-                                      <p:cBhvr>
-                                        <p:cTn id="6" dur="1" fill="hold">
-                                          <p:stCondLst>
-                                            <p:cond delay="0"/>
-                                          </p:stCondLst>
-                                        </p:cTn>
-                                        <p:tgtEl>
-                                          <p:spTgt spid="96"/>
-                                        </p:tgtEl>
-                                        <p:attrNameLst>
-                                          <p:attrName>style.visibility</p:attrName>
-                                        </p:attrNameLst>
-                                      </p:cBhvr>
-                                      <p:to>
-                                        <p:strVal val="visible"/>
-                                      </p:to>
-                                    </p:set>
-                                  </p:childTnLst>
-                                </p:cTn>
-                              </p:par>
-                            </p:childTnLst>
-                          </p:cTn>
-                        </p:par>
-                      </p:childTnLst>
-                    </p:cTn>
-                  </p:par>
-                  <p:par>
-                    <p:cTn id="7" fill="hold">
-                      <p:stCondLst>
-                        <p:cond delay="indefinite"/>
-                      </p:stCondLst>
-                      <p:childTnLst>
-                        <p:par>
-                          <p:cTn id="8" fill="hold">
-                            <p:stCondLst>
-                              <p:cond delay="0"/>
-                            </p:stCondLst>
-                            <p:childTnLst>
-                              <p:par>
-                                <p:cTn id="9" presetID="1" presetClass="entr" presetSubtype="0" fill="hold" nodeType="clickEffect">
-                                  <p:stCondLst>
-                                    <p:cond delay="0"/>
-                                  </p:stCondLst>
-                                  <p:childTnLst>
-                                    <p:set>
-                                      <p:cBhvr>
-                                        <p:cTn id="10" dur="1" fill="hold">
-                                          <p:stCondLst>
-                                            <p:cond delay="0"/>
-                                          </p:stCondLst>
-                                        </p:cTn>
-                                        <p:tgtEl>
-                                          <p:spTgt spid="96">
-                                            <p:txEl>
-                                              <p:pRg st="0" end="0"/>
-                                            </p:txEl>
-                                          </p:spTgt>
-                                        </p:tgtEl>
-                                        <p:attrNameLst>
-                                          <p:attrName>style.visibility</p:attrName>
-                                        </p:attrNameLst>
-                                      </p:cBhvr>
-                                      <p:to>
-                                        <p:strVal val="visible"/>
-                                      </p:to>
-                                    </p:set>
-                                  </p:childTnLst>
-                                </p:cTn>
-                              </p:par>
-                            </p:childTnLst>
-                          </p:cTn>
-                        </p:par>
-                      </p:childTnLst>
-                    </p:cTn>
-                  </p:par>
-                  <p:par>
-                    <p:cTn id="11" fill="hold">
-                      <p:stCondLst>
-                        <p:cond delay="indefinite"/>
-                      </p:stCondLst>
-                      <p:childTnLst>
-                        <p:par>
-                          <p:cTn id="12" fill="hold">
-                            <p:stCondLst>
-                              <p:cond delay="0"/>
-                            </p:stCondLst>
-                            <p:childTnLst>
-                              <p:par>
-                                <p:cTn id="13" presetID="1" presetClass="entr" presetSubtype="0" fill="hold" nodeType="clickEffect">
-                                  <p:stCondLst>
-                                    <p:cond delay="0"/>
-                                  </p:stCondLst>
-                                  <p:childTnLst>
-                                    <p:set>
-                                      <p:cBhvr>
-                                        <p:cTn id="14" dur="1" fill="hold">
-                                          <p:stCondLst>
-                                            <p:cond delay="0"/>
-                                          </p:stCondLst>
-                                        </p:cTn>
-                                        <p:tgtEl>
-                                          <p:spTgt spid="96">
-                                            <p:txEl>
-                                              <p:pRg st="1" end="1"/>
-                                            </p:txEl>
-                                          </p:spTgt>
-                                        </p:tgtEl>
-                                        <p:attrNameLst>
-                                          <p:attrName>style.visibility</p:attrName>
-                                        </p:attrNameLst>
-                                      </p:cBhvr>
-                                      <p:to>
-                                        <p:strVal val="visible"/>
-                                      </p:to>
-                                    </p:set>
-                                  </p:childTnLst>
-                                </p:cTn>
-                              </p:par>
-                            </p:childTnLst>
-                          </p:cTn>
-                        </p:par>
-                      </p:childTnLst>
-                    </p:cTn>
-                  </p:par>
-                  <p:par>
-                    <p:cTn id="15" fill="hold">
-                      <p:stCondLst>
-                        <p:cond delay="indefinite"/>
-                      </p:stCondLst>
-                      <p:childTnLst>
-                        <p:par>
-                          <p:cTn id="16" fill="hold">
-                            <p:stCondLst>
-                              <p:cond delay="0"/>
-                            </p:stCondLst>
-                            <p:childTnLst>
-                              <p:par>
-                                <p:cTn id="17" presetID="1" presetClass="entr" presetSubtype="0" fill="hold" nodeType="clickEffect">
-                                  <p:stCondLst>
-                                    <p:cond delay="0"/>
-                                  </p:stCondLst>
-                                  <p:childTnLst>
-                                    <p:set>
-                                      <p:cBhvr>
-                                        <p:cTn id="18" dur="1" fill="hold">
-                                          <p:stCondLst>
-                                            <p:cond delay="0"/>
-                                          </p:stCondLst>
-                                        </p:cTn>
-                                        <p:tgtEl>
-                                          <p:spTgt spid="96">
-                                            <p:txEl>
-                                              <p:pRg st="2" end="2"/>
-                                            </p:txEl>
-                                          </p:spTgt>
-                                        </p:tgtEl>
-                                        <p:attrNameLst>
-                                          <p:attrName>style.visibility</p:attrName>
-                                        </p:attrNameLst>
-                                      </p:cBhvr>
-                                      <p:to>
-                                        <p:strVal val="visible"/>
-                                      </p:to>
-                                    </p:set>
-                                  </p:childTnLst>
-                                </p:cTn>
-                              </p:par>
-                            </p:childTnLst>
-                          </p:cTn>
-                        </p:par>
-                      </p:childTnLst>
-                    </p:cTn>
-                  </p:par>
-                  <p:par>
-                    <p:cTn id="19" fill="hold">
-                      <p:stCondLst>
-                        <p:cond delay="indefinite"/>
-                      </p:stCondLst>
-                      <p:childTnLst>
-                        <p:par>
-                          <p:cTn id="20" fill="hold">
-                            <p:stCondLst>
-                              <p:cond delay="0"/>
-                            </p:stCondLst>
-                            <p:childTnLst>
-                              <p:par>
-                                <p:cTn id="21" presetID="1" presetClass="entr" presetSubtype="0" fill="hold" nodeType="clickEffect">
-                                  <p:stCondLst>
-                                    <p:cond delay="0"/>
-                                  </p:stCondLst>
-                                  <p:childTnLst>
-                                    <p:set>
-                                      <p:cBhvr>
-                                        <p:cTn id="22" dur="1" fill="hold">
-                                          <p:stCondLst>
-                                            <p:cond delay="0"/>
-                                          </p:stCondLst>
-                                        </p:cTn>
-                                        <p:tgtEl>
-                                          <p:spTgt spid="96">
-                                            <p:txEl>
-                                              <p:pRg st="4" end="4"/>
-                                            </p:txEl>
-                                          </p:spTgt>
-                                        </p:tgtEl>
-                                        <p:attrNameLst>
-                                          <p:attrName>style.visibility</p:attrName>
-                                        </p:attrNameLst>
-                                      </p:cBhvr>
-                                      <p:to>
-                                        <p:strVal val="visible"/>
-                                      </p:to>
-                                    </p:set>
-                                  </p:childTnLst>
-                                </p:cTn>
-                              </p:par>
-                            </p:childTnLst>
-                          </p:cTn>
-                        </p:par>
-                      </p:childTnLst>
-                    </p:cTn>
-                  </p:par>
-                  <p:par>
-                    <p:cTn id="23" fill="hold">
-                      <p:stCondLst>
-                        <p:cond delay="indefinite"/>
-                      </p:stCondLst>
-                      <p:childTnLst>
-                        <p:par>
-                          <p:cTn id="24" fill="hold">
-                            <p:stCondLst>
-                              <p:cond delay="0"/>
-                            </p:stCondLst>
-                            <p:childTnLst>
-                              <p:par>
-                                <p:cTn id="25" presetID="1" presetClass="entr" presetSubtype="0" fill="hold" nodeType="clickEffect">
-                                  <p:stCondLst>
-                                    <p:cond delay="0"/>
-                                  </p:stCondLst>
-                                  <p:childTnLst>
-                                    <p:set>
-                                      <p:cBhvr>
-                                        <p:cTn id="26" dur="1" fill="hold">
-                                          <p:stCondLst>
-                                            <p:cond delay="0"/>
-                                          </p:stCondLst>
-                                        </p:cTn>
-                                        <p:tgtEl>
-                                          <p:spTgt spid="96">
-                                            <p:txEl>
-                                              <p:pRg st="6" end="6"/>
-                                            </p:txEl>
-                                          </p:spTgt>
-                                        </p:tgtEl>
-                                        <p:attrNameLst>
-                                          <p:attrName>style.visibility</p:attrName>
-                                        </p:attrNameLst>
-                                      </p:cBhvr>
-                                      <p:to>
-                                        <p:strVal val="visible"/>
-                                      </p:to>
-                                    </p:set>
-                                  </p:childTnLst>
-                                </p:cTn>
-                              </p:par>
-                            </p:childTnLst>
-                          </p:cTn>
-                        </p:par>
-                      </p:childTnLst>
-                    </p:cTn>
-                  </p:par>
-                </p:childTnLst>
-              </p:cTn>
-              <p:prevCondLst>
-                <p:cond evt="onPrev" delay="0">
-                  <p:tgtEl>
-                    <p:sldTgt/>
-                  </p:tgtEl>
-                </p:cond>
-              </p:prevCondLst>
-              <p:nextCondLst>
-                <p:cond evt="onNext" delay="0">
-                  <p:tgtEl>
-                    <p:sldTgt/>
-                  </p:tgtEl>
-                </p:cond>
-              </p:nextCondLst>
-            </p:seq>
-          </p:childTnLst>
-        </p:cTn>
-      </p:par>
-    </p:tnLst>
-    <p:bldLst>
-      <p:bldP spid="96" grpId="0"/>
-    </p:bldLst>
-  </p:timing>
 </p:sld>
 </file>
 
@@ -8225,280 +7560,6 @@
   <p:clrMapOvr>
     <a:masterClrMapping/>
   </p:clrMapOvr>
-  <p:timing>
-    <p:tnLst>
-      <p:par>
-        <p:cTn id="1" dur="indefinite" restart="never" nodeType="tmRoot">
-          <p:childTnLst>
-            <p:seq concurrent="1" nextAc="seek">
-              <p:cTn id="2" dur="indefinite" nodeType="mainSeq">
-                <p:childTnLst>
-                  <p:par>
-                    <p:cTn id="3" fill="hold">
-                      <p:stCondLst>
-                        <p:cond delay="indefinite"/>
-                      </p:stCondLst>
-                      <p:childTnLst>
-                        <p:par>
-                          <p:cTn id="4" fill="hold">
-                            <p:stCondLst>
-                              <p:cond delay="0"/>
-                            </p:stCondLst>
-                            <p:childTnLst>
-                              <p:par>
-                                <p:cTn id="5" presetID="1" presetClass="entr" presetSubtype="0" fill="hold" grpId="0" nodeType="clickEffect">
-                                  <p:stCondLst>
-                                    <p:cond delay="0"/>
-                                  </p:stCondLst>
-                                  <p:childTnLst>
-                                    <p:set>
-                                      <p:cBhvr>
-                                        <p:cTn id="6" dur="1" fill="hold">
-                                          <p:stCondLst>
-                                            <p:cond delay="0"/>
-                                          </p:stCondLst>
-                                        </p:cTn>
-                                        <p:tgtEl>
-                                          <p:spTgt spid="96"/>
-                                        </p:tgtEl>
-                                        <p:attrNameLst>
-                                          <p:attrName>style.visibility</p:attrName>
-                                        </p:attrNameLst>
-                                      </p:cBhvr>
-                                      <p:to>
-                                        <p:strVal val="visible"/>
-                                      </p:to>
-                                    </p:set>
-                                  </p:childTnLst>
-                                </p:cTn>
-                              </p:par>
-                            </p:childTnLst>
-                          </p:cTn>
-                        </p:par>
-                      </p:childTnLst>
-                    </p:cTn>
-                  </p:par>
-                  <p:par>
-                    <p:cTn id="7" fill="hold">
-                      <p:stCondLst>
-                        <p:cond delay="indefinite"/>
-                      </p:stCondLst>
-                      <p:childTnLst>
-                        <p:par>
-                          <p:cTn id="8" fill="hold">
-                            <p:stCondLst>
-                              <p:cond delay="0"/>
-                            </p:stCondLst>
-                            <p:childTnLst>
-                              <p:par>
-                                <p:cTn id="9" presetID="1" presetClass="entr" presetSubtype="0" fill="hold" nodeType="clickEffect">
-                                  <p:stCondLst>
-                                    <p:cond delay="0"/>
-                                  </p:stCondLst>
-                                  <p:childTnLst>
-                                    <p:set>
-                                      <p:cBhvr>
-                                        <p:cTn id="10" dur="1" fill="hold">
-                                          <p:stCondLst>
-                                            <p:cond delay="0"/>
-                                          </p:stCondLst>
-                                        </p:cTn>
-                                        <p:tgtEl>
-                                          <p:spTgt spid="96">
-                                            <p:txEl>
-                                              <p:pRg st="0" end="0"/>
-                                            </p:txEl>
-                                          </p:spTgt>
-                                        </p:tgtEl>
-                                        <p:attrNameLst>
-                                          <p:attrName>style.visibility</p:attrName>
-                                        </p:attrNameLst>
-                                      </p:cBhvr>
-                                      <p:to>
-                                        <p:strVal val="visible"/>
-                                      </p:to>
-                                    </p:set>
-                                  </p:childTnLst>
-                                </p:cTn>
-                              </p:par>
-                            </p:childTnLst>
-                          </p:cTn>
-                        </p:par>
-                      </p:childTnLst>
-                    </p:cTn>
-                  </p:par>
-                  <p:par>
-                    <p:cTn id="11" fill="hold">
-                      <p:stCondLst>
-                        <p:cond delay="indefinite"/>
-                      </p:stCondLst>
-                      <p:childTnLst>
-                        <p:par>
-                          <p:cTn id="12" fill="hold">
-                            <p:stCondLst>
-                              <p:cond delay="0"/>
-                            </p:stCondLst>
-                            <p:childTnLst>
-                              <p:par>
-                                <p:cTn id="13" presetID="1" presetClass="entr" presetSubtype="0" fill="hold" nodeType="clickEffect">
-                                  <p:stCondLst>
-                                    <p:cond delay="0"/>
-                                  </p:stCondLst>
-                                  <p:childTnLst>
-                                    <p:set>
-                                      <p:cBhvr>
-                                        <p:cTn id="14" dur="1" fill="hold">
-                                          <p:stCondLst>
-                                            <p:cond delay="0"/>
-                                          </p:stCondLst>
-                                        </p:cTn>
-                                        <p:tgtEl>
-                                          <p:spTgt spid="96">
-                                            <p:txEl>
-                                              <p:pRg st="1" end="1"/>
-                                            </p:txEl>
-                                          </p:spTgt>
-                                        </p:tgtEl>
-                                        <p:attrNameLst>
-                                          <p:attrName>style.visibility</p:attrName>
-                                        </p:attrNameLst>
-                                      </p:cBhvr>
-                                      <p:to>
-                                        <p:strVal val="visible"/>
-                                      </p:to>
-                                    </p:set>
-                                  </p:childTnLst>
-                                </p:cTn>
-                              </p:par>
-                            </p:childTnLst>
-                          </p:cTn>
-                        </p:par>
-                      </p:childTnLst>
-                    </p:cTn>
-                  </p:par>
-                  <p:par>
-                    <p:cTn id="15" fill="hold">
-                      <p:stCondLst>
-                        <p:cond delay="indefinite"/>
-                      </p:stCondLst>
-                      <p:childTnLst>
-                        <p:par>
-                          <p:cTn id="16" fill="hold">
-                            <p:stCondLst>
-                              <p:cond delay="0"/>
-                            </p:stCondLst>
-                            <p:childTnLst>
-                              <p:par>
-                                <p:cTn id="17" presetID="1" presetClass="entr" presetSubtype="0" fill="hold" nodeType="clickEffect">
-                                  <p:stCondLst>
-                                    <p:cond delay="0"/>
-                                  </p:stCondLst>
-                                  <p:childTnLst>
-                                    <p:set>
-                                      <p:cBhvr>
-                                        <p:cTn id="18" dur="1" fill="hold">
-                                          <p:stCondLst>
-                                            <p:cond delay="0"/>
-                                          </p:stCondLst>
-                                        </p:cTn>
-                                        <p:tgtEl>
-                                          <p:spTgt spid="96">
-                                            <p:txEl>
-                                              <p:pRg st="3" end="3"/>
-                                            </p:txEl>
-                                          </p:spTgt>
-                                        </p:tgtEl>
-                                        <p:attrNameLst>
-                                          <p:attrName>style.visibility</p:attrName>
-                                        </p:attrNameLst>
-                                      </p:cBhvr>
-                                      <p:to>
-                                        <p:strVal val="visible"/>
-                                      </p:to>
-                                    </p:set>
-                                  </p:childTnLst>
-                                </p:cTn>
-                              </p:par>
-                            </p:childTnLst>
-                          </p:cTn>
-                        </p:par>
-                      </p:childTnLst>
-                    </p:cTn>
-                  </p:par>
-                  <p:par>
-                    <p:cTn id="19" fill="hold">
-                      <p:stCondLst>
-                        <p:cond delay="indefinite"/>
-                      </p:stCondLst>
-                      <p:childTnLst>
-                        <p:par>
-                          <p:cTn id="20" fill="hold">
-                            <p:stCondLst>
-                              <p:cond delay="0"/>
-                            </p:stCondLst>
-                            <p:childTnLst>
-                              <p:par>
-                                <p:cTn id="21" presetID="1" presetClass="entr" presetSubtype="0" fill="hold" nodeType="clickEffect">
-                                  <p:stCondLst>
-                                    <p:cond delay="0"/>
-                                  </p:stCondLst>
-                                  <p:childTnLst>
-                                    <p:set>
-                                      <p:cBhvr>
-                                        <p:cTn id="22" dur="1" fill="hold">
-                                          <p:stCondLst>
-                                            <p:cond delay="0"/>
-                                          </p:stCondLst>
-                                        </p:cTn>
-                                        <p:tgtEl>
-                                          <p:spTgt spid="96">
-                                            <p:txEl>
-                                              <p:pRg st="4" end="4"/>
-                                            </p:txEl>
-                                          </p:spTgt>
-                                        </p:tgtEl>
-                                        <p:attrNameLst>
-                                          <p:attrName>style.visibility</p:attrName>
-                                        </p:attrNameLst>
-                                      </p:cBhvr>
-                                      <p:to>
-                                        <p:strVal val="visible"/>
-                                      </p:to>
-                                    </p:set>
-                                  </p:childTnLst>
-                                </p:cTn>
-                              </p:par>
-                            </p:childTnLst>
-                          </p:cTn>
-                        </p:par>
-                      </p:childTnLst>
-                    </p:cTn>
-                  </p:par>
-                </p:childTnLst>
-              </p:cTn>
-              <p:prevCondLst>
-                <p:cond evt="onPrev" delay="0">
-                  <p:tgtEl>
-                    <p:sldTgt/>
-                  </p:tgtEl>
-                </p:cond>
-              </p:prevCondLst>
-              <p:nextCondLst>
-                <p:cond evt="onNext" delay="0">
-                  <p:tgtEl>
-                    <p:sldTgt/>
-                  </p:tgtEl>
-                </p:cond>
-              </p:nextCondLst>
-            </p:seq>
-          </p:childTnLst>
-        </p:cTn>
-      </p:par>
-    </p:tnLst>
-    <p:bldLst>
-      <p:bldP spid="96" grpId="0"/>
-    </p:bldLst>
-  </p:timing>
 </p:sld>
 </file>
 
@@ -8756,378 +7817,6 @@
   <p:clrMapOvr>
     <a:masterClrMapping/>
   </p:clrMapOvr>
-  <p:timing>
-    <p:tnLst>
-      <p:par>
-        <p:cTn id="1" dur="indefinite" restart="never" nodeType="tmRoot">
-          <p:childTnLst>
-            <p:seq concurrent="1" nextAc="seek">
-              <p:cTn id="2" dur="indefinite" nodeType="mainSeq">
-                <p:childTnLst>
-                  <p:par>
-                    <p:cTn id="3" fill="hold">
-                      <p:stCondLst>
-                        <p:cond delay="indefinite"/>
-                      </p:stCondLst>
-                      <p:childTnLst>
-                        <p:par>
-                          <p:cTn id="4" fill="hold">
-                            <p:stCondLst>
-                              <p:cond delay="0"/>
-                            </p:stCondLst>
-                            <p:childTnLst>
-                              <p:par>
-                                <p:cTn id="5" presetID="1" presetClass="entr" presetSubtype="0" fill="hold" grpId="0" nodeType="clickEffect">
-                                  <p:stCondLst>
-                                    <p:cond delay="0"/>
-                                  </p:stCondLst>
-                                  <p:childTnLst>
-                                    <p:set>
-                                      <p:cBhvr>
-                                        <p:cTn id="6" dur="1" fill="hold">
-                                          <p:stCondLst>
-                                            <p:cond delay="0"/>
-                                          </p:stCondLst>
-                                        </p:cTn>
-                                        <p:tgtEl>
-                                          <p:spTgt spid="96"/>
-                                        </p:tgtEl>
-                                        <p:attrNameLst>
-                                          <p:attrName>style.visibility</p:attrName>
-                                        </p:attrNameLst>
-                                      </p:cBhvr>
-                                      <p:to>
-                                        <p:strVal val="visible"/>
-                                      </p:to>
-                                    </p:set>
-                                  </p:childTnLst>
-                                </p:cTn>
-                              </p:par>
-                            </p:childTnLst>
-                          </p:cTn>
-                        </p:par>
-                      </p:childTnLst>
-                    </p:cTn>
-                  </p:par>
-                  <p:par>
-                    <p:cTn id="7" fill="hold">
-                      <p:stCondLst>
-                        <p:cond delay="indefinite"/>
-                      </p:stCondLst>
-                      <p:childTnLst>
-                        <p:par>
-                          <p:cTn id="8" fill="hold">
-                            <p:stCondLst>
-                              <p:cond delay="0"/>
-                            </p:stCondLst>
-                            <p:childTnLst>
-                              <p:par>
-                                <p:cTn id="9" presetID="1" presetClass="entr" presetSubtype="0" fill="hold" nodeType="clickEffect">
-                                  <p:stCondLst>
-                                    <p:cond delay="0"/>
-                                  </p:stCondLst>
-                                  <p:childTnLst>
-                                    <p:set>
-                                      <p:cBhvr>
-                                        <p:cTn id="10" dur="1" fill="hold">
-                                          <p:stCondLst>
-                                            <p:cond delay="0"/>
-                                          </p:stCondLst>
-                                        </p:cTn>
-                                        <p:tgtEl>
-                                          <p:spTgt spid="96">
-                                            <p:txEl>
-                                              <p:pRg st="0" end="0"/>
-                                            </p:txEl>
-                                          </p:spTgt>
-                                        </p:tgtEl>
-                                        <p:attrNameLst>
-                                          <p:attrName>style.visibility</p:attrName>
-                                        </p:attrNameLst>
-                                      </p:cBhvr>
-                                      <p:to>
-                                        <p:strVal val="visible"/>
-                                      </p:to>
-                                    </p:set>
-                                  </p:childTnLst>
-                                </p:cTn>
-                              </p:par>
-                            </p:childTnLst>
-                          </p:cTn>
-                        </p:par>
-                      </p:childTnLst>
-                    </p:cTn>
-                  </p:par>
-                  <p:par>
-                    <p:cTn id="11" fill="hold">
-                      <p:stCondLst>
-                        <p:cond delay="indefinite"/>
-                      </p:stCondLst>
-                      <p:childTnLst>
-                        <p:par>
-                          <p:cTn id="12" fill="hold">
-                            <p:stCondLst>
-                              <p:cond delay="0"/>
-                            </p:stCondLst>
-                            <p:childTnLst>
-                              <p:par>
-                                <p:cTn id="13" presetID="1" presetClass="entr" presetSubtype="0" fill="hold" nodeType="clickEffect">
-                                  <p:stCondLst>
-                                    <p:cond delay="0"/>
-                                  </p:stCondLst>
-                                  <p:childTnLst>
-                                    <p:set>
-                                      <p:cBhvr>
-                                        <p:cTn id="14" dur="1" fill="hold">
-                                          <p:stCondLst>
-                                            <p:cond delay="0"/>
-                                          </p:stCondLst>
-                                        </p:cTn>
-                                        <p:tgtEl>
-                                          <p:spTgt spid="96">
-                                            <p:txEl>
-                                              <p:pRg st="1" end="1"/>
-                                            </p:txEl>
-                                          </p:spTgt>
-                                        </p:tgtEl>
-                                        <p:attrNameLst>
-                                          <p:attrName>style.visibility</p:attrName>
-                                        </p:attrNameLst>
-                                      </p:cBhvr>
-                                      <p:to>
-                                        <p:strVal val="visible"/>
-                                      </p:to>
-                                    </p:set>
-                                  </p:childTnLst>
-                                </p:cTn>
-                              </p:par>
-                            </p:childTnLst>
-                          </p:cTn>
-                        </p:par>
-                      </p:childTnLst>
-                    </p:cTn>
-                  </p:par>
-                  <p:par>
-                    <p:cTn id="15" fill="hold">
-                      <p:stCondLst>
-                        <p:cond delay="indefinite"/>
-                      </p:stCondLst>
-                      <p:childTnLst>
-                        <p:par>
-                          <p:cTn id="16" fill="hold">
-                            <p:stCondLst>
-                              <p:cond delay="0"/>
-                            </p:stCondLst>
-                            <p:childTnLst>
-                              <p:par>
-                                <p:cTn id="17" presetID="1" presetClass="entr" presetSubtype="0" fill="hold" nodeType="clickEffect">
-                                  <p:stCondLst>
-                                    <p:cond delay="0"/>
-                                  </p:stCondLst>
-                                  <p:childTnLst>
-                                    <p:set>
-                                      <p:cBhvr>
-                                        <p:cTn id="18" dur="1" fill="hold">
-                                          <p:stCondLst>
-                                            <p:cond delay="0"/>
-                                          </p:stCondLst>
-                                        </p:cTn>
-                                        <p:tgtEl>
-                                          <p:spTgt spid="96">
-                                            <p:txEl>
-                                              <p:pRg st="4" end="4"/>
-                                            </p:txEl>
-                                          </p:spTgt>
-                                        </p:tgtEl>
-                                        <p:attrNameLst>
-                                          <p:attrName>style.visibility</p:attrName>
-                                        </p:attrNameLst>
-                                      </p:cBhvr>
-                                      <p:to>
-                                        <p:strVal val="visible"/>
-                                      </p:to>
-                                    </p:set>
-                                  </p:childTnLst>
-                                </p:cTn>
-                              </p:par>
-                            </p:childTnLst>
-                          </p:cTn>
-                        </p:par>
-                      </p:childTnLst>
-                    </p:cTn>
-                  </p:par>
-                  <p:par>
-                    <p:cTn id="19" fill="hold">
-                      <p:stCondLst>
-                        <p:cond delay="indefinite"/>
-                      </p:stCondLst>
-                      <p:childTnLst>
-                        <p:par>
-                          <p:cTn id="20" fill="hold">
-                            <p:stCondLst>
-                              <p:cond delay="0"/>
-                            </p:stCondLst>
-                            <p:childTnLst>
-                              <p:par>
-                                <p:cTn id="21" presetID="1" presetClass="entr" presetSubtype="0" fill="hold" nodeType="clickEffect">
-                                  <p:stCondLst>
-                                    <p:cond delay="0"/>
-                                  </p:stCondLst>
-                                  <p:childTnLst>
-                                    <p:set>
-                                      <p:cBhvr>
-                                        <p:cTn id="22" dur="1" fill="hold">
-                                          <p:stCondLst>
-                                            <p:cond delay="0"/>
-                                          </p:stCondLst>
-                                        </p:cTn>
-                                        <p:tgtEl>
-                                          <p:spTgt spid="96">
-                                            <p:txEl>
-                                              <p:pRg st="5" end="5"/>
-                                            </p:txEl>
-                                          </p:spTgt>
-                                        </p:tgtEl>
-                                        <p:attrNameLst>
-                                          <p:attrName>style.visibility</p:attrName>
-                                        </p:attrNameLst>
-                                      </p:cBhvr>
-                                      <p:to>
-                                        <p:strVal val="visible"/>
-                                      </p:to>
-                                    </p:set>
-                                  </p:childTnLst>
-                                </p:cTn>
-                              </p:par>
-                            </p:childTnLst>
-                          </p:cTn>
-                        </p:par>
-                      </p:childTnLst>
-                    </p:cTn>
-                  </p:par>
-                  <p:par>
-                    <p:cTn id="23" fill="hold">
-                      <p:stCondLst>
-                        <p:cond delay="indefinite"/>
-                      </p:stCondLst>
-                      <p:childTnLst>
-                        <p:par>
-                          <p:cTn id="24" fill="hold">
-                            <p:stCondLst>
-                              <p:cond delay="0"/>
-                            </p:stCondLst>
-                            <p:childTnLst>
-                              <p:par>
-                                <p:cTn id="25" presetID="1" presetClass="entr" presetSubtype="0" fill="hold" nodeType="clickEffect">
-                                  <p:stCondLst>
-                                    <p:cond delay="0"/>
-                                  </p:stCondLst>
-                                  <p:childTnLst>
-                                    <p:set>
-                                      <p:cBhvr>
-                                        <p:cTn id="26" dur="1" fill="hold">
-                                          <p:stCondLst>
-                                            <p:cond delay="0"/>
-                                          </p:stCondLst>
-                                        </p:cTn>
-                                        <p:tgtEl>
-                                          <p:spTgt spid="96">
-                                            <p:txEl>
-                                              <p:pRg st="6" end="6"/>
-                                            </p:txEl>
-                                          </p:spTgt>
-                                        </p:tgtEl>
-                                        <p:attrNameLst>
-                                          <p:attrName>style.visibility</p:attrName>
-                                        </p:attrNameLst>
-                                      </p:cBhvr>
-                                      <p:to>
-                                        <p:strVal val="visible"/>
-                                      </p:to>
-                                    </p:set>
-                                  </p:childTnLst>
-                                </p:cTn>
-                              </p:par>
-                            </p:childTnLst>
-                          </p:cTn>
-                        </p:par>
-                      </p:childTnLst>
-                    </p:cTn>
-                  </p:par>
-                  <p:par>
-                    <p:cTn id="27" fill="hold">
-                      <p:stCondLst>
-                        <p:cond delay="indefinite"/>
-                      </p:stCondLst>
-                      <p:childTnLst>
-                        <p:par>
-                          <p:cTn id="28" fill="hold">
-                            <p:stCondLst>
-                              <p:cond delay="0"/>
-                            </p:stCondLst>
-                            <p:childTnLst>
-                              <p:par>
-                                <p:cTn id="29" presetID="1" presetClass="entr" presetSubtype="0" fill="hold" nodeType="clickEffect">
-                                  <p:stCondLst>
-                                    <p:cond delay="0"/>
-                                  </p:stCondLst>
-                                  <p:childTnLst>
-                                    <p:set>
-                                      <p:cBhvr>
-                                        <p:cTn id="30" dur="1" fill="hold">
-                                          <p:stCondLst>
-                                            <p:cond delay="0"/>
-                                          </p:stCondLst>
-                                        </p:cTn>
-                                        <p:tgtEl>
-                                          <p:spTgt spid="96">
-                                            <p:txEl>
-                                              <p:pRg st="7" end="7"/>
-                                            </p:txEl>
-                                          </p:spTgt>
-                                        </p:tgtEl>
-                                        <p:attrNameLst>
-                                          <p:attrName>style.visibility</p:attrName>
-                                        </p:attrNameLst>
-                                      </p:cBhvr>
-                                      <p:to>
-                                        <p:strVal val="visible"/>
-                                      </p:to>
-                                    </p:set>
-                                  </p:childTnLst>
-                                </p:cTn>
-                              </p:par>
-                            </p:childTnLst>
-                          </p:cTn>
-                        </p:par>
-                      </p:childTnLst>
-                    </p:cTn>
-                  </p:par>
-                </p:childTnLst>
-              </p:cTn>
-              <p:prevCondLst>
-                <p:cond evt="onPrev" delay="0">
-                  <p:tgtEl>
-                    <p:sldTgt/>
-                  </p:tgtEl>
-                </p:cond>
-              </p:prevCondLst>
-              <p:nextCondLst>
-                <p:cond evt="onNext" delay="0">
-                  <p:tgtEl>
-                    <p:sldTgt/>
-                  </p:tgtEl>
-                </p:cond>
-              </p:nextCondLst>
-            </p:seq>
-          </p:childTnLst>
-        </p:cTn>
-      </p:par>
-    </p:tnLst>
-    <p:bldLst>
-      <p:bldP spid="96" grpId="0"/>
-    </p:bldLst>
-  </p:timing>
 </p:sld>
 </file>
 
@@ -9425,84 +8114,6 @@
   <p:clrMapOvr>
     <a:masterClrMapping/>
   </p:clrMapOvr>
-  <p:timing>
-    <p:tnLst>
-      <p:par>
-        <p:cTn id="1" dur="indefinite" restart="never" nodeType="tmRoot">
-          <p:childTnLst>
-            <p:seq concurrent="1" nextAc="seek">
-              <p:cTn id="2" dur="indefinite" nodeType="mainSeq">
-                <p:childTnLst>
-                  <p:par>
-                    <p:cTn id="3" fill="hold">
-                      <p:stCondLst>
-                        <p:cond delay="indefinite"/>
-                      </p:stCondLst>
-                      <p:childTnLst>
-                        <p:par>
-                          <p:cTn id="4" fill="hold">
-                            <p:stCondLst>
-                              <p:cond delay="0"/>
-                            </p:stCondLst>
-                            <p:childTnLst>
-                              <p:par>
-                                <p:cTn id="5" presetID="1" presetClass="entr" presetSubtype="0" fill="hold" grpId="0" nodeType="clickEffect">
-                                  <p:stCondLst>
-                                    <p:cond delay="0"/>
-                                  </p:stCondLst>
-                                  <p:childTnLst>
-                                    <p:set>
-                                      <p:cBhvr>
-                                        <p:cTn id="6" dur="1" fill="hold">
-                                          <p:stCondLst>
-                                            <p:cond delay="0"/>
-                                          </p:stCondLst>
-                                        </p:cTn>
-                                        <p:tgtEl>
-                                          <p:spTgt spid="96"/>
-                                        </p:tgtEl>
-                                        <p:attrNameLst>
-                                          <p:attrName>style.visibility</p:attrName>
-                                        </p:attrNameLst>
-                                      </p:cBhvr>
-                                      <p:to>
-                                        <p:strVal val="visible"/>
-                                      </p:to>
-                                    </p:set>
-                                  </p:childTnLst>
-                                </p:cTn>
-                              </p:par>
-                            </p:childTnLst>
-                          </p:cTn>
-                        </p:par>
-                      </p:childTnLst>
-                    </p:cTn>
-                  </p:par>
-                </p:childTnLst>
-              </p:cTn>
-              <p:prevCondLst>
-                <p:cond evt="onPrev" delay="0">
-                  <p:tgtEl>
-                    <p:sldTgt/>
-                  </p:tgtEl>
-                </p:cond>
-              </p:prevCondLst>
-              <p:nextCondLst>
-                <p:cond evt="onNext" delay="0">
-                  <p:tgtEl>
-                    <p:sldTgt/>
-                  </p:tgtEl>
-                </p:cond>
-              </p:nextCondLst>
-            </p:seq>
-          </p:childTnLst>
-        </p:cTn>
-      </p:par>
-    </p:tnLst>
-    <p:bldLst>
-      <p:bldP spid="96" grpId="0"/>
-    </p:bldLst>
-  </p:timing>
 </p:sld>
 </file>
 
@@ -9554,7 +8165,23 @@
                   <a:srgbClr val="E46102"/>
                 </a:solidFill>
               </a:rPr>
-              <a:t>Training and Cost Function</a:t>
+              <a:t>Training and Cost Function (</a:t>
+            </a:r>
+            <a:r>
+              <a:rPr lang="el-GR" sz="4000" b="1" dirty="0">
+                <a:solidFill>
+                  <a:srgbClr val="E46102"/>
+                </a:solidFill>
+              </a:rPr>
+              <a:t>θ</a:t>
+            </a:r>
+            <a:r>
+              <a:rPr lang="en-US" sz="4000" b="1" dirty="0">
+                <a:solidFill>
+                  <a:srgbClr val="E46102"/>
+                </a:solidFill>
+              </a:rPr>
+              <a:t>)</a:t>
             </a:r>
             <a:endParaRPr sz="4000" b="1" dirty="0">
               <a:solidFill>
@@ -9873,133 +8500,6 @@
   <p:clrMapOvr>
     <a:masterClrMapping/>
   </p:clrMapOvr>
-  <p:timing>
-    <p:tnLst>
-      <p:par>
-        <p:cTn id="1" dur="indefinite" restart="never" nodeType="tmRoot">
-          <p:childTnLst>
-            <p:seq concurrent="1" nextAc="seek">
-              <p:cTn id="2" dur="indefinite" nodeType="mainSeq">
-                <p:childTnLst>
-                  <p:par>
-                    <p:cTn id="3" fill="hold">
-                      <p:stCondLst>
-                        <p:cond delay="indefinite"/>
-                      </p:stCondLst>
-                      <p:childTnLst>
-                        <p:par>
-                          <p:cTn id="4" fill="hold">
-                            <p:stCondLst>
-                              <p:cond delay="0"/>
-                            </p:stCondLst>
-                            <p:childTnLst>
-                              <p:par>
-                                <p:cTn id="5" presetID="1" presetClass="entr" presetSubtype="0" fill="hold" grpId="0" nodeType="clickEffect">
-                                  <p:stCondLst>
-                                    <p:cond delay="0"/>
-                                  </p:stCondLst>
-                                  <p:childTnLst>
-                                    <p:set>
-                                      <p:cBhvr>
-                                        <p:cTn id="6" dur="1" fill="hold">
-                                          <p:stCondLst>
-                                            <p:cond delay="0"/>
-                                          </p:stCondLst>
-                                        </p:cTn>
-                                        <p:tgtEl>
-                                          <p:spTgt spid="96"/>
-                                        </p:tgtEl>
-                                        <p:attrNameLst>
-                                          <p:attrName>style.visibility</p:attrName>
-                                        </p:attrNameLst>
-                                      </p:cBhvr>
-                                      <p:to>
-                                        <p:strVal val="visible"/>
-                                      </p:to>
-                                    </p:set>
-                                  </p:childTnLst>
-                                </p:cTn>
-                              </p:par>
-                            </p:childTnLst>
-                          </p:cTn>
-                        </p:par>
-                      </p:childTnLst>
-                    </p:cTn>
-                  </p:par>
-                  <p:par>
-                    <p:cTn id="7" fill="hold">
-                      <p:stCondLst>
-                        <p:cond delay="indefinite"/>
-                      </p:stCondLst>
-                      <p:childTnLst>
-                        <p:par>
-                          <p:cTn id="8" fill="hold">
-                            <p:stCondLst>
-                              <p:cond delay="0"/>
-                            </p:stCondLst>
-                            <p:childTnLst>
-                              <p:par>
-                                <p:cTn id="9" presetID="1" presetClass="entr" presetSubtype="0" fill="hold" nodeType="clickEffect">
-                                  <p:stCondLst>
-                                    <p:cond delay="0"/>
-                                  </p:stCondLst>
-                                  <p:childTnLst>
-                                    <p:set>
-                                      <p:cBhvr>
-                                        <p:cTn id="10" dur="1" fill="hold">
-                                          <p:stCondLst>
-                                            <p:cond delay="0"/>
-                                          </p:stCondLst>
-                                        </p:cTn>
-                                        <p:tgtEl>
-                                          <p:spTgt spid="96">
-                                            <p:txEl>
-                                              <p:pRg st="0" end="0"/>
-                                            </p:txEl>
-                                          </p:spTgt>
-                                        </p:tgtEl>
-                                        <p:attrNameLst>
-                                          <p:attrName>style.visibility</p:attrName>
-                                        </p:attrNameLst>
-                                      </p:cBhvr>
-                                      <p:to>
-                                        <p:strVal val="visible"/>
-                                      </p:to>
-                                    </p:set>
-                                  </p:childTnLst>
-                                </p:cTn>
-                              </p:par>
-                            </p:childTnLst>
-                          </p:cTn>
-                        </p:par>
-                      </p:childTnLst>
-                    </p:cTn>
-                  </p:par>
-                </p:childTnLst>
-              </p:cTn>
-              <p:prevCondLst>
-                <p:cond evt="onPrev" delay="0">
-                  <p:tgtEl>
-                    <p:sldTgt/>
-                  </p:tgtEl>
-                </p:cond>
-              </p:prevCondLst>
-              <p:nextCondLst>
-                <p:cond evt="onNext" delay="0">
-                  <p:tgtEl>
-                    <p:sldTgt/>
-                  </p:tgtEl>
-                </p:cond>
-              </p:nextCondLst>
-            </p:seq>
-          </p:childTnLst>
-        </p:cTn>
-      </p:par>
-    </p:tnLst>
-    <p:bldLst>
-      <p:bldP spid="96" grpId="0"/>
-    </p:bldLst>
-  </p:timing>
 </p:sld>
 </file>
 
@@ -10441,231 +8941,6 @@
   <p:clrMapOvr>
     <a:masterClrMapping/>
   </p:clrMapOvr>
-  <p:timing>
-    <p:tnLst>
-      <p:par>
-        <p:cTn id="1" dur="indefinite" restart="never" nodeType="tmRoot">
-          <p:childTnLst>
-            <p:seq concurrent="1" nextAc="seek">
-              <p:cTn id="2" dur="indefinite" nodeType="mainSeq">
-                <p:childTnLst>
-                  <p:par>
-                    <p:cTn id="3" fill="hold">
-                      <p:stCondLst>
-                        <p:cond delay="indefinite"/>
-                      </p:stCondLst>
-                      <p:childTnLst>
-                        <p:par>
-                          <p:cTn id="4" fill="hold">
-                            <p:stCondLst>
-                              <p:cond delay="0"/>
-                            </p:stCondLst>
-                            <p:childTnLst>
-                              <p:par>
-                                <p:cTn id="5" presetID="1" presetClass="entr" presetSubtype="0" fill="hold" grpId="0" nodeType="clickEffect">
-                                  <p:stCondLst>
-                                    <p:cond delay="0"/>
-                                  </p:stCondLst>
-                                  <p:childTnLst>
-                                    <p:set>
-                                      <p:cBhvr>
-                                        <p:cTn id="6" dur="1" fill="hold">
-                                          <p:stCondLst>
-                                            <p:cond delay="0"/>
-                                          </p:stCondLst>
-                                        </p:cTn>
-                                        <p:tgtEl>
-                                          <p:spTgt spid="96"/>
-                                        </p:tgtEl>
-                                        <p:attrNameLst>
-                                          <p:attrName>style.visibility</p:attrName>
-                                        </p:attrNameLst>
-                                      </p:cBhvr>
-                                      <p:to>
-                                        <p:strVal val="visible"/>
-                                      </p:to>
-                                    </p:set>
-                                  </p:childTnLst>
-                                </p:cTn>
-                              </p:par>
-                            </p:childTnLst>
-                          </p:cTn>
-                        </p:par>
-                      </p:childTnLst>
-                    </p:cTn>
-                  </p:par>
-                  <p:par>
-                    <p:cTn id="7" fill="hold">
-                      <p:stCondLst>
-                        <p:cond delay="indefinite"/>
-                      </p:stCondLst>
-                      <p:childTnLst>
-                        <p:par>
-                          <p:cTn id="8" fill="hold">
-                            <p:stCondLst>
-                              <p:cond delay="0"/>
-                            </p:stCondLst>
-                            <p:childTnLst>
-                              <p:par>
-                                <p:cTn id="9" presetID="1" presetClass="entr" presetSubtype="0" fill="hold" nodeType="clickEffect">
-                                  <p:stCondLst>
-                                    <p:cond delay="0"/>
-                                  </p:stCondLst>
-                                  <p:childTnLst>
-                                    <p:set>
-                                      <p:cBhvr>
-                                        <p:cTn id="10" dur="1" fill="hold">
-                                          <p:stCondLst>
-                                            <p:cond delay="0"/>
-                                          </p:stCondLst>
-                                        </p:cTn>
-                                        <p:tgtEl>
-                                          <p:spTgt spid="96">
-                                            <p:txEl>
-                                              <p:pRg st="0" end="0"/>
-                                            </p:txEl>
-                                          </p:spTgt>
-                                        </p:tgtEl>
-                                        <p:attrNameLst>
-                                          <p:attrName>style.visibility</p:attrName>
-                                        </p:attrNameLst>
-                                      </p:cBhvr>
-                                      <p:to>
-                                        <p:strVal val="visible"/>
-                                      </p:to>
-                                    </p:set>
-                                  </p:childTnLst>
-                                </p:cTn>
-                              </p:par>
-                            </p:childTnLst>
-                          </p:cTn>
-                        </p:par>
-                      </p:childTnLst>
-                    </p:cTn>
-                  </p:par>
-                  <p:par>
-                    <p:cTn id="11" fill="hold">
-                      <p:stCondLst>
-                        <p:cond delay="indefinite"/>
-                      </p:stCondLst>
-                      <p:childTnLst>
-                        <p:par>
-                          <p:cTn id="12" fill="hold">
-                            <p:stCondLst>
-                              <p:cond delay="0"/>
-                            </p:stCondLst>
-                            <p:childTnLst>
-                              <p:par>
-                                <p:cTn id="13" presetID="1" presetClass="entr" presetSubtype="0" fill="hold" nodeType="clickEffect">
-                                  <p:stCondLst>
-                                    <p:cond delay="0"/>
-                                  </p:stCondLst>
-                                  <p:childTnLst>
-                                    <p:set>
-                                      <p:cBhvr>
-                                        <p:cTn id="14" dur="1" fill="hold">
-                                          <p:stCondLst>
-                                            <p:cond delay="0"/>
-                                          </p:stCondLst>
-                                        </p:cTn>
-                                        <p:tgtEl>
-                                          <p:spTgt spid="96">
-                                            <p:txEl>
-                                              <p:pRg st="2" end="2"/>
-                                            </p:txEl>
-                                          </p:spTgt>
-                                        </p:tgtEl>
-                                        <p:attrNameLst>
-                                          <p:attrName>style.visibility</p:attrName>
-                                        </p:attrNameLst>
-                                      </p:cBhvr>
-                                      <p:to>
-                                        <p:strVal val="visible"/>
-                                      </p:to>
-                                    </p:set>
-                                  </p:childTnLst>
-                                </p:cTn>
-                              </p:par>
-                            </p:childTnLst>
-                          </p:cTn>
-                        </p:par>
-                      </p:childTnLst>
-                    </p:cTn>
-                  </p:par>
-                  <p:par>
-                    <p:cTn id="15" fill="hold">
-                      <p:stCondLst>
-                        <p:cond delay="indefinite"/>
-                      </p:stCondLst>
-                      <p:childTnLst>
-                        <p:par>
-                          <p:cTn id="16" fill="hold">
-                            <p:stCondLst>
-                              <p:cond delay="0"/>
-                            </p:stCondLst>
-                            <p:childTnLst>
-                              <p:par>
-                                <p:cTn id="17" presetID="1" presetClass="entr" presetSubtype="0" fill="hold" nodeType="clickEffect">
-                                  <p:stCondLst>
-                                    <p:cond delay="0"/>
-                                  </p:stCondLst>
-                                  <p:childTnLst>
-                                    <p:set>
-                                      <p:cBhvr>
-                                        <p:cTn id="18" dur="1" fill="hold">
-                                          <p:stCondLst>
-                                            <p:cond delay="0"/>
-                                          </p:stCondLst>
-                                        </p:cTn>
-                                        <p:tgtEl>
-                                          <p:spTgt spid="96">
-                                            <p:txEl>
-                                              <p:pRg st="4" end="4"/>
-                                            </p:txEl>
-                                          </p:spTgt>
-                                        </p:tgtEl>
-                                        <p:attrNameLst>
-                                          <p:attrName>style.visibility</p:attrName>
-                                        </p:attrNameLst>
-                                      </p:cBhvr>
-                                      <p:to>
-                                        <p:strVal val="visible"/>
-                                      </p:to>
-                                    </p:set>
-                                  </p:childTnLst>
-                                </p:cTn>
-                              </p:par>
-                            </p:childTnLst>
-                          </p:cTn>
-                        </p:par>
-                      </p:childTnLst>
-                    </p:cTn>
-                  </p:par>
-                </p:childTnLst>
-              </p:cTn>
-              <p:prevCondLst>
-                <p:cond evt="onPrev" delay="0">
-                  <p:tgtEl>
-                    <p:sldTgt/>
-                  </p:tgtEl>
-                </p:cond>
-              </p:prevCondLst>
-              <p:nextCondLst>
-                <p:cond evt="onNext" delay="0">
-                  <p:tgtEl>
-                    <p:sldTgt/>
-                  </p:tgtEl>
-                </p:cond>
-              </p:nextCondLst>
-            </p:seq>
-          </p:childTnLst>
-        </p:cTn>
-      </p:par>
-    </p:tnLst>
-    <p:bldLst>
-      <p:bldP spid="96" grpId="0"/>
-    </p:bldLst>
-  </p:timing>
 </p:sld>
 </file>
 
@@ -10947,378 +9222,6 @@
   <p:clrMapOvr>
     <a:masterClrMapping/>
   </p:clrMapOvr>
-  <p:timing>
-    <p:tnLst>
-      <p:par>
-        <p:cTn id="1" dur="indefinite" restart="never" nodeType="tmRoot">
-          <p:childTnLst>
-            <p:seq concurrent="1" nextAc="seek">
-              <p:cTn id="2" dur="indefinite" nodeType="mainSeq">
-                <p:childTnLst>
-                  <p:par>
-                    <p:cTn id="3" fill="hold">
-                      <p:stCondLst>
-                        <p:cond delay="indefinite"/>
-                      </p:stCondLst>
-                      <p:childTnLst>
-                        <p:par>
-                          <p:cTn id="4" fill="hold">
-                            <p:stCondLst>
-                              <p:cond delay="0"/>
-                            </p:stCondLst>
-                            <p:childTnLst>
-                              <p:par>
-                                <p:cTn id="5" presetID="1" presetClass="entr" presetSubtype="0" fill="hold" grpId="0" nodeType="clickEffect">
-                                  <p:stCondLst>
-                                    <p:cond delay="0"/>
-                                  </p:stCondLst>
-                                  <p:childTnLst>
-                                    <p:set>
-                                      <p:cBhvr>
-                                        <p:cTn id="6" dur="1" fill="hold">
-                                          <p:stCondLst>
-                                            <p:cond delay="0"/>
-                                          </p:stCondLst>
-                                        </p:cTn>
-                                        <p:tgtEl>
-                                          <p:spTgt spid="96"/>
-                                        </p:tgtEl>
-                                        <p:attrNameLst>
-                                          <p:attrName>style.visibility</p:attrName>
-                                        </p:attrNameLst>
-                                      </p:cBhvr>
-                                      <p:to>
-                                        <p:strVal val="visible"/>
-                                      </p:to>
-                                    </p:set>
-                                  </p:childTnLst>
-                                </p:cTn>
-                              </p:par>
-                            </p:childTnLst>
-                          </p:cTn>
-                        </p:par>
-                      </p:childTnLst>
-                    </p:cTn>
-                  </p:par>
-                  <p:par>
-                    <p:cTn id="7" fill="hold">
-                      <p:stCondLst>
-                        <p:cond delay="indefinite"/>
-                      </p:stCondLst>
-                      <p:childTnLst>
-                        <p:par>
-                          <p:cTn id="8" fill="hold">
-                            <p:stCondLst>
-                              <p:cond delay="0"/>
-                            </p:stCondLst>
-                            <p:childTnLst>
-                              <p:par>
-                                <p:cTn id="9" presetID="1" presetClass="entr" presetSubtype="0" fill="hold" nodeType="clickEffect">
-                                  <p:stCondLst>
-                                    <p:cond delay="0"/>
-                                  </p:stCondLst>
-                                  <p:childTnLst>
-                                    <p:set>
-                                      <p:cBhvr>
-                                        <p:cTn id="10" dur="1" fill="hold">
-                                          <p:stCondLst>
-                                            <p:cond delay="0"/>
-                                          </p:stCondLst>
-                                        </p:cTn>
-                                        <p:tgtEl>
-                                          <p:spTgt spid="96">
-                                            <p:txEl>
-                                              <p:pRg st="0" end="0"/>
-                                            </p:txEl>
-                                          </p:spTgt>
-                                        </p:tgtEl>
-                                        <p:attrNameLst>
-                                          <p:attrName>style.visibility</p:attrName>
-                                        </p:attrNameLst>
-                                      </p:cBhvr>
-                                      <p:to>
-                                        <p:strVal val="visible"/>
-                                      </p:to>
-                                    </p:set>
-                                  </p:childTnLst>
-                                </p:cTn>
-                              </p:par>
-                            </p:childTnLst>
-                          </p:cTn>
-                        </p:par>
-                      </p:childTnLst>
-                    </p:cTn>
-                  </p:par>
-                  <p:par>
-                    <p:cTn id="11" fill="hold">
-                      <p:stCondLst>
-                        <p:cond delay="indefinite"/>
-                      </p:stCondLst>
-                      <p:childTnLst>
-                        <p:par>
-                          <p:cTn id="12" fill="hold">
-                            <p:stCondLst>
-                              <p:cond delay="0"/>
-                            </p:stCondLst>
-                            <p:childTnLst>
-                              <p:par>
-                                <p:cTn id="13" presetID="1" presetClass="entr" presetSubtype="0" fill="hold" nodeType="clickEffect">
-                                  <p:stCondLst>
-                                    <p:cond delay="0"/>
-                                  </p:stCondLst>
-                                  <p:childTnLst>
-                                    <p:set>
-                                      <p:cBhvr>
-                                        <p:cTn id="14" dur="1" fill="hold">
-                                          <p:stCondLst>
-                                            <p:cond delay="0"/>
-                                          </p:stCondLst>
-                                        </p:cTn>
-                                        <p:tgtEl>
-                                          <p:spTgt spid="96">
-                                            <p:txEl>
-                                              <p:pRg st="1" end="1"/>
-                                            </p:txEl>
-                                          </p:spTgt>
-                                        </p:tgtEl>
-                                        <p:attrNameLst>
-                                          <p:attrName>style.visibility</p:attrName>
-                                        </p:attrNameLst>
-                                      </p:cBhvr>
-                                      <p:to>
-                                        <p:strVal val="visible"/>
-                                      </p:to>
-                                    </p:set>
-                                  </p:childTnLst>
-                                </p:cTn>
-                              </p:par>
-                            </p:childTnLst>
-                          </p:cTn>
-                        </p:par>
-                      </p:childTnLst>
-                    </p:cTn>
-                  </p:par>
-                  <p:par>
-                    <p:cTn id="15" fill="hold">
-                      <p:stCondLst>
-                        <p:cond delay="indefinite"/>
-                      </p:stCondLst>
-                      <p:childTnLst>
-                        <p:par>
-                          <p:cTn id="16" fill="hold">
-                            <p:stCondLst>
-                              <p:cond delay="0"/>
-                            </p:stCondLst>
-                            <p:childTnLst>
-                              <p:par>
-                                <p:cTn id="17" presetID="1" presetClass="entr" presetSubtype="0" fill="hold" nodeType="clickEffect">
-                                  <p:stCondLst>
-                                    <p:cond delay="0"/>
-                                  </p:stCondLst>
-                                  <p:childTnLst>
-                                    <p:set>
-                                      <p:cBhvr>
-                                        <p:cTn id="18" dur="1" fill="hold">
-                                          <p:stCondLst>
-                                            <p:cond delay="0"/>
-                                          </p:stCondLst>
-                                        </p:cTn>
-                                        <p:tgtEl>
-                                          <p:spTgt spid="96">
-                                            <p:txEl>
-                                              <p:pRg st="3" end="3"/>
-                                            </p:txEl>
-                                          </p:spTgt>
-                                        </p:tgtEl>
-                                        <p:attrNameLst>
-                                          <p:attrName>style.visibility</p:attrName>
-                                        </p:attrNameLst>
-                                      </p:cBhvr>
-                                      <p:to>
-                                        <p:strVal val="visible"/>
-                                      </p:to>
-                                    </p:set>
-                                  </p:childTnLst>
-                                </p:cTn>
-                              </p:par>
-                            </p:childTnLst>
-                          </p:cTn>
-                        </p:par>
-                      </p:childTnLst>
-                    </p:cTn>
-                  </p:par>
-                  <p:par>
-                    <p:cTn id="19" fill="hold">
-                      <p:stCondLst>
-                        <p:cond delay="indefinite"/>
-                      </p:stCondLst>
-                      <p:childTnLst>
-                        <p:par>
-                          <p:cTn id="20" fill="hold">
-                            <p:stCondLst>
-                              <p:cond delay="0"/>
-                            </p:stCondLst>
-                            <p:childTnLst>
-                              <p:par>
-                                <p:cTn id="21" presetID="1" presetClass="entr" presetSubtype="0" fill="hold" nodeType="clickEffect">
-                                  <p:stCondLst>
-                                    <p:cond delay="0"/>
-                                  </p:stCondLst>
-                                  <p:childTnLst>
-                                    <p:set>
-                                      <p:cBhvr>
-                                        <p:cTn id="22" dur="1" fill="hold">
-                                          <p:stCondLst>
-                                            <p:cond delay="0"/>
-                                          </p:stCondLst>
-                                        </p:cTn>
-                                        <p:tgtEl>
-                                          <p:spTgt spid="96">
-                                            <p:txEl>
-                                              <p:pRg st="4" end="4"/>
-                                            </p:txEl>
-                                          </p:spTgt>
-                                        </p:tgtEl>
-                                        <p:attrNameLst>
-                                          <p:attrName>style.visibility</p:attrName>
-                                        </p:attrNameLst>
-                                      </p:cBhvr>
-                                      <p:to>
-                                        <p:strVal val="visible"/>
-                                      </p:to>
-                                    </p:set>
-                                  </p:childTnLst>
-                                </p:cTn>
-                              </p:par>
-                            </p:childTnLst>
-                          </p:cTn>
-                        </p:par>
-                      </p:childTnLst>
-                    </p:cTn>
-                  </p:par>
-                  <p:par>
-                    <p:cTn id="23" fill="hold">
-                      <p:stCondLst>
-                        <p:cond delay="indefinite"/>
-                      </p:stCondLst>
-                      <p:childTnLst>
-                        <p:par>
-                          <p:cTn id="24" fill="hold">
-                            <p:stCondLst>
-                              <p:cond delay="0"/>
-                            </p:stCondLst>
-                            <p:childTnLst>
-                              <p:par>
-                                <p:cTn id="25" presetID="1" presetClass="entr" presetSubtype="0" fill="hold" nodeType="clickEffect">
-                                  <p:stCondLst>
-                                    <p:cond delay="0"/>
-                                  </p:stCondLst>
-                                  <p:childTnLst>
-                                    <p:set>
-                                      <p:cBhvr>
-                                        <p:cTn id="26" dur="1" fill="hold">
-                                          <p:stCondLst>
-                                            <p:cond delay="0"/>
-                                          </p:stCondLst>
-                                        </p:cTn>
-                                        <p:tgtEl>
-                                          <p:spTgt spid="96">
-                                            <p:txEl>
-                                              <p:pRg st="5" end="5"/>
-                                            </p:txEl>
-                                          </p:spTgt>
-                                        </p:tgtEl>
-                                        <p:attrNameLst>
-                                          <p:attrName>style.visibility</p:attrName>
-                                        </p:attrNameLst>
-                                      </p:cBhvr>
-                                      <p:to>
-                                        <p:strVal val="visible"/>
-                                      </p:to>
-                                    </p:set>
-                                  </p:childTnLst>
-                                </p:cTn>
-                              </p:par>
-                            </p:childTnLst>
-                          </p:cTn>
-                        </p:par>
-                      </p:childTnLst>
-                    </p:cTn>
-                  </p:par>
-                  <p:par>
-                    <p:cTn id="27" fill="hold">
-                      <p:stCondLst>
-                        <p:cond delay="indefinite"/>
-                      </p:stCondLst>
-                      <p:childTnLst>
-                        <p:par>
-                          <p:cTn id="28" fill="hold">
-                            <p:stCondLst>
-                              <p:cond delay="0"/>
-                            </p:stCondLst>
-                            <p:childTnLst>
-                              <p:par>
-                                <p:cTn id="29" presetID="1" presetClass="entr" presetSubtype="0" fill="hold" nodeType="clickEffect">
-                                  <p:stCondLst>
-                                    <p:cond delay="0"/>
-                                  </p:stCondLst>
-                                  <p:childTnLst>
-                                    <p:set>
-                                      <p:cBhvr>
-                                        <p:cTn id="30" dur="1" fill="hold">
-                                          <p:stCondLst>
-                                            <p:cond delay="0"/>
-                                          </p:stCondLst>
-                                        </p:cTn>
-                                        <p:tgtEl>
-                                          <p:spTgt spid="96">
-                                            <p:txEl>
-                                              <p:pRg st="6" end="6"/>
-                                            </p:txEl>
-                                          </p:spTgt>
-                                        </p:tgtEl>
-                                        <p:attrNameLst>
-                                          <p:attrName>style.visibility</p:attrName>
-                                        </p:attrNameLst>
-                                      </p:cBhvr>
-                                      <p:to>
-                                        <p:strVal val="visible"/>
-                                      </p:to>
-                                    </p:set>
-                                  </p:childTnLst>
-                                </p:cTn>
-                              </p:par>
-                            </p:childTnLst>
-                          </p:cTn>
-                        </p:par>
-                      </p:childTnLst>
-                    </p:cTn>
-                  </p:par>
-                </p:childTnLst>
-              </p:cTn>
-              <p:prevCondLst>
-                <p:cond evt="onPrev" delay="0">
-                  <p:tgtEl>
-                    <p:sldTgt/>
-                  </p:tgtEl>
-                </p:cond>
-              </p:prevCondLst>
-              <p:nextCondLst>
-                <p:cond evt="onNext" delay="0">
-                  <p:tgtEl>
-                    <p:sldTgt/>
-                  </p:tgtEl>
-                </p:cond>
-              </p:nextCondLst>
-            </p:seq>
-          </p:childTnLst>
-        </p:cTn>
-      </p:par>
-    </p:tnLst>
-    <p:bldLst>
-      <p:bldP spid="96" grpId="0"/>
-    </p:bldLst>
-  </p:timing>
 </p:sld>
 </file>
 
@@ -11905,329 +9808,6 @@
   <p:clrMapOvr>
     <a:masterClrMapping/>
   </p:clrMapOvr>
-  <p:timing>
-    <p:tnLst>
-      <p:par>
-        <p:cTn id="1" dur="indefinite" restart="never" nodeType="tmRoot">
-          <p:childTnLst>
-            <p:seq concurrent="1" nextAc="seek">
-              <p:cTn id="2" dur="indefinite" nodeType="mainSeq">
-                <p:childTnLst>
-                  <p:par>
-                    <p:cTn id="3" fill="hold">
-                      <p:stCondLst>
-                        <p:cond delay="indefinite"/>
-                      </p:stCondLst>
-                      <p:childTnLst>
-                        <p:par>
-                          <p:cTn id="4" fill="hold">
-                            <p:stCondLst>
-                              <p:cond delay="0"/>
-                            </p:stCondLst>
-                            <p:childTnLst>
-                              <p:par>
-                                <p:cTn id="5" presetID="1" presetClass="entr" presetSubtype="0" fill="hold" grpId="0" nodeType="clickEffect">
-                                  <p:stCondLst>
-                                    <p:cond delay="0"/>
-                                  </p:stCondLst>
-                                  <p:childTnLst>
-                                    <p:set>
-                                      <p:cBhvr>
-                                        <p:cTn id="6" dur="1" fill="hold">
-                                          <p:stCondLst>
-                                            <p:cond delay="0"/>
-                                          </p:stCondLst>
-                                        </p:cTn>
-                                        <p:tgtEl>
-                                          <p:spTgt spid="96"/>
-                                        </p:tgtEl>
-                                        <p:attrNameLst>
-                                          <p:attrName>style.visibility</p:attrName>
-                                        </p:attrNameLst>
-                                      </p:cBhvr>
-                                      <p:to>
-                                        <p:strVal val="visible"/>
-                                      </p:to>
-                                    </p:set>
-                                  </p:childTnLst>
-                                </p:cTn>
-                              </p:par>
-                            </p:childTnLst>
-                          </p:cTn>
-                        </p:par>
-                      </p:childTnLst>
-                    </p:cTn>
-                  </p:par>
-                  <p:par>
-                    <p:cTn id="7" fill="hold">
-                      <p:stCondLst>
-                        <p:cond delay="indefinite"/>
-                      </p:stCondLst>
-                      <p:childTnLst>
-                        <p:par>
-                          <p:cTn id="8" fill="hold">
-                            <p:stCondLst>
-                              <p:cond delay="0"/>
-                            </p:stCondLst>
-                            <p:childTnLst>
-                              <p:par>
-                                <p:cTn id="9" presetID="1" presetClass="entr" presetSubtype="0" fill="hold" nodeType="clickEffect">
-                                  <p:stCondLst>
-                                    <p:cond delay="0"/>
-                                  </p:stCondLst>
-                                  <p:childTnLst>
-                                    <p:set>
-                                      <p:cBhvr>
-                                        <p:cTn id="10" dur="1" fill="hold">
-                                          <p:stCondLst>
-                                            <p:cond delay="0"/>
-                                          </p:stCondLst>
-                                        </p:cTn>
-                                        <p:tgtEl>
-                                          <p:spTgt spid="96">
-                                            <p:txEl>
-                                              <p:pRg st="0" end="0"/>
-                                            </p:txEl>
-                                          </p:spTgt>
-                                        </p:tgtEl>
-                                        <p:attrNameLst>
-                                          <p:attrName>style.visibility</p:attrName>
-                                        </p:attrNameLst>
-                                      </p:cBhvr>
-                                      <p:to>
-                                        <p:strVal val="visible"/>
-                                      </p:to>
-                                    </p:set>
-                                  </p:childTnLst>
-                                </p:cTn>
-                              </p:par>
-                            </p:childTnLst>
-                          </p:cTn>
-                        </p:par>
-                      </p:childTnLst>
-                    </p:cTn>
-                  </p:par>
-                  <p:par>
-                    <p:cTn id="11" fill="hold">
-                      <p:stCondLst>
-                        <p:cond delay="indefinite"/>
-                      </p:stCondLst>
-                      <p:childTnLst>
-                        <p:par>
-                          <p:cTn id="12" fill="hold">
-                            <p:stCondLst>
-                              <p:cond delay="0"/>
-                            </p:stCondLst>
-                            <p:childTnLst>
-                              <p:par>
-                                <p:cTn id="13" presetID="1" presetClass="entr" presetSubtype="0" fill="hold" nodeType="clickEffect">
-                                  <p:stCondLst>
-                                    <p:cond delay="0"/>
-                                  </p:stCondLst>
-                                  <p:childTnLst>
-                                    <p:set>
-                                      <p:cBhvr>
-                                        <p:cTn id="14" dur="1" fill="hold">
-                                          <p:stCondLst>
-                                            <p:cond delay="0"/>
-                                          </p:stCondLst>
-                                        </p:cTn>
-                                        <p:tgtEl>
-                                          <p:spTgt spid="96">
-                                            <p:txEl>
-                                              <p:pRg st="1" end="1"/>
-                                            </p:txEl>
-                                          </p:spTgt>
-                                        </p:tgtEl>
-                                        <p:attrNameLst>
-                                          <p:attrName>style.visibility</p:attrName>
-                                        </p:attrNameLst>
-                                      </p:cBhvr>
-                                      <p:to>
-                                        <p:strVal val="visible"/>
-                                      </p:to>
-                                    </p:set>
-                                  </p:childTnLst>
-                                </p:cTn>
-                              </p:par>
-                            </p:childTnLst>
-                          </p:cTn>
-                        </p:par>
-                      </p:childTnLst>
-                    </p:cTn>
-                  </p:par>
-                  <p:par>
-                    <p:cTn id="15" fill="hold">
-                      <p:stCondLst>
-                        <p:cond delay="indefinite"/>
-                      </p:stCondLst>
-                      <p:childTnLst>
-                        <p:par>
-                          <p:cTn id="16" fill="hold">
-                            <p:stCondLst>
-                              <p:cond delay="0"/>
-                            </p:stCondLst>
-                            <p:childTnLst>
-                              <p:par>
-                                <p:cTn id="17" presetID="1" presetClass="entr" presetSubtype="0" fill="hold" nodeType="clickEffect">
-                                  <p:stCondLst>
-                                    <p:cond delay="0"/>
-                                  </p:stCondLst>
-                                  <p:childTnLst>
-                                    <p:set>
-                                      <p:cBhvr>
-                                        <p:cTn id="18" dur="1" fill="hold">
-                                          <p:stCondLst>
-                                            <p:cond delay="0"/>
-                                          </p:stCondLst>
-                                        </p:cTn>
-                                        <p:tgtEl>
-                                          <p:spTgt spid="96">
-                                            <p:txEl>
-                                              <p:pRg st="2" end="2"/>
-                                            </p:txEl>
-                                          </p:spTgt>
-                                        </p:tgtEl>
-                                        <p:attrNameLst>
-                                          <p:attrName>style.visibility</p:attrName>
-                                        </p:attrNameLst>
-                                      </p:cBhvr>
-                                      <p:to>
-                                        <p:strVal val="visible"/>
-                                      </p:to>
-                                    </p:set>
-                                  </p:childTnLst>
-                                </p:cTn>
-                              </p:par>
-                            </p:childTnLst>
-                          </p:cTn>
-                        </p:par>
-                      </p:childTnLst>
-                    </p:cTn>
-                  </p:par>
-                  <p:par>
-                    <p:cTn id="19" fill="hold">
-                      <p:stCondLst>
-                        <p:cond delay="indefinite"/>
-                      </p:stCondLst>
-                      <p:childTnLst>
-                        <p:par>
-                          <p:cTn id="20" fill="hold">
-                            <p:stCondLst>
-                              <p:cond delay="0"/>
-                            </p:stCondLst>
-                            <p:childTnLst>
-                              <p:par>
-                                <p:cTn id="21" presetID="1" presetClass="entr" presetSubtype="0" fill="hold" nodeType="clickEffect">
-                                  <p:stCondLst>
-                                    <p:cond delay="0"/>
-                                  </p:stCondLst>
-                                  <p:childTnLst>
-                                    <p:set>
-                                      <p:cBhvr>
-                                        <p:cTn id="22" dur="1" fill="hold">
-                                          <p:stCondLst>
-                                            <p:cond delay="0"/>
-                                          </p:stCondLst>
-                                        </p:cTn>
-                                        <p:tgtEl>
-                                          <p:spTgt spid="96">
-                                            <p:txEl>
-                                              <p:pRg st="3" end="3"/>
-                                            </p:txEl>
-                                          </p:spTgt>
-                                        </p:tgtEl>
-                                        <p:attrNameLst>
-                                          <p:attrName>style.visibility</p:attrName>
-                                        </p:attrNameLst>
-                                      </p:cBhvr>
-                                      <p:to>
-                                        <p:strVal val="visible"/>
-                                      </p:to>
-                                    </p:set>
-                                  </p:childTnLst>
-                                </p:cTn>
-                              </p:par>
-                            </p:childTnLst>
-                          </p:cTn>
-                        </p:par>
-                      </p:childTnLst>
-                    </p:cTn>
-                  </p:par>
-                  <p:par>
-                    <p:cTn id="23" fill="hold">
-                      <p:stCondLst>
-                        <p:cond delay="indefinite"/>
-                      </p:stCondLst>
-                      <p:childTnLst>
-                        <p:par>
-                          <p:cTn id="24" fill="hold">
-                            <p:stCondLst>
-                              <p:cond delay="0"/>
-                            </p:stCondLst>
-                            <p:childTnLst>
-                              <p:par>
-                                <p:cTn id="25" presetID="1" presetClass="entr" presetSubtype="0" fill="hold" nodeType="clickEffect">
-                                  <p:stCondLst>
-                                    <p:cond delay="0"/>
-                                  </p:stCondLst>
-                                  <p:childTnLst>
-                                    <p:set>
-                                      <p:cBhvr>
-                                        <p:cTn id="26" dur="1" fill="hold">
-                                          <p:stCondLst>
-                                            <p:cond delay="0"/>
-                                          </p:stCondLst>
-                                        </p:cTn>
-                                        <p:tgtEl>
-                                          <p:spTgt spid="96">
-                                            <p:txEl>
-                                              <p:pRg st="4" end="4"/>
-                                            </p:txEl>
-                                          </p:spTgt>
-                                        </p:tgtEl>
-                                        <p:attrNameLst>
-                                          <p:attrName>style.visibility</p:attrName>
-                                        </p:attrNameLst>
-                                      </p:cBhvr>
-                                      <p:to>
-                                        <p:strVal val="visible"/>
-                                      </p:to>
-                                    </p:set>
-                                  </p:childTnLst>
-                                </p:cTn>
-                              </p:par>
-                            </p:childTnLst>
-                          </p:cTn>
-                        </p:par>
-                      </p:childTnLst>
-                    </p:cTn>
-                  </p:par>
-                </p:childTnLst>
-              </p:cTn>
-              <p:prevCondLst>
-                <p:cond evt="onPrev" delay="0">
-                  <p:tgtEl>
-                    <p:sldTgt/>
-                  </p:tgtEl>
-                </p:cond>
-              </p:prevCondLst>
-              <p:nextCondLst>
-                <p:cond evt="onNext" delay="0">
-                  <p:tgtEl>
-                    <p:sldTgt/>
-                  </p:tgtEl>
-                </p:cond>
-              </p:nextCondLst>
-            </p:seq>
-          </p:childTnLst>
-        </p:cTn>
-      </p:par>
-    </p:tnLst>
-    <p:bldLst>
-      <p:bldP spid="96" grpId="0"/>
-    </p:bldLst>
-  </p:timing>
 </p:sld>
 </file>
 
@@ -12298,7 +9878,7 @@
         <p:spPr>
           <a:xfrm>
             <a:off x="521776" y="1382233"/>
-            <a:ext cx="8864076" cy="4176000"/>
+            <a:ext cx="11277600" cy="3015832"/>
           </a:xfrm>
           <a:prstGeom prst="rect">
             <a:avLst/>
@@ -12320,84 +9900,7 @@
             </a:pPr>
             <a:r>
               <a:rPr lang="en-US" dirty="0"/>
-              <a:t>each class has its own dedicated parameter vector </a:t>
-            </a:r>
-            <a:r>
-              <a:rPr lang="en-US" b="1" dirty="0"/>
-              <a:t>θ</a:t>
-            </a:r>
-            <a:r>
-              <a:rPr lang="en-US" i="1" dirty="0"/>
-              <a:t>(k)</a:t>
-            </a:r>
-            <a:r>
-              <a:rPr lang="en-US" dirty="0"/>
-              <a:t>. </a:t>
-            </a:r>
-          </a:p>
-          <a:p>
-            <a:pPr marL="342900" indent="-342900">
-              <a:buFont typeface="Arial" panose="020B0604020202020204" pitchFamily="34" charset="0"/>
-              <a:buChar char="•"/>
-            </a:pPr>
-            <a:r>
-              <a:rPr lang="en-US" dirty="0"/>
-              <a:t>All these vectors are typically stored as rows in a </a:t>
-            </a:r>
-            <a:r>
-              <a:rPr lang="en-US" i="1" dirty="0"/>
-              <a:t>parameter matrix </a:t>
-            </a:r>
-            <a:r>
-              <a:rPr lang="en-US" b="1" dirty="0"/>
-              <a:t>Θ</a:t>
-            </a:r>
-            <a:endParaRPr lang="en-US" dirty="0"/>
-          </a:p>
-          <a:p>
-            <a:pPr marL="342900" indent="-342900">
-              <a:buFont typeface="Arial" panose="020B0604020202020204" pitchFamily="34" charset="0"/>
-              <a:buChar char="•"/>
-            </a:pPr>
-            <a:r>
-              <a:rPr lang="en-US" dirty="0"/>
-              <a:t>You can estimate probability of an instance belonging to a class </a:t>
-            </a:r>
-            <a:r>
-              <a:rPr lang="en-US" i="1" dirty="0"/>
-              <a:t>k</a:t>
-            </a:r>
-            <a:r>
-              <a:rPr lang="en-US" dirty="0"/>
-              <a:t> by running scores through </a:t>
-            </a:r>
-            <a:r>
-              <a:rPr lang="en-US" dirty="0" err="1"/>
-              <a:t>softmax</a:t>
-            </a:r>
-            <a:r>
-              <a:rPr lang="en-US" dirty="0"/>
-              <a:t> function</a:t>
-            </a:r>
-          </a:p>
-          <a:p>
-            <a:pPr marL="342900" indent="-342900">
-              <a:buFont typeface="Arial" panose="020B0604020202020204" pitchFamily="34" charset="0"/>
-              <a:buChar char="•"/>
-            </a:pPr>
-            <a:r>
-              <a:rPr lang="en-US" dirty="0"/>
-              <a:t>Softmax function computes exponential of every score, then normalizes them (dividing by sum of all exponentials).</a:t>
-            </a:r>
-          </a:p>
-          <a:p>
-            <a:pPr marL="342900" indent="-342900">
-              <a:buFont typeface="Arial" panose="020B0604020202020204" pitchFamily="34" charset="0"/>
-              <a:buChar char="•"/>
-            </a:pPr>
-            <a:r>
-              <a:rPr lang="en-US" dirty="0"/>
-              <a:t>Scores generally called logits</a:t>
+              <a:t>Predicts class with highest estimated probability (class with highest score)</a:t>
             </a:r>
           </a:p>
           <a:p>
@@ -12408,19 +9911,114 @@
             <a:endParaRPr lang="en-US" dirty="0"/>
           </a:p>
           <a:p>
+            <a:pPr marL="342900" indent="-342900">
+              <a:buFont typeface="Arial" panose="020B0604020202020204" pitchFamily="34" charset="0"/>
+              <a:buChar char="•"/>
+            </a:pPr>
             <a:endParaRPr lang="en-US" dirty="0"/>
           </a:p>
           <a:p>
+            <a:endParaRPr lang="en-US" dirty="0"/>
+          </a:p>
+          <a:p>
+            <a:pPr marL="342900" indent="-342900">
+              <a:buFont typeface="Arial" panose="020B0604020202020204" pitchFamily="34" charset="0"/>
+              <a:buChar char="•"/>
+            </a:pPr>
+            <a:r>
+              <a:rPr lang="en-US" i="1" dirty="0">
+                <a:latin typeface="MinionPro-It"/>
+              </a:rPr>
+              <a:t>argmax </a:t>
+            </a:r>
+            <a:r>
+              <a:rPr lang="en-US" dirty="0">
+                <a:latin typeface="MinionPro-Regular"/>
+              </a:rPr>
+              <a:t>operator returns the value of a variable that maximizes a function. In this equation, it returns the value of </a:t>
+            </a:r>
+            <a:r>
+              <a:rPr lang="en-US" i="1" dirty="0">
+                <a:latin typeface="MinionPro-It"/>
+              </a:rPr>
+              <a:t>k </a:t>
+            </a:r>
+            <a:r>
+              <a:rPr lang="en-US" dirty="0">
+                <a:latin typeface="MinionPro-Regular"/>
+              </a:rPr>
+              <a:t>that maximizes the estimated probability </a:t>
+            </a:r>
+            <a:r>
+              <a:rPr lang="el-GR" i="1" dirty="0">
+                <a:latin typeface="MinionPro-It"/>
+              </a:rPr>
+              <a:t>σ</a:t>
+            </a:r>
+            <a:r>
+              <a:rPr lang="el-GR" dirty="0">
+                <a:latin typeface="MinionPro-Regular"/>
+              </a:rPr>
+              <a:t>(</a:t>
+            </a:r>
+            <a:r>
+              <a:rPr lang="en-US" b="1" dirty="0">
+                <a:latin typeface="MinionPro-Bold"/>
+              </a:rPr>
+              <a:t>s</a:t>
+            </a:r>
+            <a:r>
+              <a:rPr lang="en-US" dirty="0">
+                <a:latin typeface="MinionPro-Regular"/>
+              </a:rPr>
+              <a:t>(</a:t>
+            </a:r>
+            <a:r>
+              <a:rPr lang="en-US" b="1" dirty="0">
+                <a:latin typeface="MinionPro-Bold"/>
+              </a:rPr>
+              <a:t>x</a:t>
+            </a:r>
+            <a:r>
+              <a:rPr lang="en-US" dirty="0">
+                <a:latin typeface="MinionPro-Regular"/>
+              </a:rPr>
+              <a:t>))</a:t>
+            </a:r>
+            <a:r>
+              <a:rPr lang="en-US" i="1" baseline="-25000" dirty="0">
+                <a:latin typeface="MinionPro-It"/>
+              </a:rPr>
+              <a:t>k</a:t>
+            </a:r>
+            <a:r>
+              <a:rPr lang="en-US" dirty="0">
+                <a:latin typeface="MinionPro-Regular"/>
+              </a:rPr>
+              <a:t>.</a:t>
+            </a:r>
+          </a:p>
+          <a:p>
+            <a:pPr marL="342900" indent="-342900">
+              <a:buFont typeface="Arial" panose="020B0604020202020204" pitchFamily="34" charset="0"/>
+              <a:buChar char="•"/>
+            </a:pPr>
+            <a:r>
+              <a:rPr lang="en-US" dirty="0">
+                <a:latin typeface="MinionPro-Regular"/>
+              </a:rPr>
+              <a:t>Cross entropy is frequently used to measure how well a set of estimated class probabilities match the target classes. Cost function.</a:t>
+            </a:r>
             <a:endParaRPr dirty="0"/>
           </a:p>
         </p:txBody>
       </p:sp>
       <p:pic>
         <p:nvPicPr>
-          <p:cNvPr id="4" name="Picture 3">
+          <p:cNvPr id="3" name="Picture 2">
             <a:extLst>
               <a:ext uri="{FF2B5EF4-FFF2-40B4-BE49-F238E27FC236}">
-                <a16:creationId xmlns:a16="http://schemas.microsoft.com/office/drawing/2014/main" id="{25747636-A202-43D7-BD86-C4CC4E3B8583}"/>
+                <a16:creationId xmlns:a16="http://schemas.microsoft.com/office/drawing/2014/main" id="{FB866F95-3C51-42CF-80AD-3B938610A6D6}"/>
               </a:ext>
             </a:extLst>
           </p:cNvPr>
@@ -12437,64 +10035,20 @@
         </p:blipFill>
         <p:spPr>
           <a:xfrm>
-            <a:off x="9385852" y="1406658"/>
-            <a:ext cx="2005083" cy="626588"/>
+            <a:off x="2655689" y="2188252"/>
+            <a:ext cx="5928690" cy="664278"/>
           </a:xfrm>
           <a:prstGeom prst="rect">
             <a:avLst/>
           </a:prstGeom>
         </p:spPr>
       </p:pic>
-      <p:sp>
-        <p:nvSpPr>
-          <p:cNvPr id="5" name="Rectangle 4">
+      <p:pic>
+        <p:nvPicPr>
+          <p:cNvPr id="5" name="Picture 4">
             <a:extLst>
               <a:ext uri="{FF2B5EF4-FFF2-40B4-BE49-F238E27FC236}">
-                <a16:creationId xmlns:a16="http://schemas.microsoft.com/office/drawing/2014/main" id="{D1B26AB1-9C7D-4954-9A38-708FEB937EB0}"/>
-              </a:ext>
-            </a:extLst>
-          </p:cNvPr>
-          <p:cNvSpPr/>
-          <p:nvPr/>
-        </p:nvSpPr>
-        <p:spPr>
-          <a:xfrm>
-            <a:off x="9385852" y="1991068"/>
-            <a:ext cx="2221057" cy="338554"/>
-          </a:xfrm>
-          <a:prstGeom prst="rect">
-            <a:avLst/>
-          </a:prstGeom>
-        </p:spPr>
-        <p:txBody>
-          <a:bodyPr wrap="none">
-            <a:spAutoFit/>
-          </a:bodyPr>
-          <a:lstStyle/>
-          <a:p>
-            <a:r>
-              <a:rPr lang="en-US" sz="1600" i="1" dirty="0">
-                <a:solidFill>
-                  <a:srgbClr val="E46102"/>
-                </a:solidFill>
-                <a:latin typeface="MinionPro-It"/>
-              </a:rPr>
-              <a:t>Softmax score for class k</a:t>
-            </a:r>
-            <a:endParaRPr lang="en-US" sz="1600" dirty="0">
-              <a:solidFill>
-                <a:srgbClr val="E46102"/>
-              </a:solidFill>
-            </a:endParaRPr>
-          </a:p>
-        </p:txBody>
-      </p:sp>
-      <p:pic>
-        <p:nvPicPr>
-          <p:cNvPr id="3" name="Picture 2">
-            <a:extLst>
-              <a:ext uri="{FF2B5EF4-FFF2-40B4-BE49-F238E27FC236}">
-                <a16:creationId xmlns:a16="http://schemas.microsoft.com/office/drawing/2014/main" id="{C75FFBEC-DF95-4943-9560-DDA0566533B9}"/>
+                <a16:creationId xmlns:a16="http://schemas.microsoft.com/office/drawing/2014/main" id="{E234E614-CEB0-4657-A002-C967F77678FE}"/>
               </a:ext>
             </a:extLst>
           </p:cNvPr>
@@ -12511,377 +10065,119 @@
         </p:blipFill>
         <p:spPr>
           <a:xfrm>
-            <a:off x="771093" y="4793156"/>
-            <a:ext cx="3443498" cy="1071873"/>
+            <a:off x="8054872" y="4753625"/>
+            <a:ext cx="3046790" cy="519083"/>
           </a:xfrm>
           <a:prstGeom prst="rect">
             <a:avLst/>
           </a:prstGeom>
         </p:spPr>
       </p:pic>
-      <p:pic>
-        <p:nvPicPr>
-          <p:cNvPr id="7" name="Picture 6">
+      <p:sp>
+        <p:nvSpPr>
+          <p:cNvPr id="6" name="TextBox 5">
             <a:extLst>
               <a:ext uri="{FF2B5EF4-FFF2-40B4-BE49-F238E27FC236}">
-                <a16:creationId xmlns:a16="http://schemas.microsoft.com/office/drawing/2014/main" id="{5C5288BD-E9A1-49D3-86AB-0BB9E20B8A09}"/>
+                <a16:creationId xmlns:a16="http://schemas.microsoft.com/office/drawing/2014/main" id="{87A9B10A-C64B-44AC-8565-536094FFFF38}"/>
               </a:ext>
             </a:extLst>
           </p:cNvPr>
-          <p:cNvPicPr>
-            <a:picLocks noChangeAspect="1"/>
-          </p:cNvPicPr>
+          <p:cNvSpPr txBox="1"/>
           <p:nvPr/>
-        </p:nvPicPr>
-        <p:blipFill>
-          <a:blip r:embed="rId5"/>
-          <a:stretch>
-            <a:fillRect/>
-          </a:stretch>
-        </p:blipFill>
-        <p:spPr>
-          <a:xfrm>
-            <a:off x="4535400" y="4664891"/>
-            <a:ext cx="7568111" cy="1328405"/>
-          </a:xfrm>
-          <a:prstGeom prst="rect">
-            <a:avLst/>
-          </a:prstGeom>
-        </p:spPr>
-      </p:pic>
+        </p:nvSpPr>
+        <p:spPr>
+          <a:xfrm>
+            <a:off x="521776" y="4576596"/>
+            <a:ext cx="7439467" cy="1323439"/>
+          </a:xfrm>
+          <a:prstGeom prst="rect">
+            <a:avLst/>
+          </a:prstGeom>
+          <a:noFill/>
+        </p:spPr>
+        <p:txBody>
+          <a:bodyPr wrap="square" rtlCol="0">
+            <a:spAutoFit/>
+          </a:bodyPr>
+          <a:lstStyle/>
+          <a:p>
+            <a:pPr marL="342900" indent="-342900">
+              <a:buFont typeface="Arial" panose="020B0604020202020204" pitchFamily="34" charset="0"/>
+              <a:buChar char="•"/>
+            </a:pPr>
+            <a:r>
+              <a:rPr lang="en-US" sz="2000" i="1" dirty="0" err="1"/>
+              <a:t>y</a:t>
+            </a:r>
+            <a:r>
+              <a:rPr lang="en-US" sz="2000" i="1" baseline="-25000" dirty="0" err="1"/>
+              <a:t>k</a:t>
+            </a:r>
+            <a:r>
+              <a:rPr lang="en-US" sz="2000" i="1" baseline="30000" dirty="0"/>
+              <a:t>(</a:t>
+            </a:r>
+            <a:r>
+              <a:rPr lang="en-US" sz="2000" i="1" baseline="30000" dirty="0" err="1"/>
+              <a:t>i</a:t>
+            </a:r>
+            <a:r>
+              <a:rPr lang="en-US" sz="2000" i="1" baseline="30000" dirty="0"/>
+              <a:t>)</a:t>
+            </a:r>
+            <a:r>
+              <a:rPr lang="en-US" sz="2000" i="1" dirty="0"/>
+              <a:t> = </a:t>
+            </a:r>
+            <a:r>
+              <a:rPr lang="en-US" sz="2000" dirty="0"/>
+              <a:t>target </a:t>
+            </a:r>
+            <a:r>
+              <a:rPr lang="en-US" sz="2000"/>
+              <a:t>probability that the </a:t>
+            </a:r>
+            <a:r>
+              <a:rPr lang="en-US" sz="2000" dirty="0" err="1"/>
+              <a:t>i</a:t>
+            </a:r>
+            <a:r>
+              <a:rPr lang="en-US" sz="2000" baseline="-25000" dirty="0" err="1"/>
+              <a:t>th</a:t>
+            </a:r>
+            <a:r>
+              <a:rPr lang="en-US" sz="2000" dirty="0"/>
+              <a:t> instance belongs to class </a:t>
+            </a:r>
+            <a:r>
+              <a:rPr lang="en-US" sz="2000" i="1" dirty="0"/>
+              <a:t>k</a:t>
+            </a:r>
+            <a:r>
+              <a:rPr lang="en-US" sz="2000" dirty="0"/>
+              <a:t>. It is either equal to 1 or 0, depending on whether the instance belongs to the class or not. When (</a:t>
+            </a:r>
+            <a:r>
+              <a:rPr lang="en-US" sz="2000" i="1" dirty="0"/>
+              <a:t>K </a:t>
+            </a:r>
+            <a:r>
+              <a:rPr lang="en-US" sz="2000" dirty="0"/>
+              <a:t>= 2), this cost function is equivalent to the Logistic Regression’s cost function</a:t>
+            </a:r>
+          </a:p>
+        </p:txBody>
+      </p:sp>
     </p:spTree>
     <p:extLst>
       <p:ext uri="{BB962C8B-B14F-4D97-AF65-F5344CB8AC3E}">
-        <p14:creationId xmlns:p14="http://schemas.microsoft.com/office/powerpoint/2010/main" val="1406210294"/>
+        <p14:creationId xmlns:p14="http://schemas.microsoft.com/office/powerpoint/2010/main" val="264381587"/>
       </p:ext>
     </p:extLst>
   </p:cSld>
   <p:clrMapOvr>
     <a:masterClrMapping/>
   </p:clrMapOvr>
-  <p:timing>
-    <p:tnLst>
-      <p:par>
-        <p:cTn id="1" dur="indefinite" restart="never" nodeType="tmRoot">
-          <p:childTnLst>
-            <p:seq concurrent="1" nextAc="seek">
-              <p:cTn id="2" dur="indefinite" nodeType="mainSeq">
-                <p:childTnLst>
-                  <p:par>
-                    <p:cTn id="3" fill="hold">
-                      <p:stCondLst>
-                        <p:cond delay="indefinite"/>
-                      </p:stCondLst>
-                      <p:childTnLst>
-                        <p:par>
-                          <p:cTn id="4" fill="hold">
-                            <p:stCondLst>
-                              <p:cond delay="0"/>
-                            </p:stCondLst>
-                            <p:childTnLst>
-                              <p:par>
-                                <p:cTn id="5" presetID="1" presetClass="entr" presetSubtype="0" fill="hold" grpId="0" nodeType="clickEffect">
-                                  <p:stCondLst>
-                                    <p:cond delay="0"/>
-                                  </p:stCondLst>
-                                  <p:childTnLst>
-                                    <p:set>
-                                      <p:cBhvr>
-                                        <p:cTn id="6" dur="1" fill="hold">
-                                          <p:stCondLst>
-                                            <p:cond delay="0"/>
-                                          </p:stCondLst>
-                                        </p:cTn>
-                                        <p:tgtEl>
-                                          <p:spTgt spid="96"/>
-                                        </p:tgtEl>
-                                        <p:attrNameLst>
-                                          <p:attrName>style.visibility</p:attrName>
-                                        </p:attrNameLst>
-                                      </p:cBhvr>
-                                      <p:to>
-                                        <p:strVal val="visible"/>
-                                      </p:to>
-                                    </p:set>
-                                  </p:childTnLst>
-                                </p:cTn>
-                              </p:par>
-                            </p:childTnLst>
-                          </p:cTn>
-                        </p:par>
-                      </p:childTnLst>
-                    </p:cTn>
-                  </p:par>
-                  <p:par>
-                    <p:cTn id="7" fill="hold">
-                      <p:stCondLst>
-                        <p:cond delay="indefinite"/>
-                      </p:stCondLst>
-                      <p:childTnLst>
-                        <p:par>
-                          <p:cTn id="8" fill="hold">
-                            <p:stCondLst>
-                              <p:cond delay="0"/>
-                            </p:stCondLst>
-                            <p:childTnLst>
-                              <p:par>
-                                <p:cTn id="9" presetID="1" presetClass="entr" presetSubtype="0" fill="hold" nodeType="clickEffect">
-                                  <p:stCondLst>
-                                    <p:cond delay="0"/>
-                                  </p:stCondLst>
-                                  <p:childTnLst>
-                                    <p:set>
-                                      <p:cBhvr>
-                                        <p:cTn id="10" dur="1" fill="hold">
-                                          <p:stCondLst>
-                                            <p:cond delay="0"/>
-                                          </p:stCondLst>
-                                        </p:cTn>
-                                        <p:tgtEl>
-                                          <p:spTgt spid="96">
-                                            <p:txEl>
-                                              <p:pRg st="0" end="0"/>
-                                            </p:txEl>
-                                          </p:spTgt>
-                                        </p:tgtEl>
-                                        <p:attrNameLst>
-                                          <p:attrName>style.visibility</p:attrName>
-                                        </p:attrNameLst>
-                                      </p:cBhvr>
-                                      <p:to>
-                                        <p:strVal val="visible"/>
-                                      </p:to>
-                                    </p:set>
-                                  </p:childTnLst>
-                                </p:cTn>
-                              </p:par>
-                            </p:childTnLst>
-                          </p:cTn>
-                        </p:par>
-                      </p:childTnLst>
-                    </p:cTn>
-                  </p:par>
-                  <p:par>
-                    <p:cTn id="11" fill="hold">
-                      <p:stCondLst>
-                        <p:cond delay="indefinite"/>
-                      </p:stCondLst>
-                      <p:childTnLst>
-                        <p:par>
-                          <p:cTn id="12" fill="hold">
-                            <p:stCondLst>
-                              <p:cond delay="0"/>
-                            </p:stCondLst>
-                            <p:childTnLst>
-                              <p:par>
-                                <p:cTn id="13" presetID="1" presetClass="entr" presetSubtype="0" fill="hold" nodeType="clickEffect">
-                                  <p:stCondLst>
-                                    <p:cond delay="0"/>
-                                  </p:stCondLst>
-                                  <p:childTnLst>
-                                    <p:set>
-                                      <p:cBhvr>
-                                        <p:cTn id="14" dur="1" fill="hold">
-                                          <p:stCondLst>
-                                            <p:cond delay="0"/>
-                                          </p:stCondLst>
-                                        </p:cTn>
-                                        <p:tgtEl>
-                                          <p:spTgt spid="96">
-                                            <p:txEl>
-                                              <p:pRg st="1" end="1"/>
-                                            </p:txEl>
-                                          </p:spTgt>
-                                        </p:tgtEl>
-                                        <p:attrNameLst>
-                                          <p:attrName>style.visibility</p:attrName>
-                                        </p:attrNameLst>
-                                      </p:cBhvr>
-                                      <p:to>
-                                        <p:strVal val="visible"/>
-                                      </p:to>
-                                    </p:set>
-                                  </p:childTnLst>
-                                </p:cTn>
-                              </p:par>
-                            </p:childTnLst>
-                          </p:cTn>
-                        </p:par>
-                      </p:childTnLst>
-                    </p:cTn>
-                  </p:par>
-                  <p:par>
-                    <p:cTn id="15" fill="hold">
-                      <p:stCondLst>
-                        <p:cond delay="indefinite"/>
-                      </p:stCondLst>
-                      <p:childTnLst>
-                        <p:par>
-                          <p:cTn id="16" fill="hold">
-                            <p:stCondLst>
-                              <p:cond delay="0"/>
-                            </p:stCondLst>
-                            <p:childTnLst>
-                              <p:par>
-                                <p:cTn id="17" presetID="1" presetClass="entr" presetSubtype="0" fill="hold" nodeType="clickEffect">
-                                  <p:stCondLst>
-                                    <p:cond delay="0"/>
-                                  </p:stCondLst>
-                                  <p:childTnLst>
-                                    <p:set>
-                                      <p:cBhvr>
-                                        <p:cTn id="18" dur="1" fill="hold">
-                                          <p:stCondLst>
-                                            <p:cond delay="0"/>
-                                          </p:stCondLst>
-                                        </p:cTn>
-                                        <p:tgtEl>
-                                          <p:spTgt spid="96">
-                                            <p:txEl>
-                                              <p:pRg st="2" end="2"/>
-                                            </p:txEl>
-                                          </p:spTgt>
-                                        </p:tgtEl>
-                                        <p:attrNameLst>
-                                          <p:attrName>style.visibility</p:attrName>
-                                        </p:attrNameLst>
-                                      </p:cBhvr>
-                                      <p:to>
-                                        <p:strVal val="visible"/>
-                                      </p:to>
-                                    </p:set>
-                                  </p:childTnLst>
-                                </p:cTn>
-                              </p:par>
-                            </p:childTnLst>
-                          </p:cTn>
-                        </p:par>
-                      </p:childTnLst>
-                    </p:cTn>
-                  </p:par>
-                  <p:par>
-                    <p:cTn id="19" fill="hold">
-                      <p:stCondLst>
-                        <p:cond delay="indefinite"/>
-                      </p:stCondLst>
-                      <p:childTnLst>
-                        <p:par>
-                          <p:cTn id="20" fill="hold">
-                            <p:stCondLst>
-                              <p:cond delay="0"/>
-                            </p:stCondLst>
-                            <p:childTnLst>
-                              <p:par>
-                                <p:cTn id="21" presetID="1" presetClass="entr" presetSubtype="0" fill="hold" nodeType="clickEffect">
-                                  <p:stCondLst>
-                                    <p:cond delay="0"/>
-                                  </p:stCondLst>
-                                  <p:childTnLst>
-                                    <p:set>
-                                      <p:cBhvr>
-                                        <p:cTn id="22" dur="1" fill="hold">
-                                          <p:stCondLst>
-                                            <p:cond delay="0"/>
-                                          </p:stCondLst>
-                                        </p:cTn>
-                                        <p:tgtEl>
-                                          <p:spTgt spid="96">
-                                            <p:txEl>
-                                              <p:pRg st="3" end="3"/>
-                                            </p:txEl>
-                                          </p:spTgt>
-                                        </p:tgtEl>
-                                        <p:attrNameLst>
-                                          <p:attrName>style.visibility</p:attrName>
-                                        </p:attrNameLst>
-                                      </p:cBhvr>
-                                      <p:to>
-                                        <p:strVal val="visible"/>
-                                      </p:to>
-                                    </p:set>
-                                  </p:childTnLst>
-                                </p:cTn>
-                              </p:par>
-                            </p:childTnLst>
-                          </p:cTn>
-                        </p:par>
-                      </p:childTnLst>
-                    </p:cTn>
-                  </p:par>
-                  <p:par>
-                    <p:cTn id="23" fill="hold">
-                      <p:stCondLst>
-                        <p:cond delay="indefinite"/>
-                      </p:stCondLst>
-                      <p:childTnLst>
-                        <p:par>
-                          <p:cTn id="24" fill="hold">
-                            <p:stCondLst>
-                              <p:cond delay="0"/>
-                            </p:stCondLst>
-                            <p:childTnLst>
-                              <p:par>
-                                <p:cTn id="25" presetID="1" presetClass="entr" presetSubtype="0" fill="hold" nodeType="clickEffect">
-                                  <p:stCondLst>
-                                    <p:cond delay="0"/>
-                                  </p:stCondLst>
-                                  <p:childTnLst>
-                                    <p:set>
-                                      <p:cBhvr>
-                                        <p:cTn id="26" dur="1" fill="hold">
-                                          <p:stCondLst>
-                                            <p:cond delay="0"/>
-                                          </p:stCondLst>
-                                        </p:cTn>
-                                        <p:tgtEl>
-                                          <p:spTgt spid="96">
-                                            <p:txEl>
-                                              <p:pRg st="4" end="4"/>
-                                            </p:txEl>
-                                          </p:spTgt>
-                                        </p:tgtEl>
-                                        <p:attrNameLst>
-                                          <p:attrName>style.visibility</p:attrName>
-                                        </p:attrNameLst>
-                                      </p:cBhvr>
-                                      <p:to>
-                                        <p:strVal val="visible"/>
-                                      </p:to>
-                                    </p:set>
-                                  </p:childTnLst>
-                                </p:cTn>
-                              </p:par>
-                            </p:childTnLst>
-                          </p:cTn>
-                        </p:par>
-                      </p:childTnLst>
-                    </p:cTn>
-                  </p:par>
-                </p:childTnLst>
-              </p:cTn>
-              <p:prevCondLst>
-                <p:cond evt="onPrev" delay="0">
-                  <p:tgtEl>
-                    <p:sldTgt/>
-                  </p:tgtEl>
-                </p:cond>
-              </p:prevCondLst>
-              <p:nextCondLst>
-                <p:cond evt="onNext" delay="0">
-                  <p:tgtEl>
-                    <p:sldTgt/>
-                  </p:tgtEl>
-                </p:cond>
-              </p:nextCondLst>
-            </p:seq>
-          </p:childTnLst>
-        </p:cTn>
-      </p:par>
-    </p:tnLst>
-    <p:bldLst>
-      <p:bldP spid="96" grpId="0"/>
-    </p:bldLst>
-  </p:timing>
 </p:sld>
 </file>
 
@@ -12952,601 +10248,6 @@
         <p:spPr>
           <a:xfrm>
             <a:off x="521776" y="1382233"/>
-            <a:ext cx="11277600" cy="3015832"/>
-          </a:xfrm>
-          <a:prstGeom prst="rect">
-            <a:avLst/>
-          </a:prstGeom>
-          <a:noFill/>
-          <a:ln>
-            <a:noFill/>
-          </a:ln>
-        </p:spPr>
-        <p:txBody>
-          <a:bodyPr spcFirstLastPara="1" wrap="square" lIns="121900" tIns="121900" rIns="121900" bIns="121900" anchor="t" anchorCtr="0">
-            <a:noAutofit/>
-          </a:bodyPr>
-          <a:lstStyle/>
-          <a:p>
-            <a:pPr marL="342900" indent="-342900">
-              <a:buFont typeface="Arial" panose="020B0604020202020204" pitchFamily="34" charset="0"/>
-              <a:buChar char="•"/>
-            </a:pPr>
-            <a:r>
-              <a:rPr lang="en-US" dirty="0"/>
-              <a:t>Predicts class with highest estimated probability (class with highest score)</a:t>
-            </a:r>
-          </a:p>
-          <a:p>
-            <a:pPr marL="342900" indent="-342900">
-              <a:buFont typeface="Arial" panose="020B0604020202020204" pitchFamily="34" charset="0"/>
-              <a:buChar char="•"/>
-            </a:pPr>
-            <a:endParaRPr lang="en-US" dirty="0"/>
-          </a:p>
-          <a:p>
-            <a:pPr marL="342900" indent="-342900">
-              <a:buFont typeface="Arial" panose="020B0604020202020204" pitchFamily="34" charset="0"/>
-              <a:buChar char="•"/>
-            </a:pPr>
-            <a:endParaRPr lang="en-US" dirty="0"/>
-          </a:p>
-          <a:p>
-            <a:endParaRPr lang="en-US" dirty="0"/>
-          </a:p>
-          <a:p>
-            <a:pPr marL="342900" indent="-342900">
-              <a:buFont typeface="Arial" panose="020B0604020202020204" pitchFamily="34" charset="0"/>
-              <a:buChar char="•"/>
-            </a:pPr>
-            <a:r>
-              <a:rPr lang="en-US" i="1" dirty="0">
-                <a:latin typeface="MinionPro-It"/>
-              </a:rPr>
-              <a:t>argmax </a:t>
-            </a:r>
-            <a:r>
-              <a:rPr lang="en-US" dirty="0">
-                <a:latin typeface="MinionPro-Regular"/>
-              </a:rPr>
-              <a:t>operator returns the value of a variable that maximizes a function. In this equation, it returns the value of </a:t>
-            </a:r>
-            <a:r>
-              <a:rPr lang="en-US" i="1" dirty="0">
-                <a:latin typeface="MinionPro-It"/>
-              </a:rPr>
-              <a:t>k </a:t>
-            </a:r>
-            <a:r>
-              <a:rPr lang="en-US" dirty="0">
-                <a:latin typeface="MinionPro-Regular"/>
-              </a:rPr>
-              <a:t>that maximizes the estimated probability </a:t>
-            </a:r>
-            <a:r>
-              <a:rPr lang="el-GR" i="1" dirty="0">
-                <a:latin typeface="MinionPro-It"/>
-              </a:rPr>
-              <a:t>σ</a:t>
-            </a:r>
-            <a:r>
-              <a:rPr lang="el-GR" dirty="0">
-                <a:latin typeface="MinionPro-Regular"/>
-              </a:rPr>
-              <a:t>(</a:t>
-            </a:r>
-            <a:r>
-              <a:rPr lang="en-US" b="1" dirty="0">
-                <a:latin typeface="MinionPro-Bold"/>
-              </a:rPr>
-              <a:t>s</a:t>
-            </a:r>
-            <a:r>
-              <a:rPr lang="en-US" dirty="0">
-                <a:latin typeface="MinionPro-Regular"/>
-              </a:rPr>
-              <a:t>(</a:t>
-            </a:r>
-            <a:r>
-              <a:rPr lang="en-US" b="1" dirty="0">
-                <a:latin typeface="MinionPro-Bold"/>
-              </a:rPr>
-              <a:t>x</a:t>
-            </a:r>
-            <a:r>
-              <a:rPr lang="en-US" dirty="0">
-                <a:latin typeface="MinionPro-Regular"/>
-              </a:rPr>
-              <a:t>))</a:t>
-            </a:r>
-            <a:r>
-              <a:rPr lang="en-US" i="1" baseline="-25000" dirty="0">
-                <a:latin typeface="MinionPro-It"/>
-              </a:rPr>
-              <a:t>k</a:t>
-            </a:r>
-            <a:r>
-              <a:rPr lang="en-US" dirty="0">
-                <a:latin typeface="MinionPro-Regular"/>
-              </a:rPr>
-              <a:t>.</a:t>
-            </a:r>
-          </a:p>
-          <a:p>
-            <a:pPr marL="342900" indent="-342900">
-              <a:buFont typeface="Arial" panose="020B0604020202020204" pitchFamily="34" charset="0"/>
-              <a:buChar char="•"/>
-            </a:pPr>
-            <a:r>
-              <a:rPr lang="en-US" dirty="0">
-                <a:latin typeface="MinionPro-Regular"/>
-              </a:rPr>
-              <a:t>Cross entropy is frequently used to measure how well a set of estimated class probabilities match the target classes. Cost function.</a:t>
-            </a:r>
-            <a:endParaRPr dirty="0"/>
-          </a:p>
-        </p:txBody>
-      </p:sp>
-      <p:pic>
-        <p:nvPicPr>
-          <p:cNvPr id="3" name="Picture 2">
-            <a:extLst>
-              <a:ext uri="{FF2B5EF4-FFF2-40B4-BE49-F238E27FC236}">
-                <a16:creationId xmlns:a16="http://schemas.microsoft.com/office/drawing/2014/main" id="{FB866F95-3C51-42CF-80AD-3B938610A6D6}"/>
-              </a:ext>
-            </a:extLst>
-          </p:cNvPr>
-          <p:cNvPicPr>
-            <a:picLocks noChangeAspect="1"/>
-          </p:cNvPicPr>
-          <p:nvPr/>
-        </p:nvPicPr>
-        <p:blipFill>
-          <a:blip r:embed="rId3"/>
-          <a:stretch>
-            <a:fillRect/>
-          </a:stretch>
-        </p:blipFill>
-        <p:spPr>
-          <a:xfrm>
-            <a:off x="2655689" y="2188252"/>
-            <a:ext cx="5928690" cy="664278"/>
-          </a:xfrm>
-          <a:prstGeom prst="rect">
-            <a:avLst/>
-          </a:prstGeom>
-        </p:spPr>
-      </p:pic>
-      <p:pic>
-        <p:nvPicPr>
-          <p:cNvPr id="5" name="Picture 4">
-            <a:extLst>
-              <a:ext uri="{FF2B5EF4-FFF2-40B4-BE49-F238E27FC236}">
-                <a16:creationId xmlns:a16="http://schemas.microsoft.com/office/drawing/2014/main" id="{E234E614-CEB0-4657-A002-C967F77678FE}"/>
-              </a:ext>
-            </a:extLst>
-          </p:cNvPr>
-          <p:cNvPicPr>
-            <a:picLocks noChangeAspect="1"/>
-          </p:cNvPicPr>
-          <p:nvPr/>
-        </p:nvPicPr>
-        <p:blipFill>
-          <a:blip r:embed="rId4"/>
-          <a:stretch>
-            <a:fillRect/>
-          </a:stretch>
-        </p:blipFill>
-        <p:spPr>
-          <a:xfrm>
-            <a:off x="8054872" y="4753625"/>
-            <a:ext cx="3046790" cy="519083"/>
-          </a:xfrm>
-          <a:prstGeom prst="rect">
-            <a:avLst/>
-          </a:prstGeom>
-        </p:spPr>
-      </p:pic>
-      <p:sp>
-        <p:nvSpPr>
-          <p:cNvPr id="6" name="TextBox 5">
-            <a:extLst>
-              <a:ext uri="{FF2B5EF4-FFF2-40B4-BE49-F238E27FC236}">
-                <a16:creationId xmlns:a16="http://schemas.microsoft.com/office/drawing/2014/main" id="{87A9B10A-C64B-44AC-8565-536094FFFF38}"/>
-              </a:ext>
-            </a:extLst>
-          </p:cNvPr>
-          <p:cNvSpPr txBox="1"/>
-          <p:nvPr/>
-        </p:nvSpPr>
-        <p:spPr>
-          <a:xfrm>
-            <a:off x="521776" y="4576596"/>
-            <a:ext cx="7439467" cy="1323439"/>
-          </a:xfrm>
-          <a:prstGeom prst="rect">
-            <a:avLst/>
-          </a:prstGeom>
-          <a:noFill/>
-        </p:spPr>
-        <p:txBody>
-          <a:bodyPr wrap="square" rtlCol="0">
-            <a:spAutoFit/>
-          </a:bodyPr>
-          <a:lstStyle/>
-          <a:p>
-            <a:pPr marL="342900" indent="-342900">
-              <a:buFont typeface="Arial" panose="020B0604020202020204" pitchFamily="34" charset="0"/>
-              <a:buChar char="•"/>
-            </a:pPr>
-            <a:r>
-              <a:rPr lang="en-US" sz="2000" i="1" dirty="0" err="1"/>
-              <a:t>y</a:t>
-            </a:r>
-            <a:r>
-              <a:rPr lang="en-US" sz="2000" i="1" baseline="-25000" dirty="0" err="1"/>
-              <a:t>k</a:t>
-            </a:r>
-            <a:r>
-              <a:rPr lang="en-US" sz="2000" i="1" baseline="30000" dirty="0"/>
-              <a:t>(</a:t>
-            </a:r>
-            <a:r>
-              <a:rPr lang="en-US" sz="2000" i="1" baseline="30000" dirty="0" err="1"/>
-              <a:t>i</a:t>
-            </a:r>
-            <a:r>
-              <a:rPr lang="en-US" sz="2000" i="1" baseline="30000" dirty="0"/>
-              <a:t>)</a:t>
-            </a:r>
-            <a:r>
-              <a:rPr lang="en-US" sz="2000" i="1" dirty="0"/>
-              <a:t> = </a:t>
-            </a:r>
-            <a:r>
-              <a:rPr lang="en-US" sz="2000" dirty="0"/>
-              <a:t>target </a:t>
-            </a:r>
-            <a:r>
-              <a:rPr lang="en-US" sz="2000"/>
-              <a:t>probability that the </a:t>
-            </a:r>
-            <a:r>
-              <a:rPr lang="en-US" sz="2000" dirty="0" err="1"/>
-              <a:t>i</a:t>
-            </a:r>
-            <a:r>
-              <a:rPr lang="en-US" sz="2000" baseline="-25000" dirty="0" err="1"/>
-              <a:t>th</a:t>
-            </a:r>
-            <a:r>
-              <a:rPr lang="en-US" sz="2000" dirty="0"/>
-              <a:t> instance belongs to class </a:t>
-            </a:r>
-            <a:r>
-              <a:rPr lang="en-US" sz="2000" i="1" dirty="0"/>
-              <a:t>k</a:t>
-            </a:r>
-            <a:r>
-              <a:rPr lang="en-US" sz="2000" dirty="0"/>
-              <a:t>. It is either equal to 1 or 0, depending on whether the instance belongs to the class or not. When (</a:t>
-            </a:r>
-            <a:r>
-              <a:rPr lang="en-US" sz="2000" i="1" dirty="0"/>
-              <a:t>K </a:t>
-            </a:r>
-            <a:r>
-              <a:rPr lang="en-US" sz="2000" dirty="0"/>
-              <a:t>= 2), this cost function is equivalent to the Logistic Regression’s cost function</a:t>
-            </a:r>
-          </a:p>
-        </p:txBody>
-      </p:sp>
-    </p:spTree>
-    <p:extLst>
-      <p:ext uri="{BB962C8B-B14F-4D97-AF65-F5344CB8AC3E}">
-        <p14:creationId xmlns:p14="http://schemas.microsoft.com/office/powerpoint/2010/main" val="264381587"/>
-      </p:ext>
-    </p:extLst>
-  </p:cSld>
-  <p:clrMapOvr>
-    <a:masterClrMapping/>
-  </p:clrMapOvr>
-  <p:timing>
-    <p:tnLst>
-      <p:par>
-        <p:cTn id="1" dur="indefinite" restart="never" nodeType="tmRoot">
-          <p:childTnLst>
-            <p:seq concurrent="1" nextAc="seek">
-              <p:cTn id="2" dur="indefinite" nodeType="mainSeq">
-                <p:childTnLst>
-                  <p:par>
-                    <p:cTn id="3" fill="hold">
-                      <p:stCondLst>
-                        <p:cond delay="indefinite"/>
-                      </p:stCondLst>
-                      <p:childTnLst>
-                        <p:par>
-                          <p:cTn id="4" fill="hold">
-                            <p:stCondLst>
-                              <p:cond delay="0"/>
-                            </p:stCondLst>
-                            <p:childTnLst>
-                              <p:par>
-                                <p:cTn id="5" presetID="1" presetClass="entr" presetSubtype="0" fill="hold" grpId="0" nodeType="clickEffect">
-                                  <p:stCondLst>
-                                    <p:cond delay="0"/>
-                                  </p:stCondLst>
-                                  <p:childTnLst>
-                                    <p:set>
-                                      <p:cBhvr>
-                                        <p:cTn id="6" dur="1" fill="hold">
-                                          <p:stCondLst>
-                                            <p:cond delay="0"/>
-                                          </p:stCondLst>
-                                        </p:cTn>
-                                        <p:tgtEl>
-                                          <p:spTgt spid="96"/>
-                                        </p:tgtEl>
-                                        <p:attrNameLst>
-                                          <p:attrName>style.visibility</p:attrName>
-                                        </p:attrNameLst>
-                                      </p:cBhvr>
-                                      <p:to>
-                                        <p:strVal val="visible"/>
-                                      </p:to>
-                                    </p:set>
-                                  </p:childTnLst>
-                                </p:cTn>
-                              </p:par>
-                            </p:childTnLst>
-                          </p:cTn>
-                        </p:par>
-                      </p:childTnLst>
-                    </p:cTn>
-                  </p:par>
-                  <p:par>
-                    <p:cTn id="7" fill="hold">
-                      <p:stCondLst>
-                        <p:cond delay="indefinite"/>
-                      </p:stCondLst>
-                      <p:childTnLst>
-                        <p:par>
-                          <p:cTn id="8" fill="hold">
-                            <p:stCondLst>
-                              <p:cond delay="0"/>
-                            </p:stCondLst>
-                            <p:childTnLst>
-                              <p:par>
-                                <p:cTn id="9" presetID="1" presetClass="entr" presetSubtype="0" fill="hold" nodeType="clickEffect">
-                                  <p:stCondLst>
-                                    <p:cond delay="0"/>
-                                  </p:stCondLst>
-                                  <p:childTnLst>
-                                    <p:set>
-                                      <p:cBhvr>
-                                        <p:cTn id="10" dur="1" fill="hold">
-                                          <p:stCondLst>
-                                            <p:cond delay="0"/>
-                                          </p:stCondLst>
-                                        </p:cTn>
-                                        <p:tgtEl>
-                                          <p:spTgt spid="96">
-                                            <p:txEl>
-                                              <p:pRg st="0" end="0"/>
-                                            </p:txEl>
-                                          </p:spTgt>
-                                        </p:tgtEl>
-                                        <p:attrNameLst>
-                                          <p:attrName>style.visibility</p:attrName>
-                                        </p:attrNameLst>
-                                      </p:cBhvr>
-                                      <p:to>
-                                        <p:strVal val="visible"/>
-                                      </p:to>
-                                    </p:set>
-                                  </p:childTnLst>
-                                </p:cTn>
-                              </p:par>
-                            </p:childTnLst>
-                          </p:cTn>
-                        </p:par>
-                      </p:childTnLst>
-                    </p:cTn>
-                  </p:par>
-                  <p:par>
-                    <p:cTn id="11" fill="hold">
-                      <p:stCondLst>
-                        <p:cond delay="indefinite"/>
-                      </p:stCondLst>
-                      <p:childTnLst>
-                        <p:par>
-                          <p:cTn id="12" fill="hold">
-                            <p:stCondLst>
-                              <p:cond delay="0"/>
-                            </p:stCondLst>
-                            <p:childTnLst>
-                              <p:par>
-                                <p:cTn id="13" presetID="1" presetClass="entr" presetSubtype="0" fill="hold" nodeType="clickEffect">
-                                  <p:stCondLst>
-                                    <p:cond delay="0"/>
-                                  </p:stCondLst>
-                                  <p:childTnLst>
-                                    <p:set>
-                                      <p:cBhvr>
-                                        <p:cTn id="14" dur="1" fill="hold">
-                                          <p:stCondLst>
-                                            <p:cond delay="0"/>
-                                          </p:stCondLst>
-                                        </p:cTn>
-                                        <p:tgtEl>
-                                          <p:spTgt spid="96">
-                                            <p:txEl>
-                                              <p:pRg st="4" end="4"/>
-                                            </p:txEl>
-                                          </p:spTgt>
-                                        </p:tgtEl>
-                                        <p:attrNameLst>
-                                          <p:attrName>style.visibility</p:attrName>
-                                        </p:attrNameLst>
-                                      </p:cBhvr>
-                                      <p:to>
-                                        <p:strVal val="visible"/>
-                                      </p:to>
-                                    </p:set>
-                                  </p:childTnLst>
-                                </p:cTn>
-                              </p:par>
-                            </p:childTnLst>
-                          </p:cTn>
-                        </p:par>
-                      </p:childTnLst>
-                    </p:cTn>
-                  </p:par>
-                  <p:par>
-                    <p:cTn id="15" fill="hold">
-                      <p:stCondLst>
-                        <p:cond delay="indefinite"/>
-                      </p:stCondLst>
-                      <p:childTnLst>
-                        <p:par>
-                          <p:cTn id="16" fill="hold">
-                            <p:stCondLst>
-                              <p:cond delay="0"/>
-                            </p:stCondLst>
-                            <p:childTnLst>
-                              <p:par>
-                                <p:cTn id="17" presetID="1" presetClass="entr" presetSubtype="0" fill="hold" nodeType="clickEffect">
-                                  <p:stCondLst>
-                                    <p:cond delay="0"/>
-                                  </p:stCondLst>
-                                  <p:childTnLst>
-                                    <p:set>
-                                      <p:cBhvr>
-                                        <p:cTn id="18" dur="1" fill="hold">
-                                          <p:stCondLst>
-                                            <p:cond delay="0"/>
-                                          </p:stCondLst>
-                                        </p:cTn>
-                                        <p:tgtEl>
-                                          <p:spTgt spid="96">
-                                            <p:txEl>
-                                              <p:pRg st="5" end="5"/>
-                                            </p:txEl>
-                                          </p:spTgt>
-                                        </p:tgtEl>
-                                        <p:attrNameLst>
-                                          <p:attrName>style.visibility</p:attrName>
-                                        </p:attrNameLst>
-                                      </p:cBhvr>
-                                      <p:to>
-                                        <p:strVal val="visible"/>
-                                      </p:to>
-                                    </p:set>
-                                  </p:childTnLst>
-                                </p:cTn>
-                              </p:par>
-                            </p:childTnLst>
-                          </p:cTn>
-                        </p:par>
-                      </p:childTnLst>
-                    </p:cTn>
-                  </p:par>
-                </p:childTnLst>
-              </p:cTn>
-              <p:prevCondLst>
-                <p:cond evt="onPrev" delay="0">
-                  <p:tgtEl>
-                    <p:sldTgt/>
-                  </p:tgtEl>
-                </p:cond>
-              </p:prevCondLst>
-              <p:nextCondLst>
-                <p:cond evt="onNext" delay="0">
-                  <p:tgtEl>
-                    <p:sldTgt/>
-                  </p:tgtEl>
-                </p:cond>
-              </p:nextCondLst>
-            </p:seq>
-          </p:childTnLst>
-        </p:cTn>
-      </p:par>
-    </p:tnLst>
-    <p:bldLst>
-      <p:bldP spid="96" grpId="0"/>
-    </p:bldLst>
-  </p:timing>
-</p:sld>
-</file>
-
-<file path=ppt/slides/slide23.xml><?xml version="1.0" encoding="utf-8"?>
-<p:sld xmlns:a="http://schemas.openxmlformats.org/drawingml/2006/main" xmlns:r="http://schemas.openxmlformats.org/officeDocument/2006/relationships" xmlns:p="http://schemas.openxmlformats.org/presentationml/2006/main">
-  <p:cSld>
-    <p:spTree>
-      <p:nvGrpSpPr>
-        <p:cNvPr id="1" name="Shape 94"/>
-        <p:cNvGrpSpPr/>
-        <p:nvPr/>
-      </p:nvGrpSpPr>
-      <p:grpSpPr>
-        <a:xfrm>
-          <a:off x="0" y="0"/>
-          <a:ext cx="0" cy="0"/>
-          <a:chOff x="0" y="0"/>
-          <a:chExt cx="0" cy="0"/>
-        </a:xfrm>
-      </p:grpSpPr>
-      <p:sp>
-        <p:nvSpPr>
-          <p:cNvPr id="95" name="Google Shape;95;p14"/>
-          <p:cNvSpPr txBox="1">
-            <a:spLocks noGrp="1"/>
-          </p:cNvSpPr>
-          <p:nvPr>
-            <p:ph type="title" idx="4294967295"/>
-          </p:nvPr>
-        </p:nvSpPr>
-        <p:spPr>
-          <a:xfrm>
-            <a:off x="717173" y="696913"/>
-            <a:ext cx="10972800" cy="506789"/>
-          </a:xfrm>
-          <a:prstGeom prst="rect">
-            <a:avLst/>
-          </a:prstGeom>
-        </p:spPr>
-        <p:txBody>
-          <a:bodyPr spcFirstLastPara="1" wrap="square" lIns="121900" tIns="121900" rIns="121900" bIns="121900" anchor="ctr" anchorCtr="0">
-            <a:noAutofit/>
-          </a:bodyPr>
-          <a:lstStyle/>
-          <a:p>
-            <a:r>
-              <a:rPr lang="en-US" sz="4000" b="1" dirty="0">
-                <a:solidFill>
-                  <a:srgbClr val="E46102"/>
-                </a:solidFill>
-              </a:rPr>
-              <a:t>Softmax Regression</a:t>
-            </a:r>
-            <a:endParaRPr sz="4000" b="1" dirty="0">
-              <a:solidFill>
-                <a:srgbClr val="E46102"/>
-              </a:solidFill>
-            </a:endParaRPr>
-          </a:p>
-        </p:txBody>
-      </p:sp>
-      <p:sp>
-        <p:nvSpPr>
-          <p:cNvPr id="96" name="Google Shape;96;p14"/>
-          <p:cNvSpPr txBox="1"/>
-          <p:nvPr/>
-        </p:nvSpPr>
-        <p:spPr>
-          <a:xfrm>
-            <a:off x="521776" y="1382233"/>
             <a:ext cx="11277600" cy="4176000"/>
           </a:xfrm>
           <a:prstGeom prst="rect">
@@ -13668,133 +10369,6 @@
   <p:clrMapOvr>
     <a:masterClrMapping/>
   </p:clrMapOvr>
-  <p:timing>
-    <p:tnLst>
-      <p:par>
-        <p:cTn id="1" dur="indefinite" restart="never" nodeType="tmRoot">
-          <p:childTnLst>
-            <p:seq concurrent="1" nextAc="seek">
-              <p:cTn id="2" dur="indefinite" nodeType="mainSeq">
-                <p:childTnLst>
-                  <p:par>
-                    <p:cTn id="3" fill="hold">
-                      <p:stCondLst>
-                        <p:cond delay="indefinite"/>
-                      </p:stCondLst>
-                      <p:childTnLst>
-                        <p:par>
-                          <p:cTn id="4" fill="hold">
-                            <p:stCondLst>
-                              <p:cond delay="0"/>
-                            </p:stCondLst>
-                            <p:childTnLst>
-                              <p:par>
-                                <p:cTn id="5" presetID="1" presetClass="entr" presetSubtype="0" fill="hold" grpId="0" nodeType="clickEffect">
-                                  <p:stCondLst>
-                                    <p:cond delay="0"/>
-                                  </p:stCondLst>
-                                  <p:childTnLst>
-                                    <p:set>
-                                      <p:cBhvr>
-                                        <p:cTn id="6" dur="1" fill="hold">
-                                          <p:stCondLst>
-                                            <p:cond delay="0"/>
-                                          </p:stCondLst>
-                                        </p:cTn>
-                                        <p:tgtEl>
-                                          <p:spTgt spid="96"/>
-                                        </p:tgtEl>
-                                        <p:attrNameLst>
-                                          <p:attrName>style.visibility</p:attrName>
-                                        </p:attrNameLst>
-                                      </p:cBhvr>
-                                      <p:to>
-                                        <p:strVal val="visible"/>
-                                      </p:to>
-                                    </p:set>
-                                  </p:childTnLst>
-                                </p:cTn>
-                              </p:par>
-                            </p:childTnLst>
-                          </p:cTn>
-                        </p:par>
-                      </p:childTnLst>
-                    </p:cTn>
-                  </p:par>
-                  <p:par>
-                    <p:cTn id="7" fill="hold">
-                      <p:stCondLst>
-                        <p:cond delay="indefinite"/>
-                      </p:stCondLst>
-                      <p:childTnLst>
-                        <p:par>
-                          <p:cTn id="8" fill="hold">
-                            <p:stCondLst>
-                              <p:cond delay="0"/>
-                            </p:stCondLst>
-                            <p:childTnLst>
-                              <p:par>
-                                <p:cTn id="9" presetID="1" presetClass="entr" presetSubtype="0" fill="hold" nodeType="clickEffect">
-                                  <p:stCondLst>
-                                    <p:cond delay="0"/>
-                                  </p:stCondLst>
-                                  <p:childTnLst>
-                                    <p:set>
-                                      <p:cBhvr>
-                                        <p:cTn id="10" dur="1" fill="hold">
-                                          <p:stCondLst>
-                                            <p:cond delay="0"/>
-                                          </p:stCondLst>
-                                        </p:cTn>
-                                        <p:tgtEl>
-                                          <p:spTgt spid="96">
-                                            <p:txEl>
-                                              <p:pRg st="0" end="0"/>
-                                            </p:txEl>
-                                          </p:spTgt>
-                                        </p:tgtEl>
-                                        <p:attrNameLst>
-                                          <p:attrName>style.visibility</p:attrName>
-                                        </p:attrNameLst>
-                                      </p:cBhvr>
-                                      <p:to>
-                                        <p:strVal val="visible"/>
-                                      </p:to>
-                                    </p:set>
-                                  </p:childTnLst>
-                                </p:cTn>
-                              </p:par>
-                            </p:childTnLst>
-                          </p:cTn>
-                        </p:par>
-                      </p:childTnLst>
-                    </p:cTn>
-                  </p:par>
-                </p:childTnLst>
-              </p:cTn>
-              <p:prevCondLst>
-                <p:cond evt="onPrev" delay="0">
-                  <p:tgtEl>
-                    <p:sldTgt/>
-                  </p:tgtEl>
-                </p:cond>
-              </p:prevCondLst>
-              <p:nextCondLst>
-                <p:cond evt="onNext" delay="0">
-                  <p:tgtEl>
-                    <p:sldTgt/>
-                  </p:tgtEl>
-                </p:cond>
-              </p:nextCondLst>
-            </p:seq>
-          </p:childTnLst>
-        </p:cTn>
-      </p:par>
-    </p:tnLst>
-    <p:bldLst>
-      <p:bldP spid="96" grpId="0"/>
-    </p:bldLst>
-  </p:timing>
 </p:sld>
 </file>
 

--- a/Syllabus/Lecture05/Lec05.pptx
+++ b/Syllabus/Lecture05/Lec05.pptx
@@ -277,7 +277,7 @@
           <a:p>
             <a:fld id="{DF9C6931-D0F6-AB40-9D7F-95567148A5C2}" type="datetimeFigureOut">
               <a:rPr lang="en-US" smtClean="0"/>
-              <a:t>9/7/22</a:t>
+              <a:t>9/13/22</a:t>
             </a:fld>
             <a:endParaRPr lang="en-US"/>
           </a:p>
@@ -454,7 +454,7 @@
           <a:p>
             <a:fld id="{736C18F2-6801-5147-A332-A6E1C7D69D18}" type="datetimeFigureOut">
               <a:rPr lang="en-US" smtClean="0"/>
-              <a:t>9/7/22</a:t>
+              <a:t>9/13/22</a:t>
             </a:fld>
             <a:endParaRPr lang="en-US"/>
           </a:p>
